--- a/年中述职材料模板-职员.pptx
+++ b/年中述职材料模板-职员.pptx
@@ -13,11 +13,10 @@
     <p:sldId id="259" r:id="rId7"/>
     <p:sldId id="266" r:id="rId8"/>
     <p:sldId id="267" r:id="rId9"/>
-    <p:sldId id="268" r:id="rId10"/>
-    <p:sldId id="260" r:id="rId11"/>
-    <p:sldId id="269" r:id="rId12"/>
-    <p:sldId id="270" r:id="rId13"/>
-    <p:sldId id="261" r:id="rId14"/>
+    <p:sldId id="260" r:id="rId10"/>
+    <p:sldId id="269" r:id="rId11"/>
+    <p:sldId id="270" r:id="rId12"/>
+    <p:sldId id="261" r:id="rId13"/>
   </p:sldIdLst>
   <p:sldSz cx="12192000" cy="6858000"/>
   <p:notesSz cx="6858000" cy="9144000"/>
@@ -253,7 +252,7 @@
           <a:p>
             <a:fld id="{87CFF96D-36EC-4BA8-8CFC-9DB34F745194}" type="datetimeFigureOut">
               <a:rPr lang="zh-CN" altLang="en-US" smtClean="0"/>
-              <a:t>2024/7/29</a:t>
+              <a:t>2024/7/30</a:t>
             </a:fld>
             <a:endParaRPr lang="zh-CN" altLang="en-US"/>
           </a:p>
@@ -421,7 +420,7 @@
           <a:p>
             <a:fld id="{87CFF96D-36EC-4BA8-8CFC-9DB34F745194}" type="datetimeFigureOut">
               <a:rPr lang="zh-CN" altLang="en-US" smtClean="0"/>
-              <a:t>2024/7/29</a:t>
+              <a:t>2024/7/30</a:t>
             </a:fld>
             <a:endParaRPr lang="zh-CN" altLang="en-US"/>
           </a:p>
@@ -599,7 +598,7 @@
           <a:p>
             <a:fld id="{87CFF96D-36EC-4BA8-8CFC-9DB34F745194}" type="datetimeFigureOut">
               <a:rPr lang="zh-CN" altLang="en-US" smtClean="0"/>
-              <a:t>2024/7/29</a:t>
+              <a:t>2024/7/30</a:t>
             </a:fld>
             <a:endParaRPr lang="zh-CN" altLang="en-US"/>
           </a:p>
@@ -767,7 +766,7 @@
           <a:p>
             <a:fld id="{E17D9E97-4617-4F96-A702-6A4CC950AC50}" type="datetimeFigureOut">
               <a:rPr lang="zh-CN" altLang="en-US" smtClean="0"/>
-              <a:t>2024/7/29</a:t>
+              <a:t>2024/7/30</a:t>
             </a:fld>
             <a:endParaRPr lang="zh-CN" altLang="en-US"/>
           </a:p>
@@ -929,7 +928,7 @@
           <a:p>
             <a:fld id="{87CFF96D-36EC-4BA8-8CFC-9DB34F745194}" type="datetimeFigureOut">
               <a:rPr lang="zh-CN" altLang="en-US" smtClean="0"/>
-              <a:t>2024/7/29</a:t>
+              <a:t>2024/7/30</a:t>
             </a:fld>
             <a:endParaRPr lang="zh-CN" altLang="en-US"/>
           </a:p>
@@ -1187,7 +1186,7 @@
           <a:p>
             <a:fld id="{87CFF96D-36EC-4BA8-8CFC-9DB34F745194}" type="datetimeFigureOut">
               <a:rPr lang="zh-CN" altLang="en-US" smtClean="0"/>
-              <a:t>2024/7/29</a:t>
+              <a:t>2024/7/30</a:t>
             </a:fld>
             <a:endParaRPr lang="zh-CN" altLang="en-US"/>
           </a:p>
@@ -1662,7 +1661,7 @@
           <a:p>
             <a:fld id="{87CFF96D-36EC-4BA8-8CFC-9DB34F745194}" type="datetimeFigureOut">
               <a:rPr lang="zh-CN" altLang="en-US" smtClean="0"/>
-              <a:t>2024/7/29</a:t>
+              <a:t>2024/7/30</a:t>
             </a:fld>
             <a:endParaRPr lang="zh-CN" altLang="en-US"/>
           </a:p>
@@ -2026,7 +2025,7 @@
           <a:p>
             <a:fld id="{87CFF96D-36EC-4BA8-8CFC-9DB34F745194}" type="datetimeFigureOut">
               <a:rPr lang="zh-CN" altLang="en-US" smtClean="0"/>
-              <a:t>2024/7/29</a:t>
+              <a:t>2024/7/30</a:t>
             </a:fld>
             <a:endParaRPr lang="zh-CN" altLang="en-US"/>
           </a:p>
@@ -2121,7 +2120,7 @@
           <a:p>
             <a:fld id="{87CFF96D-36EC-4BA8-8CFC-9DB34F745194}" type="datetimeFigureOut">
               <a:rPr lang="zh-CN" altLang="en-US" smtClean="0"/>
-              <a:t>2024/7/29</a:t>
+              <a:t>2024/7/30</a:t>
             </a:fld>
             <a:endParaRPr lang="zh-CN" altLang="en-US"/>
           </a:p>
@@ -2342,7 +2341,7 @@
           <a:p>
             <a:fld id="{87CFF96D-36EC-4BA8-8CFC-9DB34F745194}" type="datetimeFigureOut">
               <a:rPr lang="zh-CN" altLang="en-US" smtClean="0"/>
-              <a:t>2024/7/29</a:t>
+              <a:t>2024/7/30</a:t>
             </a:fld>
             <a:endParaRPr lang="zh-CN" altLang="en-US"/>
           </a:p>
@@ -2743,7 +2742,7 @@
           <a:p>
             <a:fld id="{87CFF96D-36EC-4BA8-8CFC-9DB34F745194}" type="datetimeFigureOut">
               <a:rPr lang="zh-CN" altLang="en-US" smtClean="0"/>
-              <a:t>2024/7/29</a:t>
+              <a:t>2024/7/30</a:t>
             </a:fld>
             <a:endParaRPr lang="zh-CN" altLang="en-US"/>
           </a:p>
@@ -2998,7 +2997,7 @@
           <a:p>
             <a:fld id="{87CFF96D-36EC-4BA8-8CFC-9DB34F745194}" type="datetimeFigureOut">
               <a:rPr lang="zh-CN" altLang="en-US" smtClean="0"/>
-              <a:t>2024/7/29</a:t>
+              <a:t>2024/7/30</a:t>
             </a:fld>
             <a:endParaRPr lang="zh-CN" altLang="en-US"/>
           </a:p>
@@ -3209,7 +3208,7 @@
           <a:p>
             <a:fld id="{87CFF96D-36EC-4BA8-8CFC-9DB34F745194}" type="datetimeFigureOut">
               <a:rPr lang="zh-CN" altLang="en-US" smtClean="0"/>
-              <a:t>2024/7/29</a:t>
+              <a:t>2024/7/30</a:t>
             </a:fld>
             <a:endParaRPr lang="zh-CN" altLang="en-US"/>
           </a:p>
@@ -3979,7 +3978,7 @@
     </p:spTree>
     <p:extLst>
       <p:ext uri="{BB962C8B-B14F-4D97-AF65-F5344CB8AC3E}">
-        <p14:creationId xmlns:p14="http://schemas.microsoft.com/office/powerpoint/2010/main" val="2405413269"/>
+        <p14:creationId xmlns:p14="http://schemas.microsoft.com/office/powerpoint/2010/main" val="674959190"/>
       </p:ext>
     </p:extLst>
   </p:cSld>
@@ -4031,7 +4030,7 @@
     </p:spTree>
     <p:extLst>
       <p:ext uri="{BB962C8B-B14F-4D97-AF65-F5344CB8AC3E}">
-        <p14:creationId xmlns:p14="http://schemas.microsoft.com/office/powerpoint/2010/main" val="674959190"/>
+        <p14:creationId xmlns:p14="http://schemas.microsoft.com/office/powerpoint/2010/main" val="2443427711"/>
       </p:ext>
     </p:extLst>
   </p:cSld>
@@ -4042,58 +4041,6 @@
 </file>
 
 <file path=ppt/slides/slide12.xml><?xml version="1.0" encoding="utf-8"?>
-<p:sld xmlns:a="http://schemas.openxmlformats.org/drawingml/2006/main" xmlns:r="http://schemas.openxmlformats.org/officeDocument/2006/relationships" xmlns:p="http://schemas.openxmlformats.org/presentationml/2006/main">
-  <p:cSld>
-    <p:spTree>
-      <p:nvGrpSpPr>
-        <p:cNvPr id="1" name=""/>
-        <p:cNvGrpSpPr/>
-        <p:nvPr/>
-      </p:nvGrpSpPr>
-      <p:grpSpPr>
-        <a:xfrm>
-          <a:off x="0" y="0"/>
-          <a:ext cx="0" cy="0"/>
-          <a:chOff x="0" y="0"/>
-          <a:chExt cx="0" cy="0"/>
-        </a:xfrm>
-      </p:grpSpPr>
-      <p:sp>
-        <p:nvSpPr>
-          <p:cNvPr id="2" name="标题 1"/>
-          <p:cNvSpPr>
-            <a:spLocks noGrp="1"/>
-          </p:cNvSpPr>
-          <p:nvPr>
-            <p:ph type="title"/>
-          </p:nvPr>
-        </p:nvSpPr>
-        <p:spPr/>
-        <p:txBody>
-          <a:bodyPr/>
-          <a:lstStyle/>
-          <a:p>
-            <a:r>
-              <a:rPr lang="zh-CN" altLang="en-US" dirty="0"/>
-              <a:t>下半年工作计划</a:t>
-            </a:r>
-          </a:p>
-        </p:txBody>
-      </p:sp>
-    </p:spTree>
-    <p:extLst>
-      <p:ext uri="{BB962C8B-B14F-4D97-AF65-F5344CB8AC3E}">
-        <p14:creationId xmlns:p14="http://schemas.microsoft.com/office/powerpoint/2010/main" val="2443427711"/>
-      </p:ext>
-    </p:extLst>
-  </p:cSld>
-  <p:clrMapOvr>
-    <a:masterClrMapping/>
-  </p:clrMapOvr>
-</p:sld>
-</file>
-
-<file path=ppt/slides/slide13.xml><?xml version="1.0" encoding="utf-8"?>
 <p:sld xmlns:a="http://schemas.openxmlformats.org/drawingml/2006/main" xmlns:r="http://schemas.openxmlformats.org/officeDocument/2006/relationships" xmlns:p="http://schemas.openxmlformats.org/presentationml/2006/main">
   <p:cSld>
     <p:spTree>
@@ -12016,7 +11963,7 @@
         <p:spPr>
           <a:xfrm>
             <a:off x="8129401" y="2513910"/>
-            <a:ext cx="2899249" cy="1675330"/>
+            <a:ext cx="2899249" cy="1384995"/>
           </a:xfrm>
           <a:prstGeom prst="rect">
             <a:avLst/>
@@ -12070,7 +12017,21 @@
                 <a:cs typeface="+mn-ea"/>
                 <a:sym typeface="+mn-lt"/>
               </a:rPr>
-              <a:t>、需求不够严谨，较为随意且变更频繁，存在完成的需求又回档的情况</a:t>
+              <a:t>、需求不够严谨</a:t>
+            </a:r>
+            <a:r>
+              <a:rPr lang="zh-CN" altLang="en-US" sz="1400" dirty="0" smtClean="0">
+                <a:cs typeface="+mn-ea"/>
+                <a:sym typeface="+mn-lt"/>
+              </a:rPr>
+              <a:t>，变更</a:t>
+            </a:r>
+            <a:r>
+              <a:rPr lang="zh-CN" altLang="en-US" sz="1400" dirty="0">
+                <a:cs typeface="+mn-ea"/>
+                <a:sym typeface="+mn-lt"/>
+              </a:rPr>
+              <a:t>频繁，存在完成的需求又回档的情况</a:t>
             </a:r>
           </a:p>
         </p:txBody>
@@ -12140,7 +12101,7 @@
         <p:spPr>
           <a:xfrm>
             <a:off x="8241682" y="4822771"/>
-            <a:ext cx="2687619" cy="1029000"/>
+            <a:ext cx="2687619" cy="1061829"/>
           </a:xfrm>
           <a:prstGeom prst="rect">
             <a:avLst/>
@@ -12152,7 +12113,7 @@
           </a:bodyPr>
           <a:lstStyle/>
           <a:p>
-            <a:pPr algn="ctr" defTabSz="914400">
+            <a:pPr>
               <a:lnSpc>
                 <a:spcPct val="150000"/>
               </a:lnSpc>
@@ -12162,8 +12123,33 @@
                 <a:cs typeface="+mn-ea"/>
                 <a:sym typeface="+mn-lt"/>
               </a:rPr>
-              <a:t>这半年除了做好应当承担的工作外，其他方面如技能、业务都未得到进一步提升</a:t>
+              <a:t>在</a:t>
             </a:r>
+            <a:r>
+              <a:rPr lang="zh-CN" altLang="en-US" sz="1400" dirty="0" smtClean="0">
+                <a:cs typeface="+mn-ea"/>
+                <a:sym typeface="+mn-lt"/>
+              </a:rPr>
+              <a:t>跨组协作</a:t>
+            </a:r>
+            <a:r>
+              <a:rPr lang="zh-CN" altLang="en-US" sz="1400" dirty="0">
+                <a:cs typeface="+mn-ea"/>
+                <a:sym typeface="+mn-lt"/>
+              </a:rPr>
+              <a:t>项目中，有时沟通不够及时，导致信息不对称和</a:t>
+            </a:r>
+            <a:r>
+              <a:rPr lang="zh-CN" altLang="en-US" sz="1400" dirty="0" smtClean="0">
+                <a:cs typeface="+mn-ea"/>
+                <a:sym typeface="+mn-lt"/>
+              </a:rPr>
+              <a:t>误解，使开发工作没有及时交付</a:t>
+            </a:r>
+            <a:endParaRPr lang="zh-CN" altLang="en-US" sz="1400" dirty="0">
+              <a:cs typeface="+mn-ea"/>
+              <a:sym typeface="+mn-lt"/>
+            </a:endParaRPr>
           </a:p>
         </p:txBody>
       </p:sp>
@@ -12181,8 +12167,8 @@
         </p:nvSpPr>
         <p:spPr>
           <a:xfrm>
-            <a:off x="7947754" y="4250960"/>
-            <a:ext cx="3124200" cy="461665"/>
+            <a:off x="7876428" y="3898905"/>
+            <a:ext cx="3124200" cy="830997"/>
           </a:xfrm>
           <a:prstGeom prst="rect">
             <a:avLst/>
@@ -12206,14 +12192,75 @@
               <a:t>4</a:t>
             </a:r>
             <a:r>
-              <a:rPr lang="zh-CN" altLang="en-US" sz="2400" b="1" dirty="0">
+              <a:rPr lang="zh-CN" altLang="en-US" sz="2400" b="1" dirty="0" smtClean="0">
                 <a:latin typeface="思源黑体 CN Medium" panose="020B0600000000000000" pitchFamily="34" charset="-122"/>
                 <a:ea typeface="思源黑体 CN Medium" panose="020B0600000000000000" pitchFamily="34" charset="-122"/>
                 <a:cs typeface="+mn-ea"/>
                 <a:sym typeface="+mn-lt"/>
               </a:rPr>
-              <a:t>、缺乏进步与提升</a:t>
+              <a:t>、沟通与协作能力需要提升</a:t>
             </a:r>
+            <a:endParaRPr lang="zh-CN" altLang="en-US" sz="2400" b="1" dirty="0">
+              <a:latin typeface="思源黑体 CN Medium" panose="020B0600000000000000" pitchFamily="34" charset="-122"/>
+              <a:ea typeface="思源黑体 CN Medium" panose="020B0600000000000000" pitchFamily="34" charset="-122"/>
+              <a:cs typeface="+mn-ea"/>
+              <a:sym typeface="+mn-lt"/>
+            </a:endParaRPr>
+          </a:p>
+        </p:txBody>
+      </p:sp>
+      <p:sp>
+        <p:nvSpPr>
+          <p:cNvPr id="3" name="矩形 2"/>
+          <p:cNvSpPr/>
+          <p:nvPr/>
+        </p:nvSpPr>
+        <p:spPr>
+          <a:xfrm>
+            <a:off x="5352733" y="1367135"/>
+            <a:ext cx="1569660" cy="923330"/>
+          </a:xfrm>
+          <a:prstGeom prst="rect">
+            <a:avLst/>
+          </a:prstGeom>
+          <a:noFill/>
+        </p:spPr>
+        <p:txBody>
+          <a:bodyPr wrap="none" lIns="91440" tIns="45720" rIns="91440" bIns="45720">
+            <a:spAutoFit/>
+          </a:bodyPr>
+          <a:lstStyle/>
+          <a:p>
+            <a:pPr algn="ctr"/>
+            <a:r>
+              <a:rPr lang="zh-CN" altLang="en-US" sz="5400" b="0" cap="none" spc="0" dirty="0" smtClean="0">
+                <a:ln w="0"/>
+                <a:solidFill>
+                  <a:schemeClr val="tx1"/>
+                </a:solidFill>
+                <a:effectLst>
+                  <a:outerShdw blurRad="38100" dist="19050" dir="2700000" algn="tl" rotWithShape="0">
+                    <a:schemeClr val="dk1">
+                      <a:alpha val="40000"/>
+                    </a:schemeClr>
+                  </a:outerShdw>
+                </a:effectLst>
+              </a:rPr>
+              <a:t>问题</a:t>
+            </a:r>
+            <a:endParaRPr lang="zh-CN" altLang="en-US" sz="5400" b="0" cap="none" spc="0" dirty="0">
+              <a:ln w="0"/>
+              <a:solidFill>
+                <a:schemeClr val="tx1"/>
+              </a:solidFill>
+              <a:effectLst>
+                <a:outerShdw blurRad="38100" dist="19050" dir="2700000" algn="tl" rotWithShape="0">
+                  <a:schemeClr val="dk1">
+                    <a:alpha val="40000"/>
+                  </a:schemeClr>
+                </a:outerShdw>
+              </a:effectLst>
+            </a:endParaRPr>
           </a:p>
         </p:txBody>
       </p:sp>
@@ -17484,6 +17531,61 @@
           </a:custGeom>
         </p:spPr>
       </p:pic>
+      <p:sp>
+        <p:nvSpPr>
+          <p:cNvPr id="3" name="矩形 2"/>
+          <p:cNvSpPr/>
+          <p:nvPr/>
+        </p:nvSpPr>
+        <p:spPr>
+          <a:xfrm>
+            <a:off x="97315" y="860219"/>
+            <a:ext cx="3079821" cy="923330"/>
+          </a:xfrm>
+          <a:prstGeom prst="rect">
+            <a:avLst/>
+          </a:prstGeom>
+          <a:noFill/>
+        </p:spPr>
+        <p:txBody>
+          <a:bodyPr wrap="square" lIns="91440" tIns="45720" rIns="91440" bIns="45720">
+            <a:spAutoFit/>
+          </a:bodyPr>
+          <a:lstStyle/>
+          <a:p>
+            <a:pPr algn="ctr"/>
+            <a:r>
+              <a:rPr lang="zh-CN" altLang="en-US" sz="5400" b="0" cap="none" spc="0" dirty="0" smtClean="0">
+                <a:ln w="0"/>
+                <a:solidFill>
+                  <a:schemeClr val="tx1"/>
+                </a:solidFill>
+                <a:effectLst>
+                  <a:outerShdw blurRad="38100" dist="19050" dir="2700000" algn="tl" rotWithShape="0">
+                    <a:schemeClr val="dk1">
+                      <a:alpha val="40000"/>
+                    </a:schemeClr>
+                  </a:outerShdw>
+                </a:effectLst>
+              </a:rPr>
+              <a:t>个人亮点</a:t>
+            </a:r>
+            <a:endParaRPr lang="zh-CN" altLang="en-US" sz="5400" b="0" cap="none" spc="0" dirty="0">
+              <a:ln w="0"/>
+              <a:solidFill>
+                <a:schemeClr val="tx1"/>
+              </a:solidFill>
+              <a:effectLst>
+                <a:outerShdw blurRad="38100" dist="19050" dir="2700000" algn="tl" rotWithShape="0">
+                  <a:schemeClr val="dk1">
+                    <a:alpha val="40000"/>
+                  </a:schemeClr>
+                </a:outerShdw>
+              </a:effectLst>
+            </a:endParaRPr>
+          </a:p>
+        </p:txBody>
+      </p:sp>
     </p:spTree>
     <p:extLst>
       <p:ext uri="{BB962C8B-B14F-4D97-AF65-F5344CB8AC3E}">
@@ -18009,6 +18111,2732 @@
           </a:p>
         </p:txBody>
       </p:sp>
+      <p:cxnSp>
+        <p:nvCxnSpPr>
+          <p:cNvPr id="4" name="直接连接符 3">
+            <a:extLst>
+              <a:ext uri="{FF2B5EF4-FFF2-40B4-BE49-F238E27FC236}">
+                <a16:creationId xmlns:a16="http://schemas.microsoft.com/office/drawing/2014/main" id="{FA37CBCA-9ADF-0A44-337D-8F3A5D909A5D}"/>
+              </a:ext>
+            </a:extLst>
+          </p:cNvPr>
+          <p:cNvCxnSpPr>
+            <a:cxnSpLocks/>
+            <a:stCxn id="17" idx="6"/>
+            <a:endCxn id="7" idx="2"/>
+          </p:cNvCxnSpPr>
+          <p:nvPr/>
+        </p:nvCxnSpPr>
+        <p:spPr>
+          <a:xfrm>
+            <a:off x="1733520" y="2650409"/>
+            <a:ext cx="8643879" cy="166112"/>
+          </a:xfrm>
+          <a:prstGeom prst="line">
+            <a:avLst/>
+          </a:prstGeom>
+          <a:noFill/>
+          <a:ln w="19050" cap="flat" cmpd="sng" algn="ctr">
+            <a:solidFill>
+              <a:sysClr val="window" lastClr="FFFFFF">
+                <a:lumMod val="65000"/>
+              </a:sysClr>
+            </a:solidFill>
+            <a:prstDash val="dash"/>
+            <a:miter lim="800000"/>
+            <a:headEnd type="oval"/>
+            <a:tailEnd type="oval"/>
+          </a:ln>
+          <a:effectLst/>
+        </p:spPr>
+      </p:cxnSp>
+      <p:sp>
+        <p:nvSpPr>
+          <p:cNvPr id="5" name="îṧḻídê">
+            <a:extLst>
+              <a:ext uri="{FF2B5EF4-FFF2-40B4-BE49-F238E27FC236}">
+                <a16:creationId xmlns:a16="http://schemas.microsoft.com/office/drawing/2014/main" id="{E0A92939-8D0D-0104-E2D2-1D71ABE343C2}"/>
+              </a:ext>
+            </a:extLst>
+          </p:cNvPr>
+          <p:cNvSpPr/>
+          <p:nvPr/>
+        </p:nvSpPr>
+        <p:spPr>
+          <a:xfrm>
+            <a:off x="5232396" y="2021983"/>
+            <a:ext cx="1727208" cy="1164659"/>
+          </a:xfrm>
+          <a:prstGeom prst="rect">
+            <a:avLst/>
+          </a:prstGeom>
+          <a:solidFill>
+            <a:srgbClr val="002C4F"/>
+          </a:solidFill>
+          <a:ln w="57150" cap="flat" cmpd="sng" algn="ctr">
+            <a:noFill/>
+            <a:prstDash val="solid"/>
+            <a:miter lim="800000"/>
+          </a:ln>
+          <a:effectLst/>
+        </p:spPr>
+        <p:txBody>
+          <a:bodyPr rot="0" spcFirstLastPara="0" vert="horz" wrap="square" lIns="91440" tIns="45720" rIns="91440" bIns="45720" numCol="1" spcCol="0" rtlCol="0" fromWordArt="0" anchor="ctr" anchorCtr="0" forceAA="0" compatLnSpc="1">
+            <a:prstTxWarp prst="textNoShape">
+              <a:avLst/>
+            </a:prstTxWarp>
+            <a:noAutofit/>
+          </a:bodyPr>
+          <a:lstStyle/>
+          <a:p>
+            <a:pPr marL="0" marR="0" lvl="0" indent="0" algn="ctr" defTabSz="914400" eaLnBrk="1" fontAlgn="auto" latinLnBrk="0" hangingPunct="1">
+              <a:lnSpc>
+                <a:spcPct val="120000"/>
+              </a:lnSpc>
+              <a:spcBef>
+                <a:spcPts val="0"/>
+              </a:spcBef>
+              <a:spcAft>
+                <a:spcPts val="0"/>
+              </a:spcAft>
+              <a:buClrTx/>
+              <a:buSzTx/>
+              <a:buFontTx/>
+              <a:buNone/>
+              <a:tabLst/>
+              <a:defRPr/>
+            </a:pPr>
+            <a:r>
+              <a:rPr kumimoji="0" lang="zh-CN" altLang="en-US" sz="2800" i="0" u="none" strike="noStrike" kern="0" cap="none" spc="0" normalizeH="0" baseline="0" noProof="0" dirty="0" smtClean="0">
+                <a:ln>
+                  <a:noFill/>
+                </a:ln>
+                <a:solidFill>
+                  <a:prstClr val="white"/>
+                </a:solidFill>
+                <a:effectLst/>
+                <a:uLnTx/>
+                <a:uFillTx/>
+                <a:latin typeface="思源黑体 CN Medium" panose="020B0600000000000000" pitchFamily="34" charset="-122"/>
+                <a:ea typeface="思源黑体 CN Medium" panose="020B0600000000000000" pitchFamily="34" charset="-122"/>
+              </a:rPr>
+              <a:t>个人价值</a:t>
+            </a:r>
+            <a:endParaRPr kumimoji="0" lang="zh-CN" altLang="en-US" sz="2800" i="0" u="none" strike="noStrike" kern="0" cap="none" spc="0" normalizeH="0" baseline="0" noProof="0" dirty="0">
+              <a:ln>
+                <a:noFill/>
+              </a:ln>
+              <a:solidFill>
+                <a:prstClr val="white"/>
+              </a:solidFill>
+              <a:effectLst/>
+              <a:uLnTx/>
+              <a:uFillTx/>
+              <a:latin typeface="思源黑体 CN Medium" panose="020B0600000000000000" pitchFamily="34" charset="-122"/>
+              <a:ea typeface="思源黑体 CN Medium" panose="020B0600000000000000" pitchFamily="34" charset="-122"/>
+            </a:endParaRPr>
+          </a:p>
+        </p:txBody>
+      </p:sp>
+      <p:grpSp>
+        <p:nvGrpSpPr>
+          <p:cNvPr id="6" name="组合 5">
+            <a:extLst>
+              <a:ext uri="{FF2B5EF4-FFF2-40B4-BE49-F238E27FC236}">
+                <a16:creationId xmlns:a16="http://schemas.microsoft.com/office/drawing/2014/main" id="{363929B5-E12F-4CA1-B973-F4F95F30F20C}"/>
+              </a:ext>
+            </a:extLst>
+          </p:cNvPr>
+          <p:cNvGrpSpPr/>
+          <p:nvPr/>
+        </p:nvGrpSpPr>
+        <p:grpSpPr>
+          <a:xfrm>
+            <a:off x="6857181" y="2280288"/>
+            <a:ext cx="4592688" cy="2580057"/>
+            <a:chOff x="6874701" y="2114176"/>
+            <a:chExt cx="4592688" cy="2037179"/>
+          </a:xfrm>
+        </p:grpSpPr>
+        <p:sp>
+          <p:nvSpPr>
+            <p:cNvPr id="7" name="îṥļíḋê">
+              <a:extLst>
+                <a:ext uri="{FF2B5EF4-FFF2-40B4-BE49-F238E27FC236}">
+                  <a16:creationId xmlns:a16="http://schemas.microsoft.com/office/drawing/2014/main" id="{AC0B0AFD-9048-4863-2E19-DDCF00C02542}"/>
+                </a:ext>
+              </a:extLst>
+            </p:cNvPr>
+            <p:cNvSpPr/>
+            <p:nvPr/>
+          </p:nvSpPr>
+          <p:spPr>
+            <a:xfrm>
+              <a:off x="10394919" y="2114176"/>
+              <a:ext cx="1072470" cy="846805"/>
+            </a:xfrm>
+            <a:prstGeom prst="ellipse">
+              <a:avLst/>
+            </a:prstGeom>
+            <a:solidFill>
+              <a:sysClr val="window" lastClr="FFFFFF"/>
+            </a:solidFill>
+            <a:ln w="25400" cap="flat" cmpd="sng" algn="ctr">
+              <a:solidFill>
+                <a:srgbClr val="002C4F"/>
+              </a:solidFill>
+              <a:prstDash val="solid"/>
+              <a:miter lim="800000"/>
+            </a:ln>
+            <a:effectLst/>
+          </p:spPr>
+          <p:txBody>
+            <a:bodyPr wrap="square" lIns="91440" tIns="45720" rIns="91440" bIns="45720" anchor="ctr">
+              <a:normAutofit/>
+            </a:bodyPr>
+            <a:lstStyle/>
+            <a:p>
+              <a:pPr marL="0" marR="0" lvl="0" indent="0" algn="ctr" defTabSz="914400" eaLnBrk="1" fontAlgn="auto" latinLnBrk="0" hangingPunct="1">
+                <a:lnSpc>
+                  <a:spcPct val="100000"/>
+                </a:lnSpc>
+                <a:spcBef>
+                  <a:spcPts val="0"/>
+                </a:spcBef>
+                <a:spcAft>
+                  <a:spcPts val="0"/>
+                </a:spcAft>
+                <a:buClrTx/>
+                <a:buSzTx/>
+                <a:buFontTx/>
+                <a:buNone/>
+                <a:tabLst/>
+                <a:defRPr/>
+              </a:pPr>
+              <a:endParaRPr kumimoji="0" sz="1800" b="0" i="0" u="none" strike="noStrike" kern="0" cap="none" spc="0" normalizeH="0" baseline="0" noProof="0">
+                <a:ln>
+                  <a:noFill/>
+                </a:ln>
+                <a:solidFill>
+                  <a:prstClr val="white"/>
+                </a:solidFill>
+                <a:effectLst/>
+                <a:uLnTx/>
+                <a:uFillTx/>
+                <a:latin typeface="Arial"/>
+                <a:ea typeface="思源黑体 CN Regular"/>
+                <a:cs typeface="+mn-cs"/>
+              </a:endParaRPr>
+            </a:p>
+          </p:txBody>
+        </p:sp>
+        <p:sp>
+          <p:nvSpPr>
+            <p:cNvPr id="8" name="íṩliďè">
+              <a:extLst>
+                <a:ext uri="{FF2B5EF4-FFF2-40B4-BE49-F238E27FC236}">
+                  <a16:creationId xmlns:a16="http://schemas.microsoft.com/office/drawing/2014/main" id="{B63A4D58-F8CB-EF3A-C20D-C4A5EB4A8746}"/>
+                </a:ext>
+              </a:extLst>
+            </p:cNvPr>
+            <p:cNvSpPr/>
+            <p:nvPr/>
+          </p:nvSpPr>
+          <p:spPr bwMode="auto">
+            <a:xfrm>
+              <a:off x="10690865" y="2349730"/>
+              <a:ext cx="480579" cy="373929"/>
+            </a:xfrm>
+            <a:custGeom>
+              <a:avLst/>
+              <a:gdLst>
+                <a:gd name="connsiteX0" fmla="*/ 451337 w 606157"/>
+                <a:gd name="connsiteY0" fmla="*/ 147905 h 606722"/>
+                <a:gd name="connsiteX1" fmla="*/ 569477 w 606157"/>
+                <a:gd name="connsiteY1" fmla="*/ 147905 h 606722"/>
+                <a:gd name="connsiteX2" fmla="*/ 606157 w 606157"/>
+                <a:gd name="connsiteY2" fmla="*/ 186562 h 606722"/>
+                <a:gd name="connsiteX3" fmla="*/ 606157 w 606157"/>
+                <a:gd name="connsiteY3" fmla="*/ 363939 h 606722"/>
+                <a:gd name="connsiteX4" fmla="*/ 584434 w 606157"/>
+                <a:gd name="connsiteY4" fmla="*/ 385711 h 606722"/>
+                <a:gd name="connsiteX5" fmla="*/ 557904 w 606157"/>
+                <a:gd name="connsiteY5" fmla="*/ 385711 h 606722"/>
+                <a:gd name="connsiteX6" fmla="*/ 549980 w 606157"/>
+                <a:gd name="connsiteY6" fmla="*/ 548781 h 606722"/>
+                <a:gd name="connsiteX7" fmla="*/ 489085 w 606157"/>
+                <a:gd name="connsiteY7" fmla="*/ 606722 h 606722"/>
+                <a:gd name="connsiteX8" fmla="*/ 426854 w 606157"/>
+                <a:gd name="connsiteY8" fmla="*/ 547537 h 606722"/>
+                <a:gd name="connsiteX9" fmla="*/ 420711 w 606157"/>
+                <a:gd name="connsiteY9" fmla="*/ 420814 h 606722"/>
+                <a:gd name="connsiteX10" fmla="*/ 461219 w 606157"/>
+                <a:gd name="connsiteY10" fmla="*/ 363228 h 606722"/>
+                <a:gd name="connsiteX11" fmla="*/ 461219 w 606157"/>
+                <a:gd name="connsiteY11" fmla="*/ 185762 h 606722"/>
+                <a:gd name="connsiteX12" fmla="*/ 451337 w 606157"/>
+                <a:gd name="connsiteY12" fmla="*/ 147905 h 606722"/>
+                <a:gd name="connsiteX13" fmla="*/ 38457 w 606157"/>
+                <a:gd name="connsiteY13" fmla="*/ 147552 h 606722"/>
+                <a:gd name="connsiteX14" fmla="*/ 155074 w 606157"/>
+                <a:gd name="connsiteY14" fmla="*/ 147552 h 606722"/>
+                <a:gd name="connsiteX15" fmla="*/ 145014 w 606157"/>
+                <a:gd name="connsiteY15" fmla="*/ 185766 h 606722"/>
+                <a:gd name="connsiteX16" fmla="*/ 145014 w 606157"/>
+                <a:gd name="connsiteY16" fmla="*/ 363239 h 606722"/>
+                <a:gd name="connsiteX17" fmla="*/ 187210 w 606157"/>
+                <a:gd name="connsiteY17" fmla="*/ 421360 h 606722"/>
+                <a:gd name="connsiteX18" fmla="*/ 181068 w 606157"/>
+                <a:gd name="connsiteY18" fmla="*/ 548444 h 606722"/>
+                <a:gd name="connsiteX19" fmla="*/ 120178 w 606157"/>
+                <a:gd name="connsiteY19" fmla="*/ 606298 h 606722"/>
+                <a:gd name="connsiteX20" fmla="*/ 57952 w 606157"/>
+                <a:gd name="connsiteY20" fmla="*/ 547200 h 606722"/>
+                <a:gd name="connsiteX21" fmla="*/ 50029 w 606157"/>
+                <a:gd name="connsiteY21" fmla="*/ 385279 h 606722"/>
+                <a:gd name="connsiteX22" fmla="*/ 21810 w 606157"/>
+                <a:gd name="connsiteY22" fmla="*/ 385279 h 606722"/>
+                <a:gd name="connsiteX23" fmla="*/ 0 w 606157"/>
+                <a:gd name="connsiteY23" fmla="*/ 363595 h 606722"/>
+                <a:gd name="connsiteX24" fmla="*/ 0 w 606157"/>
+                <a:gd name="connsiteY24" fmla="*/ 186122 h 606722"/>
+                <a:gd name="connsiteX25" fmla="*/ 38457 w 606157"/>
+                <a:gd name="connsiteY25" fmla="*/ 147552 h 606722"/>
+                <a:gd name="connsiteX26" fmla="*/ 222975 w 606157"/>
+                <a:gd name="connsiteY26" fmla="*/ 147058 h 606722"/>
+                <a:gd name="connsiteX27" fmla="*/ 282512 w 606157"/>
+                <a:gd name="connsiteY27" fmla="*/ 147058 h 606722"/>
+                <a:gd name="connsiteX28" fmla="*/ 270498 w 606157"/>
+                <a:gd name="connsiteY28" fmla="*/ 159057 h 606722"/>
+                <a:gd name="connsiteX29" fmla="*/ 270498 w 606157"/>
+                <a:gd name="connsiteY29" fmla="*/ 169278 h 606722"/>
+                <a:gd name="connsiteX30" fmla="*/ 283224 w 606157"/>
+                <a:gd name="connsiteY30" fmla="*/ 181988 h 606722"/>
+                <a:gd name="connsiteX31" fmla="*/ 273345 w 606157"/>
+                <a:gd name="connsiteY31" fmla="*/ 292199 h 606722"/>
+                <a:gd name="connsiteX32" fmla="*/ 276193 w 606157"/>
+                <a:gd name="connsiteY32" fmla="*/ 302953 h 606722"/>
+                <a:gd name="connsiteX33" fmla="*/ 297196 w 606157"/>
+                <a:gd name="connsiteY33" fmla="*/ 332550 h 606722"/>
+                <a:gd name="connsiteX34" fmla="*/ 303070 w 606157"/>
+                <a:gd name="connsiteY34" fmla="*/ 335572 h 606722"/>
+                <a:gd name="connsiteX35" fmla="*/ 309032 w 606157"/>
+                <a:gd name="connsiteY35" fmla="*/ 332550 h 606722"/>
+                <a:gd name="connsiteX36" fmla="*/ 329946 w 606157"/>
+                <a:gd name="connsiteY36" fmla="*/ 302953 h 606722"/>
+                <a:gd name="connsiteX37" fmla="*/ 332883 w 606157"/>
+                <a:gd name="connsiteY37" fmla="*/ 292199 h 606722"/>
+                <a:gd name="connsiteX38" fmla="*/ 323004 w 606157"/>
+                <a:gd name="connsiteY38" fmla="*/ 181988 h 606722"/>
+                <a:gd name="connsiteX39" fmla="*/ 335641 w 606157"/>
+                <a:gd name="connsiteY39" fmla="*/ 169278 h 606722"/>
+                <a:gd name="connsiteX40" fmla="*/ 335641 w 606157"/>
+                <a:gd name="connsiteY40" fmla="*/ 159057 h 606722"/>
+                <a:gd name="connsiteX41" fmla="*/ 323627 w 606157"/>
+                <a:gd name="connsiteY41" fmla="*/ 147058 h 606722"/>
+                <a:gd name="connsiteX42" fmla="*/ 385033 w 606157"/>
+                <a:gd name="connsiteY42" fmla="*/ 147058 h 606722"/>
+                <a:gd name="connsiteX43" fmla="*/ 385033 w 606157"/>
+                <a:gd name="connsiteY43" fmla="*/ 147147 h 606722"/>
+                <a:gd name="connsiteX44" fmla="*/ 421699 w 606157"/>
+                <a:gd name="connsiteY44" fmla="*/ 185721 h 606722"/>
+                <a:gd name="connsiteX45" fmla="*/ 421699 w 606157"/>
+                <a:gd name="connsiteY45" fmla="*/ 363214 h 606722"/>
+                <a:gd name="connsiteX46" fmla="*/ 399895 w 606157"/>
+                <a:gd name="connsiteY46" fmla="*/ 384901 h 606722"/>
+                <a:gd name="connsiteX47" fmla="*/ 373375 w 606157"/>
+                <a:gd name="connsiteY47" fmla="*/ 384901 h 606722"/>
+                <a:gd name="connsiteX48" fmla="*/ 371506 w 606157"/>
+                <a:gd name="connsiteY48" fmla="*/ 424363 h 606722"/>
+                <a:gd name="connsiteX49" fmla="*/ 365455 w 606157"/>
+                <a:gd name="connsiteY49" fmla="*/ 548084 h 606722"/>
+                <a:gd name="connsiteX50" fmla="*/ 304582 w 606157"/>
+                <a:gd name="connsiteY50" fmla="*/ 605945 h 606722"/>
+                <a:gd name="connsiteX51" fmla="*/ 242464 w 606157"/>
+                <a:gd name="connsiteY51" fmla="*/ 546840 h 606722"/>
+                <a:gd name="connsiteX52" fmla="*/ 236502 w 606157"/>
+                <a:gd name="connsiteY52" fmla="*/ 424363 h 606722"/>
+                <a:gd name="connsiteX53" fmla="*/ 234544 w 606157"/>
+                <a:gd name="connsiteY53" fmla="*/ 384901 h 606722"/>
+                <a:gd name="connsiteX54" fmla="*/ 206244 w 606157"/>
+                <a:gd name="connsiteY54" fmla="*/ 384901 h 606722"/>
+                <a:gd name="connsiteX55" fmla="*/ 184529 w 606157"/>
+                <a:gd name="connsiteY55" fmla="*/ 363214 h 606722"/>
+                <a:gd name="connsiteX56" fmla="*/ 184529 w 606157"/>
+                <a:gd name="connsiteY56" fmla="*/ 185721 h 606722"/>
+                <a:gd name="connsiteX57" fmla="*/ 222975 w 606157"/>
+                <a:gd name="connsiteY57" fmla="*/ 147058 h 606722"/>
+                <a:gd name="connsiteX58" fmla="*/ 488454 w 606157"/>
+                <a:gd name="connsiteY58" fmla="*/ 706 h 606722"/>
+                <a:gd name="connsiteX59" fmla="*/ 550481 w 606157"/>
+                <a:gd name="connsiteY59" fmla="*/ 62663 h 606722"/>
+                <a:gd name="connsiteX60" fmla="*/ 488454 w 606157"/>
+                <a:gd name="connsiteY60" fmla="*/ 124620 h 606722"/>
+                <a:gd name="connsiteX61" fmla="*/ 426427 w 606157"/>
+                <a:gd name="connsiteY61" fmla="*/ 62663 h 606722"/>
+                <a:gd name="connsiteX62" fmla="*/ 488454 w 606157"/>
+                <a:gd name="connsiteY62" fmla="*/ 706 h 606722"/>
+                <a:gd name="connsiteX63" fmla="*/ 119538 w 606157"/>
+                <a:gd name="connsiteY63" fmla="*/ 353 h 606722"/>
+                <a:gd name="connsiteX64" fmla="*/ 181565 w 606157"/>
+                <a:gd name="connsiteY64" fmla="*/ 62310 h 606722"/>
+                <a:gd name="connsiteX65" fmla="*/ 119538 w 606157"/>
+                <a:gd name="connsiteY65" fmla="*/ 124267 h 606722"/>
+                <a:gd name="connsiteX66" fmla="*/ 57511 w 606157"/>
+                <a:gd name="connsiteY66" fmla="*/ 62310 h 606722"/>
+                <a:gd name="connsiteX67" fmla="*/ 119538 w 606157"/>
+                <a:gd name="connsiteY67" fmla="*/ 353 h 606722"/>
+                <a:gd name="connsiteX68" fmla="*/ 303961 w 606157"/>
+                <a:gd name="connsiteY68" fmla="*/ 0 h 606722"/>
+                <a:gd name="connsiteX69" fmla="*/ 366024 w 606157"/>
+                <a:gd name="connsiteY69" fmla="*/ 61957 h 606722"/>
+                <a:gd name="connsiteX70" fmla="*/ 303961 w 606157"/>
+                <a:gd name="connsiteY70" fmla="*/ 123914 h 606722"/>
+                <a:gd name="connsiteX71" fmla="*/ 241898 w 606157"/>
+                <a:gd name="connsiteY71" fmla="*/ 61957 h 606722"/>
+                <a:gd name="connsiteX72" fmla="*/ 303961 w 606157"/>
+                <a:gd name="connsiteY72" fmla="*/ 0 h 606722"/>
+              </a:gdLst>
+              <a:ahLst/>
+              <a:cxnLst>
+                <a:cxn ang="0">
+                  <a:pos x="connsiteX0" y="connsiteY0"/>
+                </a:cxn>
+                <a:cxn ang="0">
+                  <a:pos x="connsiteX1" y="connsiteY1"/>
+                </a:cxn>
+                <a:cxn ang="0">
+                  <a:pos x="connsiteX2" y="connsiteY2"/>
+                </a:cxn>
+                <a:cxn ang="0">
+                  <a:pos x="connsiteX3" y="connsiteY3"/>
+                </a:cxn>
+                <a:cxn ang="0">
+                  <a:pos x="connsiteX4" y="connsiteY4"/>
+                </a:cxn>
+                <a:cxn ang="0">
+                  <a:pos x="connsiteX5" y="connsiteY5"/>
+                </a:cxn>
+                <a:cxn ang="0">
+                  <a:pos x="connsiteX6" y="connsiteY6"/>
+                </a:cxn>
+                <a:cxn ang="0">
+                  <a:pos x="connsiteX7" y="connsiteY7"/>
+                </a:cxn>
+                <a:cxn ang="0">
+                  <a:pos x="connsiteX8" y="connsiteY8"/>
+                </a:cxn>
+                <a:cxn ang="0">
+                  <a:pos x="connsiteX9" y="connsiteY9"/>
+                </a:cxn>
+                <a:cxn ang="0">
+                  <a:pos x="connsiteX10" y="connsiteY10"/>
+                </a:cxn>
+                <a:cxn ang="0">
+                  <a:pos x="connsiteX11" y="connsiteY11"/>
+                </a:cxn>
+                <a:cxn ang="0">
+                  <a:pos x="connsiteX12" y="connsiteY12"/>
+                </a:cxn>
+                <a:cxn ang="0">
+                  <a:pos x="connsiteX13" y="connsiteY13"/>
+                </a:cxn>
+                <a:cxn ang="0">
+                  <a:pos x="connsiteX14" y="connsiteY14"/>
+                </a:cxn>
+                <a:cxn ang="0">
+                  <a:pos x="connsiteX15" y="connsiteY15"/>
+                </a:cxn>
+                <a:cxn ang="0">
+                  <a:pos x="connsiteX16" y="connsiteY16"/>
+                </a:cxn>
+                <a:cxn ang="0">
+                  <a:pos x="connsiteX17" y="connsiteY17"/>
+                </a:cxn>
+                <a:cxn ang="0">
+                  <a:pos x="connsiteX18" y="connsiteY18"/>
+                </a:cxn>
+                <a:cxn ang="0">
+                  <a:pos x="connsiteX19" y="connsiteY19"/>
+                </a:cxn>
+                <a:cxn ang="0">
+                  <a:pos x="connsiteX20" y="connsiteY20"/>
+                </a:cxn>
+                <a:cxn ang="0">
+                  <a:pos x="connsiteX21" y="connsiteY21"/>
+                </a:cxn>
+                <a:cxn ang="0">
+                  <a:pos x="connsiteX22" y="connsiteY22"/>
+                </a:cxn>
+                <a:cxn ang="0">
+                  <a:pos x="connsiteX23" y="connsiteY23"/>
+                </a:cxn>
+                <a:cxn ang="0">
+                  <a:pos x="connsiteX24" y="connsiteY24"/>
+                </a:cxn>
+                <a:cxn ang="0">
+                  <a:pos x="connsiteX25" y="connsiteY25"/>
+                </a:cxn>
+                <a:cxn ang="0">
+                  <a:pos x="connsiteX26" y="connsiteY26"/>
+                </a:cxn>
+                <a:cxn ang="0">
+                  <a:pos x="connsiteX27" y="connsiteY27"/>
+                </a:cxn>
+                <a:cxn ang="0">
+                  <a:pos x="connsiteX28" y="connsiteY28"/>
+                </a:cxn>
+                <a:cxn ang="0">
+                  <a:pos x="connsiteX29" y="connsiteY29"/>
+                </a:cxn>
+                <a:cxn ang="0">
+                  <a:pos x="connsiteX30" y="connsiteY30"/>
+                </a:cxn>
+                <a:cxn ang="0">
+                  <a:pos x="connsiteX31" y="connsiteY31"/>
+                </a:cxn>
+                <a:cxn ang="0">
+                  <a:pos x="connsiteX32" y="connsiteY32"/>
+                </a:cxn>
+                <a:cxn ang="0">
+                  <a:pos x="connsiteX33" y="connsiteY33"/>
+                </a:cxn>
+                <a:cxn ang="0">
+                  <a:pos x="connsiteX34" y="connsiteY34"/>
+                </a:cxn>
+                <a:cxn ang="0">
+                  <a:pos x="connsiteX35" y="connsiteY35"/>
+                </a:cxn>
+                <a:cxn ang="0">
+                  <a:pos x="connsiteX36" y="connsiteY36"/>
+                </a:cxn>
+                <a:cxn ang="0">
+                  <a:pos x="connsiteX37" y="connsiteY37"/>
+                </a:cxn>
+                <a:cxn ang="0">
+                  <a:pos x="connsiteX38" y="connsiteY38"/>
+                </a:cxn>
+                <a:cxn ang="0">
+                  <a:pos x="connsiteX39" y="connsiteY39"/>
+                </a:cxn>
+                <a:cxn ang="0">
+                  <a:pos x="connsiteX40" y="connsiteY40"/>
+                </a:cxn>
+                <a:cxn ang="0">
+                  <a:pos x="connsiteX41" y="connsiteY41"/>
+                </a:cxn>
+                <a:cxn ang="0">
+                  <a:pos x="connsiteX42" y="connsiteY42"/>
+                </a:cxn>
+                <a:cxn ang="0">
+                  <a:pos x="connsiteX43" y="connsiteY43"/>
+                </a:cxn>
+                <a:cxn ang="0">
+                  <a:pos x="connsiteX44" y="connsiteY44"/>
+                </a:cxn>
+                <a:cxn ang="0">
+                  <a:pos x="connsiteX45" y="connsiteY45"/>
+                </a:cxn>
+                <a:cxn ang="0">
+                  <a:pos x="connsiteX46" y="connsiteY46"/>
+                </a:cxn>
+                <a:cxn ang="0">
+                  <a:pos x="connsiteX47" y="connsiteY47"/>
+                </a:cxn>
+                <a:cxn ang="0">
+                  <a:pos x="connsiteX48" y="connsiteY48"/>
+                </a:cxn>
+                <a:cxn ang="0">
+                  <a:pos x="connsiteX49" y="connsiteY49"/>
+                </a:cxn>
+                <a:cxn ang="0">
+                  <a:pos x="connsiteX50" y="connsiteY50"/>
+                </a:cxn>
+                <a:cxn ang="0">
+                  <a:pos x="connsiteX51" y="connsiteY51"/>
+                </a:cxn>
+                <a:cxn ang="0">
+                  <a:pos x="connsiteX52" y="connsiteY52"/>
+                </a:cxn>
+                <a:cxn ang="0">
+                  <a:pos x="connsiteX53" y="connsiteY53"/>
+                </a:cxn>
+                <a:cxn ang="0">
+                  <a:pos x="connsiteX54" y="connsiteY54"/>
+                </a:cxn>
+                <a:cxn ang="0">
+                  <a:pos x="connsiteX55" y="connsiteY55"/>
+                </a:cxn>
+                <a:cxn ang="0">
+                  <a:pos x="connsiteX56" y="connsiteY56"/>
+                </a:cxn>
+                <a:cxn ang="0">
+                  <a:pos x="connsiteX57" y="connsiteY57"/>
+                </a:cxn>
+                <a:cxn ang="0">
+                  <a:pos x="connsiteX58" y="connsiteY58"/>
+                </a:cxn>
+                <a:cxn ang="0">
+                  <a:pos x="connsiteX59" y="connsiteY59"/>
+                </a:cxn>
+                <a:cxn ang="0">
+                  <a:pos x="connsiteX60" y="connsiteY60"/>
+                </a:cxn>
+                <a:cxn ang="0">
+                  <a:pos x="connsiteX61" y="connsiteY61"/>
+                </a:cxn>
+                <a:cxn ang="0">
+                  <a:pos x="connsiteX62" y="connsiteY62"/>
+                </a:cxn>
+                <a:cxn ang="0">
+                  <a:pos x="connsiteX63" y="connsiteY63"/>
+                </a:cxn>
+                <a:cxn ang="0">
+                  <a:pos x="connsiteX64" y="connsiteY64"/>
+                </a:cxn>
+                <a:cxn ang="0">
+                  <a:pos x="connsiteX65" y="connsiteY65"/>
+                </a:cxn>
+                <a:cxn ang="0">
+                  <a:pos x="connsiteX66" y="connsiteY66"/>
+                </a:cxn>
+                <a:cxn ang="0">
+                  <a:pos x="connsiteX67" y="connsiteY67"/>
+                </a:cxn>
+                <a:cxn ang="0">
+                  <a:pos x="connsiteX68" y="connsiteY68"/>
+                </a:cxn>
+                <a:cxn ang="0">
+                  <a:pos x="connsiteX69" y="connsiteY69"/>
+                </a:cxn>
+                <a:cxn ang="0">
+                  <a:pos x="connsiteX70" y="connsiteY70"/>
+                </a:cxn>
+                <a:cxn ang="0">
+                  <a:pos x="connsiteX71" y="connsiteY71"/>
+                </a:cxn>
+                <a:cxn ang="0">
+                  <a:pos x="connsiteX72" y="connsiteY72"/>
+                </a:cxn>
+              </a:cxnLst>
+              <a:rect l="l" t="t" r="r" b="b"/>
+              <a:pathLst>
+                <a:path w="606157" h="606722">
+                  <a:moveTo>
+                    <a:pt x="451337" y="147905"/>
+                  </a:moveTo>
+                  <a:lnTo>
+                    <a:pt x="569477" y="147905"/>
+                  </a:lnTo>
+                  <a:cubicBezTo>
+                    <a:pt x="589954" y="148971"/>
+                    <a:pt x="606157" y="165856"/>
+                    <a:pt x="606157" y="186562"/>
+                  </a:cubicBezTo>
+                  <a:lnTo>
+                    <a:pt x="606157" y="363939"/>
+                  </a:lnTo>
+                  <a:cubicBezTo>
+                    <a:pt x="606157" y="375936"/>
+                    <a:pt x="596453" y="385711"/>
+                    <a:pt x="584434" y="385711"/>
+                  </a:cubicBezTo>
+                  <a:lnTo>
+                    <a:pt x="557904" y="385711"/>
+                  </a:lnTo>
+                  <a:lnTo>
+                    <a:pt x="549980" y="548781"/>
+                  </a:lnTo>
+                  <a:cubicBezTo>
+                    <a:pt x="548378" y="581217"/>
+                    <a:pt x="521580" y="606722"/>
+                    <a:pt x="489085" y="606722"/>
+                  </a:cubicBezTo>
+                  <a:cubicBezTo>
+                    <a:pt x="455877" y="606722"/>
+                    <a:pt x="428456" y="580684"/>
+                    <a:pt x="426854" y="547537"/>
+                  </a:cubicBezTo>
+                  <a:lnTo>
+                    <a:pt x="420711" y="420814"/>
+                  </a:lnTo>
+                  <a:cubicBezTo>
+                    <a:pt x="444482" y="412194"/>
+                    <a:pt x="461219" y="389355"/>
+                    <a:pt x="461219" y="363228"/>
+                  </a:cubicBezTo>
+                  <a:lnTo>
+                    <a:pt x="461219" y="185762"/>
+                  </a:lnTo>
+                  <a:cubicBezTo>
+                    <a:pt x="461219" y="172077"/>
+                    <a:pt x="457658" y="159102"/>
+                    <a:pt x="451337" y="147905"/>
+                  </a:cubicBezTo>
+                  <a:close/>
+                  <a:moveTo>
+                    <a:pt x="38457" y="147552"/>
+                  </a:moveTo>
+                  <a:lnTo>
+                    <a:pt x="155074" y="147552"/>
+                  </a:lnTo>
+                  <a:cubicBezTo>
+                    <a:pt x="148664" y="158839"/>
+                    <a:pt x="145014" y="171902"/>
+                    <a:pt x="145014" y="185766"/>
+                  </a:cubicBezTo>
+                  <a:lnTo>
+                    <a:pt x="145014" y="363239"/>
+                  </a:lnTo>
+                  <a:cubicBezTo>
+                    <a:pt x="145014" y="389811"/>
+                    <a:pt x="162284" y="413184"/>
+                    <a:pt x="187210" y="421360"/>
+                  </a:cubicBezTo>
+                  <a:lnTo>
+                    <a:pt x="181068" y="548444"/>
+                  </a:lnTo>
+                  <a:cubicBezTo>
+                    <a:pt x="179465" y="580881"/>
+                    <a:pt x="152670" y="606298"/>
+                    <a:pt x="120178" y="606298"/>
+                  </a:cubicBezTo>
+                  <a:cubicBezTo>
+                    <a:pt x="86973" y="606298"/>
+                    <a:pt x="59555" y="580348"/>
+                    <a:pt x="57952" y="547200"/>
+                  </a:cubicBezTo>
+                  <a:lnTo>
+                    <a:pt x="50029" y="385279"/>
+                  </a:lnTo>
+                  <a:lnTo>
+                    <a:pt x="21810" y="385279"/>
+                  </a:lnTo>
+                  <a:cubicBezTo>
+                    <a:pt x="9792" y="385279"/>
+                    <a:pt x="0" y="375592"/>
+                    <a:pt x="0" y="363595"/>
+                  </a:cubicBezTo>
+                  <a:lnTo>
+                    <a:pt x="0" y="186122"/>
+                  </a:lnTo>
+                  <a:cubicBezTo>
+                    <a:pt x="0" y="164882"/>
+                    <a:pt x="17181" y="147641"/>
+                    <a:pt x="38457" y="147552"/>
+                  </a:cubicBezTo>
+                  <a:close/>
+                  <a:moveTo>
+                    <a:pt x="222975" y="147058"/>
+                  </a:moveTo>
+                  <a:lnTo>
+                    <a:pt x="282512" y="147058"/>
+                  </a:lnTo>
+                  <a:lnTo>
+                    <a:pt x="270498" y="159057"/>
+                  </a:lnTo>
+                  <a:cubicBezTo>
+                    <a:pt x="267739" y="161901"/>
+                    <a:pt x="267739" y="166523"/>
+                    <a:pt x="270498" y="169278"/>
+                  </a:cubicBezTo>
+                  <a:lnTo>
+                    <a:pt x="283224" y="181988"/>
+                  </a:lnTo>
+                  <a:lnTo>
+                    <a:pt x="273345" y="292199"/>
+                  </a:lnTo>
+                  <a:cubicBezTo>
+                    <a:pt x="272989" y="296021"/>
+                    <a:pt x="274057" y="299754"/>
+                    <a:pt x="276193" y="302953"/>
+                  </a:cubicBezTo>
+                  <a:lnTo>
+                    <a:pt x="297196" y="332550"/>
+                  </a:lnTo>
+                  <a:cubicBezTo>
+                    <a:pt x="298531" y="334417"/>
+                    <a:pt x="300756" y="335572"/>
+                    <a:pt x="303070" y="335572"/>
+                  </a:cubicBezTo>
+                  <a:cubicBezTo>
+                    <a:pt x="305472" y="335572"/>
+                    <a:pt x="307608" y="334417"/>
+                    <a:pt x="309032" y="332550"/>
+                  </a:cubicBezTo>
+                  <a:lnTo>
+                    <a:pt x="329946" y="302953"/>
+                  </a:lnTo>
+                  <a:cubicBezTo>
+                    <a:pt x="332171" y="299754"/>
+                    <a:pt x="333239" y="296021"/>
+                    <a:pt x="332883" y="292199"/>
+                  </a:cubicBezTo>
+                  <a:lnTo>
+                    <a:pt x="323004" y="181988"/>
+                  </a:lnTo>
+                  <a:lnTo>
+                    <a:pt x="335641" y="169278"/>
+                  </a:lnTo>
+                  <a:cubicBezTo>
+                    <a:pt x="338489" y="166523"/>
+                    <a:pt x="338489" y="161901"/>
+                    <a:pt x="335641" y="159057"/>
+                  </a:cubicBezTo>
+                  <a:lnTo>
+                    <a:pt x="323627" y="147058"/>
+                  </a:lnTo>
+                  <a:lnTo>
+                    <a:pt x="385033" y="147058"/>
+                  </a:lnTo>
+                  <a:lnTo>
+                    <a:pt x="385033" y="147147"/>
+                  </a:lnTo>
+                  <a:cubicBezTo>
+                    <a:pt x="405413" y="148214"/>
+                    <a:pt x="421699" y="165101"/>
+                    <a:pt x="421699" y="185721"/>
+                  </a:cubicBezTo>
+                  <a:lnTo>
+                    <a:pt x="421699" y="363214"/>
+                  </a:lnTo>
+                  <a:cubicBezTo>
+                    <a:pt x="421699" y="375213"/>
+                    <a:pt x="411910" y="384901"/>
+                    <a:pt x="399895" y="384901"/>
+                  </a:cubicBezTo>
+                  <a:lnTo>
+                    <a:pt x="373375" y="384901"/>
+                  </a:lnTo>
+                  <a:lnTo>
+                    <a:pt x="371506" y="424363"/>
+                  </a:lnTo>
+                  <a:lnTo>
+                    <a:pt x="365455" y="548084"/>
+                  </a:lnTo>
+                  <a:cubicBezTo>
+                    <a:pt x="363853" y="580525"/>
+                    <a:pt x="337154" y="605945"/>
+                    <a:pt x="304582" y="605945"/>
+                  </a:cubicBezTo>
+                  <a:cubicBezTo>
+                    <a:pt x="271388" y="605945"/>
+                    <a:pt x="244066" y="579903"/>
+                    <a:pt x="242464" y="546840"/>
+                  </a:cubicBezTo>
+                  <a:lnTo>
+                    <a:pt x="236502" y="424363"/>
+                  </a:lnTo>
+                  <a:lnTo>
+                    <a:pt x="234544" y="384901"/>
+                  </a:lnTo>
+                  <a:lnTo>
+                    <a:pt x="206244" y="384901"/>
+                  </a:lnTo>
+                  <a:cubicBezTo>
+                    <a:pt x="194229" y="384901"/>
+                    <a:pt x="184529" y="375213"/>
+                    <a:pt x="184529" y="363214"/>
+                  </a:cubicBezTo>
+                  <a:lnTo>
+                    <a:pt x="184529" y="185721"/>
+                  </a:lnTo>
+                  <a:cubicBezTo>
+                    <a:pt x="184529" y="164479"/>
+                    <a:pt x="201705" y="147236"/>
+                    <a:pt x="222975" y="147058"/>
+                  </a:cubicBezTo>
+                  <a:close/>
+                  <a:moveTo>
+                    <a:pt x="488454" y="706"/>
+                  </a:moveTo>
+                  <a:cubicBezTo>
+                    <a:pt x="522711" y="706"/>
+                    <a:pt x="550481" y="28445"/>
+                    <a:pt x="550481" y="62663"/>
+                  </a:cubicBezTo>
+                  <a:cubicBezTo>
+                    <a:pt x="550481" y="96881"/>
+                    <a:pt x="522711" y="124620"/>
+                    <a:pt x="488454" y="124620"/>
+                  </a:cubicBezTo>
+                  <a:cubicBezTo>
+                    <a:pt x="454197" y="124620"/>
+                    <a:pt x="426427" y="96881"/>
+                    <a:pt x="426427" y="62663"/>
+                  </a:cubicBezTo>
+                  <a:cubicBezTo>
+                    <a:pt x="426427" y="28445"/>
+                    <a:pt x="454197" y="706"/>
+                    <a:pt x="488454" y="706"/>
+                  </a:cubicBezTo>
+                  <a:close/>
+                  <a:moveTo>
+                    <a:pt x="119538" y="353"/>
+                  </a:moveTo>
+                  <a:cubicBezTo>
+                    <a:pt x="153795" y="353"/>
+                    <a:pt x="181565" y="28092"/>
+                    <a:pt x="181565" y="62310"/>
+                  </a:cubicBezTo>
+                  <a:cubicBezTo>
+                    <a:pt x="181565" y="96528"/>
+                    <a:pt x="153795" y="124267"/>
+                    <a:pt x="119538" y="124267"/>
+                  </a:cubicBezTo>
+                  <a:cubicBezTo>
+                    <a:pt x="85281" y="124267"/>
+                    <a:pt x="57511" y="96528"/>
+                    <a:pt x="57511" y="62310"/>
+                  </a:cubicBezTo>
+                  <a:cubicBezTo>
+                    <a:pt x="57511" y="28092"/>
+                    <a:pt x="85281" y="353"/>
+                    <a:pt x="119538" y="353"/>
+                  </a:cubicBezTo>
+                  <a:close/>
+                  <a:moveTo>
+                    <a:pt x="303961" y="0"/>
+                  </a:moveTo>
+                  <a:cubicBezTo>
+                    <a:pt x="338237" y="0"/>
+                    <a:pt x="366024" y="27739"/>
+                    <a:pt x="366024" y="61957"/>
+                  </a:cubicBezTo>
+                  <a:cubicBezTo>
+                    <a:pt x="366024" y="96175"/>
+                    <a:pt x="338237" y="123914"/>
+                    <a:pt x="303961" y="123914"/>
+                  </a:cubicBezTo>
+                  <a:cubicBezTo>
+                    <a:pt x="269685" y="123914"/>
+                    <a:pt x="241898" y="96175"/>
+                    <a:pt x="241898" y="61957"/>
+                  </a:cubicBezTo>
+                  <a:cubicBezTo>
+                    <a:pt x="241898" y="27739"/>
+                    <a:pt x="269685" y="0"/>
+                    <a:pt x="303961" y="0"/>
+                  </a:cubicBezTo>
+                  <a:close/>
+                </a:path>
+              </a:pathLst>
+            </a:custGeom>
+            <a:solidFill>
+              <a:srgbClr val="002C4F"/>
+            </a:solidFill>
+            <a:ln>
+              <a:noFill/>
+            </a:ln>
+          </p:spPr>
+          <p:txBody>
+            <a:bodyPr wrap="square" lIns="91440" tIns="45720" rIns="91440" bIns="45720" anchor="ctr">
+              <a:normAutofit/>
+            </a:bodyPr>
+            <a:lstStyle>
+              <a:defPPr>
+                <a:defRPr lang="zh-CN"/>
+              </a:defPPr>
+              <a:lvl1pPr marL="0" algn="l" defTabSz="914400" rtl="0" eaLnBrk="1" latinLnBrk="0" hangingPunct="1">
+                <a:defRPr sz="1800" kern="1200">
+                  <a:solidFill>
+                    <a:schemeClr val="tx1"/>
+                  </a:solidFill>
+                </a:defRPr>
+              </a:lvl1pPr>
+              <a:lvl2pPr marL="457200" algn="l" defTabSz="914400" rtl="0" eaLnBrk="1" latinLnBrk="0" hangingPunct="1">
+                <a:defRPr sz="1800" kern="1200">
+                  <a:solidFill>
+                    <a:schemeClr val="tx1"/>
+                  </a:solidFill>
+                </a:defRPr>
+              </a:lvl2pPr>
+              <a:lvl3pPr marL="914400" algn="l" defTabSz="914400" rtl="0" eaLnBrk="1" latinLnBrk="0" hangingPunct="1">
+                <a:defRPr sz="1800" kern="1200">
+                  <a:solidFill>
+                    <a:schemeClr val="tx1"/>
+                  </a:solidFill>
+                </a:defRPr>
+              </a:lvl3pPr>
+              <a:lvl4pPr marL="1371600" algn="l" defTabSz="914400" rtl="0" eaLnBrk="1" latinLnBrk="0" hangingPunct="1">
+                <a:defRPr sz="1800" kern="1200">
+                  <a:solidFill>
+                    <a:schemeClr val="tx1"/>
+                  </a:solidFill>
+                </a:defRPr>
+              </a:lvl4pPr>
+              <a:lvl5pPr marL="1828800" algn="l" defTabSz="914400" rtl="0" eaLnBrk="1" latinLnBrk="0" hangingPunct="1">
+                <a:defRPr sz="1800" kern="1200">
+                  <a:solidFill>
+                    <a:schemeClr val="tx1"/>
+                  </a:solidFill>
+                </a:defRPr>
+              </a:lvl5pPr>
+              <a:lvl6pPr marL="2286000" algn="l" defTabSz="914400" rtl="0" eaLnBrk="1" latinLnBrk="0" hangingPunct="1">
+                <a:defRPr sz="1800" kern="1200">
+                  <a:solidFill>
+                    <a:schemeClr val="tx1"/>
+                  </a:solidFill>
+                </a:defRPr>
+              </a:lvl6pPr>
+              <a:lvl7pPr marL="2743200" algn="l" defTabSz="914400" rtl="0" eaLnBrk="1" latinLnBrk="0" hangingPunct="1">
+                <a:defRPr sz="1800" kern="1200">
+                  <a:solidFill>
+                    <a:schemeClr val="tx1"/>
+                  </a:solidFill>
+                </a:defRPr>
+              </a:lvl7pPr>
+              <a:lvl8pPr marL="3200400" algn="l" defTabSz="914400" rtl="0" eaLnBrk="1" latinLnBrk="0" hangingPunct="1">
+                <a:defRPr sz="1800" kern="1200">
+                  <a:solidFill>
+                    <a:schemeClr val="tx1"/>
+                  </a:solidFill>
+                </a:defRPr>
+              </a:lvl8pPr>
+              <a:lvl9pPr marL="3657600" algn="l" defTabSz="914400" rtl="0" eaLnBrk="1" latinLnBrk="0" hangingPunct="1">
+                <a:defRPr sz="1800" kern="1200">
+                  <a:solidFill>
+                    <a:schemeClr val="tx1"/>
+                  </a:solidFill>
+                </a:defRPr>
+              </a:lvl9pPr>
+            </a:lstStyle>
+            <a:p>
+              <a:pPr marL="0" marR="0" lvl="0" indent="0" algn="ctr" defTabSz="914400" rtl="0" eaLnBrk="1" fontAlgn="auto" latinLnBrk="0" hangingPunct="1">
+                <a:lnSpc>
+                  <a:spcPct val="100000"/>
+                </a:lnSpc>
+                <a:spcBef>
+                  <a:spcPts val="0"/>
+                </a:spcBef>
+                <a:spcAft>
+                  <a:spcPts val="0"/>
+                </a:spcAft>
+                <a:buClrTx/>
+                <a:buSzTx/>
+                <a:buFontTx/>
+                <a:buNone/>
+                <a:tabLst/>
+                <a:defRPr/>
+              </a:pPr>
+              <a:endParaRPr kumimoji="0" sz="1800" b="0" i="0" u="none" strike="noStrike" kern="1200" cap="none" spc="0" normalizeH="0" baseline="0" noProof="0">
+                <a:ln>
+                  <a:noFill/>
+                </a:ln>
+                <a:solidFill>
+                  <a:prstClr val="black"/>
+                </a:solidFill>
+                <a:effectLst/>
+                <a:uLnTx/>
+                <a:uFillTx/>
+                <a:latin typeface="Arial"/>
+                <a:ea typeface="思源黑体 CN Regular"/>
+              </a:endParaRPr>
+            </a:p>
+          </p:txBody>
+        </p:sp>
+        <p:sp>
+          <p:nvSpPr>
+            <p:cNvPr id="9" name="iṧḻiďe">
+              <a:extLst>
+                <a:ext uri="{FF2B5EF4-FFF2-40B4-BE49-F238E27FC236}">
+                  <a16:creationId xmlns:a16="http://schemas.microsoft.com/office/drawing/2014/main" id="{AEE42500-4062-3E47-32DF-B85AEC2D59A8}"/>
+                </a:ext>
+              </a:extLst>
+            </p:cNvPr>
+            <p:cNvSpPr/>
+            <p:nvPr/>
+          </p:nvSpPr>
+          <p:spPr>
+            <a:xfrm>
+              <a:off x="10931154" y="3381662"/>
+              <a:ext cx="45719" cy="750448"/>
+            </a:xfrm>
+            <a:prstGeom prst="rect">
+              <a:avLst/>
+            </a:prstGeom>
+            <a:solidFill>
+              <a:srgbClr val="002C4F"/>
+            </a:solidFill>
+            <a:ln w="12700" cap="flat" cmpd="sng" algn="ctr">
+              <a:solidFill>
+                <a:srgbClr val="1C233C"/>
+              </a:solidFill>
+              <a:prstDash val="solid"/>
+              <a:miter lim="800000"/>
+            </a:ln>
+            <a:effectLst/>
+          </p:spPr>
+          <p:txBody>
+            <a:bodyPr wrap="square" lIns="91440" tIns="45720" rIns="91440" bIns="45720" anchor="ctr">
+              <a:normAutofit/>
+            </a:bodyPr>
+            <a:lstStyle/>
+            <a:p>
+              <a:pPr marL="0" marR="0" lvl="0" indent="0" algn="ctr" defTabSz="914400" eaLnBrk="1" fontAlgn="auto" latinLnBrk="0" hangingPunct="1">
+                <a:lnSpc>
+                  <a:spcPct val="100000"/>
+                </a:lnSpc>
+                <a:spcBef>
+                  <a:spcPts val="0"/>
+                </a:spcBef>
+                <a:spcAft>
+                  <a:spcPts val="0"/>
+                </a:spcAft>
+                <a:buClrTx/>
+                <a:buSzTx/>
+                <a:buFontTx/>
+                <a:buNone/>
+                <a:tabLst/>
+                <a:defRPr/>
+              </a:pPr>
+              <a:endParaRPr kumimoji="0" sz="1800" b="0" i="0" u="none" strike="noStrike" kern="0" cap="none" spc="0" normalizeH="0" baseline="0" noProof="0">
+                <a:ln>
+                  <a:noFill/>
+                </a:ln>
+                <a:solidFill>
+                  <a:prstClr val="white"/>
+                </a:solidFill>
+                <a:effectLst/>
+                <a:uLnTx/>
+                <a:uFillTx/>
+                <a:latin typeface="Arial"/>
+                <a:ea typeface="思源黑体 CN Regular"/>
+                <a:cs typeface="+mn-cs"/>
+              </a:endParaRPr>
+            </a:p>
+          </p:txBody>
+        </p:sp>
+        <p:sp>
+          <p:nvSpPr>
+            <p:cNvPr id="11" name="íşḻîďe">
+              <a:extLst>
+                <a:ext uri="{FF2B5EF4-FFF2-40B4-BE49-F238E27FC236}">
+                  <a16:creationId xmlns:a16="http://schemas.microsoft.com/office/drawing/2014/main" id="{2C7C13FE-7A0D-6BAA-9964-2322A393A104}"/>
+                </a:ext>
+              </a:extLst>
+            </p:cNvPr>
+            <p:cNvSpPr txBox="1"/>
+            <p:nvPr/>
+          </p:nvSpPr>
+          <p:spPr>
+            <a:xfrm>
+              <a:off x="6874701" y="3489635"/>
+              <a:ext cx="4056453" cy="661720"/>
+            </a:xfrm>
+            <a:prstGeom prst="rect">
+              <a:avLst/>
+            </a:prstGeom>
+            <a:noFill/>
+            <a:ln>
+              <a:noFill/>
+            </a:ln>
+          </p:spPr>
+          <p:txBody>
+            <a:bodyPr wrap="square" lIns="91440" tIns="45720" rIns="91440" bIns="45720" anchor="ctr" anchorCtr="0">
+              <a:noAutofit/>
+            </a:bodyPr>
+            <a:lstStyle>
+              <a:defPPr>
+                <a:defRPr lang="zh-CN"/>
+              </a:defPPr>
+              <a:lvl1pPr marL="0" algn="l" defTabSz="914400" rtl="0" eaLnBrk="1" latinLnBrk="0" hangingPunct="1">
+                <a:defRPr sz="1800" kern="1200">
+                  <a:solidFill>
+                    <a:schemeClr val="tx1"/>
+                  </a:solidFill>
+                </a:defRPr>
+              </a:lvl1pPr>
+              <a:lvl2pPr marL="457200" algn="l" defTabSz="914400" rtl="0" eaLnBrk="1" latinLnBrk="0" hangingPunct="1">
+                <a:defRPr sz="1800" kern="1200">
+                  <a:solidFill>
+                    <a:schemeClr val="tx1"/>
+                  </a:solidFill>
+                </a:defRPr>
+              </a:lvl2pPr>
+              <a:lvl3pPr marL="914400" algn="l" defTabSz="914400" rtl="0" eaLnBrk="1" latinLnBrk="0" hangingPunct="1">
+                <a:defRPr sz="1800" kern="1200">
+                  <a:solidFill>
+                    <a:schemeClr val="tx1"/>
+                  </a:solidFill>
+                </a:defRPr>
+              </a:lvl3pPr>
+              <a:lvl4pPr marL="1371600" algn="l" defTabSz="914400" rtl="0" eaLnBrk="1" latinLnBrk="0" hangingPunct="1">
+                <a:defRPr sz="1800" kern="1200">
+                  <a:solidFill>
+                    <a:schemeClr val="tx1"/>
+                  </a:solidFill>
+                </a:defRPr>
+              </a:lvl4pPr>
+              <a:lvl5pPr marL="1828800" algn="l" defTabSz="914400" rtl="0" eaLnBrk="1" latinLnBrk="0" hangingPunct="1">
+                <a:defRPr sz="1800" kern="1200">
+                  <a:solidFill>
+                    <a:schemeClr val="tx1"/>
+                  </a:solidFill>
+                </a:defRPr>
+              </a:lvl5pPr>
+              <a:lvl6pPr marL="2286000" algn="l" defTabSz="914400" rtl="0" eaLnBrk="1" latinLnBrk="0" hangingPunct="1">
+                <a:defRPr sz="1800" kern="1200">
+                  <a:solidFill>
+                    <a:schemeClr val="tx1"/>
+                  </a:solidFill>
+                </a:defRPr>
+              </a:lvl6pPr>
+              <a:lvl7pPr marL="2743200" algn="l" defTabSz="914400" rtl="0" eaLnBrk="1" latinLnBrk="0" hangingPunct="1">
+                <a:defRPr sz="1800" kern="1200">
+                  <a:solidFill>
+                    <a:schemeClr val="tx1"/>
+                  </a:solidFill>
+                </a:defRPr>
+              </a:lvl7pPr>
+              <a:lvl8pPr marL="3200400" algn="l" defTabSz="914400" rtl="0" eaLnBrk="1" latinLnBrk="0" hangingPunct="1">
+                <a:defRPr sz="1800" kern="1200">
+                  <a:solidFill>
+                    <a:schemeClr val="tx1"/>
+                  </a:solidFill>
+                </a:defRPr>
+              </a:lvl8pPr>
+              <a:lvl9pPr marL="3657600" algn="l" defTabSz="914400" rtl="0" eaLnBrk="1" latinLnBrk="0" hangingPunct="1">
+                <a:defRPr sz="1800" kern="1200">
+                  <a:solidFill>
+                    <a:schemeClr val="tx1"/>
+                  </a:solidFill>
+                </a:defRPr>
+              </a:lvl9pPr>
+            </a:lstStyle>
+            <a:p>
+              <a:pPr>
+                <a:lnSpc>
+                  <a:spcPct val="150000"/>
+                </a:lnSpc>
+                <a:defRPr/>
+              </a:pPr>
+              <a:r>
+                <a:rPr lang="zh-CN" altLang="en-US" kern="0" dirty="0" smtClean="0">
+                  <a:solidFill>
+                    <a:schemeClr val="tx1">
+                      <a:lumMod val="75000"/>
+                      <a:lumOff val="25000"/>
+                    </a:schemeClr>
+                  </a:solidFill>
+                  <a:latin typeface="仿宋" panose="02010609060101010101" pitchFamily="49" charset="-122"/>
+                  <a:ea typeface="仿宋" panose="02010609060101010101" pitchFamily="49" charset="-122"/>
+                  <a:cs typeface="+mn-ea"/>
+                  <a:sym typeface="Arial" panose="020B0604020202020204" pitchFamily="34" charset="0"/>
+                </a:rPr>
+                <a:t>技术支持，提供高度定制化需求的解决方案，如开发数据处理脚本程序，</a:t>
+              </a:r>
+              <a:r>
+                <a:rPr lang="en-US" altLang="zh-CN" kern="0" dirty="0" smtClean="0">
+                  <a:solidFill>
+                    <a:schemeClr val="tx1">
+                      <a:lumMod val="75000"/>
+                      <a:lumOff val="25000"/>
+                    </a:schemeClr>
+                  </a:solidFill>
+                  <a:latin typeface="仿宋" panose="02010609060101010101" pitchFamily="49" charset="-122"/>
+                  <a:ea typeface="仿宋" panose="02010609060101010101" pitchFamily="49" charset="-122"/>
+                  <a:cs typeface="+mn-ea"/>
+                  <a:sym typeface="Arial" panose="020B0604020202020204" pitchFamily="34" charset="0"/>
+                </a:rPr>
+                <a:t>ftp</a:t>
+              </a:r>
+              <a:r>
+                <a:rPr lang="zh-CN" altLang="en-US" kern="0" dirty="0" smtClean="0">
+                  <a:solidFill>
+                    <a:schemeClr val="tx1">
+                      <a:lumMod val="75000"/>
+                      <a:lumOff val="25000"/>
+                    </a:schemeClr>
+                  </a:solidFill>
+                  <a:latin typeface="仿宋" panose="02010609060101010101" pitchFamily="49" charset="-122"/>
+                  <a:ea typeface="仿宋" panose="02010609060101010101" pitchFamily="49" charset="-122"/>
+                  <a:cs typeface="+mn-ea"/>
+                  <a:sym typeface="Arial" panose="020B0604020202020204" pitchFamily="34" charset="0"/>
+                </a:rPr>
+                <a:t>文件上传系统等</a:t>
+              </a:r>
+              <a:endParaRPr lang="en-US" altLang="zh-CN" kern="0" dirty="0" smtClean="0">
+                <a:solidFill>
+                  <a:schemeClr val="tx1">
+                    <a:lumMod val="75000"/>
+                    <a:lumOff val="25000"/>
+                  </a:schemeClr>
+                </a:solidFill>
+                <a:latin typeface="仿宋" panose="02010609060101010101" pitchFamily="49" charset="-122"/>
+                <a:ea typeface="仿宋" panose="02010609060101010101" pitchFamily="49" charset="-122"/>
+                <a:cs typeface="+mn-ea"/>
+                <a:sym typeface="Arial" panose="020B0604020202020204" pitchFamily="34" charset="0"/>
+              </a:endParaRPr>
+            </a:p>
+          </p:txBody>
+        </p:sp>
+        <p:sp>
+          <p:nvSpPr>
+            <p:cNvPr id="13" name="矩形 21">
+              <a:extLst>
+                <a:ext uri="{FF2B5EF4-FFF2-40B4-BE49-F238E27FC236}">
+                  <a16:creationId xmlns:a16="http://schemas.microsoft.com/office/drawing/2014/main" id="{CD46732B-C65F-14D0-4C65-7465135BBFB8}"/>
+                </a:ext>
+              </a:extLst>
+            </p:cNvPr>
+            <p:cNvSpPr>
+              <a:spLocks noChangeArrowheads="1"/>
+            </p:cNvSpPr>
+            <p:nvPr/>
+          </p:nvSpPr>
+          <p:spPr bwMode="auto">
+            <a:xfrm>
+              <a:off x="9344915" y="2275662"/>
+              <a:ext cx="1035250" cy="400110"/>
+            </a:xfrm>
+            <a:prstGeom prst="rect">
+              <a:avLst/>
+            </a:prstGeom>
+            <a:noFill/>
+            <a:ln>
+              <a:noFill/>
+            </a:ln>
+            <a:extLst>
+              <a:ext uri="{909E8E84-426E-40DD-AFC4-6F175D3DCCD1}">
+                <a14:hiddenFill xmlns:a14="http://schemas.microsoft.com/office/drawing/2010/main">
+                  <a:solidFill>
+                    <a:srgbClr val="FFFFFF"/>
+                  </a:solidFill>
+                </a14:hiddenFill>
+              </a:ext>
+              <a:ext uri="{91240B29-F687-4F45-9708-019B960494DF}">
+                <a14:hiddenLine xmlns:a14="http://schemas.microsoft.com/office/drawing/2010/main" w="9525">
+                  <a:solidFill>
+                    <a:srgbClr val="000000"/>
+                  </a:solidFill>
+                  <a:miter lim="800000"/>
+                  <a:headEnd/>
+                  <a:tailEnd/>
+                </a14:hiddenLine>
+              </a:ext>
+            </a:extLst>
+          </p:spPr>
+          <p:txBody>
+            <a:bodyPr wrap="square">
+              <a:spAutoFit/>
+            </a:bodyPr>
+            <a:lstStyle/>
+            <a:p>
+              <a:r>
+                <a:rPr lang="zh-CN" altLang="en-US" sz="2000" dirty="0" smtClean="0">
+                  <a:latin typeface="思源黑体 CN Medium" panose="020B0600000000000000" pitchFamily="34" charset="-122"/>
+                  <a:ea typeface="思源黑体 CN Medium" panose="020B0600000000000000" pitchFamily="34" charset="-122"/>
+                  <a:cs typeface="OPPOSans M" panose="00020600040101010101" pitchFamily="18" charset="-122"/>
+                  <a:sym typeface="思源黑体 CN Normal" panose="020B0400000000000000" pitchFamily="34" charset="-122"/>
+                </a:rPr>
+                <a:t>对团队</a:t>
+              </a:r>
+              <a:endParaRPr lang="en-US" altLang="zh-CN" sz="2000" dirty="0">
+                <a:latin typeface="思源黑体 CN Medium" panose="020B0600000000000000" pitchFamily="34" charset="-122"/>
+                <a:ea typeface="思源黑体 CN Medium" panose="020B0600000000000000" pitchFamily="34" charset="-122"/>
+                <a:cs typeface="OPPOSans M" panose="00020600040101010101" pitchFamily="18" charset="-122"/>
+                <a:sym typeface="思源黑体 CN Normal" panose="020B0400000000000000" pitchFamily="34" charset="-122"/>
+              </a:endParaRPr>
+            </a:p>
+          </p:txBody>
+        </p:sp>
+      </p:grpSp>
+      <p:grpSp>
+        <p:nvGrpSpPr>
+          <p:cNvPr id="14" name="组合 13">
+            <a:extLst>
+              <a:ext uri="{FF2B5EF4-FFF2-40B4-BE49-F238E27FC236}">
+                <a16:creationId xmlns:a16="http://schemas.microsoft.com/office/drawing/2014/main" id="{72ACE1A0-F202-A39C-8DD6-DC2CEBB033F9}"/>
+              </a:ext>
+            </a:extLst>
+          </p:cNvPr>
+          <p:cNvGrpSpPr/>
+          <p:nvPr/>
+        </p:nvGrpSpPr>
+        <p:grpSpPr>
+          <a:xfrm>
+            <a:off x="661050" y="2114177"/>
+            <a:ext cx="4936937" cy="3621214"/>
+            <a:chOff x="661050" y="2114176"/>
+            <a:chExt cx="4936937" cy="2644601"/>
+          </a:xfrm>
+        </p:grpSpPr>
+        <p:sp>
+          <p:nvSpPr>
+            <p:cNvPr id="15" name="íşḻîďe">
+              <a:extLst>
+                <a:ext uri="{FF2B5EF4-FFF2-40B4-BE49-F238E27FC236}">
+                  <a16:creationId xmlns:a16="http://schemas.microsoft.com/office/drawing/2014/main" id="{D13B4035-7FE5-0CA8-77C3-656B50580F42}"/>
+                </a:ext>
+              </a:extLst>
+            </p:cNvPr>
+            <p:cNvSpPr txBox="1"/>
+            <p:nvPr/>
+          </p:nvSpPr>
+          <p:spPr>
+            <a:xfrm>
+              <a:off x="1197285" y="4097057"/>
+              <a:ext cx="4400702" cy="661720"/>
+            </a:xfrm>
+            <a:prstGeom prst="rect">
+              <a:avLst/>
+            </a:prstGeom>
+            <a:noFill/>
+            <a:ln>
+              <a:noFill/>
+            </a:ln>
+          </p:spPr>
+          <p:txBody>
+            <a:bodyPr wrap="square" lIns="91440" tIns="45720" rIns="91440" bIns="45720" anchor="ctr" anchorCtr="0">
+              <a:noAutofit/>
+            </a:bodyPr>
+            <a:lstStyle>
+              <a:defPPr>
+                <a:defRPr lang="zh-CN"/>
+              </a:defPPr>
+              <a:lvl1pPr marL="0" algn="l" defTabSz="914400" rtl="0" eaLnBrk="1" latinLnBrk="0" hangingPunct="1">
+                <a:defRPr sz="1800" kern="1200">
+                  <a:solidFill>
+                    <a:schemeClr val="tx1"/>
+                  </a:solidFill>
+                </a:defRPr>
+              </a:lvl1pPr>
+              <a:lvl2pPr marL="457200" algn="l" defTabSz="914400" rtl="0" eaLnBrk="1" latinLnBrk="0" hangingPunct="1">
+                <a:defRPr sz="1800" kern="1200">
+                  <a:solidFill>
+                    <a:schemeClr val="tx1"/>
+                  </a:solidFill>
+                </a:defRPr>
+              </a:lvl2pPr>
+              <a:lvl3pPr marL="914400" algn="l" defTabSz="914400" rtl="0" eaLnBrk="1" latinLnBrk="0" hangingPunct="1">
+                <a:defRPr sz="1800" kern="1200">
+                  <a:solidFill>
+                    <a:schemeClr val="tx1"/>
+                  </a:solidFill>
+                </a:defRPr>
+              </a:lvl3pPr>
+              <a:lvl4pPr marL="1371600" algn="l" defTabSz="914400" rtl="0" eaLnBrk="1" latinLnBrk="0" hangingPunct="1">
+                <a:defRPr sz="1800" kern="1200">
+                  <a:solidFill>
+                    <a:schemeClr val="tx1"/>
+                  </a:solidFill>
+                </a:defRPr>
+              </a:lvl4pPr>
+              <a:lvl5pPr marL="1828800" algn="l" defTabSz="914400" rtl="0" eaLnBrk="1" latinLnBrk="0" hangingPunct="1">
+                <a:defRPr sz="1800" kern="1200">
+                  <a:solidFill>
+                    <a:schemeClr val="tx1"/>
+                  </a:solidFill>
+                </a:defRPr>
+              </a:lvl5pPr>
+              <a:lvl6pPr marL="2286000" algn="l" defTabSz="914400" rtl="0" eaLnBrk="1" latinLnBrk="0" hangingPunct="1">
+                <a:defRPr sz="1800" kern="1200">
+                  <a:solidFill>
+                    <a:schemeClr val="tx1"/>
+                  </a:solidFill>
+                </a:defRPr>
+              </a:lvl6pPr>
+              <a:lvl7pPr marL="2743200" algn="l" defTabSz="914400" rtl="0" eaLnBrk="1" latinLnBrk="0" hangingPunct="1">
+                <a:defRPr sz="1800" kern="1200">
+                  <a:solidFill>
+                    <a:schemeClr val="tx1"/>
+                  </a:solidFill>
+                </a:defRPr>
+              </a:lvl7pPr>
+              <a:lvl8pPr marL="3200400" algn="l" defTabSz="914400" rtl="0" eaLnBrk="1" latinLnBrk="0" hangingPunct="1">
+                <a:defRPr sz="1800" kern="1200">
+                  <a:solidFill>
+                    <a:schemeClr val="tx1"/>
+                  </a:solidFill>
+                </a:defRPr>
+              </a:lvl8pPr>
+              <a:lvl9pPr marL="3657600" algn="l" defTabSz="914400" rtl="0" eaLnBrk="1" latinLnBrk="0" hangingPunct="1">
+                <a:defRPr sz="1800" kern="1200">
+                  <a:solidFill>
+                    <a:schemeClr val="tx1"/>
+                  </a:solidFill>
+                </a:defRPr>
+              </a:lvl9pPr>
+            </a:lstStyle>
+            <a:p>
+              <a:pPr>
+                <a:lnSpc>
+                  <a:spcPct val="150000"/>
+                </a:lnSpc>
+                <a:defRPr/>
+              </a:pPr>
+              <a:r>
+                <a:rPr lang="zh-CN" altLang="en-US" kern="0" dirty="0" smtClean="0">
+                  <a:solidFill>
+                    <a:schemeClr val="tx1">
+                      <a:lumMod val="75000"/>
+                      <a:lumOff val="25000"/>
+                    </a:schemeClr>
+                  </a:solidFill>
+                  <a:latin typeface="仿宋" panose="02010609060101010101" pitchFamily="49" charset="-122"/>
+                  <a:ea typeface="仿宋" panose="02010609060101010101" pitchFamily="49" charset="-122"/>
+                  <a:cs typeface="+mn-ea"/>
+                  <a:sym typeface="Arial" panose="020B0604020202020204" pitchFamily="34" charset="0"/>
+                </a:rPr>
+                <a:t>系统的维护与错误修复，能够及时响应、快速定位解决，无需受制于供应商</a:t>
+              </a:r>
+              <a:endParaRPr lang="en-US" altLang="zh-CN" kern="0" dirty="0">
+                <a:solidFill>
+                  <a:schemeClr val="tx1">
+                    <a:lumMod val="75000"/>
+                    <a:lumOff val="25000"/>
+                  </a:schemeClr>
+                </a:solidFill>
+                <a:latin typeface="仿宋" panose="02010609060101010101" pitchFamily="49" charset="-122"/>
+                <a:ea typeface="仿宋" panose="02010609060101010101" pitchFamily="49" charset="-122"/>
+                <a:sym typeface="Arial" panose="020B0604020202020204" pitchFamily="34" charset="0"/>
+              </a:endParaRPr>
+            </a:p>
+          </p:txBody>
+        </p:sp>
+        <p:grpSp>
+          <p:nvGrpSpPr>
+            <p:cNvPr id="16" name="组合 15">
+              <a:extLst>
+                <a:ext uri="{FF2B5EF4-FFF2-40B4-BE49-F238E27FC236}">
+                  <a16:creationId xmlns:a16="http://schemas.microsoft.com/office/drawing/2014/main" id="{2CB34067-8B58-0C84-1136-968B2F39D020}"/>
+                </a:ext>
+              </a:extLst>
+            </p:cNvPr>
+            <p:cNvGrpSpPr/>
+            <p:nvPr/>
+          </p:nvGrpSpPr>
+          <p:grpSpPr>
+            <a:xfrm>
+              <a:off x="661050" y="2114176"/>
+              <a:ext cx="4834875" cy="2529774"/>
+              <a:chOff x="661050" y="2114176"/>
+              <a:chExt cx="4834875" cy="2529774"/>
+            </a:xfrm>
+          </p:grpSpPr>
+          <p:sp>
+            <p:nvSpPr>
+              <p:cNvPr id="17" name="iṧḻïḍe">
+                <a:extLst>
+                  <a:ext uri="{FF2B5EF4-FFF2-40B4-BE49-F238E27FC236}">
+                    <a16:creationId xmlns:a16="http://schemas.microsoft.com/office/drawing/2014/main" id="{7C47DE99-73CF-BEC3-A322-7BC43D765F55}"/>
+                  </a:ext>
+                </a:extLst>
+              </p:cNvPr>
+              <p:cNvSpPr/>
+              <p:nvPr/>
+            </p:nvSpPr>
+            <p:spPr>
+              <a:xfrm>
+                <a:off x="661050" y="2114176"/>
+                <a:ext cx="1072470" cy="783229"/>
+              </a:xfrm>
+              <a:prstGeom prst="ellipse">
+                <a:avLst/>
+              </a:prstGeom>
+              <a:solidFill>
+                <a:sysClr val="window" lastClr="FFFFFF"/>
+              </a:solidFill>
+              <a:ln w="25400" cap="flat" cmpd="sng" algn="ctr">
+                <a:solidFill>
+                  <a:srgbClr val="0177B4"/>
+                </a:solidFill>
+                <a:prstDash val="solid"/>
+                <a:miter lim="800000"/>
+              </a:ln>
+              <a:effectLst/>
+            </p:spPr>
+            <p:txBody>
+              <a:bodyPr wrap="square" lIns="91440" tIns="45720" rIns="91440" bIns="45720" anchor="ctr">
+                <a:normAutofit/>
+              </a:bodyPr>
+              <a:lstStyle/>
+              <a:p>
+                <a:pPr marL="0" marR="0" lvl="0" indent="0" algn="ctr" defTabSz="914400" eaLnBrk="1" fontAlgn="auto" latinLnBrk="0" hangingPunct="1">
+                  <a:lnSpc>
+                    <a:spcPct val="100000"/>
+                  </a:lnSpc>
+                  <a:spcBef>
+                    <a:spcPts val="0"/>
+                  </a:spcBef>
+                  <a:spcAft>
+                    <a:spcPts val="0"/>
+                  </a:spcAft>
+                  <a:buClrTx/>
+                  <a:buSzTx/>
+                  <a:buFontTx/>
+                  <a:buNone/>
+                  <a:tabLst/>
+                  <a:defRPr/>
+                </a:pPr>
+                <a:endParaRPr kumimoji="0" sz="1800" b="0" i="0" u="none" strike="noStrike" kern="0" cap="none" spc="0" normalizeH="0" baseline="0" noProof="0">
+                  <a:ln>
+                    <a:noFill/>
+                  </a:ln>
+                  <a:solidFill>
+                    <a:prstClr val="white"/>
+                  </a:solidFill>
+                  <a:effectLst/>
+                  <a:uLnTx/>
+                  <a:uFillTx/>
+                  <a:latin typeface="Arial"/>
+                  <a:ea typeface="思源黑体 CN Regular"/>
+                  <a:cs typeface="+mn-cs"/>
+                </a:endParaRPr>
+              </a:p>
+            </p:txBody>
+          </p:sp>
+          <p:sp>
+            <p:nvSpPr>
+              <p:cNvPr id="18" name="iṧḻiďe">
+                <a:extLst>
+                  <a:ext uri="{FF2B5EF4-FFF2-40B4-BE49-F238E27FC236}">
+                    <a16:creationId xmlns:a16="http://schemas.microsoft.com/office/drawing/2014/main" id="{B75893EC-D383-F362-0688-0CCF820704B1}"/>
+                  </a:ext>
+                </a:extLst>
+              </p:cNvPr>
+              <p:cNvSpPr/>
+              <p:nvPr/>
+            </p:nvSpPr>
+            <p:spPr>
+              <a:xfrm>
+                <a:off x="998743" y="3247900"/>
+                <a:ext cx="38814" cy="519567"/>
+              </a:xfrm>
+              <a:prstGeom prst="rect">
+                <a:avLst/>
+              </a:prstGeom>
+              <a:solidFill>
+                <a:srgbClr val="0177B4"/>
+              </a:solidFill>
+              <a:ln w="12700" cap="flat" cmpd="sng" algn="ctr">
+                <a:noFill/>
+                <a:prstDash val="solid"/>
+                <a:miter lim="800000"/>
+              </a:ln>
+              <a:effectLst/>
+            </p:spPr>
+            <p:txBody>
+              <a:bodyPr wrap="square" lIns="91440" tIns="45720" rIns="91440" bIns="45720" anchor="ctr">
+                <a:normAutofit/>
+              </a:bodyPr>
+              <a:lstStyle/>
+              <a:p>
+                <a:pPr marL="0" marR="0" lvl="0" indent="0" algn="ctr" defTabSz="914400" eaLnBrk="1" fontAlgn="auto" latinLnBrk="0" hangingPunct="1">
+                  <a:lnSpc>
+                    <a:spcPct val="100000"/>
+                  </a:lnSpc>
+                  <a:spcBef>
+                    <a:spcPts val="0"/>
+                  </a:spcBef>
+                  <a:spcAft>
+                    <a:spcPts val="0"/>
+                  </a:spcAft>
+                  <a:buClrTx/>
+                  <a:buSzTx/>
+                  <a:buFontTx/>
+                  <a:buNone/>
+                  <a:tabLst/>
+                  <a:defRPr/>
+                </a:pPr>
+                <a:endParaRPr kumimoji="0" sz="1800" b="0" i="0" u="none" strike="noStrike" kern="0" cap="none" spc="0" normalizeH="0" baseline="0" noProof="0">
+                  <a:ln>
+                    <a:noFill/>
+                  </a:ln>
+                  <a:solidFill>
+                    <a:prstClr val="white"/>
+                  </a:solidFill>
+                  <a:effectLst/>
+                  <a:uLnTx/>
+                  <a:uFillTx/>
+                  <a:latin typeface="Arial"/>
+                  <a:ea typeface="思源黑体 CN Regular"/>
+                  <a:cs typeface="+mn-cs"/>
+                </a:endParaRPr>
+              </a:p>
+            </p:txBody>
+          </p:sp>
+          <p:sp>
+            <p:nvSpPr>
+              <p:cNvPr id="19" name="ïṧ1iḋê">
+                <a:extLst>
+                  <a:ext uri="{FF2B5EF4-FFF2-40B4-BE49-F238E27FC236}">
+                    <a16:creationId xmlns:a16="http://schemas.microsoft.com/office/drawing/2014/main" id="{AA67087E-EFA3-1561-6768-EA3CAA95E126}"/>
+                  </a:ext>
+                </a:extLst>
+              </p:cNvPr>
+              <p:cNvSpPr/>
+              <p:nvPr/>
+            </p:nvSpPr>
+            <p:spPr>
+              <a:xfrm>
+                <a:off x="998743" y="4124383"/>
+                <a:ext cx="38814" cy="519567"/>
+              </a:xfrm>
+              <a:prstGeom prst="rect">
+                <a:avLst/>
+              </a:prstGeom>
+              <a:solidFill>
+                <a:srgbClr val="0177B4"/>
+              </a:solidFill>
+              <a:ln w="12700" cap="flat" cmpd="sng" algn="ctr">
+                <a:noFill/>
+                <a:prstDash val="solid"/>
+                <a:miter lim="800000"/>
+              </a:ln>
+              <a:effectLst/>
+            </p:spPr>
+            <p:txBody>
+              <a:bodyPr wrap="square" lIns="91440" tIns="45720" rIns="91440" bIns="45720" anchor="ctr">
+                <a:normAutofit/>
+              </a:bodyPr>
+              <a:lstStyle/>
+              <a:p>
+                <a:pPr marL="0" marR="0" lvl="0" indent="0" algn="ctr" defTabSz="914400" eaLnBrk="1" fontAlgn="auto" latinLnBrk="0" hangingPunct="1">
+                  <a:lnSpc>
+                    <a:spcPct val="100000"/>
+                  </a:lnSpc>
+                  <a:spcBef>
+                    <a:spcPts val="0"/>
+                  </a:spcBef>
+                  <a:spcAft>
+                    <a:spcPts val="0"/>
+                  </a:spcAft>
+                  <a:buClrTx/>
+                  <a:buSzTx/>
+                  <a:buFontTx/>
+                  <a:buNone/>
+                  <a:tabLst/>
+                  <a:defRPr/>
+                </a:pPr>
+                <a:endParaRPr kumimoji="0" sz="1800" b="0" i="0" u="none" strike="noStrike" kern="0" cap="none" spc="0" normalizeH="0" baseline="0" noProof="0">
+                  <a:ln>
+                    <a:noFill/>
+                  </a:ln>
+                  <a:solidFill>
+                    <a:prstClr val="white"/>
+                  </a:solidFill>
+                  <a:effectLst/>
+                  <a:uLnTx/>
+                  <a:uFillTx/>
+                  <a:latin typeface="Arial"/>
+                  <a:ea typeface="思源黑体 CN Regular"/>
+                  <a:cs typeface="+mn-cs"/>
+                </a:endParaRPr>
+              </a:p>
+            </p:txBody>
+          </p:sp>
+          <p:sp>
+            <p:nvSpPr>
+              <p:cNvPr id="20" name="íşḻîďe">
+                <a:extLst>
+                  <a:ext uri="{FF2B5EF4-FFF2-40B4-BE49-F238E27FC236}">
+                    <a16:creationId xmlns:a16="http://schemas.microsoft.com/office/drawing/2014/main" id="{E26E739D-BF0B-E2D5-7821-62BD6D509286}"/>
+                  </a:ext>
+                </a:extLst>
+              </p:cNvPr>
+              <p:cNvSpPr txBox="1"/>
+              <p:nvPr/>
+            </p:nvSpPr>
+            <p:spPr>
+              <a:xfrm>
+                <a:off x="1197285" y="3176824"/>
+                <a:ext cx="4298640" cy="661720"/>
+              </a:xfrm>
+              <a:prstGeom prst="rect">
+                <a:avLst/>
+              </a:prstGeom>
+              <a:noFill/>
+              <a:ln>
+                <a:noFill/>
+              </a:ln>
+            </p:spPr>
+            <p:txBody>
+              <a:bodyPr wrap="square" lIns="91440" tIns="45720" rIns="91440" bIns="45720" anchor="ctr" anchorCtr="0">
+                <a:noAutofit/>
+              </a:bodyPr>
+              <a:lstStyle>
+                <a:defPPr>
+                  <a:defRPr lang="zh-CN"/>
+                </a:defPPr>
+                <a:lvl1pPr marL="0" algn="l" defTabSz="914400" rtl="0" eaLnBrk="1" latinLnBrk="0" hangingPunct="1">
+                  <a:defRPr sz="1800" kern="1200">
+                    <a:solidFill>
+                      <a:schemeClr val="tx1"/>
+                    </a:solidFill>
+                  </a:defRPr>
+                </a:lvl1pPr>
+                <a:lvl2pPr marL="457200" algn="l" defTabSz="914400" rtl="0" eaLnBrk="1" latinLnBrk="0" hangingPunct="1">
+                  <a:defRPr sz="1800" kern="1200">
+                    <a:solidFill>
+                      <a:schemeClr val="tx1"/>
+                    </a:solidFill>
+                  </a:defRPr>
+                </a:lvl2pPr>
+                <a:lvl3pPr marL="914400" algn="l" defTabSz="914400" rtl="0" eaLnBrk="1" latinLnBrk="0" hangingPunct="1">
+                  <a:defRPr sz="1800" kern="1200">
+                    <a:solidFill>
+                      <a:schemeClr val="tx1"/>
+                    </a:solidFill>
+                  </a:defRPr>
+                </a:lvl3pPr>
+                <a:lvl4pPr marL="1371600" algn="l" defTabSz="914400" rtl="0" eaLnBrk="1" latinLnBrk="0" hangingPunct="1">
+                  <a:defRPr sz="1800" kern="1200">
+                    <a:solidFill>
+                      <a:schemeClr val="tx1"/>
+                    </a:solidFill>
+                  </a:defRPr>
+                </a:lvl4pPr>
+                <a:lvl5pPr marL="1828800" algn="l" defTabSz="914400" rtl="0" eaLnBrk="1" latinLnBrk="0" hangingPunct="1">
+                  <a:defRPr sz="1800" kern="1200">
+                    <a:solidFill>
+                      <a:schemeClr val="tx1"/>
+                    </a:solidFill>
+                  </a:defRPr>
+                </a:lvl5pPr>
+                <a:lvl6pPr marL="2286000" algn="l" defTabSz="914400" rtl="0" eaLnBrk="1" latinLnBrk="0" hangingPunct="1">
+                  <a:defRPr sz="1800" kern="1200">
+                    <a:solidFill>
+                      <a:schemeClr val="tx1"/>
+                    </a:solidFill>
+                  </a:defRPr>
+                </a:lvl6pPr>
+                <a:lvl7pPr marL="2743200" algn="l" defTabSz="914400" rtl="0" eaLnBrk="1" latinLnBrk="0" hangingPunct="1">
+                  <a:defRPr sz="1800" kern="1200">
+                    <a:solidFill>
+                      <a:schemeClr val="tx1"/>
+                    </a:solidFill>
+                  </a:defRPr>
+                </a:lvl7pPr>
+                <a:lvl8pPr marL="3200400" algn="l" defTabSz="914400" rtl="0" eaLnBrk="1" latinLnBrk="0" hangingPunct="1">
+                  <a:defRPr sz="1800" kern="1200">
+                    <a:solidFill>
+                      <a:schemeClr val="tx1"/>
+                    </a:solidFill>
+                  </a:defRPr>
+                </a:lvl8pPr>
+                <a:lvl9pPr marL="3657600" algn="l" defTabSz="914400" rtl="0" eaLnBrk="1" latinLnBrk="0" hangingPunct="1">
+                  <a:defRPr sz="1800" kern="1200">
+                    <a:solidFill>
+                      <a:schemeClr val="tx1"/>
+                    </a:solidFill>
+                  </a:defRPr>
+                </a:lvl9pPr>
+              </a:lstStyle>
+              <a:p>
+                <a:pPr>
+                  <a:lnSpc>
+                    <a:spcPct val="150000"/>
+                  </a:lnSpc>
+                  <a:defRPr/>
+                </a:pPr>
+                <a:r>
+                  <a:rPr lang="zh-CN" altLang="en-US" kern="0" dirty="0" smtClean="0">
+                    <a:solidFill>
+                      <a:schemeClr val="tx1">
+                        <a:lumMod val="75000"/>
+                        <a:lumOff val="25000"/>
+                      </a:schemeClr>
+                    </a:solidFill>
+                    <a:latin typeface="仿宋" panose="02010609060101010101" pitchFamily="49" charset="-122"/>
+                    <a:ea typeface="仿宋" panose="02010609060101010101" pitchFamily="49" charset="-122"/>
+                    <a:cs typeface="+mn-ea"/>
+                    <a:sym typeface="Arial" panose="020B0604020202020204" pitchFamily="34" charset="0"/>
+                  </a:rPr>
+                  <a:t>部分需求内部完成，减少对外部供应商的依赖，节约人天成本</a:t>
+                </a:r>
+                <a:endParaRPr lang="en-US" altLang="zh-CN" kern="0" dirty="0">
+                  <a:solidFill>
+                    <a:schemeClr val="tx1">
+                      <a:lumMod val="75000"/>
+                      <a:lumOff val="25000"/>
+                    </a:schemeClr>
+                  </a:solidFill>
+                  <a:latin typeface="仿宋" panose="02010609060101010101" pitchFamily="49" charset="-122"/>
+                  <a:ea typeface="仿宋" panose="02010609060101010101" pitchFamily="49" charset="-122"/>
+                  <a:sym typeface="Arial" panose="020B0604020202020204" pitchFamily="34" charset="0"/>
+                </a:endParaRPr>
+              </a:p>
+            </p:txBody>
+          </p:sp>
+          <p:sp>
+            <p:nvSpPr>
+              <p:cNvPr id="21" name="矩形 21">
+                <a:extLst>
+                  <a:ext uri="{FF2B5EF4-FFF2-40B4-BE49-F238E27FC236}">
+                    <a16:creationId xmlns:a16="http://schemas.microsoft.com/office/drawing/2014/main" id="{2B37E3B7-E494-2BC7-FA40-DBFF2F8CA450}"/>
+                  </a:ext>
+                </a:extLst>
+              </p:cNvPr>
+              <p:cNvSpPr>
+                <a:spLocks noChangeArrowheads="1"/>
+              </p:cNvSpPr>
+              <p:nvPr/>
+            </p:nvSpPr>
+            <p:spPr bwMode="auto">
+              <a:xfrm>
+                <a:off x="1901616" y="2271306"/>
+                <a:ext cx="1136859" cy="400110"/>
+              </a:xfrm>
+              <a:prstGeom prst="rect">
+                <a:avLst/>
+              </a:prstGeom>
+              <a:noFill/>
+              <a:ln>
+                <a:noFill/>
+              </a:ln>
+              <a:extLst>
+                <a:ext uri="{909E8E84-426E-40DD-AFC4-6F175D3DCCD1}">
+                  <a14:hiddenFill xmlns:a14="http://schemas.microsoft.com/office/drawing/2010/main">
+                    <a:solidFill>
+                      <a:srgbClr val="FFFFFF"/>
+                    </a:solidFill>
+                  </a14:hiddenFill>
+                </a:ext>
+                <a:ext uri="{91240B29-F687-4F45-9708-019B960494DF}">
+                  <a14:hiddenLine xmlns:a14="http://schemas.microsoft.com/office/drawing/2010/main" w="9525">
+                    <a:solidFill>
+                      <a:srgbClr val="000000"/>
+                    </a:solidFill>
+                    <a:miter lim="800000"/>
+                    <a:headEnd/>
+                    <a:tailEnd/>
+                  </a14:hiddenLine>
+                </a:ext>
+              </a:extLst>
+            </p:spPr>
+            <p:txBody>
+              <a:bodyPr wrap="square">
+                <a:spAutoFit/>
+              </a:bodyPr>
+              <a:lstStyle/>
+              <a:p>
+                <a:r>
+                  <a:rPr lang="zh-CN" altLang="en-US" sz="2000" dirty="0" smtClean="0">
+                    <a:latin typeface="思源黑体 CN Medium" panose="020B0600000000000000" pitchFamily="34" charset="-122"/>
+                    <a:ea typeface="思源黑体 CN Medium" panose="020B0600000000000000" pitchFamily="34" charset="-122"/>
+                    <a:cs typeface="OPPOSans M" panose="00020600040101010101" pitchFamily="18" charset="-122"/>
+                    <a:sym typeface="思源黑体 CN Normal" panose="020B0400000000000000" pitchFamily="34" charset="-122"/>
+                  </a:rPr>
+                  <a:t>对公司</a:t>
+                </a:r>
+                <a:endParaRPr lang="en-US" altLang="zh-CN" sz="2000" dirty="0">
+                  <a:latin typeface="思源黑体 CN Medium" panose="020B0600000000000000" pitchFamily="34" charset="-122"/>
+                  <a:ea typeface="思源黑体 CN Medium" panose="020B0600000000000000" pitchFamily="34" charset="-122"/>
+                  <a:cs typeface="OPPOSans M" panose="00020600040101010101" pitchFamily="18" charset="-122"/>
+                  <a:sym typeface="思源黑体 CN Normal" panose="020B0400000000000000" pitchFamily="34" charset="-122"/>
+                </a:endParaRPr>
+              </a:p>
+            </p:txBody>
+          </p:sp>
+          <p:sp>
+            <p:nvSpPr>
+              <p:cNvPr id="22" name="íṩliďè">
+                <a:extLst>
+                  <a:ext uri="{FF2B5EF4-FFF2-40B4-BE49-F238E27FC236}">
+                    <a16:creationId xmlns:a16="http://schemas.microsoft.com/office/drawing/2014/main" id="{718A9079-3973-0646-7B35-1C448119F1B7}"/>
+                  </a:ext>
+                </a:extLst>
+              </p:cNvPr>
+              <p:cNvSpPr/>
+              <p:nvPr/>
+            </p:nvSpPr>
+            <p:spPr bwMode="auto">
+              <a:xfrm>
+                <a:off x="939428" y="2354249"/>
+                <a:ext cx="480579" cy="379301"/>
+              </a:xfrm>
+              <a:custGeom>
+                <a:avLst/>
+                <a:gdLst>
+                  <a:gd name="connsiteX0" fmla="*/ 451337 w 606157"/>
+                  <a:gd name="connsiteY0" fmla="*/ 147905 h 606722"/>
+                  <a:gd name="connsiteX1" fmla="*/ 569477 w 606157"/>
+                  <a:gd name="connsiteY1" fmla="*/ 147905 h 606722"/>
+                  <a:gd name="connsiteX2" fmla="*/ 606157 w 606157"/>
+                  <a:gd name="connsiteY2" fmla="*/ 186562 h 606722"/>
+                  <a:gd name="connsiteX3" fmla="*/ 606157 w 606157"/>
+                  <a:gd name="connsiteY3" fmla="*/ 363939 h 606722"/>
+                  <a:gd name="connsiteX4" fmla="*/ 584434 w 606157"/>
+                  <a:gd name="connsiteY4" fmla="*/ 385711 h 606722"/>
+                  <a:gd name="connsiteX5" fmla="*/ 557904 w 606157"/>
+                  <a:gd name="connsiteY5" fmla="*/ 385711 h 606722"/>
+                  <a:gd name="connsiteX6" fmla="*/ 549980 w 606157"/>
+                  <a:gd name="connsiteY6" fmla="*/ 548781 h 606722"/>
+                  <a:gd name="connsiteX7" fmla="*/ 489085 w 606157"/>
+                  <a:gd name="connsiteY7" fmla="*/ 606722 h 606722"/>
+                  <a:gd name="connsiteX8" fmla="*/ 426854 w 606157"/>
+                  <a:gd name="connsiteY8" fmla="*/ 547537 h 606722"/>
+                  <a:gd name="connsiteX9" fmla="*/ 420711 w 606157"/>
+                  <a:gd name="connsiteY9" fmla="*/ 420814 h 606722"/>
+                  <a:gd name="connsiteX10" fmla="*/ 461219 w 606157"/>
+                  <a:gd name="connsiteY10" fmla="*/ 363228 h 606722"/>
+                  <a:gd name="connsiteX11" fmla="*/ 461219 w 606157"/>
+                  <a:gd name="connsiteY11" fmla="*/ 185762 h 606722"/>
+                  <a:gd name="connsiteX12" fmla="*/ 451337 w 606157"/>
+                  <a:gd name="connsiteY12" fmla="*/ 147905 h 606722"/>
+                  <a:gd name="connsiteX13" fmla="*/ 38457 w 606157"/>
+                  <a:gd name="connsiteY13" fmla="*/ 147552 h 606722"/>
+                  <a:gd name="connsiteX14" fmla="*/ 155074 w 606157"/>
+                  <a:gd name="connsiteY14" fmla="*/ 147552 h 606722"/>
+                  <a:gd name="connsiteX15" fmla="*/ 145014 w 606157"/>
+                  <a:gd name="connsiteY15" fmla="*/ 185766 h 606722"/>
+                  <a:gd name="connsiteX16" fmla="*/ 145014 w 606157"/>
+                  <a:gd name="connsiteY16" fmla="*/ 363239 h 606722"/>
+                  <a:gd name="connsiteX17" fmla="*/ 187210 w 606157"/>
+                  <a:gd name="connsiteY17" fmla="*/ 421360 h 606722"/>
+                  <a:gd name="connsiteX18" fmla="*/ 181068 w 606157"/>
+                  <a:gd name="connsiteY18" fmla="*/ 548444 h 606722"/>
+                  <a:gd name="connsiteX19" fmla="*/ 120178 w 606157"/>
+                  <a:gd name="connsiteY19" fmla="*/ 606298 h 606722"/>
+                  <a:gd name="connsiteX20" fmla="*/ 57952 w 606157"/>
+                  <a:gd name="connsiteY20" fmla="*/ 547200 h 606722"/>
+                  <a:gd name="connsiteX21" fmla="*/ 50029 w 606157"/>
+                  <a:gd name="connsiteY21" fmla="*/ 385279 h 606722"/>
+                  <a:gd name="connsiteX22" fmla="*/ 21810 w 606157"/>
+                  <a:gd name="connsiteY22" fmla="*/ 385279 h 606722"/>
+                  <a:gd name="connsiteX23" fmla="*/ 0 w 606157"/>
+                  <a:gd name="connsiteY23" fmla="*/ 363595 h 606722"/>
+                  <a:gd name="connsiteX24" fmla="*/ 0 w 606157"/>
+                  <a:gd name="connsiteY24" fmla="*/ 186122 h 606722"/>
+                  <a:gd name="connsiteX25" fmla="*/ 38457 w 606157"/>
+                  <a:gd name="connsiteY25" fmla="*/ 147552 h 606722"/>
+                  <a:gd name="connsiteX26" fmla="*/ 222975 w 606157"/>
+                  <a:gd name="connsiteY26" fmla="*/ 147058 h 606722"/>
+                  <a:gd name="connsiteX27" fmla="*/ 282512 w 606157"/>
+                  <a:gd name="connsiteY27" fmla="*/ 147058 h 606722"/>
+                  <a:gd name="connsiteX28" fmla="*/ 270498 w 606157"/>
+                  <a:gd name="connsiteY28" fmla="*/ 159057 h 606722"/>
+                  <a:gd name="connsiteX29" fmla="*/ 270498 w 606157"/>
+                  <a:gd name="connsiteY29" fmla="*/ 169278 h 606722"/>
+                  <a:gd name="connsiteX30" fmla="*/ 283224 w 606157"/>
+                  <a:gd name="connsiteY30" fmla="*/ 181988 h 606722"/>
+                  <a:gd name="connsiteX31" fmla="*/ 273345 w 606157"/>
+                  <a:gd name="connsiteY31" fmla="*/ 292199 h 606722"/>
+                  <a:gd name="connsiteX32" fmla="*/ 276193 w 606157"/>
+                  <a:gd name="connsiteY32" fmla="*/ 302953 h 606722"/>
+                  <a:gd name="connsiteX33" fmla="*/ 297196 w 606157"/>
+                  <a:gd name="connsiteY33" fmla="*/ 332550 h 606722"/>
+                  <a:gd name="connsiteX34" fmla="*/ 303070 w 606157"/>
+                  <a:gd name="connsiteY34" fmla="*/ 335572 h 606722"/>
+                  <a:gd name="connsiteX35" fmla="*/ 309032 w 606157"/>
+                  <a:gd name="connsiteY35" fmla="*/ 332550 h 606722"/>
+                  <a:gd name="connsiteX36" fmla="*/ 329946 w 606157"/>
+                  <a:gd name="connsiteY36" fmla="*/ 302953 h 606722"/>
+                  <a:gd name="connsiteX37" fmla="*/ 332883 w 606157"/>
+                  <a:gd name="connsiteY37" fmla="*/ 292199 h 606722"/>
+                  <a:gd name="connsiteX38" fmla="*/ 323004 w 606157"/>
+                  <a:gd name="connsiteY38" fmla="*/ 181988 h 606722"/>
+                  <a:gd name="connsiteX39" fmla="*/ 335641 w 606157"/>
+                  <a:gd name="connsiteY39" fmla="*/ 169278 h 606722"/>
+                  <a:gd name="connsiteX40" fmla="*/ 335641 w 606157"/>
+                  <a:gd name="connsiteY40" fmla="*/ 159057 h 606722"/>
+                  <a:gd name="connsiteX41" fmla="*/ 323627 w 606157"/>
+                  <a:gd name="connsiteY41" fmla="*/ 147058 h 606722"/>
+                  <a:gd name="connsiteX42" fmla="*/ 385033 w 606157"/>
+                  <a:gd name="connsiteY42" fmla="*/ 147058 h 606722"/>
+                  <a:gd name="connsiteX43" fmla="*/ 385033 w 606157"/>
+                  <a:gd name="connsiteY43" fmla="*/ 147147 h 606722"/>
+                  <a:gd name="connsiteX44" fmla="*/ 421699 w 606157"/>
+                  <a:gd name="connsiteY44" fmla="*/ 185721 h 606722"/>
+                  <a:gd name="connsiteX45" fmla="*/ 421699 w 606157"/>
+                  <a:gd name="connsiteY45" fmla="*/ 363214 h 606722"/>
+                  <a:gd name="connsiteX46" fmla="*/ 399895 w 606157"/>
+                  <a:gd name="connsiteY46" fmla="*/ 384901 h 606722"/>
+                  <a:gd name="connsiteX47" fmla="*/ 373375 w 606157"/>
+                  <a:gd name="connsiteY47" fmla="*/ 384901 h 606722"/>
+                  <a:gd name="connsiteX48" fmla="*/ 371506 w 606157"/>
+                  <a:gd name="connsiteY48" fmla="*/ 424363 h 606722"/>
+                  <a:gd name="connsiteX49" fmla="*/ 365455 w 606157"/>
+                  <a:gd name="connsiteY49" fmla="*/ 548084 h 606722"/>
+                  <a:gd name="connsiteX50" fmla="*/ 304582 w 606157"/>
+                  <a:gd name="connsiteY50" fmla="*/ 605945 h 606722"/>
+                  <a:gd name="connsiteX51" fmla="*/ 242464 w 606157"/>
+                  <a:gd name="connsiteY51" fmla="*/ 546840 h 606722"/>
+                  <a:gd name="connsiteX52" fmla="*/ 236502 w 606157"/>
+                  <a:gd name="connsiteY52" fmla="*/ 424363 h 606722"/>
+                  <a:gd name="connsiteX53" fmla="*/ 234544 w 606157"/>
+                  <a:gd name="connsiteY53" fmla="*/ 384901 h 606722"/>
+                  <a:gd name="connsiteX54" fmla="*/ 206244 w 606157"/>
+                  <a:gd name="connsiteY54" fmla="*/ 384901 h 606722"/>
+                  <a:gd name="connsiteX55" fmla="*/ 184529 w 606157"/>
+                  <a:gd name="connsiteY55" fmla="*/ 363214 h 606722"/>
+                  <a:gd name="connsiteX56" fmla="*/ 184529 w 606157"/>
+                  <a:gd name="connsiteY56" fmla="*/ 185721 h 606722"/>
+                  <a:gd name="connsiteX57" fmla="*/ 222975 w 606157"/>
+                  <a:gd name="connsiteY57" fmla="*/ 147058 h 606722"/>
+                  <a:gd name="connsiteX58" fmla="*/ 488454 w 606157"/>
+                  <a:gd name="connsiteY58" fmla="*/ 706 h 606722"/>
+                  <a:gd name="connsiteX59" fmla="*/ 550481 w 606157"/>
+                  <a:gd name="connsiteY59" fmla="*/ 62663 h 606722"/>
+                  <a:gd name="connsiteX60" fmla="*/ 488454 w 606157"/>
+                  <a:gd name="connsiteY60" fmla="*/ 124620 h 606722"/>
+                  <a:gd name="connsiteX61" fmla="*/ 426427 w 606157"/>
+                  <a:gd name="connsiteY61" fmla="*/ 62663 h 606722"/>
+                  <a:gd name="connsiteX62" fmla="*/ 488454 w 606157"/>
+                  <a:gd name="connsiteY62" fmla="*/ 706 h 606722"/>
+                  <a:gd name="connsiteX63" fmla="*/ 119538 w 606157"/>
+                  <a:gd name="connsiteY63" fmla="*/ 353 h 606722"/>
+                  <a:gd name="connsiteX64" fmla="*/ 181565 w 606157"/>
+                  <a:gd name="connsiteY64" fmla="*/ 62310 h 606722"/>
+                  <a:gd name="connsiteX65" fmla="*/ 119538 w 606157"/>
+                  <a:gd name="connsiteY65" fmla="*/ 124267 h 606722"/>
+                  <a:gd name="connsiteX66" fmla="*/ 57511 w 606157"/>
+                  <a:gd name="connsiteY66" fmla="*/ 62310 h 606722"/>
+                  <a:gd name="connsiteX67" fmla="*/ 119538 w 606157"/>
+                  <a:gd name="connsiteY67" fmla="*/ 353 h 606722"/>
+                  <a:gd name="connsiteX68" fmla="*/ 303961 w 606157"/>
+                  <a:gd name="connsiteY68" fmla="*/ 0 h 606722"/>
+                  <a:gd name="connsiteX69" fmla="*/ 366024 w 606157"/>
+                  <a:gd name="connsiteY69" fmla="*/ 61957 h 606722"/>
+                  <a:gd name="connsiteX70" fmla="*/ 303961 w 606157"/>
+                  <a:gd name="connsiteY70" fmla="*/ 123914 h 606722"/>
+                  <a:gd name="connsiteX71" fmla="*/ 241898 w 606157"/>
+                  <a:gd name="connsiteY71" fmla="*/ 61957 h 606722"/>
+                  <a:gd name="connsiteX72" fmla="*/ 303961 w 606157"/>
+                  <a:gd name="connsiteY72" fmla="*/ 0 h 606722"/>
+                </a:gdLst>
+                <a:ahLst/>
+                <a:cxnLst>
+                  <a:cxn ang="0">
+                    <a:pos x="connsiteX0" y="connsiteY0"/>
+                  </a:cxn>
+                  <a:cxn ang="0">
+                    <a:pos x="connsiteX1" y="connsiteY1"/>
+                  </a:cxn>
+                  <a:cxn ang="0">
+                    <a:pos x="connsiteX2" y="connsiteY2"/>
+                  </a:cxn>
+                  <a:cxn ang="0">
+                    <a:pos x="connsiteX3" y="connsiteY3"/>
+                  </a:cxn>
+                  <a:cxn ang="0">
+                    <a:pos x="connsiteX4" y="connsiteY4"/>
+                  </a:cxn>
+                  <a:cxn ang="0">
+                    <a:pos x="connsiteX5" y="connsiteY5"/>
+                  </a:cxn>
+                  <a:cxn ang="0">
+                    <a:pos x="connsiteX6" y="connsiteY6"/>
+                  </a:cxn>
+                  <a:cxn ang="0">
+                    <a:pos x="connsiteX7" y="connsiteY7"/>
+                  </a:cxn>
+                  <a:cxn ang="0">
+                    <a:pos x="connsiteX8" y="connsiteY8"/>
+                  </a:cxn>
+                  <a:cxn ang="0">
+                    <a:pos x="connsiteX9" y="connsiteY9"/>
+                  </a:cxn>
+                  <a:cxn ang="0">
+                    <a:pos x="connsiteX10" y="connsiteY10"/>
+                  </a:cxn>
+                  <a:cxn ang="0">
+                    <a:pos x="connsiteX11" y="connsiteY11"/>
+                  </a:cxn>
+                  <a:cxn ang="0">
+                    <a:pos x="connsiteX12" y="connsiteY12"/>
+                  </a:cxn>
+                  <a:cxn ang="0">
+                    <a:pos x="connsiteX13" y="connsiteY13"/>
+                  </a:cxn>
+                  <a:cxn ang="0">
+                    <a:pos x="connsiteX14" y="connsiteY14"/>
+                  </a:cxn>
+                  <a:cxn ang="0">
+                    <a:pos x="connsiteX15" y="connsiteY15"/>
+                  </a:cxn>
+                  <a:cxn ang="0">
+                    <a:pos x="connsiteX16" y="connsiteY16"/>
+                  </a:cxn>
+                  <a:cxn ang="0">
+                    <a:pos x="connsiteX17" y="connsiteY17"/>
+                  </a:cxn>
+                  <a:cxn ang="0">
+                    <a:pos x="connsiteX18" y="connsiteY18"/>
+                  </a:cxn>
+                  <a:cxn ang="0">
+                    <a:pos x="connsiteX19" y="connsiteY19"/>
+                  </a:cxn>
+                  <a:cxn ang="0">
+                    <a:pos x="connsiteX20" y="connsiteY20"/>
+                  </a:cxn>
+                  <a:cxn ang="0">
+                    <a:pos x="connsiteX21" y="connsiteY21"/>
+                  </a:cxn>
+                  <a:cxn ang="0">
+                    <a:pos x="connsiteX22" y="connsiteY22"/>
+                  </a:cxn>
+                  <a:cxn ang="0">
+                    <a:pos x="connsiteX23" y="connsiteY23"/>
+                  </a:cxn>
+                  <a:cxn ang="0">
+                    <a:pos x="connsiteX24" y="connsiteY24"/>
+                  </a:cxn>
+                  <a:cxn ang="0">
+                    <a:pos x="connsiteX25" y="connsiteY25"/>
+                  </a:cxn>
+                  <a:cxn ang="0">
+                    <a:pos x="connsiteX26" y="connsiteY26"/>
+                  </a:cxn>
+                  <a:cxn ang="0">
+                    <a:pos x="connsiteX27" y="connsiteY27"/>
+                  </a:cxn>
+                  <a:cxn ang="0">
+                    <a:pos x="connsiteX28" y="connsiteY28"/>
+                  </a:cxn>
+                  <a:cxn ang="0">
+                    <a:pos x="connsiteX29" y="connsiteY29"/>
+                  </a:cxn>
+                  <a:cxn ang="0">
+                    <a:pos x="connsiteX30" y="connsiteY30"/>
+                  </a:cxn>
+                  <a:cxn ang="0">
+                    <a:pos x="connsiteX31" y="connsiteY31"/>
+                  </a:cxn>
+                  <a:cxn ang="0">
+                    <a:pos x="connsiteX32" y="connsiteY32"/>
+                  </a:cxn>
+                  <a:cxn ang="0">
+                    <a:pos x="connsiteX33" y="connsiteY33"/>
+                  </a:cxn>
+                  <a:cxn ang="0">
+                    <a:pos x="connsiteX34" y="connsiteY34"/>
+                  </a:cxn>
+                  <a:cxn ang="0">
+                    <a:pos x="connsiteX35" y="connsiteY35"/>
+                  </a:cxn>
+                  <a:cxn ang="0">
+                    <a:pos x="connsiteX36" y="connsiteY36"/>
+                  </a:cxn>
+                  <a:cxn ang="0">
+                    <a:pos x="connsiteX37" y="connsiteY37"/>
+                  </a:cxn>
+                  <a:cxn ang="0">
+                    <a:pos x="connsiteX38" y="connsiteY38"/>
+                  </a:cxn>
+                  <a:cxn ang="0">
+                    <a:pos x="connsiteX39" y="connsiteY39"/>
+                  </a:cxn>
+                  <a:cxn ang="0">
+                    <a:pos x="connsiteX40" y="connsiteY40"/>
+                  </a:cxn>
+                  <a:cxn ang="0">
+                    <a:pos x="connsiteX41" y="connsiteY41"/>
+                  </a:cxn>
+                  <a:cxn ang="0">
+                    <a:pos x="connsiteX42" y="connsiteY42"/>
+                  </a:cxn>
+                  <a:cxn ang="0">
+                    <a:pos x="connsiteX43" y="connsiteY43"/>
+                  </a:cxn>
+                  <a:cxn ang="0">
+                    <a:pos x="connsiteX44" y="connsiteY44"/>
+                  </a:cxn>
+                  <a:cxn ang="0">
+                    <a:pos x="connsiteX45" y="connsiteY45"/>
+                  </a:cxn>
+                  <a:cxn ang="0">
+                    <a:pos x="connsiteX46" y="connsiteY46"/>
+                  </a:cxn>
+                  <a:cxn ang="0">
+                    <a:pos x="connsiteX47" y="connsiteY47"/>
+                  </a:cxn>
+                  <a:cxn ang="0">
+                    <a:pos x="connsiteX48" y="connsiteY48"/>
+                  </a:cxn>
+                  <a:cxn ang="0">
+                    <a:pos x="connsiteX49" y="connsiteY49"/>
+                  </a:cxn>
+                  <a:cxn ang="0">
+                    <a:pos x="connsiteX50" y="connsiteY50"/>
+                  </a:cxn>
+                  <a:cxn ang="0">
+                    <a:pos x="connsiteX51" y="connsiteY51"/>
+                  </a:cxn>
+                  <a:cxn ang="0">
+                    <a:pos x="connsiteX52" y="connsiteY52"/>
+                  </a:cxn>
+                  <a:cxn ang="0">
+                    <a:pos x="connsiteX53" y="connsiteY53"/>
+                  </a:cxn>
+                  <a:cxn ang="0">
+                    <a:pos x="connsiteX54" y="connsiteY54"/>
+                  </a:cxn>
+                  <a:cxn ang="0">
+                    <a:pos x="connsiteX55" y="connsiteY55"/>
+                  </a:cxn>
+                  <a:cxn ang="0">
+                    <a:pos x="connsiteX56" y="connsiteY56"/>
+                  </a:cxn>
+                  <a:cxn ang="0">
+                    <a:pos x="connsiteX57" y="connsiteY57"/>
+                  </a:cxn>
+                  <a:cxn ang="0">
+                    <a:pos x="connsiteX58" y="connsiteY58"/>
+                  </a:cxn>
+                  <a:cxn ang="0">
+                    <a:pos x="connsiteX59" y="connsiteY59"/>
+                  </a:cxn>
+                  <a:cxn ang="0">
+                    <a:pos x="connsiteX60" y="connsiteY60"/>
+                  </a:cxn>
+                  <a:cxn ang="0">
+                    <a:pos x="connsiteX61" y="connsiteY61"/>
+                  </a:cxn>
+                  <a:cxn ang="0">
+                    <a:pos x="connsiteX62" y="connsiteY62"/>
+                  </a:cxn>
+                  <a:cxn ang="0">
+                    <a:pos x="connsiteX63" y="connsiteY63"/>
+                  </a:cxn>
+                  <a:cxn ang="0">
+                    <a:pos x="connsiteX64" y="connsiteY64"/>
+                  </a:cxn>
+                  <a:cxn ang="0">
+                    <a:pos x="connsiteX65" y="connsiteY65"/>
+                  </a:cxn>
+                  <a:cxn ang="0">
+                    <a:pos x="connsiteX66" y="connsiteY66"/>
+                  </a:cxn>
+                  <a:cxn ang="0">
+                    <a:pos x="connsiteX67" y="connsiteY67"/>
+                  </a:cxn>
+                  <a:cxn ang="0">
+                    <a:pos x="connsiteX68" y="connsiteY68"/>
+                  </a:cxn>
+                  <a:cxn ang="0">
+                    <a:pos x="connsiteX69" y="connsiteY69"/>
+                  </a:cxn>
+                  <a:cxn ang="0">
+                    <a:pos x="connsiteX70" y="connsiteY70"/>
+                  </a:cxn>
+                  <a:cxn ang="0">
+                    <a:pos x="connsiteX71" y="connsiteY71"/>
+                  </a:cxn>
+                  <a:cxn ang="0">
+                    <a:pos x="connsiteX72" y="connsiteY72"/>
+                  </a:cxn>
+                </a:cxnLst>
+                <a:rect l="l" t="t" r="r" b="b"/>
+                <a:pathLst>
+                  <a:path w="606157" h="606722">
+                    <a:moveTo>
+                      <a:pt x="451337" y="147905"/>
+                    </a:moveTo>
+                    <a:lnTo>
+                      <a:pt x="569477" y="147905"/>
+                    </a:lnTo>
+                    <a:cubicBezTo>
+                      <a:pt x="589954" y="148971"/>
+                      <a:pt x="606157" y="165856"/>
+                      <a:pt x="606157" y="186562"/>
+                    </a:cubicBezTo>
+                    <a:lnTo>
+                      <a:pt x="606157" y="363939"/>
+                    </a:lnTo>
+                    <a:cubicBezTo>
+                      <a:pt x="606157" y="375936"/>
+                      <a:pt x="596453" y="385711"/>
+                      <a:pt x="584434" y="385711"/>
+                    </a:cubicBezTo>
+                    <a:lnTo>
+                      <a:pt x="557904" y="385711"/>
+                    </a:lnTo>
+                    <a:lnTo>
+                      <a:pt x="549980" y="548781"/>
+                    </a:lnTo>
+                    <a:cubicBezTo>
+                      <a:pt x="548378" y="581217"/>
+                      <a:pt x="521580" y="606722"/>
+                      <a:pt x="489085" y="606722"/>
+                    </a:cubicBezTo>
+                    <a:cubicBezTo>
+                      <a:pt x="455877" y="606722"/>
+                      <a:pt x="428456" y="580684"/>
+                      <a:pt x="426854" y="547537"/>
+                    </a:cubicBezTo>
+                    <a:lnTo>
+                      <a:pt x="420711" y="420814"/>
+                    </a:lnTo>
+                    <a:cubicBezTo>
+                      <a:pt x="444482" y="412194"/>
+                      <a:pt x="461219" y="389355"/>
+                      <a:pt x="461219" y="363228"/>
+                    </a:cubicBezTo>
+                    <a:lnTo>
+                      <a:pt x="461219" y="185762"/>
+                    </a:lnTo>
+                    <a:cubicBezTo>
+                      <a:pt x="461219" y="172077"/>
+                      <a:pt x="457658" y="159102"/>
+                      <a:pt x="451337" y="147905"/>
+                    </a:cubicBezTo>
+                    <a:close/>
+                    <a:moveTo>
+                      <a:pt x="38457" y="147552"/>
+                    </a:moveTo>
+                    <a:lnTo>
+                      <a:pt x="155074" y="147552"/>
+                    </a:lnTo>
+                    <a:cubicBezTo>
+                      <a:pt x="148664" y="158839"/>
+                      <a:pt x="145014" y="171902"/>
+                      <a:pt x="145014" y="185766"/>
+                    </a:cubicBezTo>
+                    <a:lnTo>
+                      <a:pt x="145014" y="363239"/>
+                    </a:lnTo>
+                    <a:cubicBezTo>
+                      <a:pt x="145014" y="389811"/>
+                      <a:pt x="162284" y="413184"/>
+                      <a:pt x="187210" y="421360"/>
+                    </a:cubicBezTo>
+                    <a:lnTo>
+                      <a:pt x="181068" y="548444"/>
+                    </a:lnTo>
+                    <a:cubicBezTo>
+                      <a:pt x="179465" y="580881"/>
+                      <a:pt x="152670" y="606298"/>
+                      <a:pt x="120178" y="606298"/>
+                    </a:cubicBezTo>
+                    <a:cubicBezTo>
+                      <a:pt x="86973" y="606298"/>
+                      <a:pt x="59555" y="580348"/>
+                      <a:pt x="57952" y="547200"/>
+                    </a:cubicBezTo>
+                    <a:lnTo>
+                      <a:pt x="50029" y="385279"/>
+                    </a:lnTo>
+                    <a:lnTo>
+                      <a:pt x="21810" y="385279"/>
+                    </a:lnTo>
+                    <a:cubicBezTo>
+                      <a:pt x="9792" y="385279"/>
+                      <a:pt x="0" y="375592"/>
+                      <a:pt x="0" y="363595"/>
+                    </a:cubicBezTo>
+                    <a:lnTo>
+                      <a:pt x="0" y="186122"/>
+                    </a:lnTo>
+                    <a:cubicBezTo>
+                      <a:pt x="0" y="164882"/>
+                      <a:pt x="17181" y="147641"/>
+                      <a:pt x="38457" y="147552"/>
+                    </a:cubicBezTo>
+                    <a:close/>
+                    <a:moveTo>
+                      <a:pt x="222975" y="147058"/>
+                    </a:moveTo>
+                    <a:lnTo>
+                      <a:pt x="282512" y="147058"/>
+                    </a:lnTo>
+                    <a:lnTo>
+                      <a:pt x="270498" y="159057"/>
+                    </a:lnTo>
+                    <a:cubicBezTo>
+                      <a:pt x="267739" y="161901"/>
+                      <a:pt x="267739" y="166523"/>
+                      <a:pt x="270498" y="169278"/>
+                    </a:cubicBezTo>
+                    <a:lnTo>
+                      <a:pt x="283224" y="181988"/>
+                    </a:lnTo>
+                    <a:lnTo>
+                      <a:pt x="273345" y="292199"/>
+                    </a:lnTo>
+                    <a:cubicBezTo>
+                      <a:pt x="272989" y="296021"/>
+                      <a:pt x="274057" y="299754"/>
+                      <a:pt x="276193" y="302953"/>
+                    </a:cubicBezTo>
+                    <a:lnTo>
+                      <a:pt x="297196" y="332550"/>
+                    </a:lnTo>
+                    <a:cubicBezTo>
+                      <a:pt x="298531" y="334417"/>
+                      <a:pt x="300756" y="335572"/>
+                      <a:pt x="303070" y="335572"/>
+                    </a:cubicBezTo>
+                    <a:cubicBezTo>
+                      <a:pt x="305472" y="335572"/>
+                      <a:pt x="307608" y="334417"/>
+                      <a:pt x="309032" y="332550"/>
+                    </a:cubicBezTo>
+                    <a:lnTo>
+                      <a:pt x="329946" y="302953"/>
+                    </a:lnTo>
+                    <a:cubicBezTo>
+                      <a:pt x="332171" y="299754"/>
+                      <a:pt x="333239" y="296021"/>
+                      <a:pt x="332883" y="292199"/>
+                    </a:cubicBezTo>
+                    <a:lnTo>
+                      <a:pt x="323004" y="181988"/>
+                    </a:lnTo>
+                    <a:lnTo>
+                      <a:pt x="335641" y="169278"/>
+                    </a:lnTo>
+                    <a:cubicBezTo>
+                      <a:pt x="338489" y="166523"/>
+                      <a:pt x="338489" y="161901"/>
+                      <a:pt x="335641" y="159057"/>
+                    </a:cubicBezTo>
+                    <a:lnTo>
+                      <a:pt x="323627" y="147058"/>
+                    </a:lnTo>
+                    <a:lnTo>
+                      <a:pt x="385033" y="147058"/>
+                    </a:lnTo>
+                    <a:lnTo>
+                      <a:pt x="385033" y="147147"/>
+                    </a:lnTo>
+                    <a:cubicBezTo>
+                      <a:pt x="405413" y="148214"/>
+                      <a:pt x="421699" y="165101"/>
+                      <a:pt x="421699" y="185721"/>
+                    </a:cubicBezTo>
+                    <a:lnTo>
+                      <a:pt x="421699" y="363214"/>
+                    </a:lnTo>
+                    <a:cubicBezTo>
+                      <a:pt x="421699" y="375213"/>
+                      <a:pt x="411910" y="384901"/>
+                      <a:pt x="399895" y="384901"/>
+                    </a:cubicBezTo>
+                    <a:lnTo>
+                      <a:pt x="373375" y="384901"/>
+                    </a:lnTo>
+                    <a:lnTo>
+                      <a:pt x="371506" y="424363"/>
+                    </a:lnTo>
+                    <a:lnTo>
+                      <a:pt x="365455" y="548084"/>
+                    </a:lnTo>
+                    <a:cubicBezTo>
+                      <a:pt x="363853" y="580525"/>
+                      <a:pt x="337154" y="605945"/>
+                      <a:pt x="304582" y="605945"/>
+                    </a:cubicBezTo>
+                    <a:cubicBezTo>
+                      <a:pt x="271388" y="605945"/>
+                      <a:pt x="244066" y="579903"/>
+                      <a:pt x="242464" y="546840"/>
+                    </a:cubicBezTo>
+                    <a:lnTo>
+                      <a:pt x="236502" y="424363"/>
+                    </a:lnTo>
+                    <a:lnTo>
+                      <a:pt x="234544" y="384901"/>
+                    </a:lnTo>
+                    <a:lnTo>
+                      <a:pt x="206244" y="384901"/>
+                    </a:lnTo>
+                    <a:cubicBezTo>
+                      <a:pt x="194229" y="384901"/>
+                      <a:pt x="184529" y="375213"/>
+                      <a:pt x="184529" y="363214"/>
+                    </a:cubicBezTo>
+                    <a:lnTo>
+                      <a:pt x="184529" y="185721"/>
+                    </a:lnTo>
+                    <a:cubicBezTo>
+                      <a:pt x="184529" y="164479"/>
+                      <a:pt x="201705" y="147236"/>
+                      <a:pt x="222975" y="147058"/>
+                    </a:cubicBezTo>
+                    <a:close/>
+                    <a:moveTo>
+                      <a:pt x="488454" y="706"/>
+                    </a:moveTo>
+                    <a:cubicBezTo>
+                      <a:pt x="522711" y="706"/>
+                      <a:pt x="550481" y="28445"/>
+                      <a:pt x="550481" y="62663"/>
+                    </a:cubicBezTo>
+                    <a:cubicBezTo>
+                      <a:pt x="550481" y="96881"/>
+                      <a:pt x="522711" y="124620"/>
+                      <a:pt x="488454" y="124620"/>
+                    </a:cubicBezTo>
+                    <a:cubicBezTo>
+                      <a:pt x="454197" y="124620"/>
+                      <a:pt x="426427" y="96881"/>
+                      <a:pt x="426427" y="62663"/>
+                    </a:cubicBezTo>
+                    <a:cubicBezTo>
+                      <a:pt x="426427" y="28445"/>
+                      <a:pt x="454197" y="706"/>
+                      <a:pt x="488454" y="706"/>
+                    </a:cubicBezTo>
+                    <a:close/>
+                    <a:moveTo>
+                      <a:pt x="119538" y="353"/>
+                    </a:moveTo>
+                    <a:cubicBezTo>
+                      <a:pt x="153795" y="353"/>
+                      <a:pt x="181565" y="28092"/>
+                      <a:pt x="181565" y="62310"/>
+                    </a:cubicBezTo>
+                    <a:cubicBezTo>
+                      <a:pt x="181565" y="96528"/>
+                      <a:pt x="153795" y="124267"/>
+                      <a:pt x="119538" y="124267"/>
+                    </a:cubicBezTo>
+                    <a:cubicBezTo>
+                      <a:pt x="85281" y="124267"/>
+                      <a:pt x="57511" y="96528"/>
+                      <a:pt x="57511" y="62310"/>
+                    </a:cubicBezTo>
+                    <a:cubicBezTo>
+                      <a:pt x="57511" y="28092"/>
+                      <a:pt x="85281" y="353"/>
+                      <a:pt x="119538" y="353"/>
+                    </a:cubicBezTo>
+                    <a:close/>
+                    <a:moveTo>
+                      <a:pt x="303961" y="0"/>
+                    </a:moveTo>
+                    <a:cubicBezTo>
+                      <a:pt x="338237" y="0"/>
+                      <a:pt x="366024" y="27739"/>
+                      <a:pt x="366024" y="61957"/>
+                    </a:cubicBezTo>
+                    <a:cubicBezTo>
+                      <a:pt x="366024" y="96175"/>
+                      <a:pt x="338237" y="123914"/>
+                      <a:pt x="303961" y="123914"/>
+                    </a:cubicBezTo>
+                    <a:cubicBezTo>
+                      <a:pt x="269685" y="123914"/>
+                      <a:pt x="241898" y="96175"/>
+                      <a:pt x="241898" y="61957"/>
+                    </a:cubicBezTo>
+                    <a:cubicBezTo>
+                      <a:pt x="241898" y="27739"/>
+                      <a:pt x="269685" y="0"/>
+                      <a:pt x="303961" y="0"/>
+                    </a:cubicBezTo>
+                    <a:close/>
+                  </a:path>
+                </a:pathLst>
+              </a:custGeom>
+              <a:solidFill>
+                <a:srgbClr val="0177B4"/>
+              </a:solidFill>
+              <a:ln>
+                <a:noFill/>
+              </a:ln>
+            </p:spPr>
+            <p:txBody>
+              <a:bodyPr wrap="square" lIns="91440" tIns="45720" rIns="91440" bIns="45720" anchor="ctr">
+                <a:normAutofit/>
+              </a:bodyPr>
+              <a:lstStyle>
+                <a:defPPr>
+                  <a:defRPr lang="zh-CN"/>
+                </a:defPPr>
+                <a:lvl1pPr marL="0" algn="l" defTabSz="914400" rtl="0" eaLnBrk="1" latinLnBrk="0" hangingPunct="1">
+                  <a:defRPr sz="1800" kern="1200">
+                    <a:solidFill>
+                      <a:schemeClr val="tx1"/>
+                    </a:solidFill>
+                  </a:defRPr>
+                </a:lvl1pPr>
+                <a:lvl2pPr marL="457200" algn="l" defTabSz="914400" rtl="0" eaLnBrk="1" latinLnBrk="0" hangingPunct="1">
+                  <a:defRPr sz="1800" kern="1200">
+                    <a:solidFill>
+                      <a:schemeClr val="tx1"/>
+                    </a:solidFill>
+                  </a:defRPr>
+                </a:lvl2pPr>
+                <a:lvl3pPr marL="914400" algn="l" defTabSz="914400" rtl="0" eaLnBrk="1" latinLnBrk="0" hangingPunct="1">
+                  <a:defRPr sz="1800" kern="1200">
+                    <a:solidFill>
+                      <a:schemeClr val="tx1"/>
+                    </a:solidFill>
+                  </a:defRPr>
+                </a:lvl3pPr>
+                <a:lvl4pPr marL="1371600" algn="l" defTabSz="914400" rtl="0" eaLnBrk="1" latinLnBrk="0" hangingPunct="1">
+                  <a:defRPr sz="1800" kern="1200">
+                    <a:solidFill>
+                      <a:schemeClr val="tx1"/>
+                    </a:solidFill>
+                  </a:defRPr>
+                </a:lvl4pPr>
+                <a:lvl5pPr marL="1828800" algn="l" defTabSz="914400" rtl="0" eaLnBrk="1" latinLnBrk="0" hangingPunct="1">
+                  <a:defRPr sz="1800" kern="1200">
+                    <a:solidFill>
+                      <a:schemeClr val="tx1"/>
+                    </a:solidFill>
+                  </a:defRPr>
+                </a:lvl5pPr>
+                <a:lvl6pPr marL="2286000" algn="l" defTabSz="914400" rtl="0" eaLnBrk="1" latinLnBrk="0" hangingPunct="1">
+                  <a:defRPr sz="1800" kern="1200">
+                    <a:solidFill>
+                      <a:schemeClr val="tx1"/>
+                    </a:solidFill>
+                  </a:defRPr>
+                </a:lvl6pPr>
+                <a:lvl7pPr marL="2743200" algn="l" defTabSz="914400" rtl="0" eaLnBrk="1" latinLnBrk="0" hangingPunct="1">
+                  <a:defRPr sz="1800" kern="1200">
+                    <a:solidFill>
+                      <a:schemeClr val="tx1"/>
+                    </a:solidFill>
+                  </a:defRPr>
+                </a:lvl7pPr>
+                <a:lvl8pPr marL="3200400" algn="l" defTabSz="914400" rtl="0" eaLnBrk="1" latinLnBrk="0" hangingPunct="1">
+                  <a:defRPr sz="1800" kern="1200">
+                    <a:solidFill>
+                      <a:schemeClr val="tx1"/>
+                    </a:solidFill>
+                  </a:defRPr>
+                </a:lvl8pPr>
+                <a:lvl9pPr marL="3657600" algn="l" defTabSz="914400" rtl="0" eaLnBrk="1" latinLnBrk="0" hangingPunct="1">
+                  <a:defRPr sz="1800" kern="1200">
+                    <a:solidFill>
+                      <a:schemeClr val="tx1"/>
+                    </a:solidFill>
+                  </a:defRPr>
+                </a:lvl9pPr>
+              </a:lstStyle>
+              <a:p>
+                <a:pPr marL="0" marR="0" lvl="0" indent="0" algn="ctr" defTabSz="914400" rtl="0" eaLnBrk="1" fontAlgn="auto" latinLnBrk="0" hangingPunct="1">
+                  <a:lnSpc>
+                    <a:spcPct val="100000"/>
+                  </a:lnSpc>
+                  <a:spcBef>
+                    <a:spcPts val="0"/>
+                  </a:spcBef>
+                  <a:spcAft>
+                    <a:spcPts val="0"/>
+                  </a:spcAft>
+                  <a:buClrTx/>
+                  <a:buSzTx/>
+                  <a:buFontTx/>
+                  <a:buNone/>
+                  <a:tabLst/>
+                  <a:defRPr/>
+                </a:pPr>
+                <a:endParaRPr kumimoji="0" sz="1800" b="0" i="0" u="none" strike="noStrike" kern="1200" cap="none" spc="0" normalizeH="0" baseline="0" noProof="0">
+                  <a:ln>
+                    <a:noFill/>
+                  </a:ln>
+                  <a:solidFill>
+                    <a:prstClr val="black"/>
+                  </a:solidFill>
+                  <a:effectLst/>
+                  <a:uLnTx/>
+                  <a:uFillTx/>
+                  <a:latin typeface="Arial"/>
+                  <a:ea typeface="思源黑体 CN Regular"/>
+                </a:endParaRPr>
+              </a:p>
+            </p:txBody>
+          </p:sp>
+        </p:grpSp>
+      </p:grpSp>
     </p:spTree>
     <p:extLst>
       <p:ext uri="{BB962C8B-B14F-4D97-AF65-F5344CB8AC3E}">
@@ -18019,6 +20847,289 @@
   <p:clrMapOvr>
     <a:masterClrMapping/>
   </p:clrMapOvr>
+  <p:timing>
+    <p:tnLst>
+      <p:par>
+        <p:cTn id="1" dur="indefinite" restart="never" nodeType="tmRoot">
+          <p:childTnLst>
+            <p:seq concurrent="1" nextAc="seek">
+              <p:cTn id="2" dur="indefinite" nodeType="mainSeq">
+                <p:childTnLst>
+                  <p:par>
+                    <p:cTn id="3" fill="hold">
+                      <p:stCondLst>
+                        <p:cond delay="indefinite"/>
+                      </p:stCondLst>
+                      <p:childTnLst>
+                        <p:par>
+                          <p:cTn id="4" fill="hold">
+                            <p:stCondLst>
+                              <p:cond delay="0"/>
+                            </p:stCondLst>
+                            <p:childTnLst>
+                              <p:par>
+                                <p:cTn id="5" presetID="22" presetClass="entr" presetSubtype="8" fill="hold" nodeType="clickEffect">
+                                  <p:stCondLst>
+                                    <p:cond delay="0"/>
+                                  </p:stCondLst>
+                                  <p:childTnLst>
+                                    <p:set>
+                                      <p:cBhvr>
+                                        <p:cTn id="6" dur="1" fill="hold">
+                                          <p:stCondLst>
+                                            <p:cond delay="0"/>
+                                          </p:stCondLst>
+                                        </p:cTn>
+                                        <p:tgtEl>
+                                          <p:spTgt spid="4"/>
+                                        </p:tgtEl>
+                                        <p:attrNameLst>
+                                          <p:attrName>style.visibility</p:attrName>
+                                        </p:attrNameLst>
+                                      </p:cBhvr>
+                                      <p:to>
+                                        <p:strVal val="visible"/>
+                                      </p:to>
+                                    </p:set>
+                                    <p:animEffect transition="in" filter="wipe(left)">
+                                      <p:cBhvr>
+                                        <p:cTn id="7" dur="500"/>
+                                        <p:tgtEl>
+                                          <p:spTgt spid="4"/>
+                                        </p:tgtEl>
+                                      </p:cBhvr>
+                                    </p:animEffect>
+                                  </p:childTnLst>
+                                </p:cTn>
+                              </p:par>
+                            </p:childTnLst>
+                          </p:cTn>
+                        </p:par>
+                      </p:childTnLst>
+                    </p:cTn>
+                  </p:par>
+                  <p:par>
+                    <p:cTn id="8" fill="hold">
+                      <p:stCondLst>
+                        <p:cond delay="indefinite"/>
+                      </p:stCondLst>
+                      <p:childTnLst>
+                        <p:par>
+                          <p:cTn id="9" fill="hold">
+                            <p:stCondLst>
+                              <p:cond delay="0"/>
+                            </p:stCondLst>
+                            <p:childTnLst>
+                              <p:par>
+                                <p:cTn id="10" presetID="22" presetClass="entr" presetSubtype="8" fill="hold" nodeType="clickEffect">
+                                  <p:stCondLst>
+                                    <p:cond delay="0"/>
+                                  </p:stCondLst>
+                                  <p:childTnLst>
+                                    <p:set>
+                                      <p:cBhvr>
+                                        <p:cTn id="11" dur="1" fill="hold">
+                                          <p:stCondLst>
+                                            <p:cond delay="0"/>
+                                          </p:stCondLst>
+                                        </p:cTn>
+                                        <p:tgtEl>
+                                          <p:spTgt spid="14"/>
+                                        </p:tgtEl>
+                                        <p:attrNameLst>
+                                          <p:attrName>style.visibility</p:attrName>
+                                        </p:attrNameLst>
+                                      </p:cBhvr>
+                                      <p:to>
+                                        <p:strVal val="visible"/>
+                                      </p:to>
+                                    </p:set>
+                                    <p:animEffect transition="in" filter="wipe(left)">
+                                      <p:cBhvr>
+                                        <p:cTn id="12" dur="500"/>
+                                        <p:tgtEl>
+                                          <p:spTgt spid="14"/>
+                                        </p:tgtEl>
+                                      </p:cBhvr>
+                                    </p:animEffect>
+                                  </p:childTnLst>
+                                </p:cTn>
+                              </p:par>
+                            </p:childTnLst>
+                          </p:cTn>
+                        </p:par>
+                      </p:childTnLst>
+                    </p:cTn>
+                  </p:par>
+                  <p:par>
+                    <p:cTn id="13" fill="hold">
+                      <p:stCondLst>
+                        <p:cond delay="indefinite"/>
+                      </p:stCondLst>
+                      <p:childTnLst>
+                        <p:par>
+                          <p:cTn id="14" fill="hold">
+                            <p:stCondLst>
+                              <p:cond delay="0"/>
+                            </p:stCondLst>
+                            <p:childTnLst>
+                              <p:par>
+                                <p:cTn id="15" presetID="2" presetClass="entr" presetSubtype="4" fill="hold" grpId="0" nodeType="clickEffect">
+                                  <p:stCondLst>
+                                    <p:cond delay="0"/>
+                                  </p:stCondLst>
+                                  <p:childTnLst>
+                                    <p:set>
+                                      <p:cBhvr>
+                                        <p:cTn id="16" dur="1" fill="hold">
+                                          <p:stCondLst>
+                                            <p:cond delay="0"/>
+                                          </p:stCondLst>
+                                        </p:cTn>
+                                        <p:tgtEl>
+                                          <p:spTgt spid="5"/>
+                                        </p:tgtEl>
+                                        <p:attrNameLst>
+                                          <p:attrName>style.visibility</p:attrName>
+                                        </p:attrNameLst>
+                                      </p:cBhvr>
+                                      <p:to>
+                                        <p:strVal val="visible"/>
+                                      </p:to>
+                                    </p:set>
+                                    <p:anim calcmode="lin" valueType="num">
+                                      <p:cBhvr additive="base">
+                                        <p:cTn id="17" dur="500" fill="hold"/>
+                                        <p:tgtEl>
+                                          <p:spTgt spid="5"/>
+                                        </p:tgtEl>
+                                        <p:attrNameLst>
+                                          <p:attrName>ppt_x</p:attrName>
+                                        </p:attrNameLst>
+                                      </p:cBhvr>
+                                      <p:tavLst>
+                                        <p:tav tm="0">
+                                          <p:val>
+                                            <p:strVal val="#ppt_x"/>
+                                          </p:val>
+                                        </p:tav>
+                                        <p:tav tm="100000">
+                                          <p:val>
+                                            <p:strVal val="#ppt_x"/>
+                                          </p:val>
+                                        </p:tav>
+                                      </p:tavLst>
+                                    </p:anim>
+                                    <p:anim calcmode="lin" valueType="num">
+                                      <p:cBhvr additive="base">
+                                        <p:cTn id="18" dur="500" fill="hold"/>
+                                        <p:tgtEl>
+                                          <p:spTgt spid="5"/>
+                                        </p:tgtEl>
+                                        <p:attrNameLst>
+                                          <p:attrName>ppt_y</p:attrName>
+                                        </p:attrNameLst>
+                                      </p:cBhvr>
+                                      <p:tavLst>
+                                        <p:tav tm="0">
+                                          <p:val>
+                                            <p:strVal val="1+#ppt_h/2"/>
+                                          </p:val>
+                                        </p:tav>
+                                        <p:tav tm="100000">
+                                          <p:val>
+                                            <p:strVal val="#ppt_y"/>
+                                          </p:val>
+                                        </p:tav>
+                                      </p:tavLst>
+                                    </p:anim>
+                                  </p:childTnLst>
+                                </p:cTn>
+                              </p:par>
+                            </p:childTnLst>
+                          </p:cTn>
+                        </p:par>
+                      </p:childTnLst>
+                    </p:cTn>
+                  </p:par>
+                  <p:par>
+                    <p:cTn id="19" fill="hold">
+                      <p:stCondLst>
+                        <p:cond delay="indefinite"/>
+                      </p:stCondLst>
+                      <p:childTnLst>
+                        <p:par>
+                          <p:cTn id="20" fill="hold">
+                            <p:stCondLst>
+                              <p:cond delay="0"/>
+                            </p:stCondLst>
+                            <p:childTnLst>
+                              <p:par>
+                                <p:cTn id="21" presetID="22" presetClass="entr" presetSubtype="2" fill="hold" nodeType="clickEffect">
+                                  <p:stCondLst>
+                                    <p:cond delay="0"/>
+                                  </p:stCondLst>
+                                  <p:childTnLst>
+                                    <p:set>
+                                      <p:cBhvr>
+                                        <p:cTn id="22" dur="1" fill="hold">
+                                          <p:stCondLst>
+                                            <p:cond delay="0"/>
+                                          </p:stCondLst>
+                                        </p:cTn>
+                                        <p:tgtEl>
+                                          <p:spTgt spid="6"/>
+                                        </p:tgtEl>
+                                        <p:attrNameLst>
+                                          <p:attrName>style.visibility</p:attrName>
+                                        </p:attrNameLst>
+                                      </p:cBhvr>
+                                      <p:to>
+                                        <p:strVal val="visible"/>
+                                      </p:to>
+                                    </p:set>
+                                    <p:animEffect transition="in" filter="wipe(right)">
+                                      <p:cBhvr>
+                                        <p:cTn id="23" dur="500"/>
+                                        <p:tgtEl>
+                                          <p:spTgt spid="6"/>
+                                        </p:tgtEl>
+                                      </p:cBhvr>
+                                    </p:animEffect>
+                                  </p:childTnLst>
+                                </p:cTn>
+                              </p:par>
+                            </p:childTnLst>
+                          </p:cTn>
+                        </p:par>
+                      </p:childTnLst>
+                    </p:cTn>
+                  </p:par>
+                </p:childTnLst>
+              </p:cTn>
+              <p:prevCondLst>
+                <p:cond evt="onPrev" delay="0">
+                  <p:tgtEl>
+                    <p:sldTgt/>
+                  </p:tgtEl>
+                </p:cond>
+              </p:prevCondLst>
+              <p:nextCondLst>
+                <p:cond evt="onNext" delay="0">
+                  <p:tgtEl>
+                    <p:sldTgt/>
+                  </p:tgtEl>
+                </p:cond>
+              </p:nextCondLst>
+            </p:seq>
+          </p:childTnLst>
+        </p:cTn>
+      </p:par>
+    </p:tnLst>
+    <p:bldLst>
+      <p:bldP spid="5" grpId="0" animBg="1"/>
+    </p:bldLst>
+  </p:timing>
 </p:sld>
 </file>
 
@@ -18051,29 +21162,3226 @@
         </p:nvSpPr>
         <p:spPr/>
         <p:txBody>
-          <a:bodyPr>
-            <a:normAutofit/>
+          <a:bodyPr/>
+          <a:lstStyle/>
+          <a:p>
+            <a:r>
+              <a:rPr lang="zh-CN" altLang="en-US" dirty="0"/>
+              <a:t>下半年工作计划</a:t>
+            </a:r>
+          </a:p>
+        </p:txBody>
+      </p:sp>
+      <p:sp>
+        <p:nvSpPr>
+          <p:cNvPr id="3" name="Freeform 19">
+            <a:extLst>
+              <a:ext uri="{FF2B5EF4-FFF2-40B4-BE49-F238E27FC236}">
+                <a16:creationId xmlns:a16="http://schemas.microsoft.com/office/drawing/2014/main" id="{EB8D5D73-BBCE-471C-8A10-99CD47456957}"/>
+              </a:ext>
+            </a:extLst>
+          </p:cNvPr>
+          <p:cNvSpPr/>
+          <p:nvPr/>
+        </p:nvSpPr>
+        <p:spPr bwMode="auto">
+          <a:xfrm>
+            <a:off x="2739050" y="1797377"/>
+            <a:ext cx="4973816" cy="1043844"/>
+          </a:xfrm>
+          <a:custGeom>
+            <a:avLst/>
+            <a:gdLst>
+              <a:gd name="T0" fmla="*/ 3200 w 3200"/>
+              <a:gd name="T1" fmla="*/ 320 h 640"/>
+              <a:gd name="T2" fmla="*/ 2880 w 3200"/>
+              <a:gd name="T3" fmla="*/ 640 h 640"/>
+              <a:gd name="T4" fmla="*/ 320 w 3200"/>
+              <a:gd name="T5" fmla="*/ 640 h 640"/>
+              <a:gd name="T6" fmla="*/ 0 w 3200"/>
+              <a:gd name="T7" fmla="*/ 320 h 640"/>
+              <a:gd name="T8" fmla="*/ 320 w 3200"/>
+              <a:gd name="T9" fmla="*/ 0 h 640"/>
+              <a:gd name="T10" fmla="*/ 2880 w 3200"/>
+              <a:gd name="T11" fmla="*/ 0 h 640"/>
+              <a:gd name="T12" fmla="*/ 3200 w 3200"/>
+              <a:gd name="T13" fmla="*/ 320 h 640"/>
+            </a:gdLst>
+            <a:ahLst/>
+            <a:cxnLst>
+              <a:cxn ang="0">
+                <a:pos x="T0" y="T1"/>
+              </a:cxn>
+              <a:cxn ang="0">
+                <a:pos x="T2" y="T3"/>
+              </a:cxn>
+              <a:cxn ang="0">
+                <a:pos x="T4" y="T5"/>
+              </a:cxn>
+              <a:cxn ang="0">
+                <a:pos x="T6" y="T7"/>
+              </a:cxn>
+              <a:cxn ang="0">
+                <a:pos x="T8" y="T9"/>
+              </a:cxn>
+              <a:cxn ang="0">
+                <a:pos x="T10" y="T11"/>
+              </a:cxn>
+              <a:cxn ang="0">
+                <a:pos x="T12" y="T13"/>
+              </a:cxn>
+            </a:cxnLst>
+            <a:rect l="0" t="0" r="r" b="b"/>
+            <a:pathLst>
+              <a:path w="3200" h="640">
+                <a:moveTo>
+                  <a:pt x="3200" y="320"/>
+                </a:moveTo>
+                <a:cubicBezTo>
+                  <a:pt x="3200" y="496"/>
+                  <a:pt x="3056" y="640"/>
+                  <a:pt x="2880" y="640"/>
+                </a:cubicBezTo>
+                <a:cubicBezTo>
+                  <a:pt x="320" y="640"/>
+                  <a:pt x="320" y="640"/>
+                  <a:pt x="320" y="640"/>
+                </a:cubicBezTo>
+                <a:cubicBezTo>
+                  <a:pt x="144" y="640"/>
+                  <a:pt x="0" y="496"/>
+                  <a:pt x="0" y="320"/>
+                </a:cubicBezTo>
+                <a:cubicBezTo>
+                  <a:pt x="0" y="144"/>
+                  <a:pt x="144" y="0"/>
+                  <a:pt x="320" y="0"/>
+                </a:cubicBezTo>
+                <a:cubicBezTo>
+                  <a:pt x="2880" y="0"/>
+                  <a:pt x="2880" y="0"/>
+                  <a:pt x="2880" y="0"/>
+                </a:cubicBezTo>
+                <a:cubicBezTo>
+                  <a:pt x="3056" y="0"/>
+                  <a:pt x="3200" y="144"/>
+                  <a:pt x="3200" y="320"/>
+                </a:cubicBezTo>
+                <a:close/>
+              </a:path>
+            </a:pathLst>
+          </a:custGeom>
+          <a:noFill/>
+          <a:ln w="12700" cap="flat" cmpd="sng" algn="ctr">
+            <a:solidFill>
+              <a:srgbClr val="0177B4"/>
+            </a:solidFill>
+            <a:prstDash val="solid"/>
+            <a:miter lim="800000"/>
+          </a:ln>
+          <a:effectLst/>
+        </p:spPr>
+        <p:txBody>
+          <a:bodyPr vert="horz" wrap="square" lIns="91416" tIns="45708" rIns="91416" bIns="45708" numCol="1" anchor="t" anchorCtr="0" compatLnSpc="1"/>
+          <a:lstStyle/>
+          <a:p>
+            <a:pPr>
+              <a:defRPr/>
+            </a:pPr>
+            <a:endParaRPr lang="zh-CN" altLang="en-US" b="1" kern="0">
+              <a:solidFill>
+                <a:prstClr val="black">
+                  <a:lumMod val="50000"/>
+                  <a:lumOff val="50000"/>
+                </a:prstClr>
+              </a:solidFill>
+              <a:latin typeface="思源黑体 CN Normal" panose="020F0502020204030204"/>
+              <a:ea typeface="思源黑体 CN Normal"/>
+              <a:cs typeface="+mn-ea"/>
+              <a:sym typeface="+mn-lt"/>
+            </a:endParaRPr>
+          </a:p>
+        </p:txBody>
+      </p:sp>
+      <p:sp>
+        <p:nvSpPr>
+          <p:cNvPr id="4" name="TextBox 503">
+            <a:extLst>
+              <a:ext uri="{FF2B5EF4-FFF2-40B4-BE49-F238E27FC236}">
+                <a16:creationId xmlns:a16="http://schemas.microsoft.com/office/drawing/2014/main" id="{03AE473F-451B-4B47-91F4-5ED80C59B09B}"/>
+              </a:ext>
+            </a:extLst>
+          </p:cNvPr>
+          <p:cNvSpPr txBox="1"/>
+          <p:nvPr/>
+        </p:nvSpPr>
+        <p:spPr>
+          <a:xfrm>
+            <a:off x="3796264" y="2024867"/>
+            <a:ext cx="4230402" cy="507831"/>
+          </a:xfrm>
+          <a:prstGeom prst="rect">
+            <a:avLst/>
+          </a:prstGeom>
+          <a:noFill/>
+        </p:spPr>
+        <p:txBody>
+          <a:bodyPr wrap="square" rtlCol="0">
+            <a:spAutoFit/>
           </a:bodyPr>
           <a:lstStyle/>
           <a:p>
+            <a:pPr>
+              <a:lnSpc>
+                <a:spcPct val="150000"/>
+              </a:lnSpc>
+              <a:defRPr/>
+            </a:pPr>
             <a:r>
-              <a:rPr lang="zh-CN" altLang="zh-CN" dirty="0"/>
-              <a:t>问题和亮点</a:t>
+              <a:rPr lang="en-US" altLang="zh-CN" b="1" kern="0" dirty="0" smtClean="0">
+                <a:solidFill>
+                  <a:schemeClr val="tx1">
+                    <a:lumMod val="75000"/>
+                    <a:lumOff val="25000"/>
+                  </a:schemeClr>
+                </a:solidFill>
+                <a:latin typeface="仿宋" panose="02010609060101010101" pitchFamily="49" charset="-122"/>
+                <a:ea typeface="仿宋" panose="02010609060101010101" pitchFamily="49" charset="-122"/>
+                <a:cs typeface="+mn-ea"/>
+                <a:sym typeface="+mn-lt"/>
+              </a:rPr>
+              <a:t>SRM</a:t>
             </a:r>
-            <a:endParaRPr lang="zh-CN" altLang="en-US" dirty="0"/>
+            <a:r>
+              <a:rPr lang="zh-CN" altLang="en-US" b="1" kern="0" dirty="0" smtClean="0">
+                <a:solidFill>
+                  <a:schemeClr val="tx1">
+                    <a:lumMod val="75000"/>
+                    <a:lumOff val="25000"/>
+                  </a:schemeClr>
+                </a:solidFill>
+                <a:latin typeface="仿宋" panose="02010609060101010101" pitchFamily="49" charset="-122"/>
+                <a:ea typeface="仿宋" panose="02010609060101010101" pitchFamily="49" charset="-122"/>
+                <a:cs typeface="+mn-ea"/>
+                <a:sym typeface="+mn-lt"/>
+              </a:rPr>
+              <a:t>和</a:t>
+            </a:r>
+            <a:r>
+              <a:rPr lang="en-US" altLang="zh-CN" b="1" kern="0" dirty="0" smtClean="0">
+                <a:solidFill>
+                  <a:schemeClr val="tx1">
+                    <a:lumMod val="75000"/>
+                    <a:lumOff val="25000"/>
+                  </a:schemeClr>
+                </a:solidFill>
+                <a:latin typeface="仿宋" panose="02010609060101010101" pitchFamily="49" charset="-122"/>
+                <a:ea typeface="仿宋" panose="02010609060101010101" pitchFamily="49" charset="-122"/>
+                <a:cs typeface="+mn-ea"/>
+                <a:sym typeface="+mn-lt"/>
+              </a:rPr>
+              <a:t>SAP</a:t>
+            </a:r>
+            <a:r>
+              <a:rPr lang="zh-CN" altLang="en-US" b="1" kern="0" dirty="0" smtClean="0">
+                <a:solidFill>
+                  <a:schemeClr val="tx1">
+                    <a:lumMod val="75000"/>
+                    <a:lumOff val="25000"/>
+                  </a:schemeClr>
+                </a:solidFill>
+                <a:latin typeface="仿宋" panose="02010609060101010101" pitchFamily="49" charset="-122"/>
+                <a:ea typeface="仿宋" panose="02010609060101010101" pitchFamily="49" charset="-122"/>
+                <a:cs typeface="+mn-ea"/>
+                <a:sym typeface="+mn-lt"/>
+              </a:rPr>
+              <a:t>的维护与功能开发</a:t>
+            </a:r>
+            <a:endParaRPr lang="en-US" altLang="zh-CN" b="1" kern="0" dirty="0" smtClean="0">
+              <a:solidFill>
+                <a:schemeClr val="tx1">
+                  <a:lumMod val="75000"/>
+                  <a:lumOff val="25000"/>
+                </a:schemeClr>
+              </a:solidFill>
+              <a:latin typeface="仿宋" panose="02010609060101010101" pitchFamily="49" charset="-122"/>
+              <a:ea typeface="仿宋" panose="02010609060101010101" pitchFamily="49" charset="-122"/>
+              <a:cs typeface="+mn-ea"/>
+              <a:sym typeface="+mn-lt"/>
+            </a:endParaRPr>
+          </a:p>
+        </p:txBody>
+      </p:sp>
+      <p:sp>
+        <p:nvSpPr>
+          <p:cNvPr id="5" name="Freeform 19">
+            <a:extLst>
+              <a:ext uri="{FF2B5EF4-FFF2-40B4-BE49-F238E27FC236}">
+                <a16:creationId xmlns:a16="http://schemas.microsoft.com/office/drawing/2014/main" id="{43337B3C-A6B4-4646-9293-87D1AA8E3C1C}"/>
+              </a:ext>
+            </a:extLst>
+          </p:cNvPr>
+          <p:cNvSpPr/>
+          <p:nvPr/>
+        </p:nvSpPr>
+        <p:spPr bwMode="auto">
+          <a:xfrm>
+            <a:off x="4553142" y="3152775"/>
+            <a:ext cx="6114857" cy="1043844"/>
+          </a:xfrm>
+          <a:custGeom>
+            <a:avLst/>
+            <a:gdLst>
+              <a:gd name="T0" fmla="*/ 3200 w 3200"/>
+              <a:gd name="T1" fmla="*/ 320 h 640"/>
+              <a:gd name="T2" fmla="*/ 2880 w 3200"/>
+              <a:gd name="T3" fmla="*/ 640 h 640"/>
+              <a:gd name="T4" fmla="*/ 320 w 3200"/>
+              <a:gd name="T5" fmla="*/ 640 h 640"/>
+              <a:gd name="T6" fmla="*/ 0 w 3200"/>
+              <a:gd name="T7" fmla="*/ 320 h 640"/>
+              <a:gd name="T8" fmla="*/ 320 w 3200"/>
+              <a:gd name="T9" fmla="*/ 0 h 640"/>
+              <a:gd name="T10" fmla="*/ 2880 w 3200"/>
+              <a:gd name="T11" fmla="*/ 0 h 640"/>
+              <a:gd name="T12" fmla="*/ 3200 w 3200"/>
+              <a:gd name="T13" fmla="*/ 320 h 640"/>
+            </a:gdLst>
+            <a:ahLst/>
+            <a:cxnLst>
+              <a:cxn ang="0">
+                <a:pos x="T0" y="T1"/>
+              </a:cxn>
+              <a:cxn ang="0">
+                <a:pos x="T2" y="T3"/>
+              </a:cxn>
+              <a:cxn ang="0">
+                <a:pos x="T4" y="T5"/>
+              </a:cxn>
+              <a:cxn ang="0">
+                <a:pos x="T6" y="T7"/>
+              </a:cxn>
+              <a:cxn ang="0">
+                <a:pos x="T8" y="T9"/>
+              </a:cxn>
+              <a:cxn ang="0">
+                <a:pos x="T10" y="T11"/>
+              </a:cxn>
+              <a:cxn ang="0">
+                <a:pos x="T12" y="T13"/>
+              </a:cxn>
+            </a:cxnLst>
+            <a:rect l="0" t="0" r="r" b="b"/>
+            <a:pathLst>
+              <a:path w="3200" h="640">
+                <a:moveTo>
+                  <a:pt x="3200" y="320"/>
+                </a:moveTo>
+                <a:cubicBezTo>
+                  <a:pt x="3200" y="496"/>
+                  <a:pt x="3056" y="640"/>
+                  <a:pt x="2880" y="640"/>
+                </a:cubicBezTo>
+                <a:cubicBezTo>
+                  <a:pt x="320" y="640"/>
+                  <a:pt x="320" y="640"/>
+                  <a:pt x="320" y="640"/>
+                </a:cubicBezTo>
+                <a:cubicBezTo>
+                  <a:pt x="144" y="640"/>
+                  <a:pt x="0" y="496"/>
+                  <a:pt x="0" y="320"/>
+                </a:cubicBezTo>
+                <a:cubicBezTo>
+                  <a:pt x="0" y="144"/>
+                  <a:pt x="144" y="0"/>
+                  <a:pt x="320" y="0"/>
+                </a:cubicBezTo>
+                <a:cubicBezTo>
+                  <a:pt x="2880" y="0"/>
+                  <a:pt x="2880" y="0"/>
+                  <a:pt x="2880" y="0"/>
+                </a:cubicBezTo>
+                <a:cubicBezTo>
+                  <a:pt x="3056" y="0"/>
+                  <a:pt x="3200" y="144"/>
+                  <a:pt x="3200" y="320"/>
+                </a:cubicBezTo>
+                <a:close/>
+              </a:path>
+            </a:pathLst>
+          </a:custGeom>
+          <a:solidFill>
+            <a:sysClr val="window" lastClr="FFFFFF"/>
+          </a:solidFill>
+          <a:ln w="12700" cap="flat" cmpd="sng" algn="ctr">
+            <a:solidFill>
+              <a:srgbClr val="002C4F"/>
+            </a:solidFill>
+            <a:prstDash val="solid"/>
+            <a:miter lim="800000"/>
+          </a:ln>
+          <a:effectLst/>
+        </p:spPr>
+        <p:txBody>
+          <a:bodyPr vert="horz" wrap="square" lIns="91416" tIns="45708" rIns="91416" bIns="45708" numCol="1" anchor="t" anchorCtr="0" compatLnSpc="1"/>
+          <a:lstStyle/>
+          <a:p>
+            <a:pPr>
+              <a:defRPr/>
+            </a:pPr>
+            <a:endParaRPr lang="zh-CN" altLang="en-US" b="1" kern="0">
+              <a:solidFill>
+                <a:prstClr val="black">
+                  <a:lumMod val="50000"/>
+                  <a:lumOff val="50000"/>
+                </a:prstClr>
+              </a:solidFill>
+              <a:latin typeface="思源黑体 CN Normal" panose="020F0502020204030204"/>
+              <a:ea typeface="思源黑体 CN Normal"/>
+              <a:cs typeface="+mn-ea"/>
+              <a:sym typeface="+mn-lt"/>
+            </a:endParaRPr>
+          </a:p>
+        </p:txBody>
+      </p:sp>
+      <p:sp>
+        <p:nvSpPr>
+          <p:cNvPr id="6" name="圆角矩形 14">
+            <a:extLst>
+              <a:ext uri="{FF2B5EF4-FFF2-40B4-BE49-F238E27FC236}">
+                <a16:creationId xmlns:a16="http://schemas.microsoft.com/office/drawing/2014/main" id="{F7C5438A-4150-4C2F-8D79-CF092258C1B1}"/>
+              </a:ext>
+            </a:extLst>
+          </p:cNvPr>
+          <p:cNvSpPr/>
+          <p:nvPr/>
+        </p:nvSpPr>
+        <p:spPr>
+          <a:xfrm>
+            <a:off x="2546677" y="3258457"/>
+            <a:ext cx="2591613" cy="832482"/>
+          </a:xfrm>
+          <a:prstGeom prst="roundRect">
+            <a:avLst>
+              <a:gd name="adj" fmla="val 50000"/>
+            </a:avLst>
+          </a:prstGeom>
+          <a:solidFill>
+            <a:srgbClr val="0177B4"/>
+          </a:solidFill>
+          <a:ln w="12700" cap="flat" cmpd="sng" algn="ctr">
+            <a:noFill/>
+            <a:prstDash val="solid"/>
+            <a:miter lim="800000"/>
+          </a:ln>
+          <a:effectLst/>
+        </p:spPr>
+        <p:txBody>
+          <a:bodyPr vert="horz" wrap="square" lIns="91416" tIns="45708" rIns="91416" bIns="45708" numCol="1" anchor="t" anchorCtr="0" compatLnSpc="1"/>
+          <a:lstStyle/>
+          <a:p>
+            <a:pPr>
+              <a:defRPr/>
+            </a:pPr>
+            <a:endParaRPr lang="zh-CN" altLang="en-US" kern="0">
+              <a:solidFill>
+                <a:prstClr val="black"/>
+              </a:solidFill>
+              <a:latin typeface="思源黑体 CN Normal" panose="020F0502020204030204"/>
+              <a:ea typeface="思源黑体 CN Normal"/>
+              <a:cs typeface="+mn-ea"/>
+              <a:sym typeface="+mn-lt"/>
+            </a:endParaRPr>
+          </a:p>
+        </p:txBody>
+      </p:sp>
+      <p:sp>
+        <p:nvSpPr>
+          <p:cNvPr id="7" name="Freeform 5">
+            <a:extLst>
+              <a:ext uri="{FF2B5EF4-FFF2-40B4-BE49-F238E27FC236}">
+                <a16:creationId xmlns:a16="http://schemas.microsoft.com/office/drawing/2014/main" id="{A9D38C9B-22BE-4FE1-93EA-3191EFEEEBD0}"/>
+              </a:ext>
+            </a:extLst>
+          </p:cNvPr>
+          <p:cNvSpPr/>
+          <p:nvPr/>
+        </p:nvSpPr>
+        <p:spPr bwMode="auto">
+          <a:xfrm>
+            <a:off x="2589954" y="3284112"/>
+            <a:ext cx="1008110" cy="765840"/>
+          </a:xfrm>
+          <a:custGeom>
+            <a:avLst/>
+            <a:gdLst>
+              <a:gd name="T0" fmla="*/ 206 w 524"/>
+              <a:gd name="T1" fmla="*/ 0 h 398"/>
+              <a:gd name="T2" fmla="*/ 199 w 524"/>
+              <a:gd name="T3" fmla="*/ 0 h 398"/>
+              <a:gd name="T4" fmla="*/ 195 w 524"/>
+              <a:gd name="T5" fmla="*/ 0 h 398"/>
+              <a:gd name="T6" fmla="*/ 190 w 524"/>
+              <a:gd name="T7" fmla="*/ 0 h 398"/>
+              <a:gd name="T8" fmla="*/ 0 w 524"/>
+              <a:gd name="T9" fmla="*/ 199 h 398"/>
+              <a:gd name="T10" fmla="*/ 190 w 524"/>
+              <a:gd name="T11" fmla="*/ 398 h 398"/>
+              <a:gd name="T12" fmla="*/ 195 w 524"/>
+              <a:gd name="T13" fmla="*/ 398 h 398"/>
+              <a:gd name="T14" fmla="*/ 199 w 524"/>
+              <a:gd name="T15" fmla="*/ 398 h 398"/>
+              <a:gd name="T16" fmla="*/ 206 w 524"/>
+              <a:gd name="T17" fmla="*/ 398 h 398"/>
+              <a:gd name="T18" fmla="*/ 524 w 524"/>
+              <a:gd name="T19" fmla="*/ 199 h 398"/>
+              <a:gd name="T20" fmla="*/ 206 w 524"/>
+              <a:gd name="T21" fmla="*/ 0 h 398"/>
+            </a:gdLst>
+            <a:ahLst/>
+            <a:cxnLst>
+              <a:cxn ang="0">
+                <a:pos x="T0" y="T1"/>
+              </a:cxn>
+              <a:cxn ang="0">
+                <a:pos x="T2" y="T3"/>
+              </a:cxn>
+              <a:cxn ang="0">
+                <a:pos x="T4" y="T5"/>
+              </a:cxn>
+              <a:cxn ang="0">
+                <a:pos x="T6" y="T7"/>
+              </a:cxn>
+              <a:cxn ang="0">
+                <a:pos x="T8" y="T9"/>
+              </a:cxn>
+              <a:cxn ang="0">
+                <a:pos x="T10" y="T11"/>
+              </a:cxn>
+              <a:cxn ang="0">
+                <a:pos x="T12" y="T13"/>
+              </a:cxn>
+              <a:cxn ang="0">
+                <a:pos x="T14" y="T15"/>
+              </a:cxn>
+              <a:cxn ang="0">
+                <a:pos x="T16" y="T17"/>
+              </a:cxn>
+              <a:cxn ang="0">
+                <a:pos x="T18" y="T19"/>
+              </a:cxn>
+              <a:cxn ang="0">
+                <a:pos x="T20" y="T21"/>
+              </a:cxn>
+            </a:cxnLst>
+            <a:rect l="0" t="0" r="r" b="b"/>
+            <a:pathLst>
+              <a:path w="524" h="398">
+                <a:moveTo>
+                  <a:pt x="206" y="0"/>
+                </a:moveTo>
+                <a:cubicBezTo>
+                  <a:pt x="204" y="0"/>
+                  <a:pt x="201" y="0"/>
+                  <a:pt x="199" y="0"/>
+                </a:cubicBezTo>
+                <a:cubicBezTo>
+                  <a:pt x="198" y="0"/>
+                  <a:pt x="196" y="0"/>
+                  <a:pt x="195" y="0"/>
+                </a:cubicBezTo>
+                <a:cubicBezTo>
+                  <a:pt x="193" y="0"/>
+                  <a:pt x="192" y="0"/>
+                  <a:pt x="190" y="0"/>
+                </a:cubicBezTo>
+                <a:cubicBezTo>
+                  <a:pt x="84" y="5"/>
+                  <a:pt x="0" y="92"/>
+                  <a:pt x="0" y="199"/>
+                </a:cubicBezTo>
+                <a:cubicBezTo>
+                  <a:pt x="0" y="306"/>
+                  <a:pt x="84" y="393"/>
+                  <a:pt x="190" y="398"/>
+                </a:cubicBezTo>
+                <a:cubicBezTo>
+                  <a:pt x="192" y="398"/>
+                  <a:pt x="193" y="398"/>
+                  <a:pt x="195" y="398"/>
+                </a:cubicBezTo>
+                <a:cubicBezTo>
+                  <a:pt x="196" y="398"/>
+                  <a:pt x="198" y="398"/>
+                  <a:pt x="199" y="398"/>
+                </a:cubicBezTo>
+                <a:cubicBezTo>
+                  <a:pt x="201" y="398"/>
+                  <a:pt x="204" y="398"/>
+                  <a:pt x="206" y="398"/>
+                </a:cubicBezTo>
+                <a:cubicBezTo>
+                  <a:pt x="401" y="394"/>
+                  <a:pt x="524" y="199"/>
+                  <a:pt x="524" y="199"/>
+                </a:cubicBezTo>
+                <a:cubicBezTo>
+                  <a:pt x="524" y="199"/>
+                  <a:pt x="401" y="4"/>
+                  <a:pt x="206" y="0"/>
+                </a:cubicBezTo>
+                <a:close/>
+              </a:path>
+            </a:pathLst>
+          </a:custGeom>
+          <a:solidFill>
+            <a:sysClr val="window" lastClr="FFFFFF"/>
+          </a:solidFill>
+          <a:ln w="12700" cap="flat" cmpd="sng" algn="ctr">
+            <a:noFill/>
+            <a:prstDash val="solid"/>
+            <a:miter lim="800000"/>
+          </a:ln>
+          <a:effectLst/>
+        </p:spPr>
+        <p:txBody>
+          <a:bodyPr vert="horz" wrap="square" lIns="91416" tIns="45708" rIns="91416" bIns="45708" numCol="1" anchor="t" anchorCtr="0" compatLnSpc="1"/>
+          <a:lstStyle/>
+          <a:p>
+            <a:pPr marL="0" marR="0" lvl="0" indent="0" defTabSz="914400" eaLnBrk="1" fontAlgn="auto" latinLnBrk="0" hangingPunct="1">
+              <a:lnSpc>
+                <a:spcPct val="100000"/>
+              </a:lnSpc>
+              <a:spcBef>
+                <a:spcPts val="0"/>
+              </a:spcBef>
+              <a:spcAft>
+                <a:spcPts val="0"/>
+              </a:spcAft>
+              <a:buClrTx/>
+              <a:buSzTx/>
+              <a:buFontTx/>
+              <a:buNone/>
+              <a:tabLst/>
+              <a:defRPr/>
+            </a:pPr>
+            <a:endParaRPr kumimoji="0" lang="zh-CN" altLang="en-US" sz="1800" b="0" i="0" u="none" strike="noStrike" kern="0" cap="none" spc="0" normalizeH="0" baseline="0" noProof="0">
+              <a:ln>
+                <a:noFill/>
+              </a:ln>
+              <a:solidFill>
+                <a:prstClr val="black"/>
+              </a:solidFill>
+              <a:effectLst/>
+              <a:uLnTx/>
+              <a:uFillTx/>
+              <a:latin typeface="思源黑体 CN Normal" panose="020F0502020204030204"/>
+              <a:ea typeface="思源黑体 CN Normal"/>
+              <a:cs typeface="+mn-ea"/>
+              <a:sym typeface="+mn-lt"/>
+            </a:endParaRPr>
+          </a:p>
+        </p:txBody>
+      </p:sp>
+      <p:sp>
+        <p:nvSpPr>
+          <p:cNvPr id="8" name="椭圆 7">
+            <a:extLst>
+              <a:ext uri="{FF2B5EF4-FFF2-40B4-BE49-F238E27FC236}">
+                <a16:creationId xmlns:a16="http://schemas.microsoft.com/office/drawing/2014/main" id="{5E55393F-05CE-4E9B-A723-58208A82CEAC}"/>
+              </a:ext>
+            </a:extLst>
+          </p:cNvPr>
+          <p:cNvSpPr/>
+          <p:nvPr/>
+        </p:nvSpPr>
+        <p:spPr>
+          <a:xfrm>
+            <a:off x="2706783" y="3372599"/>
+            <a:ext cx="588864" cy="588865"/>
+          </a:xfrm>
+          <a:prstGeom prst="ellipse">
+            <a:avLst/>
+          </a:prstGeom>
+          <a:solidFill>
+            <a:srgbClr val="002C4F"/>
+          </a:solidFill>
+          <a:ln w="12700" cap="flat" cmpd="sng" algn="ctr">
+            <a:noFill/>
+            <a:prstDash val="solid"/>
+            <a:miter lim="800000"/>
+          </a:ln>
+          <a:effectLst>
+            <a:innerShdw blurRad="63500" dist="50800" dir="13500000">
+              <a:prstClr val="black">
+                <a:alpha val="50000"/>
+              </a:prstClr>
+            </a:innerShdw>
+          </a:effectLst>
+        </p:spPr>
+        <p:txBody>
+          <a:bodyPr rtlCol="0" anchor="ctr"/>
+          <a:lstStyle/>
+          <a:p>
+            <a:pPr algn="ctr">
+              <a:defRPr/>
+            </a:pPr>
+            <a:endParaRPr lang="zh-CN" altLang="en-US" kern="0" dirty="0">
+              <a:solidFill>
+                <a:prstClr val="white"/>
+              </a:solidFill>
+              <a:latin typeface="思源黑体 CN Normal" panose="020F0502020204030204"/>
+              <a:ea typeface="思源黑体 CN Normal"/>
+              <a:cs typeface="+mn-ea"/>
+              <a:sym typeface="+mn-lt"/>
+            </a:endParaRPr>
+          </a:p>
+        </p:txBody>
+      </p:sp>
+      <p:sp>
+        <p:nvSpPr>
+          <p:cNvPr id="9" name="矩形 3">
+            <a:extLst>
+              <a:ext uri="{FF2B5EF4-FFF2-40B4-BE49-F238E27FC236}">
+                <a16:creationId xmlns:a16="http://schemas.microsoft.com/office/drawing/2014/main" id="{6AD21035-8E82-4B26-9415-74D425D277A7}"/>
+              </a:ext>
+            </a:extLst>
+          </p:cNvPr>
+          <p:cNvSpPr>
+            <a:spLocks noChangeArrowheads="1"/>
+          </p:cNvSpPr>
+          <p:nvPr/>
+        </p:nvSpPr>
+        <p:spPr bwMode="auto">
+          <a:xfrm>
+            <a:off x="4894799" y="3332747"/>
+            <a:ext cx="184664" cy="461633"/>
+          </a:xfrm>
+          <a:prstGeom prst="rect">
+            <a:avLst/>
+          </a:prstGeom>
+          <a:noFill/>
+          <a:ln>
+            <a:noFill/>
+          </a:ln>
+          <a:extLst>
+            <a:ext uri="{909E8E84-426E-40DD-AFC4-6F175D3DCCD1}">
+              <a14:hiddenFill xmlns:a14="http://schemas.microsoft.com/office/drawing/2010/main">
+                <a:solidFill>
+                  <a:srgbClr val="FFFFFF"/>
+                </a:solidFill>
+              </a14:hiddenFill>
+            </a:ext>
+            <a:ext uri="{91240B29-F687-4F45-9708-019B960494DF}">
+              <a14:hiddenLine xmlns:a14="http://schemas.microsoft.com/office/drawing/2010/main" w="9525">
+                <a:solidFill>
+                  <a:srgbClr val="000000"/>
+                </a:solidFill>
+                <a:bevel/>
+              </a14:hiddenLine>
+            </a:ext>
+          </a:extLst>
+        </p:spPr>
+        <p:txBody>
+          <a:bodyPr wrap="none" lIns="91407" tIns="45704" rIns="91407" bIns="45704">
+            <a:spAutoFit/>
+          </a:bodyPr>
+          <a:lstStyle>
+            <a:lvl1pPr eaLnBrk="0" hangingPunct="0">
+              <a:defRPr>
+                <a:solidFill>
+                  <a:schemeClr val="tx1"/>
+                </a:solidFill>
+                <a:latin typeface="Arial" panose="020B0604020202020204" pitchFamily="34" charset="0"/>
+                <a:ea typeface="宋体" panose="02010600030101010101" pitchFamily="2" charset="-122"/>
+              </a:defRPr>
+            </a:lvl1pPr>
+            <a:lvl2pPr marL="742950" indent="-285750" eaLnBrk="0" hangingPunct="0">
+              <a:defRPr>
+                <a:solidFill>
+                  <a:schemeClr val="tx1"/>
+                </a:solidFill>
+                <a:latin typeface="Arial" panose="020B0604020202020204" pitchFamily="34" charset="0"/>
+                <a:ea typeface="宋体" panose="02010600030101010101" pitchFamily="2" charset="-122"/>
+              </a:defRPr>
+            </a:lvl2pPr>
+            <a:lvl3pPr marL="1143000" indent="-228600" eaLnBrk="0" hangingPunct="0">
+              <a:defRPr>
+                <a:solidFill>
+                  <a:schemeClr val="tx1"/>
+                </a:solidFill>
+                <a:latin typeface="Arial" panose="020B0604020202020204" pitchFamily="34" charset="0"/>
+                <a:ea typeface="宋体" panose="02010600030101010101" pitchFamily="2" charset="-122"/>
+              </a:defRPr>
+            </a:lvl3pPr>
+            <a:lvl4pPr marL="1600200" indent="-228600" eaLnBrk="0" hangingPunct="0">
+              <a:defRPr>
+                <a:solidFill>
+                  <a:schemeClr val="tx1"/>
+                </a:solidFill>
+                <a:latin typeface="Arial" panose="020B0604020202020204" pitchFamily="34" charset="0"/>
+                <a:ea typeface="宋体" panose="02010600030101010101" pitchFamily="2" charset="-122"/>
+              </a:defRPr>
+            </a:lvl4pPr>
+            <a:lvl5pPr marL="2057400" indent="-228600" eaLnBrk="0" hangingPunct="0">
+              <a:defRPr>
+                <a:solidFill>
+                  <a:schemeClr val="tx1"/>
+                </a:solidFill>
+                <a:latin typeface="Arial" panose="020B0604020202020204" pitchFamily="34" charset="0"/>
+                <a:ea typeface="宋体" panose="02010600030101010101" pitchFamily="2" charset="-122"/>
+              </a:defRPr>
+            </a:lvl5pPr>
+            <a:lvl6pPr marL="2514600" indent="-228600" eaLnBrk="0" fontAlgn="base" hangingPunct="0">
+              <a:spcBef>
+                <a:spcPct val="0"/>
+              </a:spcBef>
+              <a:spcAft>
+                <a:spcPct val="0"/>
+              </a:spcAft>
+              <a:buFont typeface="Arial" panose="020B0604020202020204" pitchFamily="34" charset="0"/>
+              <a:defRPr>
+                <a:solidFill>
+                  <a:schemeClr val="tx1"/>
+                </a:solidFill>
+                <a:latin typeface="Arial" panose="020B0604020202020204" pitchFamily="34" charset="0"/>
+                <a:ea typeface="宋体" panose="02010600030101010101" pitchFamily="2" charset="-122"/>
+              </a:defRPr>
+            </a:lvl6pPr>
+            <a:lvl7pPr marL="2971800" indent="-228600" eaLnBrk="0" fontAlgn="base" hangingPunct="0">
+              <a:spcBef>
+                <a:spcPct val="0"/>
+              </a:spcBef>
+              <a:spcAft>
+                <a:spcPct val="0"/>
+              </a:spcAft>
+              <a:buFont typeface="Arial" panose="020B0604020202020204" pitchFamily="34" charset="0"/>
+              <a:defRPr>
+                <a:solidFill>
+                  <a:schemeClr val="tx1"/>
+                </a:solidFill>
+                <a:latin typeface="Arial" panose="020B0604020202020204" pitchFamily="34" charset="0"/>
+                <a:ea typeface="宋体" panose="02010600030101010101" pitchFamily="2" charset="-122"/>
+              </a:defRPr>
+            </a:lvl7pPr>
+            <a:lvl8pPr marL="3429000" indent="-228600" eaLnBrk="0" fontAlgn="base" hangingPunct="0">
+              <a:spcBef>
+                <a:spcPct val="0"/>
+              </a:spcBef>
+              <a:spcAft>
+                <a:spcPct val="0"/>
+              </a:spcAft>
+              <a:buFont typeface="Arial" panose="020B0604020202020204" pitchFamily="34" charset="0"/>
+              <a:defRPr>
+                <a:solidFill>
+                  <a:schemeClr val="tx1"/>
+                </a:solidFill>
+                <a:latin typeface="Arial" panose="020B0604020202020204" pitchFamily="34" charset="0"/>
+                <a:ea typeface="宋体" panose="02010600030101010101" pitchFamily="2" charset="-122"/>
+              </a:defRPr>
+            </a:lvl8pPr>
+            <a:lvl9pPr marL="3886200" indent="-228600" eaLnBrk="0" fontAlgn="base" hangingPunct="0">
+              <a:spcBef>
+                <a:spcPct val="0"/>
+              </a:spcBef>
+              <a:spcAft>
+                <a:spcPct val="0"/>
+              </a:spcAft>
+              <a:buFont typeface="Arial" panose="020B0604020202020204" pitchFamily="34" charset="0"/>
+              <a:defRPr>
+                <a:solidFill>
+                  <a:schemeClr val="tx1"/>
+                </a:solidFill>
+                <a:latin typeface="Arial" panose="020B0604020202020204" pitchFamily="34" charset="0"/>
+                <a:ea typeface="宋体" panose="02010600030101010101" pitchFamily="2" charset="-122"/>
+              </a:defRPr>
+            </a:lvl9pPr>
+          </a:lstStyle>
+          <a:p>
+            <a:pPr eaLnBrk="1" hangingPunct="1"/>
+            <a:endParaRPr lang="zh-CN" altLang="en-US" sz="2400" b="1" dirty="0">
+              <a:solidFill>
+                <a:prstClr val="white"/>
+              </a:solidFill>
+              <a:latin typeface="思源黑体 CN Normal" panose="020F0502020204030204"/>
+              <a:ea typeface="思源黑体 CN Normal"/>
+              <a:cs typeface="+mn-ea"/>
+              <a:sym typeface="+mn-lt"/>
+            </a:endParaRPr>
+          </a:p>
+        </p:txBody>
+      </p:sp>
+      <p:sp>
+        <p:nvSpPr>
+          <p:cNvPr id="10" name="TextBox 503">
+            <a:extLst>
+              <a:ext uri="{FF2B5EF4-FFF2-40B4-BE49-F238E27FC236}">
+                <a16:creationId xmlns:a16="http://schemas.microsoft.com/office/drawing/2014/main" id="{41C0AB02-DE73-40D2-BE63-B7772271AD55}"/>
+              </a:ext>
+            </a:extLst>
+          </p:cNvPr>
+          <p:cNvSpPr txBox="1"/>
+          <p:nvPr/>
+        </p:nvSpPr>
+        <p:spPr>
+          <a:xfrm>
+            <a:off x="5160706" y="3252226"/>
+            <a:ext cx="5203917" cy="923330"/>
+          </a:xfrm>
+          <a:prstGeom prst="rect">
+            <a:avLst/>
+          </a:prstGeom>
+          <a:noFill/>
+        </p:spPr>
+        <p:txBody>
+          <a:bodyPr wrap="square" rtlCol="0">
+            <a:spAutoFit/>
+          </a:bodyPr>
+          <a:lstStyle/>
+          <a:p>
+            <a:pPr>
+              <a:lnSpc>
+                <a:spcPct val="150000"/>
+              </a:lnSpc>
+              <a:defRPr/>
+            </a:pPr>
+            <a:r>
+              <a:rPr lang="zh-CN" altLang="en-US" b="1" kern="0" dirty="0" smtClean="0">
+                <a:solidFill>
+                  <a:schemeClr val="tx1">
+                    <a:lumMod val="75000"/>
+                    <a:lumOff val="25000"/>
+                  </a:schemeClr>
+                </a:solidFill>
+                <a:latin typeface="仿宋" panose="02010609060101010101" pitchFamily="49" charset="-122"/>
+                <a:ea typeface="仿宋" panose="02010609060101010101" pitchFamily="49" charset="-122"/>
+                <a:cs typeface="+mn-ea"/>
+                <a:sym typeface="+mn-lt"/>
+              </a:rPr>
+              <a:t>主动承担更多的</a:t>
+            </a:r>
+            <a:r>
+              <a:rPr lang="en-US" altLang="zh-CN" b="1" kern="0" dirty="0" smtClean="0">
+                <a:solidFill>
+                  <a:schemeClr val="tx1">
+                    <a:lumMod val="75000"/>
+                    <a:lumOff val="25000"/>
+                  </a:schemeClr>
+                </a:solidFill>
+                <a:latin typeface="仿宋" panose="02010609060101010101" pitchFamily="49" charset="-122"/>
+                <a:ea typeface="仿宋" panose="02010609060101010101" pitchFamily="49" charset="-122"/>
+                <a:cs typeface="+mn-ea"/>
+                <a:sym typeface="+mn-lt"/>
+              </a:rPr>
+              <a:t>SAP</a:t>
+            </a:r>
+            <a:r>
+              <a:rPr lang="zh-CN" altLang="en-US" b="1" kern="0" dirty="0" smtClean="0">
+                <a:solidFill>
+                  <a:schemeClr val="tx1">
+                    <a:lumMod val="75000"/>
+                    <a:lumOff val="25000"/>
+                  </a:schemeClr>
+                </a:solidFill>
+                <a:latin typeface="仿宋" panose="02010609060101010101" pitchFamily="49" charset="-122"/>
+                <a:ea typeface="仿宋" panose="02010609060101010101" pitchFamily="49" charset="-122"/>
+                <a:cs typeface="+mn-ea"/>
+                <a:sym typeface="+mn-lt"/>
+              </a:rPr>
+              <a:t>开发工作，提升</a:t>
+            </a:r>
+            <a:r>
+              <a:rPr lang="en-US" altLang="zh-CN" b="1" kern="0" dirty="0" smtClean="0">
+                <a:solidFill>
+                  <a:schemeClr val="tx1">
+                    <a:lumMod val="75000"/>
+                    <a:lumOff val="25000"/>
+                  </a:schemeClr>
+                </a:solidFill>
+                <a:latin typeface="仿宋" panose="02010609060101010101" pitchFamily="49" charset="-122"/>
+                <a:ea typeface="仿宋" panose="02010609060101010101" pitchFamily="49" charset="-122"/>
+                <a:cs typeface="+mn-ea"/>
+                <a:sym typeface="+mn-lt"/>
+              </a:rPr>
+              <a:t>SAP</a:t>
+            </a:r>
+            <a:r>
+              <a:rPr lang="zh-CN" altLang="en-US" b="1" kern="0" dirty="0" smtClean="0">
+                <a:solidFill>
+                  <a:schemeClr val="tx1">
+                    <a:lumMod val="75000"/>
+                    <a:lumOff val="25000"/>
+                  </a:schemeClr>
+                </a:solidFill>
+                <a:latin typeface="仿宋" panose="02010609060101010101" pitchFamily="49" charset="-122"/>
+                <a:ea typeface="仿宋" panose="02010609060101010101" pitchFamily="49" charset="-122"/>
+                <a:cs typeface="+mn-ea"/>
+                <a:sym typeface="+mn-lt"/>
+              </a:rPr>
+              <a:t>的工作量，在工作中不断学习进步</a:t>
+            </a:r>
+            <a:r>
+              <a:rPr lang="zh-CN" altLang="en-US" b="1" kern="0" dirty="0" smtClean="0">
+                <a:solidFill>
+                  <a:schemeClr val="tx1">
+                    <a:lumMod val="75000"/>
+                    <a:lumOff val="25000"/>
+                  </a:schemeClr>
+                </a:solidFill>
+                <a:latin typeface="仿宋" panose="02010609060101010101" pitchFamily="49" charset="-122"/>
+                <a:ea typeface="仿宋" panose="02010609060101010101" pitchFamily="49" charset="-122"/>
+                <a:cs typeface="+mn-ea"/>
+                <a:sym typeface="+mn-lt"/>
+              </a:rPr>
+              <a:t>提高</a:t>
+            </a:r>
+            <a:r>
+              <a:rPr lang="en-US" altLang="zh-CN" b="1" kern="0" dirty="0" smtClean="0">
+                <a:solidFill>
+                  <a:schemeClr val="tx1">
+                    <a:lumMod val="75000"/>
+                    <a:lumOff val="25000"/>
+                  </a:schemeClr>
+                </a:solidFill>
+                <a:latin typeface="仿宋" panose="02010609060101010101" pitchFamily="49" charset="-122"/>
+                <a:ea typeface="仿宋" panose="02010609060101010101" pitchFamily="49" charset="-122"/>
+                <a:cs typeface="+mn-ea"/>
+                <a:sym typeface="+mn-lt"/>
+              </a:rPr>
+              <a:t>ABAP</a:t>
+            </a:r>
+            <a:r>
+              <a:rPr lang="zh-CN" altLang="en-US" b="1" kern="0" dirty="0" smtClean="0">
+                <a:solidFill>
+                  <a:schemeClr val="tx1">
+                    <a:lumMod val="75000"/>
+                    <a:lumOff val="25000"/>
+                  </a:schemeClr>
+                </a:solidFill>
+                <a:latin typeface="仿宋" panose="02010609060101010101" pitchFamily="49" charset="-122"/>
+                <a:ea typeface="仿宋" panose="02010609060101010101" pitchFamily="49" charset="-122"/>
+                <a:cs typeface="+mn-ea"/>
+                <a:sym typeface="+mn-lt"/>
+              </a:rPr>
+              <a:t>的开发技能</a:t>
+            </a:r>
+            <a:endParaRPr lang="en-US" altLang="zh-CN" b="1" kern="0" dirty="0">
+              <a:solidFill>
+                <a:schemeClr val="tx1">
+                  <a:lumMod val="75000"/>
+                  <a:lumOff val="25000"/>
+                </a:schemeClr>
+              </a:solidFill>
+              <a:latin typeface="仿宋" panose="02010609060101010101" pitchFamily="49" charset="-122"/>
+              <a:ea typeface="仿宋" panose="02010609060101010101" pitchFamily="49" charset="-122"/>
+              <a:cs typeface="+mn-ea"/>
+              <a:sym typeface="+mn-lt"/>
+            </a:endParaRPr>
+          </a:p>
+        </p:txBody>
+      </p:sp>
+      <p:sp>
+        <p:nvSpPr>
+          <p:cNvPr id="11" name="Freeform 19">
+            <a:extLst>
+              <a:ext uri="{FF2B5EF4-FFF2-40B4-BE49-F238E27FC236}">
+                <a16:creationId xmlns:a16="http://schemas.microsoft.com/office/drawing/2014/main" id="{3DB8F5B5-A2C4-48A1-8408-D99E177BFCF5}"/>
+              </a:ext>
+            </a:extLst>
+          </p:cNvPr>
+          <p:cNvSpPr/>
+          <p:nvPr/>
+        </p:nvSpPr>
+        <p:spPr bwMode="auto">
+          <a:xfrm>
+            <a:off x="3661862" y="4607995"/>
+            <a:ext cx="4973816" cy="1043844"/>
+          </a:xfrm>
+          <a:custGeom>
+            <a:avLst/>
+            <a:gdLst>
+              <a:gd name="T0" fmla="*/ 3200 w 3200"/>
+              <a:gd name="T1" fmla="*/ 320 h 640"/>
+              <a:gd name="T2" fmla="*/ 2880 w 3200"/>
+              <a:gd name="T3" fmla="*/ 640 h 640"/>
+              <a:gd name="T4" fmla="*/ 320 w 3200"/>
+              <a:gd name="T5" fmla="*/ 640 h 640"/>
+              <a:gd name="T6" fmla="*/ 0 w 3200"/>
+              <a:gd name="T7" fmla="*/ 320 h 640"/>
+              <a:gd name="T8" fmla="*/ 320 w 3200"/>
+              <a:gd name="T9" fmla="*/ 0 h 640"/>
+              <a:gd name="T10" fmla="*/ 2880 w 3200"/>
+              <a:gd name="T11" fmla="*/ 0 h 640"/>
+              <a:gd name="T12" fmla="*/ 3200 w 3200"/>
+              <a:gd name="T13" fmla="*/ 320 h 640"/>
+            </a:gdLst>
+            <a:ahLst/>
+            <a:cxnLst>
+              <a:cxn ang="0">
+                <a:pos x="T0" y="T1"/>
+              </a:cxn>
+              <a:cxn ang="0">
+                <a:pos x="T2" y="T3"/>
+              </a:cxn>
+              <a:cxn ang="0">
+                <a:pos x="T4" y="T5"/>
+              </a:cxn>
+              <a:cxn ang="0">
+                <a:pos x="T6" y="T7"/>
+              </a:cxn>
+              <a:cxn ang="0">
+                <a:pos x="T8" y="T9"/>
+              </a:cxn>
+              <a:cxn ang="0">
+                <a:pos x="T10" y="T11"/>
+              </a:cxn>
+              <a:cxn ang="0">
+                <a:pos x="T12" y="T13"/>
+              </a:cxn>
+            </a:cxnLst>
+            <a:rect l="0" t="0" r="r" b="b"/>
+            <a:pathLst>
+              <a:path w="3200" h="640">
+                <a:moveTo>
+                  <a:pt x="3200" y="320"/>
+                </a:moveTo>
+                <a:cubicBezTo>
+                  <a:pt x="3200" y="496"/>
+                  <a:pt x="3056" y="640"/>
+                  <a:pt x="2880" y="640"/>
+                </a:cubicBezTo>
+                <a:cubicBezTo>
+                  <a:pt x="320" y="640"/>
+                  <a:pt x="320" y="640"/>
+                  <a:pt x="320" y="640"/>
+                </a:cubicBezTo>
+                <a:cubicBezTo>
+                  <a:pt x="144" y="640"/>
+                  <a:pt x="0" y="496"/>
+                  <a:pt x="0" y="320"/>
+                </a:cubicBezTo>
+                <a:cubicBezTo>
+                  <a:pt x="0" y="144"/>
+                  <a:pt x="144" y="0"/>
+                  <a:pt x="320" y="0"/>
+                </a:cubicBezTo>
+                <a:cubicBezTo>
+                  <a:pt x="2880" y="0"/>
+                  <a:pt x="2880" y="0"/>
+                  <a:pt x="2880" y="0"/>
+                </a:cubicBezTo>
+                <a:cubicBezTo>
+                  <a:pt x="3056" y="0"/>
+                  <a:pt x="3200" y="144"/>
+                  <a:pt x="3200" y="320"/>
+                </a:cubicBezTo>
+                <a:close/>
+              </a:path>
+            </a:pathLst>
+          </a:custGeom>
+          <a:noFill/>
+          <a:ln w="12700" cap="flat" cmpd="sng" algn="ctr">
+            <a:solidFill>
+              <a:srgbClr val="0177B4"/>
+            </a:solidFill>
+            <a:prstDash val="solid"/>
+            <a:miter lim="800000"/>
+          </a:ln>
+          <a:effectLst/>
+        </p:spPr>
+        <p:txBody>
+          <a:bodyPr vert="horz" wrap="square" lIns="91416" tIns="45708" rIns="91416" bIns="45708" numCol="1" anchor="t" anchorCtr="0" compatLnSpc="1"/>
+          <a:lstStyle/>
+          <a:p>
+            <a:pPr>
+              <a:defRPr/>
+            </a:pPr>
+            <a:endParaRPr lang="zh-CN" altLang="en-US" b="1" kern="0">
+              <a:solidFill>
+                <a:prstClr val="black">
+                  <a:lumMod val="50000"/>
+                  <a:lumOff val="50000"/>
+                </a:prstClr>
+              </a:solidFill>
+              <a:latin typeface="思源黑体 CN Normal" panose="020F0502020204030204"/>
+              <a:ea typeface="思源黑体 CN Normal"/>
+              <a:cs typeface="+mn-ea"/>
+              <a:sym typeface="+mn-lt"/>
+            </a:endParaRPr>
+          </a:p>
+        </p:txBody>
+      </p:sp>
+      <p:sp>
+        <p:nvSpPr>
+          <p:cNvPr id="12" name="圆角矩形 22">
+            <a:extLst>
+              <a:ext uri="{FF2B5EF4-FFF2-40B4-BE49-F238E27FC236}">
+                <a16:creationId xmlns:a16="http://schemas.microsoft.com/office/drawing/2014/main" id="{EEE5EB5B-CBB0-4731-ADC7-E12FD80896F7}"/>
+              </a:ext>
+            </a:extLst>
+          </p:cNvPr>
+          <p:cNvSpPr/>
+          <p:nvPr/>
+        </p:nvSpPr>
+        <p:spPr>
+          <a:xfrm>
+            <a:off x="1655396" y="4713677"/>
+            <a:ext cx="2591613" cy="832482"/>
+          </a:xfrm>
+          <a:prstGeom prst="roundRect">
+            <a:avLst>
+              <a:gd name="adj" fmla="val 50000"/>
+            </a:avLst>
+          </a:prstGeom>
+          <a:solidFill>
+            <a:srgbClr val="002C4F"/>
+          </a:solidFill>
+          <a:ln w="12700" cap="flat" cmpd="sng" algn="ctr">
+            <a:noFill/>
+            <a:prstDash val="solid"/>
+            <a:miter lim="800000"/>
+          </a:ln>
+          <a:effectLst/>
+        </p:spPr>
+        <p:txBody>
+          <a:bodyPr vert="horz" wrap="square" lIns="91416" tIns="45708" rIns="91416" bIns="45708" numCol="1" anchor="t" anchorCtr="0" compatLnSpc="1"/>
+          <a:lstStyle/>
+          <a:p>
+            <a:pPr>
+              <a:defRPr/>
+            </a:pPr>
+            <a:endParaRPr lang="zh-CN" altLang="en-US" kern="0">
+              <a:solidFill>
+                <a:prstClr val="black"/>
+              </a:solidFill>
+              <a:latin typeface="思源黑体 CN Normal" panose="020F0502020204030204"/>
+              <a:ea typeface="思源黑体 CN Normal"/>
+              <a:cs typeface="+mn-ea"/>
+              <a:sym typeface="+mn-lt"/>
+            </a:endParaRPr>
+          </a:p>
+        </p:txBody>
+      </p:sp>
+      <p:sp>
+        <p:nvSpPr>
+          <p:cNvPr id="13" name="Freeform 5">
+            <a:extLst>
+              <a:ext uri="{FF2B5EF4-FFF2-40B4-BE49-F238E27FC236}">
+                <a16:creationId xmlns:a16="http://schemas.microsoft.com/office/drawing/2014/main" id="{D3E13A6F-7B67-4D04-9459-36DD819E21E0}"/>
+              </a:ext>
+            </a:extLst>
+          </p:cNvPr>
+          <p:cNvSpPr/>
+          <p:nvPr/>
+        </p:nvSpPr>
+        <p:spPr bwMode="auto">
+          <a:xfrm>
+            <a:off x="1698673" y="4739332"/>
+            <a:ext cx="1008110" cy="765840"/>
+          </a:xfrm>
+          <a:custGeom>
+            <a:avLst/>
+            <a:gdLst>
+              <a:gd name="T0" fmla="*/ 206 w 524"/>
+              <a:gd name="T1" fmla="*/ 0 h 398"/>
+              <a:gd name="T2" fmla="*/ 199 w 524"/>
+              <a:gd name="T3" fmla="*/ 0 h 398"/>
+              <a:gd name="T4" fmla="*/ 195 w 524"/>
+              <a:gd name="T5" fmla="*/ 0 h 398"/>
+              <a:gd name="T6" fmla="*/ 190 w 524"/>
+              <a:gd name="T7" fmla="*/ 0 h 398"/>
+              <a:gd name="T8" fmla="*/ 0 w 524"/>
+              <a:gd name="T9" fmla="*/ 199 h 398"/>
+              <a:gd name="T10" fmla="*/ 190 w 524"/>
+              <a:gd name="T11" fmla="*/ 398 h 398"/>
+              <a:gd name="T12" fmla="*/ 195 w 524"/>
+              <a:gd name="T13" fmla="*/ 398 h 398"/>
+              <a:gd name="T14" fmla="*/ 199 w 524"/>
+              <a:gd name="T15" fmla="*/ 398 h 398"/>
+              <a:gd name="T16" fmla="*/ 206 w 524"/>
+              <a:gd name="T17" fmla="*/ 398 h 398"/>
+              <a:gd name="T18" fmla="*/ 524 w 524"/>
+              <a:gd name="T19" fmla="*/ 199 h 398"/>
+              <a:gd name="T20" fmla="*/ 206 w 524"/>
+              <a:gd name="T21" fmla="*/ 0 h 398"/>
+            </a:gdLst>
+            <a:ahLst/>
+            <a:cxnLst>
+              <a:cxn ang="0">
+                <a:pos x="T0" y="T1"/>
+              </a:cxn>
+              <a:cxn ang="0">
+                <a:pos x="T2" y="T3"/>
+              </a:cxn>
+              <a:cxn ang="0">
+                <a:pos x="T4" y="T5"/>
+              </a:cxn>
+              <a:cxn ang="0">
+                <a:pos x="T6" y="T7"/>
+              </a:cxn>
+              <a:cxn ang="0">
+                <a:pos x="T8" y="T9"/>
+              </a:cxn>
+              <a:cxn ang="0">
+                <a:pos x="T10" y="T11"/>
+              </a:cxn>
+              <a:cxn ang="0">
+                <a:pos x="T12" y="T13"/>
+              </a:cxn>
+              <a:cxn ang="0">
+                <a:pos x="T14" y="T15"/>
+              </a:cxn>
+              <a:cxn ang="0">
+                <a:pos x="T16" y="T17"/>
+              </a:cxn>
+              <a:cxn ang="0">
+                <a:pos x="T18" y="T19"/>
+              </a:cxn>
+              <a:cxn ang="0">
+                <a:pos x="T20" y="T21"/>
+              </a:cxn>
+            </a:cxnLst>
+            <a:rect l="0" t="0" r="r" b="b"/>
+            <a:pathLst>
+              <a:path w="524" h="398">
+                <a:moveTo>
+                  <a:pt x="206" y="0"/>
+                </a:moveTo>
+                <a:cubicBezTo>
+                  <a:pt x="204" y="0"/>
+                  <a:pt x="201" y="0"/>
+                  <a:pt x="199" y="0"/>
+                </a:cubicBezTo>
+                <a:cubicBezTo>
+                  <a:pt x="198" y="0"/>
+                  <a:pt x="196" y="0"/>
+                  <a:pt x="195" y="0"/>
+                </a:cubicBezTo>
+                <a:cubicBezTo>
+                  <a:pt x="193" y="0"/>
+                  <a:pt x="192" y="0"/>
+                  <a:pt x="190" y="0"/>
+                </a:cubicBezTo>
+                <a:cubicBezTo>
+                  <a:pt x="84" y="5"/>
+                  <a:pt x="0" y="92"/>
+                  <a:pt x="0" y="199"/>
+                </a:cubicBezTo>
+                <a:cubicBezTo>
+                  <a:pt x="0" y="306"/>
+                  <a:pt x="84" y="393"/>
+                  <a:pt x="190" y="398"/>
+                </a:cubicBezTo>
+                <a:cubicBezTo>
+                  <a:pt x="192" y="398"/>
+                  <a:pt x="193" y="398"/>
+                  <a:pt x="195" y="398"/>
+                </a:cubicBezTo>
+                <a:cubicBezTo>
+                  <a:pt x="196" y="398"/>
+                  <a:pt x="198" y="398"/>
+                  <a:pt x="199" y="398"/>
+                </a:cubicBezTo>
+                <a:cubicBezTo>
+                  <a:pt x="201" y="398"/>
+                  <a:pt x="204" y="398"/>
+                  <a:pt x="206" y="398"/>
+                </a:cubicBezTo>
+                <a:cubicBezTo>
+                  <a:pt x="401" y="394"/>
+                  <a:pt x="524" y="199"/>
+                  <a:pt x="524" y="199"/>
+                </a:cubicBezTo>
+                <a:cubicBezTo>
+                  <a:pt x="524" y="199"/>
+                  <a:pt x="401" y="4"/>
+                  <a:pt x="206" y="0"/>
+                </a:cubicBezTo>
+                <a:close/>
+              </a:path>
+            </a:pathLst>
+          </a:custGeom>
+          <a:solidFill>
+            <a:sysClr val="window" lastClr="FFFFFF"/>
+          </a:solidFill>
+          <a:ln w="12700" cap="flat" cmpd="sng" algn="ctr">
+            <a:noFill/>
+            <a:prstDash val="solid"/>
+            <a:miter lim="800000"/>
+          </a:ln>
+          <a:effectLst/>
+        </p:spPr>
+        <p:txBody>
+          <a:bodyPr vert="horz" wrap="square" lIns="91416" tIns="45708" rIns="91416" bIns="45708" numCol="1" anchor="t" anchorCtr="0" compatLnSpc="1"/>
+          <a:lstStyle/>
+          <a:p>
+            <a:pPr marL="0" marR="0" lvl="0" indent="0" defTabSz="914400" eaLnBrk="1" fontAlgn="auto" latinLnBrk="0" hangingPunct="1">
+              <a:lnSpc>
+                <a:spcPct val="100000"/>
+              </a:lnSpc>
+              <a:spcBef>
+                <a:spcPts val="0"/>
+              </a:spcBef>
+              <a:spcAft>
+                <a:spcPts val="0"/>
+              </a:spcAft>
+              <a:buClrTx/>
+              <a:buSzTx/>
+              <a:buFontTx/>
+              <a:buNone/>
+              <a:tabLst/>
+              <a:defRPr/>
+            </a:pPr>
+            <a:endParaRPr kumimoji="0" lang="zh-CN" altLang="en-US" sz="1800" b="0" i="0" u="none" strike="noStrike" kern="0" cap="none" spc="0" normalizeH="0" baseline="0" noProof="0">
+              <a:ln>
+                <a:noFill/>
+              </a:ln>
+              <a:solidFill>
+                <a:prstClr val="black"/>
+              </a:solidFill>
+              <a:effectLst/>
+              <a:uLnTx/>
+              <a:uFillTx/>
+              <a:latin typeface="思源黑体 CN Normal" panose="020F0502020204030204"/>
+              <a:ea typeface="思源黑体 CN Normal"/>
+              <a:cs typeface="+mn-ea"/>
+              <a:sym typeface="+mn-lt"/>
+            </a:endParaRPr>
+          </a:p>
+        </p:txBody>
+      </p:sp>
+      <p:sp>
+        <p:nvSpPr>
+          <p:cNvPr id="14" name="矩形 3">
+            <a:extLst>
+              <a:ext uri="{FF2B5EF4-FFF2-40B4-BE49-F238E27FC236}">
+                <a16:creationId xmlns:a16="http://schemas.microsoft.com/office/drawing/2014/main" id="{F78C3FF6-A506-4296-94A1-93B689071D8A}"/>
+              </a:ext>
+            </a:extLst>
+          </p:cNvPr>
+          <p:cNvSpPr>
+            <a:spLocks noChangeArrowheads="1"/>
+          </p:cNvSpPr>
+          <p:nvPr/>
+        </p:nvSpPr>
+        <p:spPr bwMode="auto">
+          <a:xfrm>
+            <a:off x="2807964" y="4901939"/>
+            <a:ext cx="1210521" cy="400077"/>
+          </a:xfrm>
+          <a:prstGeom prst="rect">
+            <a:avLst/>
+          </a:prstGeom>
+          <a:noFill/>
+          <a:ln>
+            <a:noFill/>
+          </a:ln>
+          <a:extLst>
+            <a:ext uri="{909E8E84-426E-40DD-AFC4-6F175D3DCCD1}">
+              <a14:hiddenFill xmlns:a14="http://schemas.microsoft.com/office/drawing/2010/main">
+                <a:solidFill>
+                  <a:srgbClr val="FFFFFF"/>
+                </a:solidFill>
+              </a14:hiddenFill>
+            </a:ext>
+            <a:ext uri="{91240B29-F687-4F45-9708-019B960494DF}">
+              <a14:hiddenLine xmlns:a14="http://schemas.microsoft.com/office/drawing/2010/main" w="9525">
+                <a:solidFill>
+                  <a:srgbClr val="000000"/>
+                </a:solidFill>
+                <a:bevel/>
+              </a14:hiddenLine>
+            </a:ext>
+          </a:extLst>
+        </p:spPr>
+        <p:txBody>
+          <a:bodyPr wrap="none" lIns="91407" tIns="45704" rIns="91407" bIns="45704">
+            <a:spAutoFit/>
+          </a:bodyPr>
+          <a:lstStyle>
+            <a:lvl1pPr eaLnBrk="0" hangingPunct="0">
+              <a:defRPr>
+                <a:solidFill>
+                  <a:schemeClr val="tx1"/>
+                </a:solidFill>
+                <a:latin typeface="Arial" panose="020B0604020202020204" pitchFamily="34" charset="0"/>
+                <a:ea typeface="宋体" panose="02010600030101010101" pitchFamily="2" charset="-122"/>
+              </a:defRPr>
+            </a:lvl1pPr>
+            <a:lvl2pPr marL="742950" indent="-285750" eaLnBrk="0" hangingPunct="0">
+              <a:defRPr>
+                <a:solidFill>
+                  <a:schemeClr val="tx1"/>
+                </a:solidFill>
+                <a:latin typeface="Arial" panose="020B0604020202020204" pitchFamily="34" charset="0"/>
+                <a:ea typeface="宋体" panose="02010600030101010101" pitchFamily="2" charset="-122"/>
+              </a:defRPr>
+            </a:lvl2pPr>
+            <a:lvl3pPr marL="1143000" indent="-228600" eaLnBrk="0" hangingPunct="0">
+              <a:defRPr>
+                <a:solidFill>
+                  <a:schemeClr val="tx1"/>
+                </a:solidFill>
+                <a:latin typeface="Arial" panose="020B0604020202020204" pitchFamily="34" charset="0"/>
+                <a:ea typeface="宋体" panose="02010600030101010101" pitchFamily="2" charset="-122"/>
+              </a:defRPr>
+            </a:lvl3pPr>
+            <a:lvl4pPr marL="1600200" indent="-228600" eaLnBrk="0" hangingPunct="0">
+              <a:defRPr>
+                <a:solidFill>
+                  <a:schemeClr val="tx1"/>
+                </a:solidFill>
+                <a:latin typeface="Arial" panose="020B0604020202020204" pitchFamily="34" charset="0"/>
+                <a:ea typeface="宋体" panose="02010600030101010101" pitchFamily="2" charset="-122"/>
+              </a:defRPr>
+            </a:lvl4pPr>
+            <a:lvl5pPr marL="2057400" indent="-228600" eaLnBrk="0" hangingPunct="0">
+              <a:defRPr>
+                <a:solidFill>
+                  <a:schemeClr val="tx1"/>
+                </a:solidFill>
+                <a:latin typeface="Arial" panose="020B0604020202020204" pitchFamily="34" charset="0"/>
+                <a:ea typeface="宋体" panose="02010600030101010101" pitchFamily="2" charset="-122"/>
+              </a:defRPr>
+            </a:lvl5pPr>
+            <a:lvl6pPr marL="2514600" indent="-228600" eaLnBrk="0" fontAlgn="base" hangingPunct="0">
+              <a:spcBef>
+                <a:spcPct val="0"/>
+              </a:spcBef>
+              <a:spcAft>
+                <a:spcPct val="0"/>
+              </a:spcAft>
+              <a:buFont typeface="Arial" panose="020B0604020202020204" pitchFamily="34" charset="0"/>
+              <a:defRPr>
+                <a:solidFill>
+                  <a:schemeClr val="tx1"/>
+                </a:solidFill>
+                <a:latin typeface="Arial" panose="020B0604020202020204" pitchFamily="34" charset="0"/>
+                <a:ea typeface="宋体" panose="02010600030101010101" pitchFamily="2" charset="-122"/>
+              </a:defRPr>
+            </a:lvl6pPr>
+            <a:lvl7pPr marL="2971800" indent="-228600" eaLnBrk="0" fontAlgn="base" hangingPunct="0">
+              <a:spcBef>
+                <a:spcPct val="0"/>
+              </a:spcBef>
+              <a:spcAft>
+                <a:spcPct val="0"/>
+              </a:spcAft>
+              <a:buFont typeface="Arial" panose="020B0604020202020204" pitchFamily="34" charset="0"/>
+              <a:defRPr>
+                <a:solidFill>
+                  <a:schemeClr val="tx1"/>
+                </a:solidFill>
+                <a:latin typeface="Arial" panose="020B0604020202020204" pitchFamily="34" charset="0"/>
+                <a:ea typeface="宋体" panose="02010600030101010101" pitchFamily="2" charset="-122"/>
+              </a:defRPr>
+            </a:lvl7pPr>
+            <a:lvl8pPr marL="3429000" indent="-228600" eaLnBrk="0" fontAlgn="base" hangingPunct="0">
+              <a:spcBef>
+                <a:spcPct val="0"/>
+              </a:spcBef>
+              <a:spcAft>
+                <a:spcPct val="0"/>
+              </a:spcAft>
+              <a:buFont typeface="Arial" panose="020B0604020202020204" pitchFamily="34" charset="0"/>
+              <a:defRPr>
+                <a:solidFill>
+                  <a:schemeClr val="tx1"/>
+                </a:solidFill>
+                <a:latin typeface="Arial" panose="020B0604020202020204" pitchFamily="34" charset="0"/>
+                <a:ea typeface="宋体" panose="02010600030101010101" pitchFamily="2" charset="-122"/>
+              </a:defRPr>
+            </a:lvl8pPr>
+            <a:lvl9pPr marL="3886200" indent="-228600" eaLnBrk="0" fontAlgn="base" hangingPunct="0">
+              <a:spcBef>
+                <a:spcPct val="0"/>
+              </a:spcBef>
+              <a:spcAft>
+                <a:spcPct val="0"/>
+              </a:spcAft>
+              <a:buFont typeface="Arial" panose="020B0604020202020204" pitchFamily="34" charset="0"/>
+              <a:defRPr>
+                <a:solidFill>
+                  <a:schemeClr val="tx1"/>
+                </a:solidFill>
+                <a:latin typeface="Arial" panose="020B0604020202020204" pitchFamily="34" charset="0"/>
+                <a:ea typeface="宋体" panose="02010600030101010101" pitchFamily="2" charset="-122"/>
+              </a:defRPr>
+            </a:lvl9pPr>
+          </a:lstStyle>
+          <a:p>
+            <a:pPr defTabSz="457200" eaLnBrk="1" hangingPunct="1"/>
+            <a:r>
+              <a:rPr lang="zh-CN" altLang="en-US" sz="2000" dirty="0" smtClean="0">
+                <a:solidFill>
+                  <a:prstClr val="white"/>
+                </a:solidFill>
+                <a:latin typeface="思源黑体 CN Medium" panose="020B0600000000000000" pitchFamily="34" charset="-122"/>
+                <a:ea typeface="思源黑体 CN Medium" panose="020B0600000000000000" pitchFamily="34" charset="-122"/>
+                <a:cs typeface="+mn-ea"/>
+                <a:sym typeface="+mn-lt"/>
+              </a:rPr>
+              <a:t>自主学习</a:t>
+            </a:r>
+            <a:endParaRPr lang="zh-CN" altLang="en-US" sz="2000" dirty="0">
+              <a:solidFill>
+                <a:prstClr val="white"/>
+              </a:solidFill>
+              <a:latin typeface="思源黑体 CN Medium" panose="020B0600000000000000" pitchFamily="34" charset="-122"/>
+              <a:ea typeface="思源黑体 CN Medium" panose="020B0600000000000000" pitchFamily="34" charset="-122"/>
+              <a:cs typeface="+mn-ea"/>
+              <a:sym typeface="+mn-lt"/>
+            </a:endParaRPr>
+          </a:p>
+        </p:txBody>
+      </p:sp>
+      <p:sp>
+        <p:nvSpPr>
+          <p:cNvPr id="15" name="TextBox 503">
+            <a:extLst>
+              <a:ext uri="{FF2B5EF4-FFF2-40B4-BE49-F238E27FC236}">
+                <a16:creationId xmlns:a16="http://schemas.microsoft.com/office/drawing/2014/main" id="{5FDB45AF-AC2B-4BC3-9576-7F9D4F17E21F}"/>
+              </a:ext>
+            </a:extLst>
+          </p:cNvPr>
+          <p:cNvSpPr txBox="1"/>
+          <p:nvPr/>
+        </p:nvSpPr>
+        <p:spPr>
+          <a:xfrm>
+            <a:off x="4247009" y="4672788"/>
+            <a:ext cx="4230402" cy="923330"/>
+          </a:xfrm>
+          <a:prstGeom prst="rect">
+            <a:avLst/>
+          </a:prstGeom>
+          <a:noFill/>
+        </p:spPr>
+        <p:txBody>
+          <a:bodyPr wrap="square" rtlCol="0">
+            <a:spAutoFit/>
+          </a:bodyPr>
+          <a:lstStyle/>
+          <a:p>
+            <a:pPr>
+              <a:lnSpc>
+                <a:spcPct val="150000"/>
+              </a:lnSpc>
+              <a:defRPr/>
+            </a:pPr>
+            <a:r>
+              <a:rPr lang="en-US" altLang="zh-CN" b="1" kern="0" dirty="0" smtClean="0">
+                <a:solidFill>
+                  <a:schemeClr val="tx1">
+                    <a:lumMod val="75000"/>
+                    <a:lumOff val="25000"/>
+                  </a:schemeClr>
+                </a:solidFill>
+                <a:latin typeface="仿宋" panose="02010609060101010101" pitchFamily="49" charset="-122"/>
+                <a:ea typeface="仿宋" panose="02010609060101010101" pitchFamily="49" charset="-122"/>
+                <a:cs typeface="+mn-ea"/>
+                <a:sym typeface="+mn-lt"/>
+              </a:rPr>
+              <a:t>1</a:t>
+            </a:r>
+            <a:r>
+              <a:rPr lang="zh-CN" altLang="en-US" b="1" kern="0" dirty="0" smtClean="0">
+                <a:solidFill>
+                  <a:schemeClr val="tx1">
+                    <a:lumMod val="75000"/>
+                    <a:lumOff val="25000"/>
+                  </a:schemeClr>
+                </a:solidFill>
+                <a:latin typeface="仿宋" panose="02010609060101010101" pitchFamily="49" charset="-122"/>
+                <a:ea typeface="仿宋" panose="02010609060101010101" pitchFamily="49" charset="-122"/>
+                <a:cs typeface="+mn-ea"/>
+                <a:sym typeface="+mn-lt"/>
+              </a:rPr>
+              <a:t>、</a:t>
+            </a:r>
+            <a:r>
+              <a:rPr lang="en-US" altLang="zh-CN" b="1" kern="0" dirty="0" smtClean="0">
+                <a:solidFill>
+                  <a:schemeClr val="tx1">
+                    <a:lumMod val="75000"/>
+                    <a:lumOff val="25000"/>
+                  </a:schemeClr>
+                </a:solidFill>
+                <a:latin typeface="仿宋" panose="02010609060101010101" pitchFamily="49" charset="-122"/>
+                <a:ea typeface="仿宋" panose="02010609060101010101" pitchFamily="49" charset="-122"/>
+                <a:cs typeface="+mn-ea"/>
+                <a:sym typeface="+mn-lt"/>
+              </a:rPr>
+              <a:t>SAP</a:t>
+            </a:r>
+            <a:r>
+              <a:rPr lang="zh-CN" altLang="en-US" b="1" kern="0" dirty="0" smtClean="0">
+                <a:solidFill>
+                  <a:schemeClr val="tx1">
+                    <a:lumMod val="75000"/>
+                    <a:lumOff val="25000"/>
+                  </a:schemeClr>
+                </a:solidFill>
+                <a:latin typeface="仿宋" panose="02010609060101010101" pitchFamily="49" charset="-122"/>
+                <a:ea typeface="仿宋" panose="02010609060101010101" pitchFamily="49" charset="-122"/>
+                <a:cs typeface="+mn-ea"/>
+                <a:sym typeface="+mn-lt"/>
+              </a:rPr>
+              <a:t>业务或者其他技术方向</a:t>
+            </a:r>
+            <a:endParaRPr lang="en-US" altLang="zh-CN" b="1" kern="0" dirty="0" smtClean="0">
+              <a:solidFill>
+                <a:schemeClr val="tx1">
+                  <a:lumMod val="75000"/>
+                  <a:lumOff val="25000"/>
+                </a:schemeClr>
+              </a:solidFill>
+              <a:latin typeface="仿宋" panose="02010609060101010101" pitchFamily="49" charset="-122"/>
+              <a:ea typeface="仿宋" panose="02010609060101010101" pitchFamily="49" charset="-122"/>
+              <a:cs typeface="+mn-ea"/>
+              <a:sym typeface="+mn-lt"/>
+            </a:endParaRPr>
+          </a:p>
+          <a:p>
+            <a:pPr>
+              <a:lnSpc>
+                <a:spcPct val="150000"/>
+              </a:lnSpc>
+              <a:defRPr/>
+            </a:pPr>
+            <a:r>
+              <a:rPr lang="en-US" altLang="zh-CN" b="1" kern="0" dirty="0" smtClean="0">
+                <a:solidFill>
+                  <a:schemeClr val="tx1">
+                    <a:lumMod val="75000"/>
+                    <a:lumOff val="25000"/>
+                  </a:schemeClr>
+                </a:solidFill>
+                <a:latin typeface="仿宋" panose="02010609060101010101" pitchFamily="49" charset="-122"/>
+                <a:ea typeface="仿宋" panose="02010609060101010101" pitchFamily="49" charset="-122"/>
+                <a:cs typeface="+mn-ea"/>
+                <a:sym typeface="+mn-lt"/>
+              </a:rPr>
+              <a:t>2</a:t>
+            </a:r>
+            <a:r>
+              <a:rPr lang="zh-CN" altLang="en-US" b="1" kern="0" dirty="0" smtClean="0">
+                <a:solidFill>
+                  <a:schemeClr val="tx1">
+                    <a:lumMod val="75000"/>
+                    <a:lumOff val="25000"/>
+                  </a:schemeClr>
+                </a:solidFill>
+                <a:latin typeface="仿宋" panose="02010609060101010101" pitchFamily="49" charset="-122"/>
+                <a:ea typeface="仿宋" panose="02010609060101010101" pitchFamily="49" charset="-122"/>
+                <a:cs typeface="+mn-ea"/>
+                <a:sym typeface="+mn-lt"/>
+              </a:rPr>
+              <a:t>、英语学习，提升阅读能力</a:t>
+            </a:r>
+            <a:endParaRPr lang="en-US" altLang="zh-CN" b="1" kern="0" dirty="0">
+              <a:solidFill>
+                <a:schemeClr val="tx1">
+                  <a:lumMod val="75000"/>
+                  <a:lumOff val="25000"/>
+                </a:schemeClr>
+              </a:solidFill>
+              <a:latin typeface="仿宋" panose="02010609060101010101" pitchFamily="49" charset="-122"/>
+              <a:ea typeface="仿宋" panose="02010609060101010101" pitchFamily="49" charset="-122"/>
+              <a:cs typeface="+mn-ea"/>
+              <a:sym typeface="+mn-lt"/>
+            </a:endParaRPr>
+          </a:p>
+        </p:txBody>
+      </p:sp>
+      <p:sp>
+        <p:nvSpPr>
+          <p:cNvPr id="16" name="矩形 3">
+            <a:extLst>
+              <a:ext uri="{FF2B5EF4-FFF2-40B4-BE49-F238E27FC236}">
+                <a16:creationId xmlns:a16="http://schemas.microsoft.com/office/drawing/2014/main" id="{89FBAE8E-B34F-4421-83DE-0D79A37D1074}"/>
+              </a:ext>
+            </a:extLst>
+          </p:cNvPr>
+          <p:cNvSpPr>
+            <a:spLocks noChangeArrowheads="1"/>
+          </p:cNvSpPr>
+          <p:nvPr/>
+        </p:nvSpPr>
+        <p:spPr bwMode="auto">
+          <a:xfrm>
+            <a:off x="3661862" y="3462482"/>
+            <a:ext cx="1210521" cy="400077"/>
+          </a:xfrm>
+          <a:prstGeom prst="rect">
+            <a:avLst/>
+          </a:prstGeom>
+          <a:noFill/>
+          <a:ln>
+            <a:noFill/>
+          </a:ln>
+          <a:extLst>
+            <a:ext uri="{909E8E84-426E-40DD-AFC4-6F175D3DCCD1}">
+              <a14:hiddenFill xmlns:a14="http://schemas.microsoft.com/office/drawing/2010/main">
+                <a:solidFill>
+                  <a:srgbClr val="FFFFFF"/>
+                </a:solidFill>
+              </a14:hiddenFill>
+            </a:ext>
+            <a:ext uri="{91240B29-F687-4F45-9708-019B960494DF}">
+              <a14:hiddenLine xmlns:a14="http://schemas.microsoft.com/office/drawing/2010/main" w="9525">
+                <a:solidFill>
+                  <a:srgbClr val="000000"/>
+                </a:solidFill>
+                <a:bevel/>
+              </a14:hiddenLine>
+            </a:ext>
+          </a:extLst>
+        </p:spPr>
+        <p:txBody>
+          <a:bodyPr wrap="none" lIns="91407" tIns="45704" rIns="91407" bIns="45704">
+            <a:spAutoFit/>
+          </a:bodyPr>
+          <a:lstStyle>
+            <a:lvl1pPr eaLnBrk="0" hangingPunct="0">
+              <a:defRPr>
+                <a:solidFill>
+                  <a:schemeClr val="tx1"/>
+                </a:solidFill>
+                <a:latin typeface="Arial" panose="020B0604020202020204" pitchFamily="34" charset="0"/>
+                <a:ea typeface="宋体" panose="02010600030101010101" pitchFamily="2" charset="-122"/>
+              </a:defRPr>
+            </a:lvl1pPr>
+            <a:lvl2pPr marL="742950" indent="-285750" eaLnBrk="0" hangingPunct="0">
+              <a:defRPr>
+                <a:solidFill>
+                  <a:schemeClr val="tx1"/>
+                </a:solidFill>
+                <a:latin typeface="Arial" panose="020B0604020202020204" pitchFamily="34" charset="0"/>
+                <a:ea typeface="宋体" panose="02010600030101010101" pitchFamily="2" charset="-122"/>
+              </a:defRPr>
+            </a:lvl2pPr>
+            <a:lvl3pPr marL="1143000" indent="-228600" eaLnBrk="0" hangingPunct="0">
+              <a:defRPr>
+                <a:solidFill>
+                  <a:schemeClr val="tx1"/>
+                </a:solidFill>
+                <a:latin typeface="Arial" panose="020B0604020202020204" pitchFamily="34" charset="0"/>
+                <a:ea typeface="宋体" panose="02010600030101010101" pitchFamily="2" charset="-122"/>
+              </a:defRPr>
+            </a:lvl3pPr>
+            <a:lvl4pPr marL="1600200" indent="-228600" eaLnBrk="0" hangingPunct="0">
+              <a:defRPr>
+                <a:solidFill>
+                  <a:schemeClr val="tx1"/>
+                </a:solidFill>
+                <a:latin typeface="Arial" panose="020B0604020202020204" pitchFamily="34" charset="0"/>
+                <a:ea typeface="宋体" panose="02010600030101010101" pitchFamily="2" charset="-122"/>
+              </a:defRPr>
+            </a:lvl4pPr>
+            <a:lvl5pPr marL="2057400" indent="-228600" eaLnBrk="0" hangingPunct="0">
+              <a:defRPr>
+                <a:solidFill>
+                  <a:schemeClr val="tx1"/>
+                </a:solidFill>
+                <a:latin typeface="Arial" panose="020B0604020202020204" pitchFamily="34" charset="0"/>
+                <a:ea typeface="宋体" panose="02010600030101010101" pitchFamily="2" charset="-122"/>
+              </a:defRPr>
+            </a:lvl5pPr>
+            <a:lvl6pPr marL="2514600" indent="-228600" eaLnBrk="0" fontAlgn="base" hangingPunct="0">
+              <a:spcBef>
+                <a:spcPct val="0"/>
+              </a:spcBef>
+              <a:spcAft>
+                <a:spcPct val="0"/>
+              </a:spcAft>
+              <a:buFont typeface="Arial" panose="020B0604020202020204" pitchFamily="34" charset="0"/>
+              <a:defRPr>
+                <a:solidFill>
+                  <a:schemeClr val="tx1"/>
+                </a:solidFill>
+                <a:latin typeface="Arial" panose="020B0604020202020204" pitchFamily="34" charset="0"/>
+                <a:ea typeface="宋体" panose="02010600030101010101" pitchFamily="2" charset="-122"/>
+              </a:defRPr>
+            </a:lvl6pPr>
+            <a:lvl7pPr marL="2971800" indent="-228600" eaLnBrk="0" fontAlgn="base" hangingPunct="0">
+              <a:spcBef>
+                <a:spcPct val="0"/>
+              </a:spcBef>
+              <a:spcAft>
+                <a:spcPct val="0"/>
+              </a:spcAft>
+              <a:buFont typeface="Arial" panose="020B0604020202020204" pitchFamily="34" charset="0"/>
+              <a:defRPr>
+                <a:solidFill>
+                  <a:schemeClr val="tx1"/>
+                </a:solidFill>
+                <a:latin typeface="Arial" panose="020B0604020202020204" pitchFamily="34" charset="0"/>
+                <a:ea typeface="宋体" panose="02010600030101010101" pitchFamily="2" charset="-122"/>
+              </a:defRPr>
+            </a:lvl7pPr>
+            <a:lvl8pPr marL="3429000" indent="-228600" eaLnBrk="0" fontAlgn="base" hangingPunct="0">
+              <a:spcBef>
+                <a:spcPct val="0"/>
+              </a:spcBef>
+              <a:spcAft>
+                <a:spcPct val="0"/>
+              </a:spcAft>
+              <a:buFont typeface="Arial" panose="020B0604020202020204" pitchFamily="34" charset="0"/>
+              <a:defRPr>
+                <a:solidFill>
+                  <a:schemeClr val="tx1"/>
+                </a:solidFill>
+                <a:latin typeface="Arial" panose="020B0604020202020204" pitchFamily="34" charset="0"/>
+                <a:ea typeface="宋体" panose="02010600030101010101" pitchFamily="2" charset="-122"/>
+              </a:defRPr>
+            </a:lvl8pPr>
+            <a:lvl9pPr marL="3886200" indent="-228600" eaLnBrk="0" fontAlgn="base" hangingPunct="0">
+              <a:spcBef>
+                <a:spcPct val="0"/>
+              </a:spcBef>
+              <a:spcAft>
+                <a:spcPct val="0"/>
+              </a:spcAft>
+              <a:buFont typeface="Arial" panose="020B0604020202020204" pitchFamily="34" charset="0"/>
+              <a:defRPr>
+                <a:solidFill>
+                  <a:schemeClr val="tx1"/>
+                </a:solidFill>
+                <a:latin typeface="Arial" panose="020B0604020202020204" pitchFamily="34" charset="0"/>
+                <a:ea typeface="宋体" panose="02010600030101010101" pitchFamily="2" charset="-122"/>
+              </a:defRPr>
+            </a:lvl9pPr>
+          </a:lstStyle>
+          <a:p>
+            <a:pPr defTabSz="457200" eaLnBrk="1" hangingPunct="1"/>
+            <a:r>
+              <a:rPr lang="zh-CN" altLang="en-US" sz="2000" dirty="0" smtClean="0">
+                <a:solidFill>
+                  <a:prstClr val="white"/>
+                </a:solidFill>
+                <a:latin typeface="思源黑体 CN Medium" panose="020B0600000000000000" pitchFamily="34" charset="-122"/>
+                <a:ea typeface="思源黑体 CN Medium" panose="020B0600000000000000" pitchFamily="34" charset="-122"/>
+                <a:cs typeface="+mn-ea"/>
+                <a:sym typeface="+mn-lt"/>
+              </a:rPr>
+              <a:t>工作提升</a:t>
+            </a:r>
+            <a:endParaRPr lang="zh-CN" altLang="en-US" sz="2000" dirty="0">
+              <a:solidFill>
+                <a:prstClr val="white"/>
+              </a:solidFill>
+              <a:latin typeface="思源黑体 CN Medium" panose="020B0600000000000000" pitchFamily="34" charset="-122"/>
+              <a:ea typeface="思源黑体 CN Medium" panose="020B0600000000000000" pitchFamily="34" charset="-122"/>
+              <a:cs typeface="+mn-ea"/>
+              <a:sym typeface="+mn-lt"/>
+            </a:endParaRPr>
+          </a:p>
+        </p:txBody>
+      </p:sp>
+      <p:sp>
+        <p:nvSpPr>
+          <p:cNvPr id="17" name="圆角矩形 6">
+            <a:extLst>
+              <a:ext uri="{FF2B5EF4-FFF2-40B4-BE49-F238E27FC236}">
+                <a16:creationId xmlns:a16="http://schemas.microsoft.com/office/drawing/2014/main" id="{72DE0090-AC8B-44A4-A896-85170506814B}"/>
+              </a:ext>
+            </a:extLst>
+          </p:cNvPr>
+          <p:cNvSpPr/>
+          <p:nvPr/>
+        </p:nvSpPr>
+        <p:spPr>
+          <a:xfrm>
+            <a:off x="732584" y="1903059"/>
+            <a:ext cx="2588937" cy="832482"/>
+          </a:xfrm>
+          <a:prstGeom prst="roundRect">
+            <a:avLst>
+              <a:gd name="adj" fmla="val 50000"/>
+            </a:avLst>
+          </a:prstGeom>
+          <a:solidFill>
+            <a:srgbClr val="002C4F"/>
+          </a:solidFill>
+          <a:ln w="12700" cap="flat" cmpd="sng" algn="ctr">
+            <a:noFill/>
+            <a:prstDash val="solid"/>
+            <a:miter lim="800000"/>
+          </a:ln>
+          <a:effectLst/>
+        </p:spPr>
+        <p:txBody>
+          <a:bodyPr vert="horz" wrap="square" lIns="91416" tIns="45708" rIns="91416" bIns="45708" numCol="1" anchor="t" anchorCtr="0" compatLnSpc="1"/>
+          <a:lstStyle/>
+          <a:p>
+            <a:pPr>
+              <a:defRPr/>
+            </a:pPr>
+            <a:endParaRPr lang="zh-CN" altLang="en-US" kern="0">
+              <a:solidFill>
+                <a:prstClr val="black"/>
+              </a:solidFill>
+              <a:latin typeface="思源黑体 CN Normal" panose="020F0502020204030204"/>
+              <a:ea typeface="思源黑体 CN Normal"/>
+              <a:cs typeface="+mn-ea"/>
+              <a:sym typeface="+mn-lt"/>
+            </a:endParaRPr>
+          </a:p>
+        </p:txBody>
+      </p:sp>
+      <p:sp>
+        <p:nvSpPr>
+          <p:cNvPr id="18" name="矩形 3">
+            <a:extLst>
+              <a:ext uri="{FF2B5EF4-FFF2-40B4-BE49-F238E27FC236}">
+                <a16:creationId xmlns:a16="http://schemas.microsoft.com/office/drawing/2014/main" id="{B4FEC3D6-F869-4DE5-98BF-0DC89AD5A549}"/>
+              </a:ext>
+            </a:extLst>
+          </p:cNvPr>
+          <p:cNvSpPr>
+            <a:spLocks noChangeArrowheads="1"/>
+          </p:cNvSpPr>
+          <p:nvPr/>
+        </p:nvSpPr>
+        <p:spPr bwMode="auto">
+          <a:xfrm>
+            <a:off x="1882477" y="2109059"/>
+            <a:ext cx="1210521" cy="400077"/>
+          </a:xfrm>
+          <a:prstGeom prst="rect">
+            <a:avLst/>
+          </a:prstGeom>
+          <a:noFill/>
+          <a:ln>
+            <a:noFill/>
+          </a:ln>
+        </p:spPr>
+        <p:txBody>
+          <a:bodyPr wrap="none" lIns="91407" tIns="45704" rIns="91407" bIns="45704">
+            <a:spAutoFit/>
+          </a:bodyPr>
+          <a:lstStyle>
+            <a:lvl1pPr eaLnBrk="0" hangingPunct="0">
+              <a:defRPr>
+                <a:solidFill>
+                  <a:schemeClr val="tx1"/>
+                </a:solidFill>
+                <a:latin typeface="Arial" panose="020B0604020202020204" pitchFamily="34" charset="0"/>
+                <a:ea typeface="宋体" panose="02010600030101010101" pitchFamily="2" charset="-122"/>
+              </a:defRPr>
+            </a:lvl1pPr>
+            <a:lvl2pPr marL="742950" indent="-285750" eaLnBrk="0" hangingPunct="0">
+              <a:defRPr>
+                <a:solidFill>
+                  <a:schemeClr val="tx1"/>
+                </a:solidFill>
+                <a:latin typeface="Arial" panose="020B0604020202020204" pitchFamily="34" charset="0"/>
+                <a:ea typeface="宋体" panose="02010600030101010101" pitchFamily="2" charset="-122"/>
+              </a:defRPr>
+            </a:lvl2pPr>
+            <a:lvl3pPr marL="1143000" indent="-228600" eaLnBrk="0" hangingPunct="0">
+              <a:defRPr>
+                <a:solidFill>
+                  <a:schemeClr val="tx1"/>
+                </a:solidFill>
+                <a:latin typeface="Arial" panose="020B0604020202020204" pitchFamily="34" charset="0"/>
+                <a:ea typeface="宋体" panose="02010600030101010101" pitchFamily="2" charset="-122"/>
+              </a:defRPr>
+            </a:lvl3pPr>
+            <a:lvl4pPr marL="1600200" indent="-228600" eaLnBrk="0" hangingPunct="0">
+              <a:defRPr>
+                <a:solidFill>
+                  <a:schemeClr val="tx1"/>
+                </a:solidFill>
+                <a:latin typeface="Arial" panose="020B0604020202020204" pitchFamily="34" charset="0"/>
+                <a:ea typeface="宋体" panose="02010600030101010101" pitchFamily="2" charset="-122"/>
+              </a:defRPr>
+            </a:lvl4pPr>
+            <a:lvl5pPr marL="2057400" indent="-228600" eaLnBrk="0" hangingPunct="0">
+              <a:defRPr>
+                <a:solidFill>
+                  <a:schemeClr val="tx1"/>
+                </a:solidFill>
+                <a:latin typeface="Arial" panose="020B0604020202020204" pitchFamily="34" charset="0"/>
+                <a:ea typeface="宋体" panose="02010600030101010101" pitchFamily="2" charset="-122"/>
+              </a:defRPr>
+            </a:lvl5pPr>
+            <a:lvl6pPr marL="2514600" indent="-228600" eaLnBrk="0" fontAlgn="base" hangingPunct="0">
+              <a:spcBef>
+                <a:spcPct val="0"/>
+              </a:spcBef>
+              <a:spcAft>
+                <a:spcPct val="0"/>
+              </a:spcAft>
+              <a:buFont typeface="Arial" panose="020B0604020202020204" pitchFamily="34" charset="0"/>
+              <a:defRPr>
+                <a:solidFill>
+                  <a:schemeClr val="tx1"/>
+                </a:solidFill>
+                <a:latin typeface="Arial" panose="020B0604020202020204" pitchFamily="34" charset="0"/>
+                <a:ea typeface="宋体" panose="02010600030101010101" pitchFamily="2" charset="-122"/>
+              </a:defRPr>
+            </a:lvl6pPr>
+            <a:lvl7pPr marL="2971800" indent="-228600" eaLnBrk="0" fontAlgn="base" hangingPunct="0">
+              <a:spcBef>
+                <a:spcPct val="0"/>
+              </a:spcBef>
+              <a:spcAft>
+                <a:spcPct val="0"/>
+              </a:spcAft>
+              <a:buFont typeface="Arial" panose="020B0604020202020204" pitchFamily="34" charset="0"/>
+              <a:defRPr>
+                <a:solidFill>
+                  <a:schemeClr val="tx1"/>
+                </a:solidFill>
+                <a:latin typeface="Arial" panose="020B0604020202020204" pitchFamily="34" charset="0"/>
+                <a:ea typeface="宋体" panose="02010600030101010101" pitchFamily="2" charset="-122"/>
+              </a:defRPr>
+            </a:lvl7pPr>
+            <a:lvl8pPr marL="3429000" indent="-228600" eaLnBrk="0" fontAlgn="base" hangingPunct="0">
+              <a:spcBef>
+                <a:spcPct val="0"/>
+              </a:spcBef>
+              <a:spcAft>
+                <a:spcPct val="0"/>
+              </a:spcAft>
+              <a:buFont typeface="Arial" panose="020B0604020202020204" pitchFamily="34" charset="0"/>
+              <a:defRPr>
+                <a:solidFill>
+                  <a:schemeClr val="tx1"/>
+                </a:solidFill>
+                <a:latin typeface="Arial" panose="020B0604020202020204" pitchFamily="34" charset="0"/>
+                <a:ea typeface="宋体" panose="02010600030101010101" pitchFamily="2" charset="-122"/>
+              </a:defRPr>
+            </a:lvl8pPr>
+            <a:lvl9pPr marL="3886200" indent="-228600" eaLnBrk="0" fontAlgn="base" hangingPunct="0">
+              <a:spcBef>
+                <a:spcPct val="0"/>
+              </a:spcBef>
+              <a:spcAft>
+                <a:spcPct val="0"/>
+              </a:spcAft>
+              <a:buFont typeface="Arial" panose="020B0604020202020204" pitchFamily="34" charset="0"/>
+              <a:defRPr>
+                <a:solidFill>
+                  <a:schemeClr val="tx1"/>
+                </a:solidFill>
+                <a:latin typeface="Arial" panose="020B0604020202020204" pitchFamily="34" charset="0"/>
+                <a:ea typeface="宋体" panose="02010600030101010101" pitchFamily="2" charset="-122"/>
+              </a:defRPr>
+            </a:lvl9pPr>
+          </a:lstStyle>
+          <a:p>
+            <a:pPr defTabSz="457200" eaLnBrk="1" hangingPunct="1"/>
+            <a:r>
+              <a:rPr lang="zh-CN" altLang="en-US" sz="2000" dirty="0" smtClean="0">
+                <a:solidFill>
+                  <a:prstClr val="white"/>
+                </a:solidFill>
+                <a:latin typeface="思源黑体 CN Medium" panose="020B0600000000000000" pitchFamily="34" charset="-122"/>
+                <a:ea typeface="思源黑体 CN Medium" panose="020B0600000000000000" pitchFamily="34" charset="-122"/>
+                <a:cs typeface="+mn-ea"/>
+                <a:sym typeface="+mn-lt"/>
+              </a:rPr>
+              <a:t>日常工作</a:t>
+            </a:r>
+            <a:endParaRPr lang="zh-CN" altLang="en-US" sz="2000" dirty="0">
+              <a:solidFill>
+                <a:prstClr val="white"/>
+              </a:solidFill>
+              <a:latin typeface="思源黑体 CN Medium" panose="020B0600000000000000" pitchFamily="34" charset="-122"/>
+              <a:ea typeface="思源黑体 CN Medium" panose="020B0600000000000000" pitchFamily="34" charset="-122"/>
+              <a:cs typeface="+mn-ea"/>
+              <a:sym typeface="+mn-lt"/>
+            </a:endParaRPr>
+          </a:p>
+        </p:txBody>
+      </p:sp>
+      <p:sp>
+        <p:nvSpPr>
+          <p:cNvPr id="19" name="Freeform 5">
+            <a:extLst>
+              <a:ext uri="{FF2B5EF4-FFF2-40B4-BE49-F238E27FC236}">
+                <a16:creationId xmlns:a16="http://schemas.microsoft.com/office/drawing/2014/main" id="{F6900D66-F12A-4715-8A88-AE08B8D39E26}"/>
+              </a:ext>
+            </a:extLst>
+          </p:cNvPr>
+          <p:cNvSpPr/>
+          <p:nvPr/>
+        </p:nvSpPr>
+        <p:spPr bwMode="auto">
+          <a:xfrm>
+            <a:off x="781688" y="1936379"/>
+            <a:ext cx="1008110" cy="765840"/>
+          </a:xfrm>
+          <a:custGeom>
+            <a:avLst/>
+            <a:gdLst>
+              <a:gd name="T0" fmla="*/ 206 w 524"/>
+              <a:gd name="T1" fmla="*/ 0 h 398"/>
+              <a:gd name="T2" fmla="*/ 199 w 524"/>
+              <a:gd name="T3" fmla="*/ 0 h 398"/>
+              <a:gd name="T4" fmla="*/ 195 w 524"/>
+              <a:gd name="T5" fmla="*/ 0 h 398"/>
+              <a:gd name="T6" fmla="*/ 190 w 524"/>
+              <a:gd name="T7" fmla="*/ 0 h 398"/>
+              <a:gd name="T8" fmla="*/ 0 w 524"/>
+              <a:gd name="T9" fmla="*/ 199 h 398"/>
+              <a:gd name="T10" fmla="*/ 190 w 524"/>
+              <a:gd name="T11" fmla="*/ 398 h 398"/>
+              <a:gd name="T12" fmla="*/ 195 w 524"/>
+              <a:gd name="T13" fmla="*/ 398 h 398"/>
+              <a:gd name="T14" fmla="*/ 199 w 524"/>
+              <a:gd name="T15" fmla="*/ 398 h 398"/>
+              <a:gd name="T16" fmla="*/ 206 w 524"/>
+              <a:gd name="T17" fmla="*/ 398 h 398"/>
+              <a:gd name="T18" fmla="*/ 524 w 524"/>
+              <a:gd name="T19" fmla="*/ 199 h 398"/>
+              <a:gd name="T20" fmla="*/ 206 w 524"/>
+              <a:gd name="T21" fmla="*/ 0 h 398"/>
+            </a:gdLst>
+            <a:ahLst/>
+            <a:cxnLst>
+              <a:cxn ang="0">
+                <a:pos x="T0" y="T1"/>
+              </a:cxn>
+              <a:cxn ang="0">
+                <a:pos x="T2" y="T3"/>
+              </a:cxn>
+              <a:cxn ang="0">
+                <a:pos x="T4" y="T5"/>
+              </a:cxn>
+              <a:cxn ang="0">
+                <a:pos x="T6" y="T7"/>
+              </a:cxn>
+              <a:cxn ang="0">
+                <a:pos x="T8" y="T9"/>
+              </a:cxn>
+              <a:cxn ang="0">
+                <a:pos x="T10" y="T11"/>
+              </a:cxn>
+              <a:cxn ang="0">
+                <a:pos x="T12" y="T13"/>
+              </a:cxn>
+              <a:cxn ang="0">
+                <a:pos x="T14" y="T15"/>
+              </a:cxn>
+              <a:cxn ang="0">
+                <a:pos x="T16" y="T17"/>
+              </a:cxn>
+              <a:cxn ang="0">
+                <a:pos x="T18" y="T19"/>
+              </a:cxn>
+              <a:cxn ang="0">
+                <a:pos x="T20" y="T21"/>
+              </a:cxn>
+            </a:cxnLst>
+            <a:rect l="0" t="0" r="r" b="b"/>
+            <a:pathLst>
+              <a:path w="524" h="398">
+                <a:moveTo>
+                  <a:pt x="206" y="0"/>
+                </a:moveTo>
+                <a:cubicBezTo>
+                  <a:pt x="204" y="0"/>
+                  <a:pt x="201" y="0"/>
+                  <a:pt x="199" y="0"/>
+                </a:cubicBezTo>
+                <a:cubicBezTo>
+                  <a:pt x="198" y="0"/>
+                  <a:pt x="196" y="0"/>
+                  <a:pt x="195" y="0"/>
+                </a:cubicBezTo>
+                <a:cubicBezTo>
+                  <a:pt x="193" y="0"/>
+                  <a:pt x="192" y="0"/>
+                  <a:pt x="190" y="0"/>
+                </a:cubicBezTo>
+                <a:cubicBezTo>
+                  <a:pt x="84" y="5"/>
+                  <a:pt x="0" y="92"/>
+                  <a:pt x="0" y="199"/>
+                </a:cubicBezTo>
+                <a:cubicBezTo>
+                  <a:pt x="0" y="306"/>
+                  <a:pt x="84" y="393"/>
+                  <a:pt x="190" y="398"/>
+                </a:cubicBezTo>
+                <a:cubicBezTo>
+                  <a:pt x="192" y="398"/>
+                  <a:pt x="193" y="398"/>
+                  <a:pt x="195" y="398"/>
+                </a:cubicBezTo>
+                <a:cubicBezTo>
+                  <a:pt x="196" y="398"/>
+                  <a:pt x="198" y="398"/>
+                  <a:pt x="199" y="398"/>
+                </a:cubicBezTo>
+                <a:cubicBezTo>
+                  <a:pt x="201" y="398"/>
+                  <a:pt x="204" y="398"/>
+                  <a:pt x="206" y="398"/>
+                </a:cubicBezTo>
+                <a:cubicBezTo>
+                  <a:pt x="401" y="394"/>
+                  <a:pt x="524" y="199"/>
+                  <a:pt x="524" y="199"/>
+                </a:cubicBezTo>
+                <a:cubicBezTo>
+                  <a:pt x="524" y="199"/>
+                  <a:pt x="401" y="4"/>
+                  <a:pt x="206" y="0"/>
+                </a:cubicBezTo>
+                <a:close/>
+              </a:path>
+            </a:pathLst>
+          </a:custGeom>
+          <a:solidFill>
+            <a:sysClr val="window" lastClr="FFFFFF"/>
+          </a:solidFill>
+          <a:ln w="12700" cap="flat" cmpd="sng" algn="ctr">
+            <a:noFill/>
+            <a:prstDash val="solid"/>
+            <a:miter lim="800000"/>
+          </a:ln>
+          <a:effectLst/>
+        </p:spPr>
+        <p:txBody>
+          <a:bodyPr vert="horz" wrap="square" lIns="91416" tIns="45708" rIns="91416" bIns="45708" numCol="1" anchor="t" anchorCtr="0" compatLnSpc="1"/>
+          <a:lstStyle/>
+          <a:p>
+            <a:pPr marL="0" marR="0" lvl="0" indent="0" defTabSz="914400" eaLnBrk="1" fontAlgn="auto" latinLnBrk="0" hangingPunct="1">
+              <a:lnSpc>
+                <a:spcPct val="100000"/>
+              </a:lnSpc>
+              <a:spcBef>
+                <a:spcPts val="0"/>
+              </a:spcBef>
+              <a:spcAft>
+                <a:spcPts val="0"/>
+              </a:spcAft>
+              <a:buClrTx/>
+              <a:buSzTx/>
+              <a:buFontTx/>
+              <a:buNone/>
+              <a:tabLst/>
+              <a:defRPr/>
+            </a:pPr>
+            <a:endParaRPr kumimoji="0" lang="zh-CN" altLang="en-US" sz="1800" b="0" i="0" u="none" strike="noStrike" kern="0" cap="none" spc="0" normalizeH="0" baseline="0" noProof="0">
+              <a:ln>
+                <a:noFill/>
+              </a:ln>
+              <a:solidFill>
+                <a:prstClr val="black"/>
+              </a:solidFill>
+              <a:effectLst/>
+              <a:uLnTx/>
+              <a:uFillTx/>
+              <a:latin typeface="思源黑体 CN Normal" panose="020F0502020204030204"/>
+              <a:ea typeface="思源黑体 CN Normal"/>
+              <a:cs typeface="+mn-ea"/>
+              <a:sym typeface="+mn-lt"/>
+            </a:endParaRPr>
+          </a:p>
+        </p:txBody>
+      </p:sp>
+      <p:sp>
+        <p:nvSpPr>
+          <p:cNvPr id="20" name="椭圆 19">
+            <a:extLst>
+              <a:ext uri="{FF2B5EF4-FFF2-40B4-BE49-F238E27FC236}">
+                <a16:creationId xmlns:a16="http://schemas.microsoft.com/office/drawing/2014/main" id="{BCC61353-930B-45E0-8A07-0414FFCF0220}"/>
+              </a:ext>
+            </a:extLst>
+          </p:cNvPr>
+          <p:cNvSpPr/>
+          <p:nvPr/>
+        </p:nvSpPr>
+        <p:spPr>
+          <a:xfrm>
+            <a:off x="899115" y="2024867"/>
+            <a:ext cx="588864" cy="588864"/>
+          </a:xfrm>
+          <a:prstGeom prst="ellipse">
+            <a:avLst/>
+          </a:prstGeom>
+          <a:solidFill>
+            <a:srgbClr val="0177B4"/>
+          </a:solidFill>
+          <a:ln w="12700" cap="flat" cmpd="sng" algn="ctr">
+            <a:noFill/>
+            <a:prstDash val="solid"/>
+            <a:miter lim="800000"/>
+          </a:ln>
+          <a:effectLst>
+            <a:innerShdw blurRad="63500" dist="50800" dir="13500000">
+              <a:prstClr val="black">
+                <a:alpha val="50000"/>
+              </a:prstClr>
+            </a:innerShdw>
+          </a:effectLst>
+        </p:spPr>
+        <p:txBody>
+          <a:bodyPr rtlCol="0" anchor="ctr"/>
+          <a:lstStyle/>
+          <a:p>
+            <a:pPr algn="ctr">
+              <a:defRPr/>
+            </a:pPr>
+            <a:endParaRPr lang="zh-CN" altLang="en-US" kern="0" dirty="0">
+              <a:solidFill>
+                <a:prstClr val="white"/>
+              </a:solidFill>
+              <a:latin typeface="思源黑体 CN Normal" panose="020F0502020204030204"/>
+              <a:ea typeface="思源黑体 CN Normal"/>
+              <a:cs typeface="+mn-ea"/>
+              <a:sym typeface="+mn-lt"/>
+            </a:endParaRPr>
+          </a:p>
+        </p:txBody>
+      </p:sp>
+      <p:sp>
+        <p:nvSpPr>
+          <p:cNvPr id="21" name="椭圆 20">
+            <a:extLst>
+              <a:ext uri="{FF2B5EF4-FFF2-40B4-BE49-F238E27FC236}">
+                <a16:creationId xmlns:a16="http://schemas.microsoft.com/office/drawing/2014/main" id="{D4FE63FB-746A-477D-8892-362F83ABF0E9}"/>
+              </a:ext>
+            </a:extLst>
+          </p:cNvPr>
+          <p:cNvSpPr/>
+          <p:nvPr/>
+        </p:nvSpPr>
+        <p:spPr>
+          <a:xfrm>
+            <a:off x="1811935" y="4822934"/>
+            <a:ext cx="588864" cy="588864"/>
+          </a:xfrm>
+          <a:prstGeom prst="ellipse">
+            <a:avLst/>
+          </a:prstGeom>
+          <a:solidFill>
+            <a:srgbClr val="0177B4"/>
+          </a:solidFill>
+          <a:ln w="12700" cap="flat" cmpd="sng" algn="ctr">
+            <a:noFill/>
+            <a:prstDash val="solid"/>
+            <a:miter lim="800000"/>
+          </a:ln>
+          <a:effectLst>
+            <a:innerShdw blurRad="63500" dist="50800" dir="13500000">
+              <a:prstClr val="black">
+                <a:alpha val="50000"/>
+              </a:prstClr>
+            </a:innerShdw>
+          </a:effectLst>
+        </p:spPr>
+        <p:txBody>
+          <a:bodyPr rtlCol="0" anchor="ctr"/>
+          <a:lstStyle/>
+          <a:p>
+            <a:pPr algn="ctr">
+              <a:defRPr/>
+            </a:pPr>
+            <a:endParaRPr lang="zh-CN" altLang="en-US" kern="0" dirty="0">
+              <a:solidFill>
+                <a:prstClr val="white"/>
+              </a:solidFill>
+              <a:latin typeface="思源黑体 CN Normal" panose="020F0502020204030204"/>
+              <a:ea typeface="思源黑体 CN Normal"/>
+              <a:cs typeface="+mn-ea"/>
+              <a:sym typeface="+mn-lt"/>
+            </a:endParaRPr>
           </a:p>
         </p:txBody>
       </p:sp>
     </p:spTree>
     <p:extLst>
       <p:ext uri="{BB962C8B-B14F-4D97-AF65-F5344CB8AC3E}">
-        <p14:creationId xmlns:p14="http://schemas.microsoft.com/office/powerpoint/2010/main" val="1564712580"/>
+        <p14:creationId xmlns:p14="http://schemas.microsoft.com/office/powerpoint/2010/main" val="2405413269"/>
       </p:ext>
     </p:extLst>
   </p:cSld>
   <p:clrMapOvr>
     <a:masterClrMapping/>
   </p:clrMapOvr>
+  <p:timing>
+    <p:tnLst>
+      <p:par>
+        <p:cTn id="1" dur="indefinite" restart="never" nodeType="tmRoot">
+          <p:childTnLst>
+            <p:seq concurrent="1" nextAc="seek">
+              <p:cTn id="2" dur="indefinite" nodeType="mainSeq">
+                <p:childTnLst>
+                  <p:par>
+                    <p:cTn id="3" fill="hold">
+                      <p:stCondLst>
+                        <p:cond delay="indefinite"/>
+                      </p:stCondLst>
+                      <p:childTnLst>
+                        <p:par>
+                          <p:cTn id="4" fill="hold">
+                            <p:stCondLst>
+                              <p:cond delay="0"/>
+                            </p:stCondLst>
+                            <p:childTnLst>
+                              <p:par>
+                                <p:cTn id="5" presetID="22" presetClass="entr" presetSubtype="8" fill="hold" grpId="0" nodeType="clickEffect">
+                                  <p:stCondLst>
+                                    <p:cond delay="0"/>
+                                  </p:stCondLst>
+                                  <p:childTnLst>
+                                    <p:set>
+                                      <p:cBhvr>
+                                        <p:cTn id="6" dur="1" fill="hold">
+                                          <p:stCondLst>
+                                            <p:cond delay="0"/>
+                                          </p:stCondLst>
+                                        </p:cTn>
+                                        <p:tgtEl>
+                                          <p:spTgt spid="3"/>
+                                        </p:tgtEl>
+                                        <p:attrNameLst>
+                                          <p:attrName>style.visibility</p:attrName>
+                                        </p:attrNameLst>
+                                      </p:cBhvr>
+                                      <p:to>
+                                        <p:strVal val="visible"/>
+                                      </p:to>
+                                    </p:set>
+                                    <p:animEffect transition="in" filter="wipe(left)">
+                                      <p:cBhvr>
+                                        <p:cTn id="7" dur="500"/>
+                                        <p:tgtEl>
+                                          <p:spTgt spid="3"/>
+                                        </p:tgtEl>
+                                      </p:cBhvr>
+                                    </p:animEffect>
+                                  </p:childTnLst>
+                                </p:cTn>
+                              </p:par>
+                              <p:par>
+                                <p:cTn id="8" presetID="22" presetClass="entr" presetSubtype="8" fill="hold" grpId="0" nodeType="withEffect">
+                                  <p:stCondLst>
+                                    <p:cond delay="0"/>
+                                  </p:stCondLst>
+                                  <p:childTnLst>
+                                    <p:set>
+                                      <p:cBhvr>
+                                        <p:cTn id="9" dur="1" fill="hold">
+                                          <p:stCondLst>
+                                            <p:cond delay="0"/>
+                                          </p:stCondLst>
+                                        </p:cTn>
+                                        <p:tgtEl>
+                                          <p:spTgt spid="4"/>
+                                        </p:tgtEl>
+                                        <p:attrNameLst>
+                                          <p:attrName>style.visibility</p:attrName>
+                                        </p:attrNameLst>
+                                      </p:cBhvr>
+                                      <p:to>
+                                        <p:strVal val="visible"/>
+                                      </p:to>
+                                    </p:set>
+                                    <p:animEffect transition="in" filter="wipe(left)">
+                                      <p:cBhvr>
+                                        <p:cTn id="10" dur="500"/>
+                                        <p:tgtEl>
+                                          <p:spTgt spid="4"/>
+                                        </p:tgtEl>
+                                      </p:cBhvr>
+                                    </p:animEffect>
+                                  </p:childTnLst>
+                                </p:cTn>
+                              </p:par>
+                              <p:par>
+                                <p:cTn id="11" presetID="22" presetClass="entr" presetSubtype="8" fill="hold" grpId="0" nodeType="withEffect">
+                                  <p:stCondLst>
+                                    <p:cond delay="0"/>
+                                  </p:stCondLst>
+                                  <p:childTnLst>
+                                    <p:set>
+                                      <p:cBhvr>
+                                        <p:cTn id="12" dur="1" fill="hold">
+                                          <p:stCondLst>
+                                            <p:cond delay="0"/>
+                                          </p:stCondLst>
+                                        </p:cTn>
+                                        <p:tgtEl>
+                                          <p:spTgt spid="17"/>
+                                        </p:tgtEl>
+                                        <p:attrNameLst>
+                                          <p:attrName>style.visibility</p:attrName>
+                                        </p:attrNameLst>
+                                      </p:cBhvr>
+                                      <p:to>
+                                        <p:strVal val="visible"/>
+                                      </p:to>
+                                    </p:set>
+                                    <p:animEffect transition="in" filter="wipe(left)">
+                                      <p:cBhvr>
+                                        <p:cTn id="13" dur="500"/>
+                                        <p:tgtEl>
+                                          <p:spTgt spid="17"/>
+                                        </p:tgtEl>
+                                      </p:cBhvr>
+                                    </p:animEffect>
+                                  </p:childTnLst>
+                                </p:cTn>
+                              </p:par>
+                              <p:par>
+                                <p:cTn id="14" presetID="22" presetClass="entr" presetSubtype="8" fill="hold" grpId="0" nodeType="withEffect">
+                                  <p:stCondLst>
+                                    <p:cond delay="0"/>
+                                  </p:stCondLst>
+                                  <p:childTnLst>
+                                    <p:set>
+                                      <p:cBhvr>
+                                        <p:cTn id="15" dur="1" fill="hold">
+                                          <p:stCondLst>
+                                            <p:cond delay="0"/>
+                                          </p:stCondLst>
+                                        </p:cTn>
+                                        <p:tgtEl>
+                                          <p:spTgt spid="18"/>
+                                        </p:tgtEl>
+                                        <p:attrNameLst>
+                                          <p:attrName>style.visibility</p:attrName>
+                                        </p:attrNameLst>
+                                      </p:cBhvr>
+                                      <p:to>
+                                        <p:strVal val="visible"/>
+                                      </p:to>
+                                    </p:set>
+                                    <p:animEffect transition="in" filter="wipe(left)">
+                                      <p:cBhvr>
+                                        <p:cTn id="16" dur="500"/>
+                                        <p:tgtEl>
+                                          <p:spTgt spid="18"/>
+                                        </p:tgtEl>
+                                      </p:cBhvr>
+                                    </p:animEffect>
+                                  </p:childTnLst>
+                                </p:cTn>
+                              </p:par>
+                              <p:par>
+                                <p:cTn id="17" presetID="22" presetClass="entr" presetSubtype="8" fill="hold" grpId="0" nodeType="withEffect">
+                                  <p:stCondLst>
+                                    <p:cond delay="0"/>
+                                  </p:stCondLst>
+                                  <p:childTnLst>
+                                    <p:set>
+                                      <p:cBhvr>
+                                        <p:cTn id="18" dur="1" fill="hold">
+                                          <p:stCondLst>
+                                            <p:cond delay="0"/>
+                                          </p:stCondLst>
+                                        </p:cTn>
+                                        <p:tgtEl>
+                                          <p:spTgt spid="19"/>
+                                        </p:tgtEl>
+                                        <p:attrNameLst>
+                                          <p:attrName>style.visibility</p:attrName>
+                                        </p:attrNameLst>
+                                      </p:cBhvr>
+                                      <p:to>
+                                        <p:strVal val="visible"/>
+                                      </p:to>
+                                    </p:set>
+                                    <p:animEffect transition="in" filter="wipe(left)">
+                                      <p:cBhvr>
+                                        <p:cTn id="19" dur="500"/>
+                                        <p:tgtEl>
+                                          <p:spTgt spid="19"/>
+                                        </p:tgtEl>
+                                      </p:cBhvr>
+                                    </p:animEffect>
+                                  </p:childTnLst>
+                                </p:cTn>
+                              </p:par>
+                              <p:par>
+                                <p:cTn id="20" presetID="22" presetClass="entr" presetSubtype="8" fill="hold" grpId="0" nodeType="withEffect">
+                                  <p:stCondLst>
+                                    <p:cond delay="0"/>
+                                  </p:stCondLst>
+                                  <p:childTnLst>
+                                    <p:set>
+                                      <p:cBhvr>
+                                        <p:cTn id="21" dur="1" fill="hold">
+                                          <p:stCondLst>
+                                            <p:cond delay="0"/>
+                                          </p:stCondLst>
+                                        </p:cTn>
+                                        <p:tgtEl>
+                                          <p:spTgt spid="20"/>
+                                        </p:tgtEl>
+                                        <p:attrNameLst>
+                                          <p:attrName>style.visibility</p:attrName>
+                                        </p:attrNameLst>
+                                      </p:cBhvr>
+                                      <p:to>
+                                        <p:strVal val="visible"/>
+                                      </p:to>
+                                    </p:set>
+                                    <p:animEffect transition="in" filter="wipe(left)">
+                                      <p:cBhvr>
+                                        <p:cTn id="22" dur="500"/>
+                                        <p:tgtEl>
+                                          <p:spTgt spid="20"/>
+                                        </p:tgtEl>
+                                      </p:cBhvr>
+                                    </p:animEffect>
+                                  </p:childTnLst>
+                                </p:cTn>
+                              </p:par>
+                            </p:childTnLst>
+                          </p:cTn>
+                        </p:par>
+                      </p:childTnLst>
+                    </p:cTn>
+                  </p:par>
+                  <p:par>
+                    <p:cTn id="23" fill="hold">
+                      <p:stCondLst>
+                        <p:cond delay="indefinite"/>
+                      </p:stCondLst>
+                      <p:childTnLst>
+                        <p:par>
+                          <p:cTn id="24" fill="hold">
+                            <p:stCondLst>
+                              <p:cond delay="0"/>
+                            </p:stCondLst>
+                            <p:childTnLst>
+                              <p:par>
+                                <p:cTn id="25" presetID="22" presetClass="entr" presetSubtype="8" fill="hold" grpId="0" nodeType="clickEffect">
+                                  <p:stCondLst>
+                                    <p:cond delay="0"/>
+                                  </p:stCondLst>
+                                  <p:childTnLst>
+                                    <p:set>
+                                      <p:cBhvr>
+                                        <p:cTn id="26" dur="1" fill="hold">
+                                          <p:stCondLst>
+                                            <p:cond delay="0"/>
+                                          </p:stCondLst>
+                                        </p:cTn>
+                                        <p:tgtEl>
+                                          <p:spTgt spid="5"/>
+                                        </p:tgtEl>
+                                        <p:attrNameLst>
+                                          <p:attrName>style.visibility</p:attrName>
+                                        </p:attrNameLst>
+                                      </p:cBhvr>
+                                      <p:to>
+                                        <p:strVal val="visible"/>
+                                      </p:to>
+                                    </p:set>
+                                    <p:animEffect transition="in" filter="wipe(left)">
+                                      <p:cBhvr>
+                                        <p:cTn id="27" dur="500"/>
+                                        <p:tgtEl>
+                                          <p:spTgt spid="5"/>
+                                        </p:tgtEl>
+                                      </p:cBhvr>
+                                    </p:animEffect>
+                                  </p:childTnLst>
+                                </p:cTn>
+                              </p:par>
+                              <p:par>
+                                <p:cTn id="28" presetID="22" presetClass="entr" presetSubtype="8" fill="hold" grpId="0" nodeType="withEffect">
+                                  <p:stCondLst>
+                                    <p:cond delay="0"/>
+                                  </p:stCondLst>
+                                  <p:childTnLst>
+                                    <p:set>
+                                      <p:cBhvr>
+                                        <p:cTn id="29" dur="1" fill="hold">
+                                          <p:stCondLst>
+                                            <p:cond delay="0"/>
+                                          </p:stCondLst>
+                                        </p:cTn>
+                                        <p:tgtEl>
+                                          <p:spTgt spid="6"/>
+                                        </p:tgtEl>
+                                        <p:attrNameLst>
+                                          <p:attrName>style.visibility</p:attrName>
+                                        </p:attrNameLst>
+                                      </p:cBhvr>
+                                      <p:to>
+                                        <p:strVal val="visible"/>
+                                      </p:to>
+                                    </p:set>
+                                    <p:animEffect transition="in" filter="wipe(left)">
+                                      <p:cBhvr>
+                                        <p:cTn id="30" dur="500"/>
+                                        <p:tgtEl>
+                                          <p:spTgt spid="6"/>
+                                        </p:tgtEl>
+                                      </p:cBhvr>
+                                    </p:animEffect>
+                                  </p:childTnLst>
+                                </p:cTn>
+                              </p:par>
+                              <p:par>
+                                <p:cTn id="31" presetID="22" presetClass="entr" presetSubtype="8" fill="hold" grpId="0" nodeType="withEffect">
+                                  <p:stCondLst>
+                                    <p:cond delay="0"/>
+                                  </p:stCondLst>
+                                  <p:childTnLst>
+                                    <p:set>
+                                      <p:cBhvr>
+                                        <p:cTn id="32" dur="1" fill="hold">
+                                          <p:stCondLst>
+                                            <p:cond delay="0"/>
+                                          </p:stCondLst>
+                                        </p:cTn>
+                                        <p:tgtEl>
+                                          <p:spTgt spid="7"/>
+                                        </p:tgtEl>
+                                        <p:attrNameLst>
+                                          <p:attrName>style.visibility</p:attrName>
+                                        </p:attrNameLst>
+                                      </p:cBhvr>
+                                      <p:to>
+                                        <p:strVal val="visible"/>
+                                      </p:to>
+                                    </p:set>
+                                    <p:animEffect transition="in" filter="wipe(left)">
+                                      <p:cBhvr>
+                                        <p:cTn id="33" dur="500"/>
+                                        <p:tgtEl>
+                                          <p:spTgt spid="7"/>
+                                        </p:tgtEl>
+                                      </p:cBhvr>
+                                    </p:animEffect>
+                                  </p:childTnLst>
+                                </p:cTn>
+                              </p:par>
+                              <p:par>
+                                <p:cTn id="34" presetID="22" presetClass="entr" presetSubtype="8" fill="hold" grpId="0" nodeType="withEffect">
+                                  <p:stCondLst>
+                                    <p:cond delay="0"/>
+                                  </p:stCondLst>
+                                  <p:childTnLst>
+                                    <p:set>
+                                      <p:cBhvr>
+                                        <p:cTn id="35" dur="1" fill="hold">
+                                          <p:stCondLst>
+                                            <p:cond delay="0"/>
+                                          </p:stCondLst>
+                                        </p:cTn>
+                                        <p:tgtEl>
+                                          <p:spTgt spid="8"/>
+                                        </p:tgtEl>
+                                        <p:attrNameLst>
+                                          <p:attrName>style.visibility</p:attrName>
+                                        </p:attrNameLst>
+                                      </p:cBhvr>
+                                      <p:to>
+                                        <p:strVal val="visible"/>
+                                      </p:to>
+                                    </p:set>
+                                    <p:animEffect transition="in" filter="wipe(left)">
+                                      <p:cBhvr>
+                                        <p:cTn id="36" dur="500"/>
+                                        <p:tgtEl>
+                                          <p:spTgt spid="8"/>
+                                        </p:tgtEl>
+                                      </p:cBhvr>
+                                    </p:animEffect>
+                                  </p:childTnLst>
+                                </p:cTn>
+                              </p:par>
+                              <p:par>
+                                <p:cTn id="37" presetID="22" presetClass="entr" presetSubtype="8" fill="hold" grpId="0" nodeType="withEffect" nodePh="1">
+                                  <p:stCondLst>
+                                    <p:cond delay="0"/>
+                                  </p:stCondLst>
+                                  <p:endCondLst>
+                                    <p:cond evt="begin" delay="0">
+                                      <p:tn val="37"/>
+                                    </p:cond>
+                                  </p:endCondLst>
+                                  <p:childTnLst>
+                                    <p:set>
+                                      <p:cBhvr>
+                                        <p:cTn id="38" dur="1" fill="hold">
+                                          <p:stCondLst>
+                                            <p:cond delay="0"/>
+                                          </p:stCondLst>
+                                        </p:cTn>
+                                        <p:tgtEl>
+                                          <p:spTgt spid="9"/>
+                                        </p:tgtEl>
+                                        <p:attrNameLst>
+                                          <p:attrName>style.visibility</p:attrName>
+                                        </p:attrNameLst>
+                                      </p:cBhvr>
+                                      <p:to>
+                                        <p:strVal val="visible"/>
+                                      </p:to>
+                                    </p:set>
+                                    <p:animEffect transition="in" filter="wipe(left)">
+                                      <p:cBhvr>
+                                        <p:cTn id="39" dur="500"/>
+                                        <p:tgtEl>
+                                          <p:spTgt spid="9"/>
+                                        </p:tgtEl>
+                                      </p:cBhvr>
+                                    </p:animEffect>
+                                  </p:childTnLst>
+                                </p:cTn>
+                              </p:par>
+                              <p:par>
+                                <p:cTn id="40" presetID="22" presetClass="entr" presetSubtype="8" fill="hold" grpId="0" nodeType="withEffect">
+                                  <p:stCondLst>
+                                    <p:cond delay="0"/>
+                                  </p:stCondLst>
+                                  <p:childTnLst>
+                                    <p:set>
+                                      <p:cBhvr>
+                                        <p:cTn id="41" dur="1" fill="hold">
+                                          <p:stCondLst>
+                                            <p:cond delay="0"/>
+                                          </p:stCondLst>
+                                        </p:cTn>
+                                        <p:tgtEl>
+                                          <p:spTgt spid="10"/>
+                                        </p:tgtEl>
+                                        <p:attrNameLst>
+                                          <p:attrName>style.visibility</p:attrName>
+                                        </p:attrNameLst>
+                                      </p:cBhvr>
+                                      <p:to>
+                                        <p:strVal val="visible"/>
+                                      </p:to>
+                                    </p:set>
+                                    <p:animEffect transition="in" filter="wipe(left)">
+                                      <p:cBhvr>
+                                        <p:cTn id="42" dur="500"/>
+                                        <p:tgtEl>
+                                          <p:spTgt spid="10"/>
+                                        </p:tgtEl>
+                                      </p:cBhvr>
+                                    </p:animEffect>
+                                  </p:childTnLst>
+                                </p:cTn>
+                              </p:par>
+                              <p:par>
+                                <p:cTn id="43" presetID="22" presetClass="entr" presetSubtype="8" fill="hold" grpId="0" nodeType="withEffect">
+                                  <p:stCondLst>
+                                    <p:cond delay="0"/>
+                                  </p:stCondLst>
+                                  <p:childTnLst>
+                                    <p:set>
+                                      <p:cBhvr>
+                                        <p:cTn id="44" dur="1" fill="hold">
+                                          <p:stCondLst>
+                                            <p:cond delay="0"/>
+                                          </p:stCondLst>
+                                        </p:cTn>
+                                        <p:tgtEl>
+                                          <p:spTgt spid="16"/>
+                                        </p:tgtEl>
+                                        <p:attrNameLst>
+                                          <p:attrName>style.visibility</p:attrName>
+                                        </p:attrNameLst>
+                                      </p:cBhvr>
+                                      <p:to>
+                                        <p:strVal val="visible"/>
+                                      </p:to>
+                                    </p:set>
+                                    <p:animEffect transition="in" filter="wipe(left)">
+                                      <p:cBhvr>
+                                        <p:cTn id="45" dur="500"/>
+                                        <p:tgtEl>
+                                          <p:spTgt spid="16"/>
+                                        </p:tgtEl>
+                                      </p:cBhvr>
+                                    </p:animEffect>
+                                  </p:childTnLst>
+                                </p:cTn>
+                              </p:par>
+                            </p:childTnLst>
+                          </p:cTn>
+                        </p:par>
+                      </p:childTnLst>
+                    </p:cTn>
+                  </p:par>
+                  <p:par>
+                    <p:cTn id="46" fill="hold">
+                      <p:stCondLst>
+                        <p:cond delay="indefinite"/>
+                      </p:stCondLst>
+                      <p:childTnLst>
+                        <p:par>
+                          <p:cTn id="47" fill="hold">
+                            <p:stCondLst>
+                              <p:cond delay="0"/>
+                            </p:stCondLst>
+                            <p:childTnLst>
+                              <p:par>
+                                <p:cTn id="48" presetID="22" presetClass="entr" presetSubtype="8" fill="hold" grpId="0" nodeType="clickEffect">
+                                  <p:stCondLst>
+                                    <p:cond delay="0"/>
+                                  </p:stCondLst>
+                                  <p:childTnLst>
+                                    <p:set>
+                                      <p:cBhvr>
+                                        <p:cTn id="49" dur="1" fill="hold">
+                                          <p:stCondLst>
+                                            <p:cond delay="0"/>
+                                          </p:stCondLst>
+                                        </p:cTn>
+                                        <p:tgtEl>
+                                          <p:spTgt spid="11"/>
+                                        </p:tgtEl>
+                                        <p:attrNameLst>
+                                          <p:attrName>style.visibility</p:attrName>
+                                        </p:attrNameLst>
+                                      </p:cBhvr>
+                                      <p:to>
+                                        <p:strVal val="visible"/>
+                                      </p:to>
+                                    </p:set>
+                                    <p:animEffect transition="in" filter="wipe(left)">
+                                      <p:cBhvr>
+                                        <p:cTn id="50" dur="500"/>
+                                        <p:tgtEl>
+                                          <p:spTgt spid="11"/>
+                                        </p:tgtEl>
+                                      </p:cBhvr>
+                                    </p:animEffect>
+                                  </p:childTnLst>
+                                </p:cTn>
+                              </p:par>
+                              <p:par>
+                                <p:cTn id="51" presetID="22" presetClass="entr" presetSubtype="8" fill="hold" grpId="0" nodeType="withEffect">
+                                  <p:stCondLst>
+                                    <p:cond delay="0"/>
+                                  </p:stCondLst>
+                                  <p:childTnLst>
+                                    <p:set>
+                                      <p:cBhvr>
+                                        <p:cTn id="52" dur="1" fill="hold">
+                                          <p:stCondLst>
+                                            <p:cond delay="0"/>
+                                          </p:stCondLst>
+                                        </p:cTn>
+                                        <p:tgtEl>
+                                          <p:spTgt spid="12"/>
+                                        </p:tgtEl>
+                                        <p:attrNameLst>
+                                          <p:attrName>style.visibility</p:attrName>
+                                        </p:attrNameLst>
+                                      </p:cBhvr>
+                                      <p:to>
+                                        <p:strVal val="visible"/>
+                                      </p:to>
+                                    </p:set>
+                                    <p:animEffect transition="in" filter="wipe(left)">
+                                      <p:cBhvr>
+                                        <p:cTn id="53" dur="500"/>
+                                        <p:tgtEl>
+                                          <p:spTgt spid="12"/>
+                                        </p:tgtEl>
+                                      </p:cBhvr>
+                                    </p:animEffect>
+                                  </p:childTnLst>
+                                </p:cTn>
+                              </p:par>
+                              <p:par>
+                                <p:cTn id="54" presetID="22" presetClass="entr" presetSubtype="8" fill="hold" grpId="0" nodeType="withEffect">
+                                  <p:stCondLst>
+                                    <p:cond delay="0"/>
+                                  </p:stCondLst>
+                                  <p:childTnLst>
+                                    <p:set>
+                                      <p:cBhvr>
+                                        <p:cTn id="55" dur="1" fill="hold">
+                                          <p:stCondLst>
+                                            <p:cond delay="0"/>
+                                          </p:stCondLst>
+                                        </p:cTn>
+                                        <p:tgtEl>
+                                          <p:spTgt spid="13"/>
+                                        </p:tgtEl>
+                                        <p:attrNameLst>
+                                          <p:attrName>style.visibility</p:attrName>
+                                        </p:attrNameLst>
+                                      </p:cBhvr>
+                                      <p:to>
+                                        <p:strVal val="visible"/>
+                                      </p:to>
+                                    </p:set>
+                                    <p:animEffect transition="in" filter="wipe(left)">
+                                      <p:cBhvr>
+                                        <p:cTn id="56" dur="500"/>
+                                        <p:tgtEl>
+                                          <p:spTgt spid="13"/>
+                                        </p:tgtEl>
+                                      </p:cBhvr>
+                                    </p:animEffect>
+                                  </p:childTnLst>
+                                </p:cTn>
+                              </p:par>
+                              <p:par>
+                                <p:cTn id="57" presetID="22" presetClass="entr" presetSubtype="8" fill="hold" grpId="0" nodeType="withEffect">
+                                  <p:stCondLst>
+                                    <p:cond delay="0"/>
+                                  </p:stCondLst>
+                                  <p:childTnLst>
+                                    <p:set>
+                                      <p:cBhvr>
+                                        <p:cTn id="58" dur="1" fill="hold">
+                                          <p:stCondLst>
+                                            <p:cond delay="0"/>
+                                          </p:stCondLst>
+                                        </p:cTn>
+                                        <p:tgtEl>
+                                          <p:spTgt spid="14"/>
+                                        </p:tgtEl>
+                                        <p:attrNameLst>
+                                          <p:attrName>style.visibility</p:attrName>
+                                        </p:attrNameLst>
+                                      </p:cBhvr>
+                                      <p:to>
+                                        <p:strVal val="visible"/>
+                                      </p:to>
+                                    </p:set>
+                                    <p:animEffect transition="in" filter="wipe(left)">
+                                      <p:cBhvr>
+                                        <p:cTn id="59" dur="500"/>
+                                        <p:tgtEl>
+                                          <p:spTgt spid="14"/>
+                                        </p:tgtEl>
+                                      </p:cBhvr>
+                                    </p:animEffect>
+                                  </p:childTnLst>
+                                </p:cTn>
+                              </p:par>
+                              <p:par>
+                                <p:cTn id="60" presetID="22" presetClass="entr" presetSubtype="8" fill="hold" grpId="0" nodeType="withEffect">
+                                  <p:stCondLst>
+                                    <p:cond delay="0"/>
+                                  </p:stCondLst>
+                                  <p:childTnLst>
+                                    <p:set>
+                                      <p:cBhvr>
+                                        <p:cTn id="61" dur="1" fill="hold">
+                                          <p:stCondLst>
+                                            <p:cond delay="0"/>
+                                          </p:stCondLst>
+                                        </p:cTn>
+                                        <p:tgtEl>
+                                          <p:spTgt spid="15"/>
+                                        </p:tgtEl>
+                                        <p:attrNameLst>
+                                          <p:attrName>style.visibility</p:attrName>
+                                        </p:attrNameLst>
+                                      </p:cBhvr>
+                                      <p:to>
+                                        <p:strVal val="visible"/>
+                                      </p:to>
+                                    </p:set>
+                                    <p:animEffect transition="in" filter="wipe(left)">
+                                      <p:cBhvr>
+                                        <p:cTn id="62" dur="500"/>
+                                        <p:tgtEl>
+                                          <p:spTgt spid="15"/>
+                                        </p:tgtEl>
+                                      </p:cBhvr>
+                                    </p:animEffect>
+                                  </p:childTnLst>
+                                </p:cTn>
+                              </p:par>
+                              <p:par>
+                                <p:cTn id="63" presetID="22" presetClass="entr" presetSubtype="8" fill="hold" grpId="0" nodeType="withEffect">
+                                  <p:stCondLst>
+                                    <p:cond delay="0"/>
+                                  </p:stCondLst>
+                                  <p:childTnLst>
+                                    <p:set>
+                                      <p:cBhvr>
+                                        <p:cTn id="64" dur="1" fill="hold">
+                                          <p:stCondLst>
+                                            <p:cond delay="0"/>
+                                          </p:stCondLst>
+                                        </p:cTn>
+                                        <p:tgtEl>
+                                          <p:spTgt spid="21"/>
+                                        </p:tgtEl>
+                                        <p:attrNameLst>
+                                          <p:attrName>style.visibility</p:attrName>
+                                        </p:attrNameLst>
+                                      </p:cBhvr>
+                                      <p:to>
+                                        <p:strVal val="visible"/>
+                                      </p:to>
+                                    </p:set>
+                                    <p:animEffect transition="in" filter="wipe(left)">
+                                      <p:cBhvr>
+                                        <p:cTn id="65" dur="500"/>
+                                        <p:tgtEl>
+                                          <p:spTgt spid="21"/>
+                                        </p:tgtEl>
+                                      </p:cBhvr>
+                                    </p:animEffect>
+                                  </p:childTnLst>
+                                </p:cTn>
+                              </p:par>
+                            </p:childTnLst>
+                          </p:cTn>
+                        </p:par>
+                      </p:childTnLst>
+                    </p:cTn>
+                  </p:par>
+                </p:childTnLst>
+              </p:cTn>
+              <p:prevCondLst>
+                <p:cond evt="onPrev" delay="0">
+                  <p:tgtEl>
+                    <p:sldTgt/>
+                  </p:tgtEl>
+                </p:cond>
+              </p:prevCondLst>
+              <p:nextCondLst>
+                <p:cond evt="onNext" delay="0">
+                  <p:tgtEl>
+                    <p:sldTgt/>
+                  </p:tgtEl>
+                </p:cond>
+              </p:nextCondLst>
+            </p:seq>
+          </p:childTnLst>
+        </p:cTn>
+      </p:par>
+    </p:tnLst>
+    <p:bldLst>
+      <p:bldP spid="3" grpId="0" animBg="1"/>
+      <p:bldP spid="4" grpId="0"/>
+      <p:bldP spid="5" grpId="0" animBg="1"/>
+      <p:bldP spid="6" grpId="0" animBg="1"/>
+      <p:bldP spid="7" grpId="0" animBg="1"/>
+      <p:bldP spid="8" grpId="0" animBg="1"/>
+      <p:bldP spid="9" grpId="0"/>
+      <p:bldP spid="10" grpId="0"/>
+      <p:bldP spid="11" grpId="0" animBg="1"/>
+      <p:bldP spid="12" grpId="0" animBg="1"/>
+      <p:bldP spid="13" grpId="0" animBg="1"/>
+      <p:bldP spid="14" grpId="0"/>
+      <p:bldP spid="15" grpId="0"/>
+      <p:bldP spid="16" grpId="0"/>
+      <p:bldP spid="17" grpId="0" animBg="1"/>
+      <p:bldP spid="18" grpId="0"/>
+      <p:bldP spid="19" grpId="0" animBg="1"/>
+      <p:bldP spid="20" grpId="0" animBg="1"/>
+      <p:bldP spid="21" grpId="0" animBg="1"/>
+    </p:bldLst>
+  </p:timing>
 </p:sld>
 </file>
 

--- a/年中述职材料模板-职员.pptx
+++ b/年中述职材料模板-职员.pptx
@@ -15,8 +15,7 @@
     <p:sldId id="267" r:id="rId9"/>
     <p:sldId id="260" r:id="rId10"/>
     <p:sldId id="269" r:id="rId11"/>
-    <p:sldId id="270" r:id="rId12"/>
-    <p:sldId id="261" r:id="rId13"/>
+    <p:sldId id="261" r:id="rId12"/>
   </p:sldIdLst>
   <p:sldSz cx="12192000" cy="6858000"/>
   <p:notesSz cx="6858000" cy="9144000"/>
@@ -3975,6 +3974,3424 @@
           </a:p>
         </p:txBody>
       </p:sp>
+      <p:grpSp>
+        <p:nvGrpSpPr>
+          <p:cNvPr id="3" name="组合 2">
+            <a:extLst>
+              <a:ext uri="{FF2B5EF4-FFF2-40B4-BE49-F238E27FC236}">
+                <a16:creationId xmlns:a16="http://schemas.microsoft.com/office/drawing/2014/main" id="{C6FD7661-826E-4C65-1BC7-B122CF7DA148}"/>
+              </a:ext>
+            </a:extLst>
+          </p:cNvPr>
+          <p:cNvGrpSpPr/>
+          <p:nvPr/>
+        </p:nvGrpSpPr>
+        <p:grpSpPr>
+          <a:xfrm>
+            <a:off x="870923" y="1924159"/>
+            <a:ext cx="6122640" cy="3416081"/>
+            <a:chOff x="3093744" y="1946909"/>
+            <a:chExt cx="6122640" cy="3416081"/>
+          </a:xfrm>
+        </p:grpSpPr>
+        <p:sp>
+          <p:nvSpPr>
+            <p:cNvPr id="4" name="任意多边形 2">
+              <a:extLst>
+                <a:ext uri="{FF2B5EF4-FFF2-40B4-BE49-F238E27FC236}">
+                  <a16:creationId xmlns:a16="http://schemas.microsoft.com/office/drawing/2014/main" id="{7F5CFACF-88AE-3B6E-052D-9093AF4CF8DA}"/>
+                </a:ext>
+              </a:extLst>
+            </p:cNvPr>
+            <p:cNvSpPr/>
+            <p:nvPr/>
+          </p:nvSpPr>
+          <p:spPr>
+            <a:xfrm>
+              <a:off x="6737267" y="2381463"/>
+              <a:ext cx="393700" cy="2585429"/>
+            </a:xfrm>
+            <a:custGeom>
+              <a:avLst/>
+              <a:gdLst>
+                <a:gd name="connsiteX0" fmla="*/ 393700 w 393700"/>
+                <a:gd name="connsiteY0" fmla="*/ 0 h 1828800"/>
+                <a:gd name="connsiteX1" fmla="*/ 0 w 393700"/>
+                <a:gd name="connsiteY1" fmla="*/ 0 h 1828800"/>
+                <a:gd name="connsiteX2" fmla="*/ 0 w 393700"/>
+                <a:gd name="connsiteY2" fmla="*/ 1828800 h 1828800"/>
+                <a:gd name="connsiteX3" fmla="*/ 368300 w 393700"/>
+                <a:gd name="connsiteY3" fmla="*/ 1828800 h 1828800"/>
+              </a:gdLst>
+              <a:ahLst/>
+              <a:cxnLst>
+                <a:cxn ang="0">
+                  <a:pos x="connsiteX0" y="connsiteY0"/>
+                </a:cxn>
+                <a:cxn ang="0">
+                  <a:pos x="connsiteX1" y="connsiteY1"/>
+                </a:cxn>
+                <a:cxn ang="0">
+                  <a:pos x="connsiteX2" y="connsiteY2"/>
+                </a:cxn>
+                <a:cxn ang="0">
+                  <a:pos x="connsiteX3" y="connsiteY3"/>
+                </a:cxn>
+              </a:cxnLst>
+              <a:rect l="l" t="t" r="r" b="b"/>
+              <a:pathLst>
+                <a:path w="393700" h="1828800">
+                  <a:moveTo>
+                    <a:pt x="393700" y="0"/>
+                  </a:moveTo>
+                  <a:lnTo>
+                    <a:pt x="0" y="0"/>
+                  </a:lnTo>
+                  <a:lnTo>
+                    <a:pt x="0" y="1828800"/>
+                  </a:lnTo>
+                  <a:lnTo>
+                    <a:pt x="368300" y="1828800"/>
+                  </a:lnTo>
+                </a:path>
+              </a:pathLst>
+            </a:custGeom>
+            <a:solidFill>
+              <a:schemeClr val="bg1"/>
+            </a:solidFill>
+            <a:ln w="28575" cap="rnd">
+              <a:solidFill>
+                <a:schemeClr val="accent2"/>
+              </a:solidFill>
+              <a:round/>
+              <a:headEnd w="sm" len="sm"/>
+              <a:tailEnd type="none" w="med" len="sm"/>
+            </a:ln>
+          </p:spPr>
+          <p:style>
+            <a:lnRef idx="1">
+              <a:schemeClr val="accent1"/>
+            </a:lnRef>
+            <a:fillRef idx="0">
+              <a:schemeClr val="accent1"/>
+            </a:fillRef>
+            <a:effectRef idx="0">
+              <a:schemeClr val="accent1"/>
+            </a:effectRef>
+            <a:fontRef idx="minor">
+              <a:schemeClr val="tx1"/>
+            </a:fontRef>
+          </p:style>
+          <p:txBody>
+            <a:bodyPr rtlCol="0" anchor="ctr"/>
+            <a:lstStyle/>
+            <a:p>
+              <a:pPr algn="ctr"/>
+              <a:endParaRPr lang="zh-CN" altLang="en-US"/>
+            </a:p>
+          </p:txBody>
+        </p:sp>
+        <p:sp>
+          <p:nvSpPr>
+            <p:cNvPr id="16" name="任意多边形 6">
+              <a:extLst>
+                <a:ext uri="{FF2B5EF4-FFF2-40B4-BE49-F238E27FC236}">
+                  <a16:creationId xmlns:a16="http://schemas.microsoft.com/office/drawing/2014/main" id="{0B55CA7C-BAD3-CD92-E137-3B177A183649}"/>
+                </a:ext>
+              </a:extLst>
+            </p:cNvPr>
+            <p:cNvSpPr/>
+            <p:nvPr/>
+          </p:nvSpPr>
+          <p:spPr>
+            <a:xfrm>
+              <a:off x="5932247" y="3593119"/>
+              <a:ext cx="162386" cy="178001"/>
+            </a:xfrm>
+            <a:custGeom>
+              <a:avLst/>
+              <a:gdLst>
+                <a:gd name="connsiteX0" fmla="*/ 248770 w 495300"/>
+                <a:gd name="connsiteY0" fmla="*/ 621 h 542925"/>
+                <a:gd name="connsiteX1" fmla="*/ 496420 w 495300"/>
+                <a:gd name="connsiteY1" fmla="*/ 248271 h 542925"/>
+                <a:gd name="connsiteX2" fmla="*/ 323827 w 495300"/>
+                <a:gd name="connsiteY2" fmla="*/ 484396 h 542925"/>
+                <a:gd name="connsiteX3" fmla="*/ 346973 w 495300"/>
+                <a:gd name="connsiteY3" fmla="*/ 524496 h 542925"/>
+                <a:gd name="connsiteX4" fmla="*/ 420220 w 495300"/>
+                <a:gd name="connsiteY4" fmla="*/ 524496 h 542925"/>
+                <a:gd name="connsiteX5" fmla="*/ 420220 w 495300"/>
+                <a:gd name="connsiteY5" fmla="*/ 543546 h 542925"/>
+                <a:gd name="connsiteX6" fmla="*/ 77320 w 495300"/>
+                <a:gd name="connsiteY6" fmla="*/ 543546 h 542925"/>
+                <a:gd name="connsiteX7" fmla="*/ 77320 w 495300"/>
+                <a:gd name="connsiteY7" fmla="*/ 524496 h 542925"/>
+                <a:gd name="connsiteX8" fmla="*/ 150567 w 495300"/>
+                <a:gd name="connsiteY8" fmla="*/ 524496 h 542925"/>
+                <a:gd name="connsiteX9" fmla="*/ 173713 w 495300"/>
+                <a:gd name="connsiteY9" fmla="*/ 484396 h 542925"/>
+                <a:gd name="connsiteX10" fmla="*/ 1120 w 495300"/>
+                <a:gd name="connsiteY10" fmla="*/ 248271 h 542925"/>
+                <a:gd name="connsiteX11" fmla="*/ 248770 w 495300"/>
+                <a:gd name="connsiteY11" fmla="*/ 621 h 542925"/>
+                <a:gd name="connsiteX12" fmla="*/ 192763 w 495300"/>
+                <a:gd name="connsiteY12" fmla="*/ 489539 h 542925"/>
+                <a:gd name="connsiteX13" fmla="*/ 172570 w 495300"/>
+                <a:gd name="connsiteY13" fmla="*/ 524496 h 542925"/>
+                <a:gd name="connsiteX14" fmla="*/ 324970 w 495300"/>
+                <a:gd name="connsiteY14" fmla="*/ 524496 h 542925"/>
+                <a:gd name="connsiteX15" fmla="*/ 304777 w 495300"/>
+                <a:gd name="connsiteY15" fmla="*/ 489539 h 542925"/>
+                <a:gd name="connsiteX16" fmla="*/ 248770 w 495300"/>
+                <a:gd name="connsiteY16" fmla="*/ 495921 h 542925"/>
+                <a:gd name="connsiteX17" fmla="*/ 192763 w 495300"/>
+                <a:gd name="connsiteY17" fmla="*/ 489539 h 542925"/>
+                <a:gd name="connsiteX18" fmla="*/ 248770 w 495300"/>
+                <a:gd name="connsiteY18" fmla="*/ 143496 h 542925"/>
+                <a:gd name="connsiteX19" fmla="*/ 143995 w 495300"/>
+                <a:gd name="connsiteY19" fmla="*/ 248271 h 542925"/>
+                <a:gd name="connsiteX20" fmla="*/ 248770 w 495300"/>
+                <a:gd name="connsiteY20" fmla="*/ 353046 h 542925"/>
+                <a:gd name="connsiteX21" fmla="*/ 353545 w 495300"/>
+                <a:gd name="connsiteY21" fmla="*/ 248271 h 542925"/>
+                <a:gd name="connsiteX22" fmla="*/ 248770 w 495300"/>
+                <a:gd name="connsiteY22" fmla="*/ 143496 h 542925"/>
+                <a:gd name="connsiteX23" fmla="*/ 367833 w 495300"/>
+                <a:gd name="connsiteY23" fmla="*/ 114921 h 542925"/>
+                <a:gd name="connsiteX24" fmla="*/ 353545 w 495300"/>
+                <a:gd name="connsiteY24" fmla="*/ 129209 h 542925"/>
+                <a:gd name="connsiteX25" fmla="*/ 367833 w 495300"/>
+                <a:gd name="connsiteY25" fmla="*/ 143496 h 542925"/>
+                <a:gd name="connsiteX26" fmla="*/ 382120 w 495300"/>
+                <a:gd name="connsiteY26" fmla="*/ 129209 h 542925"/>
+                <a:gd name="connsiteX27" fmla="*/ 367833 w 495300"/>
+                <a:gd name="connsiteY27" fmla="*/ 114921 h 542925"/>
+              </a:gdLst>
+              <a:ahLst/>
+              <a:cxnLst>
+                <a:cxn ang="0">
+                  <a:pos x="connsiteX0" y="connsiteY0"/>
+                </a:cxn>
+                <a:cxn ang="0">
+                  <a:pos x="connsiteX1" y="connsiteY1"/>
+                </a:cxn>
+                <a:cxn ang="0">
+                  <a:pos x="connsiteX2" y="connsiteY2"/>
+                </a:cxn>
+                <a:cxn ang="0">
+                  <a:pos x="connsiteX3" y="connsiteY3"/>
+                </a:cxn>
+                <a:cxn ang="0">
+                  <a:pos x="connsiteX4" y="connsiteY4"/>
+                </a:cxn>
+                <a:cxn ang="0">
+                  <a:pos x="connsiteX5" y="connsiteY5"/>
+                </a:cxn>
+                <a:cxn ang="0">
+                  <a:pos x="connsiteX6" y="connsiteY6"/>
+                </a:cxn>
+                <a:cxn ang="0">
+                  <a:pos x="connsiteX7" y="connsiteY7"/>
+                </a:cxn>
+                <a:cxn ang="0">
+                  <a:pos x="connsiteX8" y="connsiteY8"/>
+                </a:cxn>
+                <a:cxn ang="0">
+                  <a:pos x="connsiteX9" y="connsiteY9"/>
+                </a:cxn>
+                <a:cxn ang="0">
+                  <a:pos x="connsiteX10" y="connsiteY10"/>
+                </a:cxn>
+                <a:cxn ang="0">
+                  <a:pos x="connsiteX11" y="connsiteY11"/>
+                </a:cxn>
+                <a:cxn ang="0">
+                  <a:pos x="connsiteX12" y="connsiteY12"/>
+                </a:cxn>
+                <a:cxn ang="0">
+                  <a:pos x="connsiteX13" y="connsiteY13"/>
+                </a:cxn>
+                <a:cxn ang="0">
+                  <a:pos x="connsiteX14" y="connsiteY14"/>
+                </a:cxn>
+                <a:cxn ang="0">
+                  <a:pos x="connsiteX15" y="connsiteY15"/>
+                </a:cxn>
+                <a:cxn ang="0">
+                  <a:pos x="connsiteX16" y="connsiteY16"/>
+                </a:cxn>
+                <a:cxn ang="0">
+                  <a:pos x="connsiteX17" y="connsiteY17"/>
+                </a:cxn>
+                <a:cxn ang="0">
+                  <a:pos x="connsiteX18" y="connsiteY18"/>
+                </a:cxn>
+                <a:cxn ang="0">
+                  <a:pos x="connsiteX19" y="connsiteY19"/>
+                </a:cxn>
+                <a:cxn ang="0">
+                  <a:pos x="connsiteX20" y="connsiteY20"/>
+                </a:cxn>
+                <a:cxn ang="0">
+                  <a:pos x="connsiteX21" y="connsiteY21"/>
+                </a:cxn>
+                <a:cxn ang="0">
+                  <a:pos x="connsiteX22" y="connsiteY22"/>
+                </a:cxn>
+                <a:cxn ang="0">
+                  <a:pos x="connsiteX23" y="connsiteY23"/>
+                </a:cxn>
+                <a:cxn ang="0">
+                  <a:pos x="connsiteX24" y="connsiteY24"/>
+                </a:cxn>
+                <a:cxn ang="0">
+                  <a:pos x="connsiteX25" y="connsiteY25"/>
+                </a:cxn>
+                <a:cxn ang="0">
+                  <a:pos x="connsiteX26" y="connsiteY26"/>
+                </a:cxn>
+                <a:cxn ang="0">
+                  <a:pos x="connsiteX27" y="connsiteY27"/>
+                </a:cxn>
+              </a:cxnLst>
+              <a:rect l="l" t="t" r="r" b="b"/>
+              <a:pathLst>
+                <a:path w="495300" h="542925">
+                  <a:moveTo>
+                    <a:pt x="248770" y="621"/>
+                  </a:moveTo>
+                  <a:cubicBezTo>
+                    <a:pt x="385549" y="621"/>
+                    <a:pt x="496420" y="111492"/>
+                    <a:pt x="496420" y="248271"/>
+                  </a:cubicBezTo>
+                  <a:cubicBezTo>
+                    <a:pt x="496420" y="358856"/>
+                    <a:pt x="423935" y="452582"/>
+                    <a:pt x="323827" y="484396"/>
+                  </a:cubicBezTo>
+                  <a:lnTo>
+                    <a:pt x="346973" y="524496"/>
+                  </a:lnTo>
+                  <a:lnTo>
+                    <a:pt x="420220" y="524496"/>
+                  </a:lnTo>
+                  <a:lnTo>
+                    <a:pt x="420220" y="543546"/>
+                  </a:lnTo>
+                  <a:lnTo>
+                    <a:pt x="77320" y="543546"/>
+                  </a:lnTo>
+                  <a:lnTo>
+                    <a:pt x="77320" y="524496"/>
+                  </a:lnTo>
+                  <a:lnTo>
+                    <a:pt x="150567" y="524496"/>
+                  </a:lnTo>
+                  <a:lnTo>
+                    <a:pt x="173713" y="484396"/>
+                  </a:lnTo>
+                  <a:cubicBezTo>
+                    <a:pt x="73605" y="452582"/>
+                    <a:pt x="1120" y="358856"/>
+                    <a:pt x="1120" y="248271"/>
+                  </a:cubicBezTo>
+                  <a:cubicBezTo>
+                    <a:pt x="1120" y="111492"/>
+                    <a:pt x="111991" y="621"/>
+                    <a:pt x="248770" y="621"/>
+                  </a:cubicBezTo>
+                  <a:close/>
+                  <a:moveTo>
+                    <a:pt x="192763" y="489539"/>
+                  </a:moveTo>
+                  <a:lnTo>
+                    <a:pt x="172570" y="524496"/>
+                  </a:lnTo>
+                  <a:lnTo>
+                    <a:pt x="324970" y="524496"/>
+                  </a:lnTo>
+                  <a:lnTo>
+                    <a:pt x="304777" y="489539"/>
+                  </a:lnTo>
+                  <a:cubicBezTo>
+                    <a:pt x="286775" y="493730"/>
+                    <a:pt x="268010" y="495921"/>
+                    <a:pt x="248770" y="495921"/>
+                  </a:cubicBezTo>
+                  <a:cubicBezTo>
+                    <a:pt x="229530" y="495921"/>
+                    <a:pt x="210765" y="493730"/>
+                    <a:pt x="192763" y="489539"/>
+                  </a:cubicBezTo>
+                  <a:close/>
+                  <a:moveTo>
+                    <a:pt x="248770" y="143496"/>
+                  </a:moveTo>
+                  <a:cubicBezTo>
+                    <a:pt x="190858" y="143496"/>
+                    <a:pt x="143995" y="190359"/>
+                    <a:pt x="143995" y="248271"/>
+                  </a:cubicBezTo>
+                  <a:cubicBezTo>
+                    <a:pt x="143995" y="306183"/>
+                    <a:pt x="190858" y="353046"/>
+                    <a:pt x="248770" y="353046"/>
+                  </a:cubicBezTo>
+                  <a:cubicBezTo>
+                    <a:pt x="306682" y="353046"/>
+                    <a:pt x="353545" y="306183"/>
+                    <a:pt x="353545" y="248271"/>
+                  </a:cubicBezTo>
+                  <a:cubicBezTo>
+                    <a:pt x="353545" y="190359"/>
+                    <a:pt x="306682" y="143496"/>
+                    <a:pt x="248770" y="143496"/>
+                  </a:cubicBezTo>
+                  <a:close/>
+                  <a:moveTo>
+                    <a:pt x="367833" y="114921"/>
+                  </a:moveTo>
+                  <a:cubicBezTo>
+                    <a:pt x="359927" y="114921"/>
+                    <a:pt x="353545" y="121303"/>
+                    <a:pt x="353545" y="129209"/>
+                  </a:cubicBezTo>
+                  <a:cubicBezTo>
+                    <a:pt x="353545" y="137114"/>
+                    <a:pt x="359927" y="143496"/>
+                    <a:pt x="367833" y="143496"/>
+                  </a:cubicBezTo>
+                  <a:cubicBezTo>
+                    <a:pt x="375738" y="143496"/>
+                    <a:pt x="382120" y="137114"/>
+                    <a:pt x="382120" y="129209"/>
+                  </a:cubicBezTo>
+                  <a:cubicBezTo>
+                    <a:pt x="382120" y="121303"/>
+                    <a:pt x="375738" y="114921"/>
+                    <a:pt x="367833" y="114921"/>
+                  </a:cubicBezTo>
+                  <a:close/>
+                </a:path>
+              </a:pathLst>
+            </a:custGeom>
+            <a:solidFill>
+              <a:srgbClr val="FFFFFF"/>
+            </a:solidFill>
+            <a:ln w="12700" cap="rnd">
+              <a:noFill/>
+              <a:prstDash val="solid"/>
+              <a:round/>
+              <a:headEnd/>
+              <a:tailEnd/>
+            </a:ln>
+            <a:effectLst/>
+          </p:spPr>
+          <p:style>
+            <a:lnRef idx="2">
+              <a:schemeClr val="accent1">
+                <a:shade val="50000"/>
+              </a:schemeClr>
+            </a:lnRef>
+            <a:fillRef idx="1">
+              <a:schemeClr val="accent1"/>
+            </a:fillRef>
+            <a:effectRef idx="0">
+              <a:schemeClr val="accent1"/>
+            </a:effectRef>
+            <a:fontRef idx="minor">
+              <a:schemeClr val="lt1"/>
+            </a:fontRef>
+          </p:style>
+          <p:txBody>
+            <a:bodyPr rot="0" spcFirstLastPara="0" vert="horz" wrap="square" lIns="91440" tIns="45720" rIns="91440" bIns="45720" numCol="1" spcCol="0" rtlCol="0" fromWordArt="0" anchor="ctr" anchorCtr="0" forceAA="0" compatLnSpc="1">
+              <a:prstTxWarp prst="textNoShape">
+                <a:avLst/>
+              </a:prstTxWarp>
+              <a:normAutofit fontScale="25000" lnSpcReduction="20000"/>
+            </a:bodyPr>
+            <a:lstStyle>
+              <a:defPPr>
+                <a:defRPr lang="zh-CN"/>
+              </a:defPPr>
+              <a:lvl1pPr marL="0" algn="l" defTabSz="914400" rtl="0" eaLnBrk="1" latinLnBrk="0" hangingPunct="1">
+                <a:defRPr sz="1800" kern="1200">
+                  <a:solidFill>
+                    <a:schemeClr val="lt1"/>
+                  </a:solidFill>
+                </a:defRPr>
+              </a:lvl1pPr>
+              <a:lvl2pPr marL="457200" algn="l" defTabSz="914400" rtl="0" eaLnBrk="1" latinLnBrk="0" hangingPunct="1">
+                <a:defRPr sz="1800" kern="1200">
+                  <a:solidFill>
+                    <a:schemeClr val="lt1"/>
+                  </a:solidFill>
+                </a:defRPr>
+              </a:lvl2pPr>
+              <a:lvl3pPr marL="914400" algn="l" defTabSz="914400" rtl="0" eaLnBrk="1" latinLnBrk="0" hangingPunct="1">
+                <a:defRPr sz="1800" kern="1200">
+                  <a:solidFill>
+                    <a:schemeClr val="lt1"/>
+                  </a:solidFill>
+                </a:defRPr>
+              </a:lvl3pPr>
+              <a:lvl4pPr marL="1371600" algn="l" defTabSz="914400" rtl="0" eaLnBrk="1" latinLnBrk="0" hangingPunct="1">
+                <a:defRPr sz="1800" kern="1200">
+                  <a:solidFill>
+                    <a:schemeClr val="lt1"/>
+                  </a:solidFill>
+                </a:defRPr>
+              </a:lvl4pPr>
+              <a:lvl5pPr marL="1828800" algn="l" defTabSz="914400" rtl="0" eaLnBrk="1" latinLnBrk="0" hangingPunct="1">
+                <a:defRPr sz="1800" kern="1200">
+                  <a:solidFill>
+                    <a:schemeClr val="lt1"/>
+                  </a:solidFill>
+                </a:defRPr>
+              </a:lvl5pPr>
+              <a:lvl6pPr marL="2286000" algn="l" defTabSz="914400" rtl="0" eaLnBrk="1" latinLnBrk="0" hangingPunct="1">
+                <a:defRPr sz="1800" kern="1200">
+                  <a:solidFill>
+                    <a:schemeClr val="lt1"/>
+                  </a:solidFill>
+                </a:defRPr>
+              </a:lvl6pPr>
+              <a:lvl7pPr marL="2743200" algn="l" defTabSz="914400" rtl="0" eaLnBrk="1" latinLnBrk="0" hangingPunct="1">
+                <a:defRPr sz="1800" kern="1200">
+                  <a:solidFill>
+                    <a:schemeClr val="lt1"/>
+                  </a:solidFill>
+                </a:defRPr>
+              </a:lvl7pPr>
+              <a:lvl8pPr marL="3200400" algn="l" defTabSz="914400" rtl="0" eaLnBrk="1" latinLnBrk="0" hangingPunct="1">
+                <a:defRPr sz="1800" kern="1200">
+                  <a:solidFill>
+                    <a:schemeClr val="lt1"/>
+                  </a:solidFill>
+                </a:defRPr>
+              </a:lvl8pPr>
+              <a:lvl9pPr marL="3657600" algn="l" defTabSz="914400" rtl="0" eaLnBrk="1" latinLnBrk="0" hangingPunct="1">
+                <a:defRPr sz="1800" kern="1200">
+                  <a:solidFill>
+                    <a:schemeClr val="lt1"/>
+                  </a:solidFill>
+                </a:defRPr>
+              </a:lvl9pPr>
+            </a:lstStyle>
+            <a:p>
+              <a:pPr algn="ctr" defTabSz="914354"/>
+              <a:endParaRPr lang="zh-CN" altLang="en-US" sz="2000" b="1" dirty="0">
+                <a:solidFill>
+                  <a:schemeClr val="bg1"/>
+                </a:solidFill>
+              </a:endParaRPr>
+            </a:p>
+          </p:txBody>
+        </p:sp>
+        <p:grpSp>
+          <p:nvGrpSpPr>
+            <p:cNvPr id="6" name="组合 5">
+              <a:extLst>
+                <a:ext uri="{FF2B5EF4-FFF2-40B4-BE49-F238E27FC236}">
+                  <a16:creationId xmlns:a16="http://schemas.microsoft.com/office/drawing/2014/main" id="{D40E946B-339D-3859-FF24-C211CD4C796E}"/>
+                </a:ext>
+              </a:extLst>
+            </p:cNvPr>
+            <p:cNvGrpSpPr/>
+            <p:nvPr/>
+          </p:nvGrpSpPr>
+          <p:grpSpPr>
+            <a:xfrm>
+              <a:off x="8400328" y="1946909"/>
+              <a:ext cx="816056" cy="869934"/>
+              <a:chOff x="4239887" y="3260773"/>
+              <a:chExt cx="816056" cy="1380449"/>
+            </a:xfrm>
+          </p:grpSpPr>
+          <p:cxnSp>
+            <p:nvCxnSpPr>
+              <p:cNvPr id="13" name="直接箭头连接符 12">
+                <a:extLst>
+                  <a:ext uri="{FF2B5EF4-FFF2-40B4-BE49-F238E27FC236}">
+                    <a16:creationId xmlns:a16="http://schemas.microsoft.com/office/drawing/2014/main" id="{9CF07BB7-F000-A384-E26C-1BA39463EDBE}"/>
+                  </a:ext>
+                </a:extLst>
+              </p:cNvPr>
+              <p:cNvCxnSpPr>
+                <a:cxnSpLocks/>
+              </p:cNvCxnSpPr>
+              <p:nvPr/>
+            </p:nvCxnSpPr>
+            <p:spPr>
+              <a:xfrm>
+                <a:off x="4239887" y="3982122"/>
+                <a:ext cx="495300" cy="0"/>
+              </a:xfrm>
+              <a:prstGeom prst="straightConnector1">
+                <a:avLst/>
+              </a:prstGeom>
+              <a:solidFill>
+                <a:schemeClr val="bg1"/>
+              </a:solidFill>
+              <a:ln w="28575" cap="rnd">
+                <a:solidFill>
+                  <a:schemeClr val="accent2"/>
+                </a:solidFill>
+                <a:round/>
+                <a:headEnd w="sm" len="sm"/>
+                <a:tailEnd type="none" w="med" len="sm"/>
+              </a:ln>
+            </p:spPr>
+            <p:style>
+              <a:lnRef idx="1">
+                <a:schemeClr val="accent1"/>
+              </a:lnRef>
+              <a:fillRef idx="0">
+                <a:schemeClr val="accent1"/>
+              </a:fillRef>
+              <a:effectRef idx="0">
+                <a:schemeClr val="accent1"/>
+              </a:effectRef>
+              <a:fontRef idx="minor">
+                <a:schemeClr val="tx1"/>
+              </a:fontRef>
+            </p:style>
+          </p:cxnSp>
+          <p:sp>
+            <p:nvSpPr>
+              <p:cNvPr id="14" name="任意多边形 19">
+                <a:extLst>
+                  <a:ext uri="{FF2B5EF4-FFF2-40B4-BE49-F238E27FC236}">
+                    <a16:creationId xmlns:a16="http://schemas.microsoft.com/office/drawing/2014/main" id="{B52732E4-F9FA-53BF-62B0-6379DC8E2974}"/>
+                  </a:ext>
+                </a:extLst>
+              </p:cNvPr>
+              <p:cNvSpPr/>
+              <p:nvPr/>
+            </p:nvSpPr>
+            <p:spPr>
+              <a:xfrm>
+                <a:off x="4662243" y="3260773"/>
+                <a:ext cx="393700" cy="1380449"/>
+              </a:xfrm>
+              <a:custGeom>
+                <a:avLst/>
+                <a:gdLst>
+                  <a:gd name="connsiteX0" fmla="*/ 393700 w 393700"/>
+                  <a:gd name="connsiteY0" fmla="*/ 0 h 1828800"/>
+                  <a:gd name="connsiteX1" fmla="*/ 0 w 393700"/>
+                  <a:gd name="connsiteY1" fmla="*/ 0 h 1828800"/>
+                  <a:gd name="connsiteX2" fmla="*/ 0 w 393700"/>
+                  <a:gd name="connsiteY2" fmla="*/ 1828800 h 1828800"/>
+                  <a:gd name="connsiteX3" fmla="*/ 368300 w 393700"/>
+                  <a:gd name="connsiteY3" fmla="*/ 1828800 h 1828800"/>
+                </a:gdLst>
+                <a:ahLst/>
+                <a:cxnLst>
+                  <a:cxn ang="0">
+                    <a:pos x="connsiteX0" y="connsiteY0"/>
+                  </a:cxn>
+                  <a:cxn ang="0">
+                    <a:pos x="connsiteX1" y="connsiteY1"/>
+                  </a:cxn>
+                  <a:cxn ang="0">
+                    <a:pos x="connsiteX2" y="connsiteY2"/>
+                  </a:cxn>
+                  <a:cxn ang="0">
+                    <a:pos x="connsiteX3" y="connsiteY3"/>
+                  </a:cxn>
+                </a:cxnLst>
+                <a:rect l="l" t="t" r="r" b="b"/>
+                <a:pathLst>
+                  <a:path w="393700" h="1828800">
+                    <a:moveTo>
+                      <a:pt x="393700" y="0"/>
+                    </a:moveTo>
+                    <a:lnTo>
+                      <a:pt x="0" y="0"/>
+                    </a:lnTo>
+                    <a:lnTo>
+                      <a:pt x="0" y="1828800"/>
+                    </a:lnTo>
+                    <a:lnTo>
+                      <a:pt x="368300" y="1828800"/>
+                    </a:lnTo>
+                  </a:path>
+                </a:pathLst>
+              </a:custGeom>
+              <a:solidFill>
+                <a:schemeClr val="bg1"/>
+              </a:solidFill>
+              <a:ln w="28575" cap="rnd">
+                <a:solidFill>
+                  <a:schemeClr val="accent2"/>
+                </a:solidFill>
+                <a:round/>
+                <a:headEnd w="sm" len="sm"/>
+                <a:tailEnd type="none" w="med" len="sm"/>
+              </a:ln>
+            </p:spPr>
+            <p:style>
+              <a:lnRef idx="1">
+                <a:schemeClr val="accent1"/>
+              </a:lnRef>
+              <a:fillRef idx="0">
+                <a:schemeClr val="accent1"/>
+              </a:fillRef>
+              <a:effectRef idx="0">
+                <a:schemeClr val="accent1"/>
+              </a:effectRef>
+              <a:fontRef idx="minor">
+                <a:schemeClr val="tx1"/>
+              </a:fontRef>
+            </p:style>
+            <p:txBody>
+              <a:bodyPr rtlCol="0" anchor="ctr"/>
+              <a:lstStyle/>
+              <a:p>
+                <a:pPr algn="ctr"/>
+                <a:endParaRPr lang="zh-CN" altLang="en-US"/>
+              </a:p>
+            </p:txBody>
+          </p:sp>
+        </p:grpSp>
+        <p:cxnSp>
+          <p:nvCxnSpPr>
+            <p:cNvPr id="7" name="直接箭头连接符 6">
+              <a:extLst>
+                <a:ext uri="{FF2B5EF4-FFF2-40B4-BE49-F238E27FC236}">
+                  <a16:creationId xmlns:a16="http://schemas.microsoft.com/office/drawing/2014/main" id="{1C957586-D955-CD6E-5B27-77ABD9A9DEE7}"/>
+                </a:ext>
+              </a:extLst>
+            </p:cNvPr>
+            <p:cNvCxnSpPr>
+              <a:cxnSpLocks/>
+            </p:cNvCxnSpPr>
+            <p:nvPr/>
+          </p:nvCxnSpPr>
+          <p:spPr>
+            <a:xfrm>
+              <a:off x="6218542" y="3675771"/>
+              <a:ext cx="928925" cy="0"/>
+            </a:xfrm>
+            <a:prstGeom prst="straightConnector1">
+              <a:avLst/>
+            </a:prstGeom>
+            <a:solidFill>
+              <a:schemeClr val="bg1"/>
+            </a:solidFill>
+            <a:ln w="28575" cap="rnd">
+              <a:solidFill>
+                <a:schemeClr val="accent2"/>
+              </a:solidFill>
+              <a:round/>
+              <a:headEnd w="sm" len="sm"/>
+              <a:tailEnd type="none" w="med" len="sm"/>
+            </a:ln>
+          </p:spPr>
+          <p:style>
+            <a:lnRef idx="1">
+              <a:schemeClr val="accent1"/>
+            </a:lnRef>
+            <a:fillRef idx="0">
+              <a:schemeClr val="accent1"/>
+            </a:fillRef>
+            <a:effectRef idx="0">
+              <a:schemeClr val="accent1"/>
+            </a:effectRef>
+            <a:fontRef idx="minor">
+              <a:schemeClr val="tx1"/>
+            </a:fontRef>
+          </p:style>
+        </p:cxnSp>
+        <p:cxnSp>
+          <p:nvCxnSpPr>
+            <p:cNvPr id="8" name="直接箭头连接符 7">
+              <a:extLst>
+                <a:ext uri="{FF2B5EF4-FFF2-40B4-BE49-F238E27FC236}">
+                  <a16:creationId xmlns:a16="http://schemas.microsoft.com/office/drawing/2014/main" id="{DFFF75B1-3FA0-DDA7-0650-1D6859D430B3}"/>
+                </a:ext>
+              </a:extLst>
+            </p:cNvPr>
+            <p:cNvCxnSpPr>
+              <a:cxnSpLocks/>
+            </p:cNvCxnSpPr>
+            <p:nvPr/>
+          </p:nvCxnSpPr>
+          <p:spPr>
+            <a:xfrm>
+              <a:off x="4858632" y="3675771"/>
+              <a:ext cx="928925" cy="0"/>
+            </a:xfrm>
+            <a:prstGeom prst="straightConnector1">
+              <a:avLst/>
+            </a:prstGeom>
+            <a:ln w="28575" cap="rnd">
+              <a:gradFill>
+                <a:gsLst>
+                  <a:gs pos="100000">
+                    <a:schemeClr val="tx1">
+                      <a:lumMod val="50000"/>
+                      <a:lumOff val="50000"/>
+                      <a:alpha val="0"/>
+                    </a:schemeClr>
+                  </a:gs>
+                  <a:gs pos="20000">
+                    <a:schemeClr val="tx1">
+                      <a:lumMod val="50000"/>
+                      <a:lumOff val="50000"/>
+                      <a:alpha val="20000"/>
+                    </a:schemeClr>
+                  </a:gs>
+                </a:gsLst>
+                <a:lin ang="0" scaled="0"/>
+              </a:gradFill>
+              <a:round/>
+              <a:headEnd w="sm" len="sm"/>
+              <a:tailEnd type="none" w="med" len="sm"/>
+            </a:ln>
+          </p:spPr>
+          <p:style>
+            <a:lnRef idx="1">
+              <a:schemeClr val="accent1"/>
+            </a:lnRef>
+            <a:fillRef idx="0">
+              <a:schemeClr val="accent1"/>
+            </a:fillRef>
+            <a:effectRef idx="0">
+              <a:schemeClr val="accent1"/>
+            </a:effectRef>
+            <a:fontRef idx="minor">
+              <a:schemeClr val="tx1"/>
+            </a:fontRef>
+          </p:style>
+        </p:cxnSp>
+        <p:grpSp>
+          <p:nvGrpSpPr>
+            <p:cNvPr id="9" name="组合 8">
+              <a:extLst>
+                <a:ext uri="{FF2B5EF4-FFF2-40B4-BE49-F238E27FC236}">
+                  <a16:creationId xmlns:a16="http://schemas.microsoft.com/office/drawing/2014/main" id="{E5EE7774-CDE3-698B-1396-F6C93CF1CC86}"/>
+                </a:ext>
+              </a:extLst>
+            </p:cNvPr>
+            <p:cNvGrpSpPr/>
+            <p:nvPr/>
+          </p:nvGrpSpPr>
+          <p:grpSpPr>
+            <a:xfrm>
+              <a:off x="8400328" y="4493056"/>
+              <a:ext cx="816056" cy="869934"/>
+              <a:chOff x="4239887" y="3260773"/>
+              <a:chExt cx="816056" cy="1380449"/>
+            </a:xfrm>
+          </p:grpSpPr>
+          <p:cxnSp>
+            <p:nvCxnSpPr>
+              <p:cNvPr id="11" name="直接箭头连接符 10">
+                <a:extLst>
+                  <a:ext uri="{FF2B5EF4-FFF2-40B4-BE49-F238E27FC236}">
+                    <a16:creationId xmlns:a16="http://schemas.microsoft.com/office/drawing/2014/main" id="{8181535C-8ED6-6C9D-F354-4A37BE4822E7}"/>
+                  </a:ext>
+                </a:extLst>
+              </p:cNvPr>
+              <p:cNvCxnSpPr>
+                <a:cxnSpLocks/>
+              </p:cNvCxnSpPr>
+              <p:nvPr/>
+            </p:nvCxnSpPr>
+            <p:spPr>
+              <a:xfrm>
+                <a:off x="4239887" y="3982122"/>
+                <a:ext cx="495300" cy="0"/>
+              </a:xfrm>
+              <a:prstGeom prst="straightConnector1">
+                <a:avLst/>
+              </a:prstGeom>
+              <a:solidFill>
+                <a:schemeClr val="bg1"/>
+              </a:solidFill>
+              <a:ln w="28575" cap="rnd">
+                <a:solidFill>
+                  <a:schemeClr val="accent2"/>
+                </a:solidFill>
+                <a:round/>
+                <a:headEnd w="sm" len="sm"/>
+                <a:tailEnd type="none" w="med" len="sm"/>
+              </a:ln>
+            </p:spPr>
+            <p:style>
+              <a:lnRef idx="1">
+                <a:schemeClr val="accent1"/>
+              </a:lnRef>
+              <a:fillRef idx="0">
+                <a:schemeClr val="accent1"/>
+              </a:fillRef>
+              <a:effectRef idx="0">
+                <a:schemeClr val="accent1"/>
+              </a:effectRef>
+              <a:fontRef idx="minor">
+                <a:schemeClr val="tx1"/>
+              </a:fontRef>
+            </p:style>
+          </p:cxnSp>
+          <p:sp>
+            <p:nvSpPr>
+              <p:cNvPr id="12" name="任意多边形 28">
+                <a:extLst>
+                  <a:ext uri="{FF2B5EF4-FFF2-40B4-BE49-F238E27FC236}">
+                    <a16:creationId xmlns:a16="http://schemas.microsoft.com/office/drawing/2014/main" id="{62764CDE-80B9-365A-2A51-CE71E894BF1C}"/>
+                  </a:ext>
+                </a:extLst>
+              </p:cNvPr>
+              <p:cNvSpPr/>
+              <p:nvPr/>
+            </p:nvSpPr>
+            <p:spPr>
+              <a:xfrm>
+                <a:off x="4662243" y="3260773"/>
+                <a:ext cx="393700" cy="1380449"/>
+              </a:xfrm>
+              <a:custGeom>
+                <a:avLst/>
+                <a:gdLst>
+                  <a:gd name="connsiteX0" fmla="*/ 393700 w 393700"/>
+                  <a:gd name="connsiteY0" fmla="*/ 0 h 1828800"/>
+                  <a:gd name="connsiteX1" fmla="*/ 0 w 393700"/>
+                  <a:gd name="connsiteY1" fmla="*/ 0 h 1828800"/>
+                  <a:gd name="connsiteX2" fmla="*/ 0 w 393700"/>
+                  <a:gd name="connsiteY2" fmla="*/ 1828800 h 1828800"/>
+                  <a:gd name="connsiteX3" fmla="*/ 368300 w 393700"/>
+                  <a:gd name="connsiteY3" fmla="*/ 1828800 h 1828800"/>
+                </a:gdLst>
+                <a:ahLst/>
+                <a:cxnLst>
+                  <a:cxn ang="0">
+                    <a:pos x="connsiteX0" y="connsiteY0"/>
+                  </a:cxn>
+                  <a:cxn ang="0">
+                    <a:pos x="connsiteX1" y="connsiteY1"/>
+                  </a:cxn>
+                  <a:cxn ang="0">
+                    <a:pos x="connsiteX2" y="connsiteY2"/>
+                  </a:cxn>
+                  <a:cxn ang="0">
+                    <a:pos x="connsiteX3" y="connsiteY3"/>
+                  </a:cxn>
+                </a:cxnLst>
+                <a:rect l="l" t="t" r="r" b="b"/>
+                <a:pathLst>
+                  <a:path w="393700" h="1828800">
+                    <a:moveTo>
+                      <a:pt x="393700" y="0"/>
+                    </a:moveTo>
+                    <a:lnTo>
+                      <a:pt x="0" y="0"/>
+                    </a:lnTo>
+                    <a:lnTo>
+                      <a:pt x="0" y="1828800"/>
+                    </a:lnTo>
+                    <a:lnTo>
+                      <a:pt x="368300" y="1828800"/>
+                    </a:lnTo>
+                  </a:path>
+                </a:pathLst>
+              </a:custGeom>
+              <a:solidFill>
+                <a:schemeClr val="bg1"/>
+              </a:solidFill>
+              <a:ln w="28575" cap="rnd">
+                <a:solidFill>
+                  <a:schemeClr val="accent2"/>
+                </a:solidFill>
+                <a:round/>
+                <a:headEnd w="sm" len="sm"/>
+                <a:tailEnd type="none" w="med" len="sm"/>
+              </a:ln>
+            </p:spPr>
+            <p:style>
+              <a:lnRef idx="1">
+                <a:schemeClr val="accent1"/>
+              </a:lnRef>
+              <a:fillRef idx="0">
+                <a:schemeClr val="accent1"/>
+              </a:fillRef>
+              <a:effectRef idx="0">
+                <a:schemeClr val="accent1"/>
+              </a:effectRef>
+              <a:fontRef idx="minor">
+                <a:schemeClr val="tx1"/>
+              </a:fontRef>
+            </p:style>
+            <p:txBody>
+              <a:bodyPr rtlCol="0" anchor="ctr"/>
+              <a:lstStyle/>
+              <a:p>
+                <a:pPr algn="ctr"/>
+                <a:endParaRPr lang="zh-CN" altLang="en-US"/>
+              </a:p>
+            </p:txBody>
+          </p:sp>
+        </p:grpSp>
+        <p:sp>
+          <p:nvSpPr>
+            <p:cNvPr id="10" name="任意多边形 32">
+              <a:extLst>
+                <a:ext uri="{FF2B5EF4-FFF2-40B4-BE49-F238E27FC236}">
+                  <a16:creationId xmlns:a16="http://schemas.microsoft.com/office/drawing/2014/main" id="{4B35BE93-C973-81AE-AD9E-E7D2D5E23D12}"/>
+                </a:ext>
+              </a:extLst>
+            </p:cNvPr>
+            <p:cNvSpPr/>
+            <p:nvPr/>
+          </p:nvSpPr>
+          <p:spPr>
+            <a:xfrm>
+              <a:off x="3093744" y="2630144"/>
+              <a:ext cx="2007145" cy="2004113"/>
+            </a:xfrm>
+            <a:custGeom>
+              <a:avLst/>
+              <a:gdLst>
+                <a:gd name="T0" fmla="*/ 6030 w 6827"/>
+                <a:gd name="T1" fmla="*/ 1707 h 6827"/>
+                <a:gd name="T2" fmla="*/ 4324 w 6827"/>
+                <a:gd name="T3" fmla="*/ 0 h 6827"/>
+                <a:gd name="T4" fmla="*/ 0 w 6827"/>
+                <a:gd name="T5" fmla="*/ 796 h 6827"/>
+                <a:gd name="T6" fmla="*/ 796 w 6827"/>
+                <a:gd name="T7" fmla="*/ 5120 h 6827"/>
+                <a:gd name="T8" fmla="*/ 2503 w 6827"/>
+                <a:gd name="T9" fmla="*/ 6827 h 6827"/>
+                <a:gd name="T10" fmla="*/ 6827 w 6827"/>
+                <a:gd name="T11" fmla="*/ 6030 h 6827"/>
+                <a:gd name="T12" fmla="*/ 6030 w 6827"/>
+                <a:gd name="T13" fmla="*/ 2389 h 6827"/>
+                <a:gd name="T14" fmla="*/ 6030 w 6827"/>
+                <a:gd name="T15" fmla="*/ 2162 h 6827"/>
+                <a:gd name="T16" fmla="*/ 4437 w 6827"/>
+                <a:gd name="T17" fmla="*/ 1584 h 6827"/>
+                <a:gd name="T18" fmla="*/ 4437 w 6827"/>
+                <a:gd name="T19" fmla="*/ 569 h 6827"/>
+                <a:gd name="T20" fmla="*/ 3982 w 6827"/>
+                <a:gd name="T21" fmla="*/ 796 h 6827"/>
+                <a:gd name="T22" fmla="*/ 2742 w 6827"/>
+                <a:gd name="T23" fmla="*/ 3263 h 6827"/>
+                <a:gd name="T24" fmla="*/ 2963 w 6827"/>
+                <a:gd name="T25" fmla="*/ 3152 h 6827"/>
+                <a:gd name="T26" fmla="*/ 3210 w 6827"/>
+                <a:gd name="T27" fmla="*/ 2869 h 6827"/>
+                <a:gd name="T28" fmla="*/ 3289 w 6827"/>
+                <a:gd name="T29" fmla="*/ 2630 h 6827"/>
+                <a:gd name="T30" fmla="*/ 4197 w 6827"/>
+                <a:gd name="T31" fmla="*/ 3538 h 6827"/>
+                <a:gd name="T32" fmla="*/ 3958 w 6827"/>
+                <a:gd name="T33" fmla="*/ 3617 h 6827"/>
+                <a:gd name="T34" fmla="*/ 3674 w 6827"/>
+                <a:gd name="T35" fmla="*/ 3864 h 6827"/>
+                <a:gd name="T36" fmla="*/ 3564 w 6827"/>
+                <a:gd name="T37" fmla="*/ 4084 h 6827"/>
+                <a:gd name="T38" fmla="*/ 2617 w 6827"/>
+                <a:gd name="T39" fmla="*/ 3291 h 6827"/>
+                <a:gd name="T40" fmla="*/ 2162 w 6827"/>
+                <a:gd name="T41" fmla="*/ 2503 h 6827"/>
+                <a:gd name="T42" fmla="*/ 4324 w 6827"/>
+                <a:gd name="T43" fmla="*/ 3982 h 6827"/>
+                <a:gd name="T44" fmla="*/ 4096 w 6827"/>
+                <a:gd name="T45" fmla="*/ 4437 h 6827"/>
+                <a:gd name="T46" fmla="*/ 1503 w 6827"/>
+                <a:gd name="T47" fmla="*/ 1162 h 6827"/>
+                <a:gd name="T48" fmla="*/ 1582 w 6827"/>
+                <a:gd name="T49" fmla="*/ 923 h 6827"/>
+                <a:gd name="T50" fmla="*/ 3564 w 6827"/>
+                <a:gd name="T51" fmla="*/ 1036 h 6827"/>
+                <a:gd name="T52" fmla="*/ 3674 w 6827"/>
+                <a:gd name="T53" fmla="*/ 1256 h 6827"/>
+                <a:gd name="T54" fmla="*/ 3958 w 6827"/>
+                <a:gd name="T55" fmla="*/ 1503 h 6827"/>
+                <a:gd name="T56" fmla="*/ 4197 w 6827"/>
+                <a:gd name="T57" fmla="*/ 1582 h 6827"/>
+                <a:gd name="T58" fmla="*/ 2503 w 6827"/>
+                <a:gd name="T59" fmla="*/ 1707 h 6827"/>
+                <a:gd name="T60" fmla="*/ 569 w 6827"/>
+                <a:gd name="T61" fmla="*/ 910 h 6827"/>
+                <a:gd name="T62" fmla="*/ 796 w 6827"/>
+                <a:gd name="T63" fmla="*/ 683 h 6827"/>
+                <a:gd name="T64" fmla="*/ 683 w 6827"/>
+                <a:gd name="T65" fmla="*/ 4324 h 6827"/>
+                <a:gd name="T66" fmla="*/ 910 w 6827"/>
+                <a:gd name="T67" fmla="*/ 4096 h 6827"/>
+                <a:gd name="T68" fmla="*/ 1162 w 6827"/>
+                <a:gd name="T69" fmla="*/ 3617 h 6827"/>
+                <a:gd name="T70" fmla="*/ 923 w 6827"/>
+                <a:gd name="T71" fmla="*/ 3538 h 6827"/>
+                <a:gd name="T72" fmla="*/ 1036 w 6827"/>
+                <a:gd name="T73" fmla="*/ 1556 h 6827"/>
+                <a:gd name="T74" fmla="*/ 1256 w 6827"/>
+                <a:gd name="T75" fmla="*/ 1446 h 6827"/>
+                <a:gd name="T76" fmla="*/ 2389 w 6827"/>
+                <a:gd name="T77" fmla="*/ 3290 h 6827"/>
+                <a:gd name="T78" fmla="*/ 1556 w 6827"/>
+                <a:gd name="T79" fmla="*/ 4084 h 6827"/>
+                <a:gd name="T80" fmla="*/ 1446 w 6827"/>
+                <a:gd name="T81" fmla="*/ 3864 h 6827"/>
+                <a:gd name="T82" fmla="*/ 1584 w 6827"/>
+                <a:gd name="T83" fmla="*/ 4437 h 6827"/>
+                <a:gd name="T84" fmla="*/ 1382 w 6827"/>
+                <a:gd name="T85" fmla="*/ 4862 h 6827"/>
+                <a:gd name="T86" fmla="*/ 2162 w 6827"/>
+                <a:gd name="T87" fmla="*/ 6030 h 6827"/>
+                <a:gd name="T88" fmla="*/ 5381 w 6827"/>
+                <a:gd name="T89" fmla="*/ 5571 h 6827"/>
+                <a:gd name="T90" fmla="*/ 5271 w 6827"/>
+                <a:gd name="T91" fmla="*/ 5791 h 6827"/>
+                <a:gd name="T92" fmla="*/ 3289 w 6827"/>
+                <a:gd name="T93" fmla="*/ 5904 h 6827"/>
+                <a:gd name="T94" fmla="*/ 3210 w 6827"/>
+                <a:gd name="T95" fmla="*/ 5665 h 6827"/>
+                <a:gd name="T96" fmla="*/ 2963 w 6827"/>
+                <a:gd name="T97" fmla="*/ 5381 h 6827"/>
+                <a:gd name="T98" fmla="*/ 2742 w 6827"/>
+                <a:gd name="T99" fmla="*/ 5271 h 6827"/>
+                <a:gd name="T100" fmla="*/ 3536 w 6827"/>
+                <a:gd name="T101" fmla="*/ 4437 h 6827"/>
+                <a:gd name="T102" fmla="*/ 5381 w 6827"/>
+                <a:gd name="T103" fmla="*/ 5571 h 6827"/>
+                <a:gd name="T104" fmla="*/ 4960 w 6827"/>
+                <a:gd name="T105" fmla="*/ 4800 h 6827"/>
+                <a:gd name="T106" fmla="*/ 5242 w 6827"/>
+                <a:gd name="T107" fmla="*/ 2617 h 6827"/>
+                <a:gd name="T108" fmla="*/ 5315 w 6827"/>
+                <a:gd name="T109" fmla="*/ 2850 h 6827"/>
+                <a:gd name="T110" fmla="*/ 5467 w 6827"/>
+                <a:gd name="T111" fmla="*/ 3066 h 6827"/>
+                <a:gd name="T112" fmla="*/ 5664 w 6827"/>
+                <a:gd name="T113" fmla="*/ 3210 h 6827"/>
+                <a:gd name="T114" fmla="*/ 5904 w 6827"/>
+                <a:gd name="T115" fmla="*/ 3289 h 6827"/>
+                <a:gd name="T116" fmla="*/ 5791 w 6827"/>
+                <a:gd name="T117" fmla="*/ 5271 h 6827"/>
+                <a:gd name="T118" fmla="*/ 6030 w 6827"/>
+                <a:gd name="T119" fmla="*/ 5916 h 6827"/>
+                <a:gd name="T120" fmla="*/ 6030 w 6827"/>
+                <a:gd name="T121" fmla="*/ 5689 h 6827"/>
+              </a:gdLst>
+              <a:ahLst/>
+              <a:cxnLst>
+                <a:cxn ang="0">
+                  <a:pos x="T0" y="T1"/>
+                </a:cxn>
+                <a:cxn ang="0">
+                  <a:pos x="T2" y="T3"/>
+                </a:cxn>
+                <a:cxn ang="0">
+                  <a:pos x="T4" y="T5"/>
+                </a:cxn>
+                <a:cxn ang="0">
+                  <a:pos x="T6" y="T7"/>
+                </a:cxn>
+                <a:cxn ang="0">
+                  <a:pos x="T8" y="T9"/>
+                </a:cxn>
+                <a:cxn ang="0">
+                  <a:pos x="T10" y="T11"/>
+                </a:cxn>
+                <a:cxn ang="0">
+                  <a:pos x="T12" y="T13"/>
+                </a:cxn>
+                <a:cxn ang="0">
+                  <a:pos x="T14" y="T15"/>
+                </a:cxn>
+                <a:cxn ang="0">
+                  <a:pos x="T16" y="T17"/>
+                </a:cxn>
+                <a:cxn ang="0">
+                  <a:pos x="T18" y="T19"/>
+                </a:cxn>
+                <a:cxn ang="0">
+                  <a:pos x="T20" y="T21"/>
+                </a:cxn>
+                <a:cxn ang="0">
+                  <a:pos x="T22" y="T23"/>
+                </a:cxn>
+                <a:cxn ang="0">
+                  <a:pos x="T24" y="T25"/>
+                </a:cxn>
+                <a:cxn ang="0">
+                  <a:pos x="T26" y="T27"/>
+                </a:cxn>
+                <a:cxn ang="0">
+                  <a:pos x="T28" y="T29"/>
+                </a:cxn>
+                <a:cxn ang="0">
+                  <a:pos x="T30" y="T31"/>
+                </a:cxn>
+                <a:cxn ang="0">
+                  <a:pos x="T32" y="T33"/>
+                </a:cxn>
+                <a:cxn ang="0">
+                  <a:pos x="T34" y="T35"/>
+                </a:cxn>
+                <a:cxn ang="0">
+                  <a:pos x="T36" y="T37"/>
+                </a:cxn>
+                <a:cxn ang="0">
+                  <a:pos x="T38" y="T39"/>
+                </a:cxn>
+                <a:cxn ang="0">
+                  <a:pos x="T40" y="T41"/>
+                </a:cxn>
+                <a:cxn ang="0">
+                  <a:pos x="T42" y="T43"/>
+                </a:cxn>
+                <a:cxn ang="0">
+                  <a:pos x="T44" y="T45"/>
+                </a:cxn>
+                <a:cxn ang="0">
+                  <a:pos x="T46" y="T47"/>
+                </a:cxn>
+                <a:cxn ang="0">
+                  <a:pos x="T48" y="T49"/>
+                </a:cxn>
+                <a:cxn ang="0">
+                  <a:pos x="T50" y="T51"/>
+                </a:cxn>
+                <a:cxn ang="0">
+                  <a:pos x="T52" y="T53"/>
+                </a:cxn>
+                <a:cxn ang="0">
+                  <a:pos x="T54" y="T55"/>
+                </a:cxn>
+                <a:cxn ang="0">
+                  <a:pos x="T56" y="T57"/>
+                </a:cxn>
+                <a:cxn ang="0">
+                  <a:pos x="T58" y="T59"/>
+                </a:cxn>
+                <a:cxn ang="0">
+                  <a:pos x="T60" y="T61"/>
+                </a:cxn>
+                <a:cxn ang="0">
+                  <a:pos x="T62" y="T63"/>
+                </a:cxn>
+                <a:cxn ang="0">
+                  <a:pos x="T64" y="T65"/>
+                </a:cxn>
+                <a:cxn ang="0">
+                  <a:pos x="T66" y="T67"/>
+                </a:cxn>
+                <a:cxn ang="0">
+                  <a:pos x="T68" y="T69"/>
+                </a:cxn>
+                <a:cxn ang="0">
+                  <a:pos x="T70" y="T71"/>
+                </a:cxn>
+                <a:cxn ang="0">
+                  <a:pos x="T72" y="T73"/>
+                </a:cxn>
+                <a:cxn ang="0">
+                  <a:pos x="T74" y="T75"/>
+                </a:cxn>
+                <a:cxn ang="0">
+                  <a:pos x="T76" y="T77"/>
+                </a:cxn>
+                <a:cxn ang="0">
+                  <a:pos x="T78" y="T79"/>
+                </a:cxn>
+                <a:cxn ang="0">
+                  <a:pos x="T80" y="T81"/>
+                </a:cxn>
+                <a:cxn ang="0">
+                  <a:pos x="T82" y="T83"/>
+                </a:cxn>
+                <a:cxn ang="0">
+                  <a:pos x="T84" y="T85"/>
+                </a:cxn>
+                <a:cxn ang="0">
+                  <a:pos x="T86" y="T87"/>
+                </a:cxn>
+                <a:cxn ang="0">
+                  <a:pos x="T88" y="T89"/>
+                </a:cxn>
+                <a:cxn ang="0">
+                  <a:pos x="T90" y="T91"/>
+                </a:cxn>
+                <a:cxn ang="0">
+                  <a:pos x="T92" y="T93"/>
+                </a:cxn>
+                <a:cxn ang="0">
+                  <a:pos x="T94" y="T95"/>
+                </a:cxn>
+                <a:cxn ang="0">
+                  <a:pos x="T96" y="T97"/>
+                </a:cxn>
+                <a:cxn ang="0">
+                  <a:pos x="T98" y="T99"/>
+                </a:cxn>
+                <a:cxn ang="0">
+                  <a:pos x="T100" y="T101"/>
+                </a:cxn>
+                <a:cxn ang="0">
+                  <a:pos x="T102" y="T103"/>
+                </a:cxn>
+                <a:cxn ang="0">
+                  <a:pos x="T104" y="T105"/>
+                </a:cxn>
+                <a:cxn ang="0">
+                  <a:pos x="T106" y="T107"/>
+                </a:cxn>
+                <a:cxn ang="0">
+                  <a:pos x="T108" y="T109"/>
+                </a:cxn>
+                <a:cxn ang="0">
+                  <a:pos x="T110" y="T111"/>
+                </a:cxn>
+                <a:cxn ang="0">
+                  <a:pos x="T112" y="T113"/>
+                </a:cxn>
+                <a:cxn ang="0">
+                  <a:pos x="T114" y="T115"/>
+                </a:cxn>
+                <a:cxn ang="0">
+                  <a:pos x="T116" y="T117"/>
+                </a:cxn>
+                <a:cxn ang="0">
+                  <a:pos x="T118" y="T119"/>
+                </a:cxn>
+                <a:cxn ang="0">
+                  <a:pos x="T120" y="T121"/>
+                </a:cxn>
+              </a:cxnLst>
+              <a:rect l="0" t="0" r="r" b="b"/>
+              <a:pathLst>
+                <a:path w="6827" h="6827">
+                  <a:moveTo>
+                    <a:pt x="6144" y="5243"/>
+                  </a:moveTo>
+                  <a:lnTo>
+                    <a:pt x="6144" y="3290"/>
+                  </a:lnTo>
+                  <a:cubicBezTo>
+                    <a:pt x="6529" y="3235"/>
+                    <a:pt x="6827" y="2903"/>
+                    <a:pt x="6827" y="2503"/>
+                  </a:cubicBezTo>
+                  <a:cubicBezTo>
+                    <a:pt x="6827" y="2064"/>
+                    <a:pt x="6469" y="1707"/>
+                    <a:pt x="6030" y="1707"/>
+                  </a:cubicBezTo>
+                  <a:cubicBezTo>
+                    <a:pt x="5881" y="1707"/>
+                    <a:pt x="5742" y="1749"/>
+                    <a:pt x="5622" y="1820"/>
+                  </a:cubicBezTo>
+                  <a:lnTo>
+                    <a:pt x="5006" y="1204"/>
+                  </a:lnTo>
+                  <a:cubicBezTo>
+                    <a:pt x="5078" y="1085"/>
+                    <a:pt x="5120" y="946"/>
+                    <a:pt x="5120" y="796"/>
+                  </a:cubicBezTo>
+                  <a:cubicBezTo>
+                    <a:pt x="5120" y="357"/>
+                    <a:pt x="4763" y="0"/>
+                    <a:pt x="4324" y="0"/>
+                  </a:cubicBezTo>
+                  <a:cubicBezTo>
+                    <a:pt x="3923" y="0"/>
+                    <a:pt x="3592" y="297"/>
+                    <a:pt x="3536" y="683"/>
+                  </a:cubicBezTo>
+                  <a:lnTo>
+                    <a:pt x="1584" y="683"/>
+                  </a:lnTo>
+                  <a:cubicBezTo>
+                    <a:pt x="1528" y="297"/>
+                    <a:pt x="1197" y="0"/>
+                    <a:pt x="796" y="0"/>
+                  </a:cubicBezTo>
+                  <a:cubicBezTo>
+                    <a:pt x="357" y="0"/>
+                    <a:pt x="0" y="357"/>
+                    <a:pt x="0" y="796"/>
+                  </a:cubicBezTo>
+                  <a:cubicBezTo>
+                    <a:pt x="0" y="1197"/>
+                    <a:pt x="297" y="1528"/>
+                    <a:pt x="683" y="1584"/>
+                  </a:cubicBezTo>
+                  <a:lnTo>
+                    <a:pt x="683" y="3536"/>
+                  </a:lnTo>
+                  <a:cubicBezTo>
+                    <a:pt x="297" y="3592"/>
+                    <a:pt x="0" y="3923"/>
+                    <a:pt x="0" y="4324"/>
+                  </a:cubicBezTo>
+                  <a:cubicBezTo>
+                    <a:pt x="0" y="4763"/>
+                    <a:pt x="357" y="5120"/>
+                    <a:pt x="796" y="5120"/>
+                  </a:cubicBezTo>
+                  <a:cubicBezTo>
+                    <a:pt x="946" y="5120"/>
+                    <a:pt x="1085" y="5078"/>
+                    <a:pt x="1204" y="5006"/>
+                  </a:cubicBezTo>
+                  <a:lnTo>
+                    <a:pt x="1820" y="5622"/>
+                  </a:lnTo>
+                  <a:cubicBezTo>
+                    <a:pt x="1749" y="5742"/>
+                    <a:pt x="1707" y="5881"/>
+                    <a:pt x="1707" y="6030"/>
+                  </a:cubicBezTo>
+                  <a:cubicBezTo>
+                    <a:pt x="1707" y="6469"/>
+                    <a:pt x="2064" y="6827"/>
+                    <a:pt x="2503" y="6827"/>
+                  </a:cubicBezTo>
+                  <a:cubicBezTo>
+                    <a:pt x="2903" y="6827"/>
+                    <a:pt x="3235" y="6529"/>
+                    <a:pt x="3290" y="6144"/>
+                  </a:cubicBezTo>
+                  <a:lnTo>
+                    <a:pt x="5243" y="6144"/>
+                  </a:lnTo>
+                  <a:cubicBezTo>
+                    <a:pt x="5298" y="6529"/>
+                    <a:pt x="5630" y="6827"/>
+                    <a:pt x="6030" y="6827"/>
+                  </a:cubicBezTo>
+                  <a:cubicBezTo>
+                    <a:pt x="6469" y="6827"/>
+                    <a:pt x="6827" y="6469"/>
+                    <a:pt x="6827" y="6030"/>
+                  </a:cubicBezTo>
+                  <a:cubicBezTo>
+                    <a:pt x="6827" y="5630"/>
+                    <a:pt x="6529" y="5298"/>
+                    <a:pt x="6144" y="5243"/>
+                  </a:cubicBezTo>
+                  <a:close/>
+                  <a:moveTo>
+                    <a:pt x="6030" y="2162"/>
+                  </a:moveTo>
+                  <a:cubicBezTo>
+                    <a:pt x="6093" y="2162"/>
+                    <a:pt x="6144" y="2213"/>
+                    <a:pt x="6144" y="2276"/>
+                  </a:cubicBezTo>
+                  <a:cubicBezTo>
+                    <a:pt x="6144" y="2338"/>
+                    <a:pt x="6093" y="2389"/>
+                    <a:pt x="6030" y="2389"/>
+                  </a:cubicBezTo>
+                  <a:cubicBezTo>
+                    <a:pt x="5967" y="2389"/>
+                    <a:pt x="5916" y="2440"/>
+                    <a:pt x="5916" y="2503"/>
+                  </a:cubicBezTo>
+                  <a:cubicBezTo>
+                    <a:pt x="5916" y="2566"/>
+                    <a:pt x="5866" y="2617"/>
+                    <a:pt x="5803" y="2617"/>
+                  </a:cubicBezTo>
+                  <a:cubicBezTo>
+                    <a:pt x="5740" y="2617"/>
+                    <a:pt x="5689" y="2566"/>
+                    <a:pt x="5689" y="2503"/>
+                  </a:cubicBezTo>
+                  <a:cubicBezTo>
+                    <a:pt x="5689" y="2315"/>
+                    <a:pt x="5842" y="2162"/>
+                    <a:pt x="6030" y="2162"/>
+                  </a:cubicBezTo>
+                  <a:close/>
+                  <a:moveTo>
+                    <a:pt x="5445" y="1965"/>
+                  </a:moveTo>
+                  <a:cubicBezTo>
+                    <a:pt x="5339" y="2080"/>
+                    <a:pt x="5266" y="2227"/>
+                    <a:pt x="5243" y="2389"/>
+                  </a:cubicBezTo>
+                  <a:lnTo>
+                    <a:pt x="4437" y="2389"/>
+                  </a:lnTo>
+                  <a:lnTo>
+                    <a:pt x="4437" y="1584"/>
+                  </a:lnTo>
+                  <a:cubicBezTo>
+                    <a:pt x="4600" y="1560"/>
+                    <a:pt x="4746" y="1488"/>
+                    <a:pt x="4862" y="1382"/>
+                  </a:cubicBezTo>
+                  <a:lnTo>
+                    <a:pt x="5445" y="1965"/>
+                  </a:lnTo>
+                  <a:close/>
+                  <a:moveTo>
+                    <a:pt x="4324" y="455"/>
+                  </a:moveTo>
+                  <a:cubicBezTo>
+                    <a:pt x="4386" y="455"/>
+                    <a:pt x="4437" y="506"/>
+                    <a:pt x="4437" y="569"/>
+                  </a:cubicBezTo>
+                  <a:cubicBezTo>
+                    <a:pt x="4437" y="632"/>
+                    <a:pt x="4386" y="683"/>
+                    <a:pt x="4324" y="683"/>
+                  </a:cubicBezTo>
+                  <a:cubicBezTo>
+                    <a:pt x="4261" y="683"/>
+                    <a:pt x="4210" y="734"/>
+                    <a:pt x="4210" y="796"/>
+                  </a:cubicBezTo>
+                  <a:cubicBezTo>
+                    <a:pt x="4210" y="859"/>
+                    <a:pt x="4159" y="910"/>
+                    <a:pt x="4096" y="910"/>
+                  </a:cubicBezTo>
+                  <a:cubicBezTo>
+                    <a:pt x="4033" y="910"/>
+                    <a:pt x="3982" y="859"/>
+                    <a:pt x="3982" y="796"/>
+                  </a:cubicBezTo>
+                  <a:cubicBezTo>
+                    <a:pt x="3982" y="608"/>
+                    <a:pt x="4135" y="455"/>
+                    <a:pt x="4324" y="455"/>
+                  </a:cubicBezTo>
+                  <a:close/>
+                  <a:moveTo>
+                    <a:pt x="2617" y="3291"/>
+                  </a:moveTo>
+                  <a:cubicBezTo>
+                    <a:pt x="2621" y="3291"/>
+                    <a:pt x="2625" y="3289"/>
+                    <a:pt x="2630" y="3289"/>
+                  </a:cubicBezTo>
+                  <a:cubicBezTo>
+                    <a:pt x="2668" y="3282"/>
+                    <a:pt x="2706" y="3274"/>
+                    <a:pt x="2742" y="3263"/>
+                  </a:cubicBezTo>
+                  <a:cubicBezTo>
+                    <a:pt x="2744" y="3262"/>
+                    <a:pt x="2746" y="3261"/>
+                    <a:pt x="2749" y="3260"/>
+                  </a:cubicBezTo>
+                  <a:cubicBezTo>
+                    <a:pt x="2784" y="3249"/>
+                    <a:pt x="2818" y="3235"/>
+                    <a:pt x="2851" y="3219"/>
+                  </a:cubicBezTo>
+                  <a:cubicBezTo>
+                    <a:pt x="2857" y="3216"/>
+                    <a:pt x="2863" y="3213"/>
+                    <a:pt x="2869" y="3210"/>
+                  </a:cubicBezTo>
+                  <a:cubicBezTo>
+                    <a:pt x="2901" y="3193"/>
+                    <a:pt x="2933" y="3174"/>
+                    <a:pt x="2963" y="3152"/>
+                  </a:cubicBezTo>
+                  <a:cubicBezTo>
+                    <a:pt x="2969" y="3148"/>
+                    <a:pt x="2974" y="3144"/>
+                    <a:pt x="2980" y="3140"/>
+                  </a:cubicBezTo>
+                  <a:cubicBezTo>
+                    <a:pt x="3040" y="3094"/>
+                    <a:pt x="3094" y="3040"/>
+                    <a:pt x="3140" y="2980"/>
+                  </a:cubicBezTo>
+                  <a:cubicBezTo>
+                    <a:pt x="3144" y="2974"/>
+                    <a:pt x="3148" y="2969"/>
+                    <a:pt x="3152" y="2963"/>
+                  </a:cubicBezTo>
+                  <a:cubicBezTo>
+                    <a:pt x="3174" y="2933"/>
+                    <a:pt x="3193" y="2901"/>
+                    <a:pt x="3210" y="2869"/>
+                  </a:cubicBezTo>
+                  <a:cubicBezTo>
+                    <a:pt x="3213" y="2863"/>
+                    <a:pt x="3216" y="2857"/>
+                    <a:pt x="3219" y="2851"/>
+                  </a:cubicBezTo>
+                  <a:cubicBezTo>
+                    <a:pt x="3235" y="2818"/>
+                    <a:pt x="3249" y="2784"/>
+                    <a:pt x="3260" y="2749"/>
+                  </a:cubicBezTo>
+                  <a:cubicBezTo>
+                    <a:pt x="3261" y="2746"/>
+                    <a:pt x="3262" y="2744"/>
+                    <a:pt x="3263" y="2742"/>
+                  </a:cubicBezTo>
+                  <a:cubicBezTo>
+                    <a:pt x="3274" y="2706"/>
+                    <a:pt x="3282" y="2668"/>
+                    <a:pt x="3289" y="2630"/>
+                  </a:cubicBezTo>
+                  <a:cubicBezTo>
+                    <a:pt x="3289" y="2625"/>
+                    <a:pt x="3291" y="2621"/>
+                    <a:pt x="3291" y="2617"/>
+                  </a:cubicBezTo>
+                  <a:lnTo>
+                    <a:pt x="4210" y="2617"/>
+                  </a:lnTo>
+                  <a:lnTo>
+                    <a:pt x="4210" y="3535"/>
+                  </a:lnTo>
+                  <a:cubicBezTo>
+                    <a:pt x="4205" y="3536"/>
+                    <a:pt x="4201" y="3537"/>
+                    <a:pt x="4197" y="3538"/>
+                  </a:cubicBezTo>
+                  <a:cubicBezTo>
+                    <a:pt x="4158" y="3544"/>
+                    <a:pt x="4121" y="3552"/>
+                    <a:pt x="4084" y="3564"/>
+                  </a:cubicBezTo>
+                  <a:cubicBezTo>
+                    <a:pt x="4082" y="3565"/>
+                    <a:pt x="4080" y="3566"/>
+                    <a:pt x="4078" y="3566"/>
+                  </a:cubicBezTo>
+                  <a:cubicBezTo>
+                    <a:pt x="4043" y="3578"/>
+                    <a:pt x="4009" y="3592"/>
+                    <a:pt x="3976" y="3608"/>
+                  </a:cubicBezTo>
+                  <a:cubicBezTo>
+                    <a:pt x="3970" y="3611"/>
+                    <a:pt x="3964" y="3614"/>
+                    <a:pt x="3958" y="3617"/>
+                  </a:cubicBezTo>
+                  <a:cubicBezTo>
+                    <a:pt x="3925" y="3634"/>
+                    <a:pt x="3894" y="3653"/>
+                    <a:pt x="3864" y="3674"/>
+                  </a:cubicBezTo>
+                  <a:cubicBezTo>
+                    <a:pt x="3858" y="3678"/>
+                    <a:pt x="3853" y="3683"/>
+                    <a:pt x="3847" y="3687"/>
+                  </a:cubicBezTo>
+                  <a:cubicBezTo>
+                    <a:pt x="3786" y="3732"/>
+                    <a:pt x="3732" y="3786"/>
+                    <a:pt x="3687" y="3847"/>
+                  </a:cubicBezTo>
+                  <a:cubicBezTo>
+                    <a:pt x="3683" y="3853"/>
+                    <a:pt x="3678" y="3858"/>
+                    <a:pt x="3674" y="3864"/>
+                  </a:cubicBezTo>
+                  <a:cubicBezTo>
+                    <a:pt x="3653" y="3894"/>
+                    <a:pt x="3634" y="3925"/>
+                    <a:pt x="3617" y="3958"/>
+                  </a:cubicBezTo>
+                  <a:cubicBezTo>
+                    <a:pt x="3614" y="3964"/>
+                    <a:pt x="3611" y="3970"/>
+                    <a:pt x="3608" y="3976"/>
+                  </a:cubicBezTo>
+                  <a:cubicBezTo>
+                    <a:pt x="3592" y="4009"/>
+                    <a:pt x="3578" y="4043"/>
+                    <a:pt x="3566" y="4078"/>
+                  </a:cubicBezTo>
+                  <a:cubicBezTo>
+                    <a:pt x="3566" y="4080"/>
+                    <a:pt x="3565" y="4082"/>
+                    <a:pt x="3564" y="4084"/>
+                  </a:cubicBezTo>
+                  <a:cubicBezTo>
+                    <a:pt x="3552" y="4121"/>
+                    <a:pt x="3544" y="4158"/>
+                    <a:pt x="3538" y="4197"/>
+                  </a:cubicBezTo>
+                  <a:cubicBezTo>
+                    <a:pt x="3537" y="4201"/>
+                    <a:pt x="3536" y="4205"/>
+                    <a:pt x="3535" y="4210"/>
+                  </a:cubicBezTo>
+                  <a:lnTo>
+                    <a:pt x="2617" y="4210"/>
+                  </a:lnTo>
+                  <a:lnTo>
+                    <a:pt x="2617" y="3291"/>
+                  </a:lnTo>
+                  <a:close/>
+                  <a:moveTo>
+                    <a:pt x="2503" y="2389"/>
+                  </a:moveTo>
+                  <a:cubicBezTo>
+                    <a:pt x="2440" y="2389"/>
+                    <a:pt x="2389" y="2440"/>
+                    <a:pt x="2389" y="2503"/>
+                  </a:cubicBezTo>
+                  <a:cubicBezTo>
+                    <a:pt x="2389" y="2566"/>
+                    <a:pt x="2338" y="2617"/>
+                    <a:pt x="2276" y="2617"/>
+                  </a:cubicBezTo>
+                  <a:cubicBezTo>
+                    <a:pt x="2213" y="2617"/>
+                    <a:pt x="2162" y="2566"/>
+                    <a:pt x="2162" y="2503"/>
+                  </a:cubicBezTo>
+                  <a:cubicBezTo>
+                    <a:pt x="2162" y="2315"/>
+                    <a:pt x="2315" y="2162"/>
+                    <a:pt x="2503" y="2162"/>
+                  </a:cubicBezTo>
+                  <a:cubicBezTo>
+                    <a:pt x="2566" y="2162"/>
+                    <a:pt x="2617" y="2213"/>
+                    <a:pt x="2617" y="2276"/>
+                  </a:cubicBezTo>
+                  <a:cubicBezTo>
+                    <a:pt x="2617" y="2338"/>
+                    <a:pt x="2566" y="2389"/>
+                    <a:pt x="2503" y="2389"/>
+                  </a:cubicBezTo>
+                  <a:close/>
+                  <a:moveTo>
+                    <a:pt x="4324" y="3982"/>
+                  </a:moveTo>
+                  <a:cubicBezTo>
+                    <a:pt x="4386" y="3982"/>
+                    <a:pt x="4437" y="4033"/>
+                    <a:pt x="4437" y="4096"/>
+                  </a:cubicBezTo>
+                  <a:cubicBezTo>
+                    <a:pt x="4437" y="4159"/>
+                    <a:pt x="4386" y="4210"/>
+                    <a:pt x="4324" y="4210"/>
+                  </a:cubicBezTo>
+                  <a:cubicBezTo>
+                    <a:pt x="4261" y="4210"/>
+                    <a:pt x="4210" y="4261"/>
+                    <a:pt x="4210" y="4324"/>
+                  </a:cubicBezTo>
+                  <a:cubicBezTo>
+                    <a:pt x="4210" y="4386"/>
+                    <a:pt x="4159" y="4437"/>
+                    <a:pt x="4096" y="4437"/>
+                  </a:cubicBezTo>
+                  <a:cubicBezTo>
+                    <a:pt x="4033" y="4437"/>
+                    <a:pt x="3982" y="4386"/>
+                    <a:pt x="3982" y="4324"/>
+                  </a:cubicBezTo>
+                  <a:cubicBezTo>
+                    <a:pt x="3982" y="4135"/>
+                    <a:pt x="4135" y="3982"/>
+                    <a:pt x="4324" y="3982"/>
+                  </a:cubicBezTo>
+                  <a:close/>
+                  <a:moveTo>
+                    <a:pt x="1446" y="1256"/>
+                  </a:moveTo>
+                  <a:cubicBezTo>
+                    <a:pt x="1467" y="1226"/>
+                    <a:pt x="1486" y="1195"/>
+                    <a:pt x="1503" y="1162"/>
+                  </a:cubicBezTo>
+                  <a:cubicBezTo>
+                    <a:pt x="1506" y="1156"/>
+                    <a:pt x="1509" y="1150"/>
+                    <a:pt x="1512" y="1144"/>
+                  </a:cubicBezTo>
+                  <a:cubicBezTo>
+                    <a:pt x="1528" y="1111"/>
+                    <a:pt x="1542" y="1077"/>
+                    <a:pt x="1554" y="1042"/>
+                  </a:cubicBezTo>
+                  <a:cubicBezTo>
+                    <a:pt x="1554" y="1040"/>
+                    <a:pt x="1555" y="1038"/>
+                    <a:pt x="1556" y="1036"/>
+                  </a:cubicBezTo>
+                  <a:cubicBezTo>
+                    <a:pt x="1568" y="999"/>
+                    <a:pt x="1576" y="962"/>
+                    <a:pt x="1582" y="923"/>
+                  </a:cubicBezTo>
+                  <a:cubicBezTo>
+                    <a:pt x="1583" y="919"/>
+                    <a:pt x="1584" y="915"/>
+                    <a:pt x="1585" y="910"/>
+                  </a:cubicBezTo>
+                  <a:lnTo>
+                    <a:pt x="3535" y="910"/>
+                  </a:lnTo>
+                  <a:cubicBezTo>
+                    <a:pt x="3536" y="915"/>
+                    <a:pt x="3537" y="919"/>
+                    <a:pt x="3538" y="923"/>
+                  </a:cubicBezTo>
+                  <a:cubicBezTo>
+                    <a:pt x="3544" y="962"/>
+                    <a:pt x="3552" y="999"/>
+                    <a:pt x="3564" y="1036"/>
+                  </a:cubicBezTo>
+                  <a:cubicBezTo>
+                    <a:pt x="3565" y="1038"/>
+                    <a:pt x="3566" y="1040"/>
+                    <a:pt x="3566" y="1042"/>
+                  </a:cubicBezTo>
+                  <a:cubicBezTo>
+                    <a:pt x="3578" y="1077"/>
+                    <a:pt x="3592" y="1111"/>
+                    <a:pt x="3608" y="1144"/>
+                  </a:cubicBezTo>
+                  <a:cubicBezTo>
+                    <a:pt x="3611" y="1150"/>
+                    <a:pt x="3614" y="1156"/>
+                    <a:pt x="3617" y="1162"/>
+                  </a:cubicBezTo>
+                  <a:cubicBezTo>
+                    <a:pt x="3634" y="1195"/>
+                    <a:pt x="3653" y="1226"/>
+                    <a:pt x="3674" y="1256"/>
+                  </a:cubicBezTo>
+                  <a:cubicBezTo>
+                    <a:pt x="3678" y="1262"/>
+                    <a:pt x="3683" y="1267"/>
+                    <a:pt x="3687" y="1273"/>
+                  </a:cubicBezTo>
+                  <a:cubicBezTo>
+                    <a:pt x="3732" y="1334"/>
+                    <a:pt x="3786" y="1388"/>
+                    <a:pt x="3847" y="1433"/>
+                  </a:cubicBezTo>
+                  <a:cubicBezTo>
+                    <a:pt x="3853" y="1437"/>
+                    <a:pt x="3858" y="1442"/>
+                    <a:pt x="3864" y="1446"/>
+                  </a:cubicBezTo>
+                  <a:cubicBezTo>
+                    <a:pt x="3894" y="1467"/>
+                    <a:pt x="3925" y="1486"/>
+                    <a:pt x="3958" y="1503"/>
+                  </a:cubicBezTo>
+                  <a:cubicBezTo>
+                    <a:pt x="3964" y="1506"/>
+                    <a:pt x="3970" y="1509"/>
+                    <a:pt x="3976" y="1512"/>
+                  </a:cubicBezTo>
+                  <a:cubicBezTo>
+                    <a:pt x="4009" y="1528"/>
+                    <a:pt x="4043" y="1542"/>
+                    <a:pt x="4078" y="1554"/>
+                  </a:cubicBezTo>
+                  <a:cubicBezTo>
+                    <a:pt x="4080" y="1554"/>
+                    <a:pt x="4082" y="1555"/>
+                    <a:pt x="4084" y="1556"/>
+                  </a:cubicBezTo>
+                  <a:cubicBezTo>
+                    <a:pt x="4121" y="1568"/>
+                    <a:pt x="4158" y="1576"/>
+                    <a:pt x="4197" y="1582"/>
+                  </a:cubicBezTo>
+                  <a:cubicBezTo>
+                    <a:pt x="4201" y="1583"/>
+                    <a:pt x="4205" y="1584"/>
+                    <a:pt x="4210" y="1585"/>
+                  </a:cubicBezTo>
+                  <a:lnTo>
+                    <a:pt x="4210" y="2389"/>
+                  </a:lnTo>
+                  <a:lnTo>
+                    <a:pt x="3290" y="2389"/>
+                  </a:lnTo>
+                  <a:cubicBezTo>
+                    <a:pt x="3235" y="2004"/>
+                    <a:pt x="2904" y="1707"/>
+                    <a:pt x="2503" y="1707"/>
+                  </a:cubicBezTo>
+                  <a:cubicBezTo>
+                    <a:pt x="2324" y="1707"/>
+                    <a:pt x="2160" y="1767"/>
+                    <a:pt x="2027" y="1866"/>
+                  </a:cubicBezTo>
+                  <a:lnTo>
+                    <a:pt x="1434" y="1273"/>
+                  </a:lnTo>
+                  <a:cubicBezTo>
+                    <a:pt x="1438" y="1267"/>
+                    <a:pt x="1442" y="1262"/>
+                    <a:pt x="1446" y="1256"/>
+                  </a:cubicBezTo>
+                  <a:close/>
+                  <a:moveTo>
+                    <a:pt x="569" y="910"/>
+                  </a:moveTo>
+                  <a:cubicBezTo>
+                    <a:pt x="506" y="910"/>
+                    <a:pt x="455" y="859"/>
+                    <a:pt x="455" y="796"/>
+                  </a:cubicBezTo>
+                  <a:cubicBezTo>
+                    <a:pt x="455" y="608"/>
+                    <a:pt x="608" y="455"/>
+                    <a:pt x="796" y="455"/>
+                  </a:cubicBezTo>
+                  <a:cubicBezTo>
+                    <a:pt x="859" y="455"/>
+                    <a:pt x="910" y="506"/>
+                    <a:pt x="910" y="569"/>
+                  </a:cubicBezTo>
+                  <a:cubicBezTo>
+                    <a:pt x="910" y="632"/>
+                    <a:pt x="859" y="683"/>
+                    <a:pt x="796" y="683"/>
+                  </a:cubicBezTo>
+                  <a:cubicBezTo>
+                    <a:pt x="734" y="683"/>
+                    <a:pt x="683" y="734"/>
+                    <a:pt x="683" y="796"/>
+                  </a:cubicBezTo>
+                  <a:cubicBezTo>
+                    <a:pt x="683" y="859"/>
+                    <a:pt x="632" y="910"/>
+                    <a:pt x="569" y="910"/>
+                  </a:cubicBezTo>
+                  <a:close/>
+                  <a:moveTo>
+                    <a:pt x="796" y="4210"/>
+                  </a:moveTo>
+                  <a:cubicBezTo>
+                    <a:pt x="734" y="4210"/>
+                    <a:pt x="683" y="4261"/>
+                    <a:pt x="683" y="4324"/>
+                  </a:cubicBezTo>
+                  <a:cubicBezTo>
+                    <a:pt x="683" y="4386"/>
+                    <a:pt x="632" y="4437"/>
+                    <a:pt x="569" y="4437"/>
+                  </a:cubicBezTo>
+                  <a:cubicBezTo>
+                    <a:pt x="506" y="4437"/>
+                    <a:pt x="455" y="4386"/>
+                    <a:pt x="455" y="4324"/>
+                  </a:cubicBezTo>
+                  <a:cubicBezTo>
+                    <a:pt x="455" y="4135"/>
+                    <a:pt x="608" y="3982"/>
+                    <a:pt x="796" y="3982"/>
+                  </a:cubicBezTo>
+                  <a:cubicBezTo>
+                    <a:pt x="859" y="3982"/>
+                    <a:pt x="910" y="4033"/>
+                    <a:pt x="910" y="4096"/>
+                  </a:cubicBezTo>
+                  <a:cubicBezTo>
+                    <a:pt x="910" y="4159"/>
+                    <a:pt x="859" y="4210"/>
+                    <a:pt x="796" y="4210"/>
+                  </a:cubicBezTo>
+                  <a:close/>
+                  <a:moveTo>
+                    <a:pt x="1273" y="3687"/>
+                  </a:moveTo>
+                  <a:cubicBezTo>
+                    <a:pt x="1267" y="3683"/>
+                    <a:pt x="1262" y="3678"/>
+                    <a:pt x="1256" y="3674"/>
+                  </a:cubicBezTo>
+                  <a:cubicBezTo>
+                    <a:pt x="1226" y="3653"/>
+                    <a:pt x="1195" y="3634"/>
+                    <a:pt x="1162" y="3617"/>
+                  </a:cubicBezTo>
+                  <a:cubicBezTo>
+                    <a:pt x="1156" y="3614"/>
+                    <a:pt x="1150" y="3611"/>
+                    <a:pt x="1144" y="3608"/>
+                  </a:cubicBezTo>
+                  <a:cubicBezTo>
+                    <a:pt x="1111" y="3592"/>
+                    <a:pt x="1077" y="3578"/>
+                    <a:pt x="1042" y="3566"/>
+                  </a:cubicBezTo>
+                  <a:cubicBezTo>
+                    <a:pt x="1040" y="3566"/>
+                    <a:pt x="1038" y="3565"/>
+                    <a:pt x="1036" y="3564"/>
+                  </a:cubicBezTo>
+                  <a:cubicBezTo>
+                    <a:pt x="999" y="3552"/>
+                    <a:pt x="962" y="3544"/>
+                    <a:pt x="923" y="3538"/>
+                  </a:cubicBezTo>
+                  <a:cubicBezTo>
+                    <a:pt x="919" y="3537"/>
+                    <a:pt x="915" y="3536"/>
+                    <a:pt x="910" y="3535"/>
+                  </a:cubicBezTo>
+                  <a:lnTo>
+                    <a:pt x="910" y="1585"/>
+                  </a:lnTo>
+                  <a:cubicBezTo>
+                    <a:pt x="915" y="1584"/>
+                    <a:pt x="919" y="1583"/>
+                    <a:pt x="923" y="1582"/>
+                  </a:cubicBezTo>
+                  <a:cubicBezTo>
+                    <a:pt x="962" y="1576"/>
+                    <a:pt x="999" y="1568"/>
+                    <a:pt x="1036" y="1556"/>
+                  </a:cubicBezTo>
+                  <a:cubicBezTo>
+                    <a:pt x="1038" y="1555"/>
+                    <a:pt x="1040" y="1554"/>
+                    <a:pt x="1042" y="1554"/>
+                  </a:cubicBezTo>
+                  <a:cubicBezTo>
+                    <a:pt x="1077" y="1542"/>
+                    <a:pt x="1111" y="1528"/>
+                    <a:pt x="1144" y="1512"/>
+                  </a:cubicBezTo>
+                  <a:cubicBezTo>
+                    <a:pt x="1150" y="1509"/>
+                    <a:pt x="1156" y="1506"/>
+                    <a:pt x="1162" y="1503"/>
+                  </a:cubicBezTo>
+                  <a:cubicBezTo>
+                    <a:pt x="1195" y="1486"/>
+                    <a:pt x="1226" y="1467"/>
+                    <a:pt x="1256" y="1446"/>
+                  </a:cubicBezTo>
+                  <a:cubicBezTo>
+                    <a:pt x="1262" y="1442"/>
+                    <a:pt x="1267" y="1438"/>
+                    <a:pt x="1273" y="1433"/>
+                  </a:cubicBezTo>
+                  <a:lnTo>
+                    <a:pt x="1866" y="2027"/>
+                  </a:lnTo>
+                  <a:cubicBezTo>
+                    <a:pt x="1767" y="2160"/>
+                    <a:pt x="1707" y="2324"/>
+                    <a:pt x="1707" y="2503"/>
+                  </a:cubicBezTo>
+                  <a:cubicBezTo>
+                    <a:pt x="1707" y="2903"/>
+                    <a:pt x="2004" y="3235"/>
+                    <a:pt x="2389" y="3290"/>
+                  </a:cubicBezTo>
+                  <a:lnTo>
+                    <a:pt x="2389" y="4210"/>
+                  </a:lnTo>
+                  <a:lnTo>
+                    <a:pt x="1585" y="4210"/>
+                  </a:lnTo>
+                  <a:cubicBezTo>
+                    <a:pt x="1584" y="4205"/>
+                    <a:pt x="1583" y="4201"/>
+                    <a:pt x="1582" y="4197"/>
+                  </a:cubicBezTo>
+                  <a:cubicBezTo>
+                    <a:pt x="1576" y="4158"/>
+                    <a:pt x="1568" y="4121"/>
+                    <a:pt x="1556" y="4084"/>
+                  </a:cubicBezTo>
+                  <a:cubicBezTo>
+                    <a:pt x="1555" y="4082"/>
+                    <a:pt x="1554" y="4080"/>
+                    <a:pt x="1554" y="4078"/>
+                  </a:cubicBezTo>
+                  <a:cubicBezTo>
+                    <a:pt x="1542" y="4043"/>
+                    <a:pt x="1528" y="4009"/>
+                    <a:pt x="1512" y="3976"/>
+                  </a:cubicBezTo>
+                  <a:cubicBezTo>
+                    <a:pt x="1509" y="3970"/>
+                    <a:pt x="1506" y="3964"/>
+                    <a:pt x="1503" y="3958"/>
+                  </a:cubicBezTo>
+                  <a:cubicBezTo>
+                    <a:pt x="1486" y="3925"/>
+                    <a:pt x="1467" y="3894"/>
+                    <a:pt x="1446" y="3864"/>
+                  </a:cubicBezTo>
+                  <a:cubicBezTo>
+                    <a:pt x="1442" y="3858"/>
+                    <a:pt x="1437" y="3853"/>
+                    <a:pt x="1433" y="3847"/>
+                  </a:cubicBezTo>
+                  <a:cubicBezTo>
+                    <a:pt x="1388" y="3786"/>
+                    <a:pt x="1334" y="3732"/>
+                    <a:pt x="1273" y="3687"/>
+                  </a:cubicBezTo>
+                  <a:close/>
+                  <a:moveTo>
+                    <a:pt x="1382" y="4862"/>
+                  </a:moveTo>
+                  <a:cubicBezTo>
+                    <a:pt x="1488" y="4746"/>
+                    <a:pt x="1560" y="4600"/>
+                    <a:pt x="1584" y="4437"/>
+                  </a:cubicBezTo>
+                  <a:lnTo>
+                    <a:pt x="2389" y="4437"/>
+                  </a:lnTo>
+                  <a:lnTo>
+                    <a:pt x="2389" y="5243"/>
+                  </a:lnTo>
+                  <a:cubicBezTo>
+                    <a:pt x="2227" y="5266"/>
+                    <a:pt x="2080" y="5339"/>
+                    <a:pt x="1965" y="5445"/>
+                  </a:cubicBezTo>
+                  <a:lnTo>
+                    <a:pt x="1382" y="4862"/>
+                  </a:lnTo>
+                  <a:close/>
+                  <a:moveTo>
+                    <a:pt x="2503" y="5916"/>
+                  </a:moveTo>
+                  <a:cubicBezTo>
+                    <a:pt x="2440" y="5916"/>
+                    <a:pt x="2389" y="5968"/>
+                    <a:pt x="2389" y="6030"/>
+                  </a:cubicBezTo>
+                  <a:cubicBezTo>
+                    <a:pt x="2389" y="6093"/>
+                    <a:pt x="2338" y="6144"/>
+                    <a:pt x="2276" y="6144"/>
+                  </a:cubicBezTo>
+                  <a:cubicBezTo>
+                    <a:pt x="2213" y="6144"/>
+                    <a:pt x="2162" y="6093"/>
+                    <a:pt x="2162" y="6030"/>
+                  </a:cubicBezTo>
+                  <a:cubicBezTo>
+                    <a:pt x="2162" y="5842"/>
+                    <a:pt x="2315" y="5689"/>
+                    <a:pt x="2503" y="5689"/>
+                  </a:cubicBezTo>
+                  <a:cubicBezTo>
+                    <a:pt x="2566" y="5689"/>
+                    <a:pt x="2617" y="5740"/>
+                    <a:pt x="2617" y="5803"/>
+                  </a:cubicBezTo>
+                  <a:cubicBezTo>
+                    <a:pt x="2617" y="5865"/>
+                    <a:pt x="2566" y="5916"/>
+                    <a:pt x="2503" y="5916"/>
+                  </a:cubicBezTo>
+                  <a:close/>
+                  <a:moveTo>
+                    <a:pt x="5381" y="5571"/>
+                  </a:moveTo>
+                  <a:cubicBezTo>
+                    <a:pt x="5360" y="5601"/>
+                    <a:pt x="5340" y="5632"/>
+                    <a:pt x="5324" y="5665"/>
+                  </a:cubicBezTo>
+                  <a:cubicBezTo>
+                    <a:pt x="5320" y="5671"/>
+                    <a:pt x="5318" y="5677"/>
+                    <a:pt x="5315" y="5683"/>
+                  </a:cubicBezTo>
+                  <a:cubicBezTo>
+                    <a:pt x="5299" y="5716"/>
+                    <a:pt x="5284" y="5750"/>
+                    <a:pt x="5273" y="5785"/>
+                  </a:cubicBezTo>
+                  <a:cubicBezTo>
+                    <a:pt x="5272" y="5787"/>
+                    <a:pt x="5271" y="5789"/>
+                    <a:pt x="5271" y="5791"/>
+                  </a:cubicBezTo>
+                  <a:cubicBezTo>
+                    <a:pt x="5259" y="5827"/>
+                    <a:pt x="5251" y="5865"/>
+                    <a:pt x="5245" y="5904"/>
+                  </a:cubicBezTo>
+                  <a:cubicBezTo>
+                    <a:pt x="5244" y="5908"/>
+                    <a:pt x="5243" y="5912"/>
+                    <a:pt x="5242" y="5916"/>
+                  </a:cubicBezTo>
+                  <a:lnTo>
+                    <a:pt x="3291" y="5916"/>
+                  </a:lnTo>
+                  <a:cubicBezTo>
+                    <a:pt x="3291" y="5912"/>
+                    <a:pt x="3289" y="5908"/>
+                    <a:pt x="3289" y="5904"/>
+                  </a:cubicBezTo>
+                  <a:cubicBezTo>
+                    <a:pt x="3282" y="5865"/>
+                    <a:pt x="3274" y="5827"/>
+                    <a:pt x="3263" y="5791"/>
+                  </a:cubicBezTo>
+                  <a:cubicBezTo>
+                    <a:pt x="3262" y="5789"/>
+                    <a:pt x="3261" y="5787"/>
+                    <a:pt x="3260" y="5785"/>
+                  </a:cubicBezTo>
+                  <a:cubicBezTo>
+                    <a:pt x="3249" y="5750"/>
+                    <a:pt x="3235" y="5716"/>
+                    <a:pt x="3219" y="5683"/>
+                  </a:cubicBezTo>
+                  <a:cubicBezTo>
+                    <a:pt x="3216" y="5677"/>
+                    <a:pt x="3213" y="5671"/>
+                    <a:pt x="3210" y="5665"/>
+                  </a:cubicBezTo>
+                  <a:cubicBezTo>
+                    <a:pt x="3193" y="5632"/>
+                    <a:pt x="3174" y="5600"/>
+                    <a:pt x="3152" y="5571"/>
+                  </a:cubicBezTo>
+                  <a:cubicBezTo>
+                    <a:pt x="3148" y="5565"/>
+                    <a:pt x="3144" y="5559"/>
+                    <a:pt x="3140" y="5554"/>
+                  </a:cubicBezTo>
+                  <a:cubicBezTo>
+                    <a:pt x="3094" y="5493"/>
+                    <a:pt x="3040" y="5439"/>
+                    <a:pt x="2980" y="5394"/>
+                  </a:cubicBezTo>
+                  <a:cubicBezTo>
+                    <a:pt x="2974" y="5389"/>
+                    <a:pt x="2969" y="5385"/>
+                    <a:pt x="2963" y="5381"/>
+                  </a:cubicBezTo>
+                  <a:cubicBezTo>
+                    <a:pt x="2933" y="5360"/>
+                    <a:pt x="2901" y="5340"/>
+                    <a:pt x="2869" y="5323"/>
+                  </a:cubicBezTo>
+                  <a:cubicBezTo>
+                    <a:pt x="2863" y="5320"/>
+                    <a:pt x="2857" y="5318"/>
+                    <a:pt x="2851" y="5315"/>
+                  </a:cubicBezTo>
+                  <a:cubicBezTo>
+                    <a:pt x="2818" y="5299"/>
+                    <a:pt x="2784" y="5284"/>
+                    <a:pt x="2749" y="5273"/>
+                  </a:cubicBezTo>
+                  <a:cubicBezTo>
+                    <a:pt x="2746" y="5272"/>
+                    <a:pt x="2744" y="5271"/>
+                    <a:pt x="2742" y="5271"/>
+                  </a:cubicBezTo>
+                  <a:cubicBezTo>
+                    <a:pt x="2706" y="5259"/>
+                    <a:pt x="2668" y="5251"/>
+                    <a:pt x="2630" y="5245"/>
+                  </a:cubicBezTo>
+                  <a:cubicBezTo>
+                    <a:pt x="2625" y="5244"/>
+                    <a:pt x="2621" y="5243"/>
+                    <a:pt x="2617" y="5242"/>
+                  </a:cubicBezTo>
+                  <a:lnTo>
+                    <a:pt x="2617" y="4437"/>
+                  </a:lnTo>
+                  <a:lnTo>
+                    <a:pt x="3536" y="4437"/>
+                  </a:lnTo>
+                  <a:cubicBezTo>
+                    <a:pt x="3592" y="4823"/>
+                    <a:pt x="3923" y="5120"/>
+                    <a:pt x="4324" y="5120"/>
+                  </a:cubicBezTo>
+                  <a:cubicBezTo>
+                    <a:pt x="4502" y="5120"/>
+                    <a:pt x="4667" y="5060"/>
+                    <a:pt x="4800" y="4960"/>
+                  </a:cubicBezTo>
+                  <a:lnTo>
+                    <a:pt x="5393" y="5554"/>
+                  </a:lnTo>
+                  <a:cubicBezTo>
+                    <a:pt x="5389" y="5560"/>
+                    <a:pt x="5385" y="5565"/>
+                    <a:pt x="5381" y="5571"/>
+                  </a:cubicBezTo>
+                  <a:close/>
+                  <a:moveTo>
+                    <a:pt x="5664" y="5324"/>
+                  </a:moveTo>
+                  <a:cubicBezTo>
+                    <a:pt x="5632" y="5340"/>
+                    <a:pt x="5601" y="5360"/>
+                    <a:pt x="5571" y="5381"/>
+                  </a:cubicBezTo>
+                  <a:cubicBezTo>
+                    <a:pt x="5565" y="5385"/>
+                    <a:pt x="5560" y="5389"/>
+                    <a:pt x="5554" y="5393"/>
+                  </a:cubicBezTo>
+                  <a:lnTo>
+                    <a:pt x="4960" y="4800"/>
+                  </a:lnTo>
+                  <a:cubicBezTo>
+                    <a:pt x="5060" y="4667"/>
+                    <a:pt x="5120" y="4502"/>
+                    <a:pt x="5120" y="4324"/>
+                  </a:cubicBezTo>
+                  <a:cubicBezTo>
+                    <a:pt x="5120" y="3923"/>
+                    <a:pt x="4823" y="3592"/>
+                    <a:pt x="4437" y="3536"/>
+                  </a:cubicBezTo>
+                  <a:lnTo>
+                    <a:pt x="4437" y="2617"/>
+                  </a:lnTo>
+                  <a:lnTo>
+                    <a:pt x="5242" y="2617"/>
+                  </a:lnTo>
+                  <a:cubicBezTo>
+                    <a:pt x="5243" y="2621"/>
+                    <a:pt x="5244" y="2625"/>
+                    <a:pt x="5245" y="2630"/>
+                  </a:cubicBezTo>
+                  <a:cubicBezTo>
+                    <a:pt x="5251" y="2668"/>
+                    <a:pt x="5259" y="2706"/>
+                    <a:pt x="5271" y="2742"/>
+                  </a:cubicBezTo>
+                  <a:cubicBezTo>
+                    <a:pt x="5271" y="2744"/>
+                    <a:pt x="5272" y="2746"/>
+                    <a:pt x="5273" y="2749"/>
+                  </a:cubicBezTo>
+                  <a:cubicBezTo>
+                    <a:pt x="5284" y="2784"/>
+                    <a:pt x="5299" y="2818"/>
+                    <a:pt x="5315" y="2850"/>
+                  </a:cubicBezTo>
+                  <a:cubicBezTo>
+                    <a:pt x="5318" y="2857"/>
+                    <a:pt x="5320" y="2863"/>
+                    <a:pt x="5324" y="2869"/>
+                  </a:cubicBezTo>
+                  <a:cubicBezTo>
+                    <a:pt x="5340" y="2901"/>
+                    <a:pt x="5360" y="2933"/>
+                    <a:pt x="5381" y="2963"/>
+                  </a:cubicBezTo>
+                  <a:cubicBezTo>
+                    <a:pt x="5385" y="2968"/>
+                    <a:pt x="5390" y="2974"/>
+                    <a:pt x="5394" y="2980"/>
+                  </a:cubicBezTo>
+                  <a:cubicBezTo>
+                    <a:pt x="5416" y="3010"/>
+                    <a:pt x="5441" y="3039"/>
+                    <a:pt x="5467" y="3066"/>
+                  </a:cubicBezTo>
+                  <a:lnTo>
+                    <a:pt x="5467" y="3066"/>
+                  </a:lnTo>
+                  <a:cubicBezTo>
+                    <a:pt x="5494" y="3093"/>
+                    <a:pt x="5523" y="3117"/>
+                    <a:pt x="5553" y="3139"/>
+                  </a:cubicBezTo>
+                  <a:cubicBezTo>
+                    <a:pt x="5559" y="3144"/>
+                    <a:pt x="5565" y="3148"/>
+                    <a:pt x="5571" y="3153"/>
+                  </a:cubicBezTo>
+                  <a:cubicBezTo>
+                    <a:pt x="5601" y="3174"/>
+                    <a:pt x="5632" y="3193"/>
+                    <a:pt x="5664" y="3210"/>
+                  </a:cubicBezTo>
+                  <a:cubicBezTo>
+                    <a:pt x="5671" y="3213"/>
+                    <a:pt x="5677" y="3216"/>
+                    <a:pt x="5683" y="3219"/>
+                  </a:cubicBezTo>
+                  <a:cubicBezTo>
+                    <a:pt x="5716" y="3235"/>
+                    <a:pt x="5749" y="3249"/>
+                    <a:pt x="5784" y="3260"/>
+                  </a:cubicBezTo>
+                  <a:cubicBezTo>
+                    <a:pt x="5787" y="3261"/>
+                    <a:pt x="5789" y="3262"/>
+                    <a:pt x="5791" y="3263"/>
+                  </a:cubicBezTo>
+                  <a:cubicBezTo>
+                    <a:pt x="5827" y="3274"/>
+                    <a:pt x="5865" y="3282"/>
+                    <a:pt x="5904" y="3289"/>
+                  </a:cubicBezTo>
+                  <a:cubicBezTo>
+                    <a:pt x="5908" y="3289"/>
+                    <a:pt x="5912" y="3291"/>
+                    <a:pt x="5916" y="3291"/>
+                  </a:cubicBezTo>
+                  <a:lnTo>
+                    <a:pt x="5916" y="5242"/>
+                  </a:lnTo>
+                  <a:cubicBezTo>
+                    <a:pt x="5912" y="5243"/>
+                    <a:pt x="5908" y="5244"/>
+                    <a:pt x="5904" y="5245"/>
+                  </a:cubicBezTo>
+                  <a:cubicBezTo>
+                    <a:pt x="5865" y="5251"/>
+                    <a:pt x="5827" y="5259"/>
+                    <a:pt x="5791" y="5271"/>
+                  </a:cubicBezTo>
+                  <a:cubicBezTo>
+                    <a:pt x="5789" y="5271"/>
+                    <a:pt x="5787" y="5272"/>
+                    <a:pt x="5784" y="5273"/>
+                  </a:cubicBezTo>
+                  <a:cubicBezTo>
+                    <a:pt x="5749" y="5284"/>
+                    <a:pt x="5716" y="5299"/>
+                    <a:pt x="5683" y="5315"/>
+                  </a:cubicBezTo>
+                  <a:cubicBezTo>
+                    <a:pt x="5677" y="5318"/>
+                    <a:pt x="5671" y="5320"/>
+                    <a:pt x="5664" y="5324"/>
+                  </a:cubicBezTo>
+                  <a:close/>
+                  <a:moveTo>
+                    <a:pt x="6030" y="5916"/>
+                  </a:moveTo>
+                  <a:cubicBezTo>
+                    <a:pt x="5967" y="5916"/>
+                    <a:pt x="5916" y="5968"/>
+                    <a:pt x="5916" y="6030"/>
+                  </a:cubicBezTo>
+                  <a:cubicBezTo>
+                    <a:pt x="5916" y="6093"/>
+                    <a:pt x="5866" y="6144"/>
+                    <a:pt x="5803" y="6144"/>
+                  </a:cubicBezTo>
+                  <a:cubicBezTo>
+                    <a:pt x="5740" y="6144"/>
+                    <a:pt x="5689" y="6093"/>
+                    <a:pt x="5689" y="6030"/>
+                  </a:cubicBezTo>
+                  <a:cubicBezTo>
+                    <a:pt x="5689" y="5842"/>
+                    <a:pt x="5842" y="5689"/>
+                    <a:pt x="6030" y="5689"/>
+                  </a:cubicBezTo>
+                  <a:cubicBezTo>
+                    <a:pt x="6093" y="5689"/>
+                    <a:pt x="6144" y="5740"/>
+                    <a:pt x="6144" y="5803"/>
+                  </a:cubicBezTo>
+                  <a:cubicBezTo>
+                    <a:pt x="6144" y="5865"/>
+                    <a:pt x="6093" y="5916"/>
+                    <a:pt x="6030" y="5916"/>
+                  </a:cubicBezTo>
+                  <a:close/>
+                </a:path>
+              </a:pathLst>
+            </a:custGeom>
+            <a:solidFill>
+              <a:schemeClr val="accent4">
+                <a:lumMod val="60000"/>
+                <a:lumOff val="40000"/>
+              </a:schemeClr>
+            </a:solidFill>
+            <a:ln w="57150" cap="rnd">
+              <a:noFill/>
+              <a:prstDash val="solid"/>
+              <a:round/>
+            </a:ln>
+            <a:effectLst>
+              <a:outerShdw blurRad="76200" dist="50800" dir="5400000" algn="ctr" rotWithShape="0">
+                <a:schemeClr val="accent1">
+                  <a:alpha val="20000"/>
+                </a:schemeClr>
+              </a:outerShdw>
+            </a:effectLst>
+          </p:spPr>
+          <p:style>
+            <a:lnRef idx="2">
+              <a:schemeClr val="accent1">
+                <a:shade val="50000"/>
+              </a:schemeClr>
+            </a:lnRef>
+            <a:fillRef idx="1">
+              <a:schemeClr val="accent1"/>
+            </a:fillRef>
+            <a:effectRef idx="0">
+              <a:schemeClr val="accent1"/>
+            </a:effectRef>
+            <a:fontRef idx="minor">
+              <a:schemeClr val="lt1"/>
+            </a:fontRef>
+          </p:style>
+          <p:txBody>
+            <a:bodyPr rot="0" spcFirstLastPara="0" vert="horz" wrap="square" lIns="91440" tIns="45720" rIns="91440" bIns="45720" numCol="1" spcCol="0" rtlCol="0" fromWordArt="0" anchor="ctr" anchorCtr="0" forceAA="0" compatLnSpc="1">
+              <a:normAutofit/>
+            </a:bodyPr>
+            <a:lstStyle/>
+            <a:p>
+              <a:pPr algn="ctr" defTabSz="913765"/>
+              <a:endParaRPr lang="en-US" sz="2000" b="1">
+                <a:solidFill>
+                  <a:schemeClr val="bg1"/>
+                </a:solidFill>
+              </a:endParaRPr>
+            </a:p>
+          </p:txBody>
+        </p:sp>
+      </p:grpSp>
+      <p:sp>
+        <p:nvSpPr>
+          <p:cNvPr id="23" name="矩形 110">
+            <a:extLst>
+              <a:ext uri="{FF2B5EF4-FFF2-40B4-BE49-F238E27FC236}">
+                <a16:creationId xmlns:a16="http://schemas.microsoft.com/office/drawing/2014/main" id="{371BAD8C-6BF6-F9DD-7CD1-62B73B860611}"/>
+              </a:ext>
+            </a:extLst>
+          </p:cNvPr>
+          <p:cNvSpPr>
+            <a:spLocks noChangeArrowheads="1"/>
+          </p:cNvSpPr>
+          <p:nvPr/>
+        </p:nvSpPr>
+        <p:spPr bwMode="auto">
+          <a:xfrm>
+            <a:off x="4768956" y="2179410"/>
+            <a:ext cx="1552575" cy="430879"/>
+          </a:xfrm>
+          <a:prstGeom prst="rect">
+            <a:avLst/>
+          </a:prstGeom>
+          <a:noFill/>
+          <a:ln>
+            <a:noFill/>
+          </a:ln>
+          <a:extLst>
+            <a:ext uri="{909E8E84-426E-40DD-AFC4-6F175D3DCCD1}">
+              <a14:hiddenFill xmlns:a14="http://schemas.microsoft.com/office/drawing/2010/main">
+                <a:solidFill>
+                  <a:srgbClr val="FFFFFF"/>
+                </a:solidFill>
+              </a14:hiddenFill>
+            </a:ext>
+            <a:ext uri="{91240B29-F687-4F45-9708-019B960494DF}">
+              <a14:hiddenLine xmlns:a14="http://schemas.microsoft.com/office/drawing/2010/main" w="9525">
+                <a:solidFill>
+                  <a:srgbClr val="000000"/>
+                </a:solidFill>
+                <a:miter lim="800000"/>
+                <a:headEnd/>
+                <a:tailEnd/>
+              </a14:hiddenLine>
+            </a:ext>
+          </a:extLst>
+        </p:spPr>
+        <p:txBody>
+          <a:bodyPr lIns="91431" tIns="45716" rIns="91431" bIns="45716">
+            <a:spAutoFit/>
+          </a:bodyPr>
+          <a:lstStyle>
+            <a:lvl1pPr>
+              <a:lnSpc>
+                <a:spcPct val="90000"/>
+              </a:lnSpc>
+              <a:spcBef>
+                <a:spcPts val="1000"/>
+              </a:spcBef>
+              <a:buFont typeface="Arial" panose="020B0604020202020204" pitchFamily="34" charset="0"/>
+              <a:buChar char="•"/>
+              <a:defRPr sz="2800">
+                <a:solidFill>
+                  <a:schemeClr val="tx1"/>
+                </a:solidFill>
+                <a:latin typeface="方正兰亭黑_GBK" panose="02000000000000000000" pitchFamily="2" charset="-122"/>
+                <a:ea typeface="方正兰亭黑_GBK" panose="02000000000000000000" pitchFamily="2" charset="-122"/>
+                <a:sym typeface="Calibri" panose="020F0502020204030204" pitchFamily="34" charset="0"/>
+              </a:defRPr>
+            </a:lvl1pPr>
+            <a:lvl2pPr marL="742950" indent="-285750">
+              <a:lnSpc>
+                <a:spcPct val="90000"/>
+              </a:lnSpc>
+              <a:spcBef>
+                <a:spcPts val="500"/>
+              </a:spcBef>
+              <a:buFont typeface="Arial" panose="020B0604020202020204" pitchFamily="34" charset="0"/>
+              <a:buChar char="•"/>
+              <a:defRPr sz="2400">
+                <a:solidFill>
+                  <a:schemeClr val="tx1"/>
+                </a:solidFill>
+                <a:latin typeface="方正兰亭黑_GBK" panose="02000000000000000000" pitchFamily="2" charset="-122"/>
+                <a:ea typeface="方正兰亭黑_GBK" panose="02000000000000000000" pitchFamily="2" charset="-122"/>
+                <a:sym typeface="Calibri" panose="020F0502020204030204" pitchFamily="34" charset="0"/>
+              </a:defRPr>
+            </a:lvl2pPr>
+            <a:lvl3pPr marL="1143000" indent="-228600">
+              <a:lnSpc>
+                <a:spcPct val="90000"/>
+              </a:lnSpc>
+              <a:spcBef>
+                <a:spcPts val="500"/>
+              </a:spcBef>
+              <a:buFont typeface="Arial" panose="020B0604020202020204" pitchFamily="34" charset="0"/>
+              <a:buChar char="•"/>
+              <a:defRPr sz="2000">
+                <a:solidFill>
+                  <a:schemeClr val="tx1"/>
+                </a:solidFill>
+                <a:latin typeface="方正兰亭黑_GBK" panose="02000000000000000000" pitchFamily="2" charset="-122"/>
+                <a:ea typeface="方正兰亭黑_GBK" panose="02000000000000000000" pitchFamily="2" charset="-122"/>
+                <a:sym typeface="Calibri" panose="020F0502020204030204" pitchFamily="34" charset="0"/>
+              </a:defRPr>
+            </a:lvl3pPr>
+            <a:lvl4pPr marL="1600200" indent="-228600">
+              <a:lnSpc>
+                <a:spcPct val="90000"/>
+              </a:lnSpc>
+              <a:spcBef>
+                <a:spcPts val="500"/>
+              </a:spcBef>
+              <a:buFont typeface="Arial" panose="020B0604020202020204" pitchFamily="34" charset="0"/>
+              <a:buChar char="•"/>
+              <a:defRPr>
+                <a:solidFill>
+                  <a:schemeClr val="tx1"/>
+                </a:solidFill>
+                <a:latin typeface="方正兰亭黑_GBK" panose="02000000000000000000" pitchFamily="2" charset="-122"/>
+                <a:ea typeface="方正兰亭黑_GBK" panose="02000000000000000000" pitchFamily="2" charset="-122"/>
+                <a:sym typeface="Calibri" panose="020F0502020204030204" pitchFamily="34" charset="0"/>
+              </a:defRPr>
+            </a:lvl4pPr>
+            <a:lvl5pPr marL="2057400" indent="-228600">
+              <a:lnSpc>
+                <a:spcPct val="90000"/>
+              </a:lnSpc>
+              <a:spcBef>
+                <a:spcPts val="500"/>
+              </a:spcBef>
+              <a:buFont typeface="Arial" panose="020B0604020202020204" pitchFamily="34" charset="0"/>
+              <a:buChar char="•"/>
+              <a:defRPr>
+                <a:solidFill>
+                  <a:schemeClr val="tx1"/>
+                </a:solidFill>
+                <a:latin typeface="方正兰亭黑_GBK" panose="02000000000000000000" pitchFamily="2" charset="-122"/>
+                <a:ea typeface="方正兰亭黑_GBK" panose="02000000000000000000" pitchFamily="2" charset="-122"/>
+                <a:sym typeface="Calibri" panose="020F0502020204030204" pitchFamily="34" charset="0"/>
+              </a:defRPr>
+            </a:lvl5pPr>
+            <a:lvl6pPr marL="2514600" indent="-228600" eaLnBrk="0" fontAlgn="base" hangingPunct="0">
+              <a:lnSpc>
+                <a:spcPct val="90000"/>
+              </a:lnSpc>
+              <a:spcBef>
+                <a:spcPts val="500"/>
+              </a:spcBef>
+              <a:spcAft>
+                <a:spcPct val="0"/>
+              </a:spcAft>
+              <a:buFont typeface="Arial" panose="020B0604020202020204" pitchFamily="34" charset="0"/>
+              <a:buChar char="•"/>
+              <a:defRPr>
+                <a:solidFill>
+                  <a:schemeClr val="tx1"/>
+                </a:solidFill>
+                <a:latin typeface="方正兰亭黑_GBK" panose="02000000000000000000" pitchFamily="2" charset="-122"/>
+                <a:ea typeface="方正兰亭黑_GBK" panose="02000000000000000000" pitchFamily="2" charset="-122"/>
+                <a:sym typeface="Calibri" panose="020F0502020204030204" pitchFamily="34" charset="0"/>
+              </a:defRPr>
+            </a:lvl6pPr>
+            <a:lvl7pPr marL="2971800" indent="-228600" eaLnBrk="0" fontAlgn="base" hangingPunct="0">
+              <a:lnSpc>
+                <a:spcPct val="90000"/>
+              </a:lnSpc>
+              <a:spcBef>
+                <a:spcPts val="500"/>
+              </a:spcBef>
+              <a:spcAft>
+                <a:spcPct val="0"/>
+              </a:spcAft>
+              <a:buFont typeface="Arial" panose="020B0604020202020204" pitchFamily="34" charset="0"/>
+              <a:buChar char="•"/>
+              <a:defRPr>
+                <a:solidFill>
+                  <a:schemeClr val="tx1"/>
+                </a:solidFill>
+                <a:latin typeface="方正兰亭黑_GBK" panose="02000000000000000000" pitchFamily="2" charset="-122"/>
+                <a:ea typeface="方正兰亭黑_GBK" panose="02000000000000000000" pitchFamily="2" charset="-122"/>
+                <a:sym typeface="Calibri" panose="020F0502020204030204" pitchFamily="34" charset="0"/>
+              </a:defRPr>
+            </a:lvl7pPr>
+            <a:lvl8pPr marL="3429000" indent="-228600" eaLnBrk="0" fontAlgn="base" hangingPunct="0">
+              <a:lnSpc>
+                <a:spcPct val="90000"/>
+              </a:lnSpc>
+              <a:spcBef>
+                <a:spcPts val="500"/>
+              </a:spcBef>
+              <a:spcAft>
+                <a:spcPct val="0"/>
+              </a:spcAft>
+              <a:buFont typeface="Arial" panose="020B0604020202020204" pitchFamily="34" charset="0"/>
+              <a:buChar char="•"/>
+              <a:defRPr>
+                <a:solidFill>
+                  <a:schemeClr val="tx1"/>
+                </a:solidFill>
+                <a:latin typeface="方正兰亭黑_GBK" panose="02000000000000000000" pitchFamily="2" charset="-122"/>
+                <a:ea typeface="方正兰亭黑_GBK" panose="02000000000000000000" pitchFamily="2" charset="-122"/>
+                <a:sym typeface="Calibri" panose="020F0502020204030204" pitchFamily="34" charset="0"/>
+              </a:defRPr>
+            </a:lvl8pPr>
+            <a:lvl9pPr marL="3886200" indent="-228600" eaLnBrk="0" fontAlgn="base" hangingPunct="0">
+              <a:lnSpc>
+                <a:spcPct val="90000"/>
+              </a:lnSpc>
+              <a:spcBef>
+                <a:spcPts val="500"/>
+              </a:spcBef>
+              <a:spcAft>
+                <a:spcPct val="0"/>
+              </a:spcAft>
+              <a:buFont typeface="Arial" panose="020B0604020202020204" pitchFamily="34" charset="0"/>
+              <a:buChar char="•"/>
+              <a:defRPr>
+                <a:solidFill>
+                  <a:schemeClr val="tx1"/>
+                </a:solidFill>
+                <a:latin typeface="方正兰亭黑_GBK" panose="02000000000000000000" pitchFamily="2" charset="-122"/>
+                <a:ea typeface="方正兰亭黑_GBK" panose="02000000000000000000" pitchFamily="2" charset="-122"/>
+                <a:sym typeface="Calibri" panose="020F0502020204030204" pitchFamily="34" charset="0"/>
+              </a:defRPr>
+            </a:lvl9pPr>
+          </a:lstStyle>
+          <a:p>
+            <a:pPr algn="ctr" eaLnBrk="1" hangingPunct="1">
+              <a:lnSpc>
+                <a:spcPct val="100000"/>
+              </a:lnSpc>
+              <a:spcBef>
+                <a:spcPct val="0"/>
+              </a:spcBef>
+              <a:buFont typeface="Arial" panose="020B0604020202020204" pitchFamily="34" charset="0"/>
+              <a:buNone/>
+            </a:pPr>
+            <a:r>
+              <a:rPr lang="zh-CN" altLang="en-US" sz="2200" b="1" dirty="0">
+                <a:latin typeface="思源黑体 CN Normal" panose="020B0400000000000000" pitchFamily="34" charset="-122"/>
+                <a:ea typeface="思源黑体 CN Normal" panose="020B0400000000000000" pitchFamily="34" charset="-122"/>
+                <a:sym typeface="方正兰亭黑_GBK" panose="02000000000000000000" pitchFamily="2" charset="-122"/>
+              </a:rPr>
+              <a:t>工作中</a:t>
+            </a:r>
+            <a:endParaRPr lang="en-US" sz="2200" b="1" dirty="0">
+              <a:latin typeface="思源黑体 CN Normal" panose="020B0400000000000000" pitchFamily="34" charset="-122"/>
+              <a:ea typeface="思源黑体 CN Normal" panose="020B0400000000000000" pitchFamily="34" charset="-122"/>
+              <a:sym typeface="方正兰亭黑_GBK" panose="02000000000000000000" pitchFamily="2" charset="-122"/>
+            </a:endParaRPr>
+          </a:p>
+        </p:txBody>
+      </p:sp>
+      <p:sp>
+        <p:nvSpPr>
+          <p:cNvPr id="24" name="矩形 110">
+            <a:extLst>
+              <a:ext uri="{FF2B5EF4-FFF2-40B4-BE49-F238E27FC236}">
+                <a16:creationId xmlns:a16="http://schemas.microsoft.com/office/drawing/2014/main" id="{76ABC332-8DF1-FC7A-0A2A-B81477A39FC5}"/>
+              </a:ext>
+            </a:extLst>
+          </p:cNvPr>
+          <p:cNvSpPr>
+            <a:spLocks noChangeArrowheads="1"/>
+          </p:cNvSpPr>
+          <p:nvPr/>
+        </p:nvSpPr>
+        <p:spPr bwMode="auto">
+          <a:xfrm>
+            <a:off x="4766539" y="4745532"/>
+            <a:ext cx="1552575" cy="430879"/>
+          </a:xfrm>
+          <a:prstGeom prst="rect">
+            <a:avLst/>
+          </a:prstGeom>
+          <a:noFill/>
+          <a:ln>
+            <a:noFill/>
+          </a:ln>
+          <a:extLst>
+            <a:ext uri="{909E8E84-426E-40DD-AFC4-6F175D3DCCD1}">
+              <a14:hiddenFill xmlns:a14="http://schemas.microsoft.com/office/drawing/2010/main">
+                <a:solidFill>
+                  <a:srgbClr val="FFFFFF"/>
+                </a:solidFill>
+              </a14:hiddenFill>
+            </a:ext>
+            <a:ext uri="{91240B29-F687-4F45-9708-019B960494DF}">
+              <a14:hiddenLine xmlns:a14="http://schemas.microsoft.com/office/drawing/2010/main" w="9525">
+                <a:solidFill>
+                  <a:srgbClr val="000000"/>
+                </a:solidFill>
+                <a:miter lim="800000"/>
+                <a:headEnd/>
+                <a:tailEnd/>
+              </a14:hiddenLine>
+            </a:ext>
+          </a:extLst>
+        </p:spPr>
+        <p:txBody>
+          <a:bodyPr lIns="91431" tIns="45716" rIns="91431" bIns="45716">
+            <a:spAutoFit/>
+          </a:bodyPr>
+          <a:lstStyle>
+            <a:lvl1pPr>
+              <a:lnSpc>
+                <a:spcPct val="90000"/>
+              </a:lnSpc>
+              <a:spcBef>
+                <a:spcPts val="1000"/>
+              </a:spcBef>
+              <a:buFont typeface="Arial" panose="020B0604020202020204" pitchFamily="34" charset="0"/>
+              <a:buChar char="•"/>
+              <a:defRPr sz="2800">
+                <a:solidFill>
+                  <a:schemeClr val="tx1"/>
+                </a:solidFill>
+                <a:latin typeface="方正兰亭黑_GBK" panose="02000000000000000000" pitchFamily="2" charset="-122"/>
+                <a:ea typeface="方正兰亭黑_GBK" panose="02000000000000000000" pitchFamily="2" charset="-122"/>
+                <a:sym typeface="Calibri" panose="020F0502020204030204" pitchFamily="34" charset="0"/>
+              </a:defRPr>
+            </a:lvl1pPr>
+            <a:lvl2pPr marL="742950" indent="-285750">
+              <a:lnSpc>
+                <a:spcPct val="90000"/>
+              </a:lnSpc>
+              <a:spcBef>
+                <a:spcPts val="500"/>
+              </a:spcBef>
+              <a:buFont typeface="Arial" panose="020B0604020202020204" pitchFamily="34" charset="0"/>
+              <a:buChar char="•"/>
+              <a:defRPr sz="2400">
+                <a:solidFill>
+                  <a:schemeClr val="tx1"/>
+                </a:solidFill>
+                <a:latin typeface="方正兰亭黑_GBK" panose="02000000000000000000" pitchFamily="2" charset="-122"/>
+                <a:ea typeface="方正兰亭黑_GBK" panose="02000000000000000000" pitchFamily="2" charset="-122"/>
+                <a:sym typeface="Calibri" panose="020F0502020204030204" pitchFamily="34" charset="0"/>
+              </a:defRPr>
+            </a:lvl2pPr>
+            <a:lvl3pPr marL="1143000" indent="-228600">
+              <a:lnSpc>
+                <a:spcPct val="90000"/>
+              </a:lnSpc>
+              <a:spcBef>
+                <a:spcPts val="500"/>
+              </a:spcBef>
+              <a:buFont typeface="Arial" panose="020B0604020202020204" pitchFamily="34" charset="0"/>
+              <a:buChar char="•"/>
+              <a:defRPr sz="2000">
+                <a:solidFill>
+                  <a:schemeClr val="tx1"/>
+                </a:solidFill>
+                <a:latin typeface="方正兰亭黑_GBK" panose="02000000000000000000" pitchFamily="2" charset="-122"/>
+                <a:ea typeface="方正兰亭黑_GBK" panose="02000000000000000000" pitchFamily="2" charset="-122"/>
+                <a:sym typeface="Calibri" panose="020F0502020204030204" pitchFamily="34" charset="0"/>
+              </a:defRPr>
+            </a:lvl3pPr>
+            <a:lvl4pPr marL="1600200" indent="-228600">
+              <a:lnSpc>
+                <a:spcPct val="90000"/>
+              </a:lnSpc>
+              <a:spcBef>
+                <a:spcPts val="500"/>
+              </a:spcBef>
+              <a:buFont typeface="Arial" panose="020B0604020202020204" pitchFamily="34" charset="0"/>
+              <a:buChar char="•"/>
+              <a:defRPr>
+                <a:solidFill>
+                  <a:schemeClr val="tx1"/>
+                </a:solidFill>
+                <a:latin typeface="方正兰亭黑_GBK" panose="02000000000000000000" pitchFamily="2" charset="-122"/>
+                <a:ea typeface="方正兰亭黑_GBK" panose="02000000000000000000" pitchFamily="2" charset="-122"/>
+                <a:sym typeface="Calibri" panose="020F0502020204030204" pitchFamily="34" charset="0"/>
+              </a:defRPr>
+            </a:lvl4pPr>
+            <a:lvl5pPr marL="2057400" indent="-228600">
+              <a:lnSpc>
+                <a:spcPct val="90000"/>
+              </a:lnSpc>
+              <a:spcBef>
+                <a:spcPts val="500"/>
+              </a:spcBef>
+              <a:buFont typeface="Arial" panose="020B0604020202020204" pitchFamily="34" charset="0"/>
+              <a:buChar char="•"/>
+              <a:defRPr>
+                <a:solidFill>
+                  <a:schemeClr val="tx1"/>
+                </a:solidFill>
+                <a:latin typeface="方正兰亭黑_GBK" panose="02000000000000000000" pitchFamily="2" charset="-122"/>
+                <a:ea typeface="方正兰亭黑_GBK" panose="02000000000000000000" pitchFamily="2" charset="-122"/>
+                <a:sym typeface="Calibri" panose="020F0502020204030204" pitchFamily="34" charset="0"/>
+              </a:defRPr>
+            </a:lvl5pPr>
+            <a:lvl6pPr marL="2514600" indent="-228600" eaLnBrk="0" fontAlgn="base" hangingPunct="0">
+              <a:lnSpc>
+                <a:spcPct val="90000"/>
+              </a:lnSpc>
+              <a:spcBef>
+                <a:spcPts val="500"/>
+              </a:spcBef>
+              <a:spcAft>
+                <a:spcPct val="0"/>
+              </a:spcAft>
+              <a:buFont typeface="Arial" panose="020B0604020202020204" pitchFamily="34" charset="0"/>
+              <a:buChar char="•"/>
+              <a:defRPr>
+                <a:solidFill>
+                  <a:schemeClr val="tx1"/>
+                </a:solidFill>
+                <a:latin typeface="方正兰亭黑_GBK" panose="02000000000000000000" pitchFamily="2" charset="-122"/>
+                <a:ea typeface="方正兰亭黑_GBK" panose="02000000000000000000" pitchFamily="2" charset="-122"/>
+                <a:sym typeface="Calibri" panose="020F0502020204030204" pitchFamily="34" charset="0"/>
+              </a:defRPr>
+            </a:lvl6pPr>
+            <a:lvl7pPr marL="2971800" indent="-228600" eaLnBrk="0" fontAlgn="base" hangingPunct="0">
+              <a:lnSpc>
+                <a:spcPct val="90000"/>
+              </a:lnSpc>
+              <a:spcBef>
+                <a:spcPts val="500"/>
+              </a:spcBef>
+              <a:spcAft>
+                <a:spcPct val="0"/>
+              </a:spcAft>
+              <a:buFont typeface="Arial" panose="020B0604020202020204" pitchFamily="34" charset="0"/>
+              <a:buChar char="•"/>
+              <a:defRPr>
+                <a:solidFill>
+                  <a:schemeClr val="tx1"/>
+                </a:solidFill>
+                <a:latin typeface="方正兰亭黑_GBK" panose="02000000000000000000" pitchFamily="2" charset="-122"/>
+                <a:ea typeface="方正兰亭黑_GBK" panose="02000000000000000000" pitchFamily="2" charset="-122"/>
+                <a:sym typeface="Calibri" panose="020F0502020204030204" pitchFamily="34" charset="0"/>
+              </a:defRPr>
+            </a:lvl7pPr>
+            <a:lvl8pPr marL="3429000" indent="-228600" eaLnBrk="0" fontAlgn="base" hangingPunct="0">
+              <a:lnSpc>
+                <a:spcPct val="90000"/>
+              </a:lnSpc>
+              <a:spcBef>
+                <a:spcPts val="500"/>
+              </a:spcBef>
+              <a:spcAft>
+                <a:spcPct val="0"/>
+              </a:spcAft>
+              <a:buFont typeface="Arial" panose="020B0604020202020204" pitchFamily="34" charset="0"/>
+              <a:buChar char="•"/>
+              <a:defRPr>
+                <a:solidFill>
+                  <a:schemeClr val="tx1"/>
+                </a:solidFill>
+                <a:latin typeface="方正兰亭黑_GBK" panose="02000000000000000000" pitchFamily="2" charset="-122"/>
+                <a:ea typeface="方正兰亭黑_GBK" panose="02000000000000000000" pitchFamily="2" charset="-122"/>
+                <a:sym typeface="Calibri" panose="020F0502020204030204" pitchFamily="34" charset="0"/>
+              </a:defRPr>
+            </a:lvl8pPr>
+            <a:lvl9pPr marL="3886200" indent="-228600" eaLnBrk="0" fontAlgn="base" hangingPunct="0">
+              <a:lnSpc>
+                <a:spcPct val="90000"/>
+              </a:lnSpc>
+              <a:spcBef>
+                <a:spcPts val="500"/>
+              </a:spcBef>
+              <a:spcAft>
+                <a:spcPct val="0"/>
+              </a:spcAft>
+              <a:buFont typeface="Arial" panose="020B0604020202020204" pitchFamily="34" charset="0"/>
+              <a:buChar char="•"/>
+              <a:defRPr>
+                <a:solidFill>
+                  <a:schemeClr val="tx1"/>
+                </a:solidFill>
+                <a:latin typeface="方正兰亭黑_GBK" panose="02000000000000000000" pitchFamily="2" charset="-122"/>
+                <a:ea typeface="方正兰亭黑_GBK" panose="02000000000000000000" pitchFamily="2" charset="-122"/>
+                <a:sym typeface="Calibri" panose="020F0502020204030204" pitchFamily="34" charset="0"/>
+              </a:defRPr>
+            </a:lvl9pPr>
+          </a:lstStyle>
+          <a:p>
+            <a:pPr algn="ctr" eaLnBrk="1" hangingPunct="1">
+              <a:lnSpc>
+                <a:spcPct val="100000"/>
+              </a:lnSpc>
+              <a:spcBef>
+                <a:spcPct val="0"/>
+              </a:spcBef>
+              <a:buFont typeface="Arial" panose="020B0604020202020204" pitchFamily="34" charset="0"/>
+              <a:buNone/>
+            </a:pPr>
+            <a:r>
+              <a:rPr lang="zh-CN" altLang="en-US" sz="2200" b="1" dirty="0">
+                <a:latin typeface="思源黑体 CN Normal" panose="020B0400000000000000" pitchFamily="34" charset="-122"/>
+                <a:ea typeface="思源黑体 CN Normal" panose="020B0400000000000000" pitchFamily="34" charset="-122"/>
+                <a:sym typeface="方正兰亭黑_GBK" panose="02000000000000000000" pitchFamily="2" charset="-122"/>
+              </a:rPr>
+              <a:t>工作外</a:t>
+            </a:r>
+            <a:endParaRPr lang="en-US" sz="2200" b="1" dirty="0">
+              <a:latin typeface="思源黑体 CN Normal" panose="020B0400000000000000" pitchFamily="34" charset="-122"/>
+              <a:ea typeface="思源黑体 CN Normal" panose="020B0400000000000000" pitchFamily="34" charset="-122"/>
+              <a:sym typeface="方正兰亭黑_GBK" panose="02000000000000000000" pitchFamily="2" charset="-122"/>
+            </a:endParaRPr>
+          </a:p>
+        </p:txBody>
+      </p:sp>
+      <p:sp>
+        <p:nvSpPr>
+          <p:cNvPr id="25" name="矩形 110">
+            <a:extLst>
+              <a:ext uri="{FF2B5EF4-FFF2-40B4-BE49-F238E27FC236}">
+                <a16:creationId xmlns:a16="http://schemas.microsoft.com/office/drawing/2014/main" id="{230E51C2-3A11-5AB3-502D-4D4E7334FB13}"/>
+              </a:ext>
+            </a:extLst>
+          </p:cNvPr>
+          <p:cNvSpPr>
+            <a:spLocks noChangeArrowheads="1"/>
+          </p:cNvSpPr>
+          <p:nvPr/>
+        </p:nvSpPr>
+        <p:spPr bwMode="auto">
+          <a:xfrm>
+            <a:off x="2832611" y="3429000"/>
+            <a:ext cx="1552575" cy="430879"/>
+          </a:xfrm>
+          <a:prstGeom prst="rect">
+            <a:avLst/>
+          </a:prstGeom>
+          <a:noFill/>
+          <a:ln>
+            <a:noFill/>
+          </a:ln>
+          <a:extLst>
+            <a:ext uri="{909E8E84-426E-40DD-AFC4-6F175D3DCCD1}">
+              <a14:hiddenFill xmlns:a14="http://schemas.microsoft.com/office/drawing/2010/main">
+                <a:solidFill>
+                  <a:srgbClr val="FFFFFF"/>
+                </a:solidFill>
+              </a14:hiddenFill>
+            </a:ext>
+            <a:ext uri="{91240B29-F687-4F45-9708-019B960494DF}">
+              <a14:hiddenLine xmlns:a14="http://schemas.microsoft.com/office/drawing/2010/main" w="9525">
+                <a:solidFill>
+                  <a:srgbClr val="000000"/>
+                </a:solidFill>
+                <a:miter lim="800000"/>
+                <a:headEnd/>
+                <a:tailEnd/>
+              </a14:hiddenLine>
+            </a:ext>
+          </a:extLst>
+        </p:spPr>
+        <p:txBody>
+          <a:bodyPr lIns="91431" tIns="45716" rIns="91431" bIns="45716">
+            <a:spAutoFit/>
+          </a:bodyPr>
+          <a:lstStyle>
+            <a:lvl1pPr>
+              <a:lnSpc>
+                <a:spcPct val="90000"/>
+              </a:lnSpc>
+              <a:spcBef>
+                <a:spcPts val="1000"/>
+              </a:spcBef>
+              <a:buFont typeface="Arial" panose="020B0604020202020204" pitchFamily="34" charset="0"/>
+              <a:buChar char="•"/>
+              <a:defRPr sz="2800">
+                <a:solidFill>
+                  <a:schemeClr val="tx1"/>
+                </a:solidFill>
+                <a:latin typeface="方正兰亭黑_GBK" panose="02000000000000000000" pitchFamily="2" charset="-122"/>
+                <a:ea typeface="方正兰亭黑_GBK" panose="02000000000000000000" pitchFamily="2" charset="-122"/>
+                <a:sym typeface="Calibri" panose="020F0502020204030204" pitchFamily="34" charset="0"/>
+              </a:defRPr>
+            </a:lvl1pPr>
+            <a:lvl2pPr marL="742950" indent="-285750">
+              <a:lnSpc>
+                <a:spcPct val="90000"/>
+              </a:lnSpc>
+              <a:spcBef>
+                <a:spcPts val="500"/>
+              </a:spcBef>
+              <a:buFont typeface="Arial" panose="020B0604020202020204" pitchFamily="34" charset="0"/>
+              <a:buChar char="•"/>
+              <a:defRPr sz="2400">
+                <a:solidFill>
+                  <a:schemeClr val="tx1"/>
+                </a:solidFill>
+                <a:latin typeface="方正兰亭黑_GBK" panose="02000000000000000000" pitchFamily="2" charset="-122"/>
+                <a:ea typeface="方正兰亭黑_GBK" panose="02000000000000000000" pitchFamily="2" charset="-122"/>
+                <a:sym typeface="Calibri" panose="020F0502020204030204" pitchFamily="34" charset="0"/>
+              </a:defRPr>
+            </a:lvl2pPr>
+            <a:lvl3pPr marL="1143000" indent="-228600">
+              <a:lnSpc>
+                <a:spcPct val="90000"/>
+              </a:lnSpc>
+              <a:spcBef>
+                <a:spcPts val="500"/>
+              </a:spcBef>
+              <a:buFont typeface="Arial" panose="020B0604020202020204" pitchFamily="34" charset="0"/>
+              <a:buChar char="•"/>
+              <a:defRPr sz="2000">
+                <a:solidFill>
+                  <a:schemeClr val="tx1"/>
+                </a:solidFill>
+                <a:latin typeface="方正兰亭黑_GBK" panose="02000000000000000000" pitchFamily="2" charset="-122"/>
+                <a:ea typeface="方正兰亭黑_GBK" panose="02000000000000000000" pitchFamily="2" charset="-122"/>
+                <a:sym typeface="Calibri" panose="020F0502020204030204" pitchFamily="34" charset="0"/>
+              </a:defRPr>
+            </a:lvl3pPr>
+            <a:lvl4pPr marL="1600200" indent="-228600">
+              <a:lnSpc>
+                <a:spcPct val="90000"/>
+              </a:lnSpc>
+              <a:spcBef>
+                <a:spcPts val="500"/>
+              </a:spcBef>
+              <a:buFont typeface="Arial" panose="020B0604020202020204" pitchFamily="34" charset="0"/>
+              <a:buChar char="•"/>
+              <a:defRPr>
+                <a:solidFill>
+                  <a:schemeClr val="tx1"/>
+                </a:solidFill>
+                <a:latin typeface="方正兰亭黑_GBK" panose="02000000000000000000" pitchFamily="2" charset="-122"/>
+                <a:ea typeface="方正兰亭黑_GBK" panose="02000000000000000000" pitchFamily="2" charset="-122"/>
+                <a:sym typeface="Calibri" panose="020F0502020204030204" pitchFamily="34" charset="0"/>
+              </a:defRPr>
+            </a:lvl4pPr>
+            <a:lvl5pPr marL="2057400" indent="-228600">
+              <a:lnSpc>
+                <a:spcPct val="90000"/>
+              </a:lnSpc>
+              <a:spcBef>
+                <a:spcPts val="500"/>
+              </a:spcBef>
+              <a:buFont typeface="Arial" panose="020B0604020202020204" pitchFamily="34" charset="0"/>
+              <a:buChar char="•"/>
+              <a:defRPr>
+                <a:solidFill>
+                  <a:schemeClr val="tx1"/>
+                </a:solidFill>
+                <a:latin typeface="方正兰亭黑_GBK" panose="02000000000000000000" pitchFamily="2" charset="-122"/>
+                <a:ea typeface="方正兰亭黑_GBK" panose="02000000000000000000" pitchFamily="2" charset="-122"/>
+                <a:sym typeface="Calibri" panose="020F0502020204030204" pitchFamily="34" charset="0"/>
+              </a:defRPr>
+            </a:lvl5pPr>
+            <a:lvl6pPr marL="2514600" indent="-228600" eaLnBrk="0" fontAlgn="base" hangingPunct="0">
+              <a:lnSpc>
+                <a:spcPct val="90000"/>
+              </a:lnSpc>
+              <a:spcBef>
+                <a:spcPts val="500"/>
+              </a:spcBef>
+              <a:spcAft>
+                <a:spcPct val="0"/>
+              </a:spcAft>
+              <a:buFont typeface="Arial" panose="020B0604020202020204" pitchFamily="34" charset="0"/>
+              <a:buChar char="•"/>
+              <a:defRPr>
+                <a:solidFill>
+                  <a:schemeClr val="tx1"/>
+                </a:solidFill>
+                <a:latin typeface="方正兰亭黑_GBK" panose="02000000000000000000" pitchFamily="2" charset="-122"/>
+                <a:ea typeface="方正兰亭黑_GBK" panose="02000000000000000000" pitchFamily="2" charset="-122"/>
+                <a:sym typeface="Calibri" panose="020F0502020204030204" pitchFamily="34" charset="0"/>
+              </a:defRPr>
+            </a:lvl6pPr>
+            <a:lvl7pPr marL="2971800" indent="-228600" eaLnBrk="0" fontAlgn="base" hangingPunct="0">
+              <a:lnSpc>
+                <a:spcPct val="90000"/>
+              </a:lnSpc>
+              <a:spcBef>
+                <a:spcPts val="500"/>
+              </a:spcBef>
+              <a:spcAft>
+                <a:spcPct val="0"/>
+              </a:spcAft>
+              <a:buFont typeface="Arial" panose="020B0604020202020204" pitchFamily="34" charset="0"/>
+              <a:buChar char="•"/>
+              <a:defRPr>
+                <a:solidFill>
+                  <a:schemeClr val="tx1"/>
+                </a:solidFill>
+                <a:latin typeface="方正兰亭黑_GBK" panose="02000000000000000000" pitchFamily="2" charset="-122"/>
+                <a:ea typeface="方正兰亭黑_GBK" panose="02000000000000000000" pitchFamily="2" charset="-122"/>
+                <a:sym typeface="Calibri" panose="020F0502020204030204" pitchFamily="34" charset="0"/>
+              </a:defRPr>
+            </a:lvl7pPr>
+            <a:lvl8pPr marL="3429000" indent="-228600" eaLnBrk="0" fontAlgn="base" hangingPunct="0">
+              <a:lnSpc>
+                <a:spcPct val="90000"/>
+              </a:lnSpc>
+              <a:spcBef>
+                <a:spcPts val="500"/>
+              </a:spcBef>
+              <a:spcAft>
+                <a:spcPct val="0"/>
+              </a:spcAft>
+              <a:buFont typeface="Arial" panose="020B0604020202020204" pitchFamily="34" charset="0"/>
+              <a:buChar char="•"/>
+              <a:defRPr>
+                <a:solidFill>
+                  <a:schemeClr val="tx1"/>
+                </a:solidFill>
+                <a:latin typeface="方正兰亭黑_GBK" panose="02000000000000000000" pitchFamily="2" charset="-122"/>
+                <a:ea typeface="方正兰亭黑_GBK" panose="02000000000000000000" pitchFamily="2" charset="-122"/>
+                <a:sym typeface="Calibri" panose="020F0502020204030204" pitchFamily="34" charset="0"/>
+              </a:defRPr>
+            </a:lvl8pPr>
+            <a:lvl9pPr marL="3886200" indent="-228600" eaLnBrk="0" fontAlgn="base" hangingPunct="0">
+              <a:lnSpc>
+                <a:spcPct val="90000"/>
+              </a:lnSpc>
+              <a:spcBef>
+                <a:spcPts val="500"/>
+              </a:spcBef>
+              <a:spcAft>
+                <a:spcPct val="0"/>
+              </a:spcAft>
+              <a:buFont typeface="Arial" panose="020B0604020202020204" pitchFamily="34" charset="0"/>
+              <a:buChar char="•"/>
+              <a:defRPr>
+                <a:solidFill>
+                  <a:schemeClr val="tx1"/>
+                </a:solidFill>
+                <a:latin typeface="方正兰亭黑_GBK" panose="02000000000000000000" pitchFamily="2" charset="-122"/>
+                <a:ea typeface="方正兰亭黑_GBK" panose="02000000000000000000" pitchFamily="2" charset="-122"/>
+                <a:sym typeface="Calibri" panose="020F0502020204030204" pitchFamily="34" charset="0"/>
+              </a:defRPr>
+            </a:lvl9pPr>
+          </a:lstStyle>
+          <a:p>
+            <a:pPr algn="ctr" eaLnBrk="1" hangingPunct="1">
+              <a:lnSpc>
+                <a:spcPct val="100000"/>
+              </a:lnSpc>
+              <a:spcBef>
+                <a:spcPct val="0"/>
+              </a:spcBef>
+              <a:buFont typeface="Arial" panose="020B0604020202020204" pitchFamily="34" charset="0"/>
+              <a:buNone/>
+            </a:pPr>
+            <a:r>
+              <a:rPr lang="zh-CN" altLang="en-US" sz="2200" b="1" dirty="0">
+                <a:latin typeface="思源黑体 CN Normal" panose="020B0400000000000000" pitchFamily="34" charset="-122"/>
+                <a:ea typeface="思源黑体 CN Normal" panose="020B0400000000000000" pitchFamily="34" charset="-122"/>
+                <a:sym typeface="方正兰亭黑_GBK" panose="02000000000000000000" pitchFamily="2" charset="-122"/>
+              </a:rPr>
+              <a:t>计划</a:t>
+            </a:r>
+            <a:endParaRPr lang="en-US" sz="2200" b="1" dirty="0">
+              <a:latin typeface="思源黑体 CN Normal" panose="020B0400000000000000" pitchFamily="34" charset="-122"/>
+              <a:ea typeface="思源黑体 CN Normal" panose="020B0400000000000000" pitchFamily="34" charset="-122"/>
+              <a:sym typeface="方正兰亭黑_GBK" panose="02000000000000000000" pitchFamily="2" charset="-122"/>
+            </a:endParaRPr>
+          </a:p>
+        </p:txBody>
+      </p:sp>
+      <p:sp>
+        <p:nvSpPr>
+          <p:cNvPr id="26" name="文本框 25">
+            <a:extLst>
+              <a:ext uri="{FF2B5EF4-FFF2-40B4-BE49-F238E27FC236}">
+                <a16:creationId xmlns:a16="http://schemas.microsoft.com/office/drawing/2014/main" id="{9D82053D-0A1F-9FDE-E610-082F3C75F015}"/>
+              </a:ext>
+            </a:extLst>
+          </p:cNvPr>
+          <p:cNvSpPr txBox="1"/>
+          <p:nvPr/>
+        </p:nvSpPr>
+        <p:spPr>
+          <a:xfrm>
+            <a:off x="7055141" y="1739493"/>
+            <a:ext cx="3185487" cy="369332"/>
+          </a:xfrm>
+          <a:prstGeom prst="rect">
+            <a:avLst/>
+          </a:prstGeom>
+          <a:noFill/>
+        </p:spPr>
+        <p:txBody>
+          <a:bodyPr wrap="none" rtlCol="0">
+            <a:spAutoFit/>
+          </a:bodyPr>
+          <a:lstStyle/>
+          <a:p>
+            <a:r>
+              <a:rPr lang="zh-CN" altLang="en-US" dirty="0"/>
+              <a:t>提升工作效率，合理分配时间</a:t>
+            </a:r>
+          </a:p>
+        </p:txBody>
+      </p:sp>
+      <p:sp>
+        <p:nvSpPr>
+          <p:cNvPr id="27" name="文本框 26">
+            <a:extLst>
+              <a:ext uri="{FF2B5EF4-FFF2-40B4-BE49-F238E27FC236}">
+                <a16:creationId xmlns:a16="http://schemas.microsoft.com/office/drawing/2014/main" id="{7E432E5B-6697-E201-F628-041A61950C62}"/>
+              </a:ext>
+            </a:extLst>
+          </p:cNvPr>
+          <p:cNvSpPr txBox="1"/>
+          <p:nvPr/>
+        </p:nvSpPr>
+        <p:spPr>
+          <a:xfrm>
+            <a:off x="7055141" y="2470927"/>
+            <a:ext cx="4655890" cy="646331"/>
+          </a:xfrm>
+          <a:prstGeom prst="rect">
+            <a:avLst/>
+          </a:prstGeom>
+          <a:noFill/>
+        </p:spPr>
+        <p:txBody>
+          <a:bodyPr wrap="square" rtlCol="0">
+            <a:spAutoFit/>
+          </a:bodyPr>
+          <a:lstStyle/>
+          <a:p>
+            <a:r>
+              <a:rPr lang="zh-CN" altLang="en-US" dirty="0"/>
+              <a:t>主动承担</a:t>
+            </a:r>
+            <a:r>
+              <a:rPr lang="en-US" altLang="zh-CN" dirty="0"/>
+              <a:t>SAP</a:t>
+            </a:r>
+            <a:r>
+              <a:rPr lang="zh-CN" altLang="en-US" dirty="0"/>
+              <a:t>开发任务，在工作中学习并巩固开发知识</a:t>
+            </a:r>
+          </a:p>
+        </p:txBody>
+      </p:sp>
+      <p:sp>
+        <p:nvSpPr>
+          <p:cNvPr id="28" name="文本框 27">
+            <a:extLst>
+              <a:ext uri="{FF2B5EF4-FFF2-40B4-BE49-F238E27FC236}">
+                <a16:creationId xmlns:a16="http://schemas.microsoft.com/office/drawing/2014/main" id="{98BEEF6D-6AA9-33BC-448A-2628A295863A}"/>
+              </a:ext>
+            </a:extLst>
+          </p:cNvPr>
+          <p:cNvSpPr txBox="1"/>
+          <p:nvPr/>
+        </p:nvSpPr>
+        <p:spPr>
+          <a:xfrm>
+            <a:off x="7089581" y="4285640"/>
+            <a:ext cx="3054041" cy="369332"/>
+          </a:xfrm>
+          <a:prstGeom prst="rect">
+            <a:avLst/>
+          </a:prstGeom>
+          <a:noFill/>
+        </p:spPr>
+        <p:txBody>
+          <a:bodyPr wrap="none" rtlCol="0">
+            <a:spAutoFit/>
+          </a:bodyPr>
+          <a:lstStyle/>
+          <a:p>
+            <a:r>
+              <a:rPr lang="zh-CN" altLang="en-US" dirty="0"/>
+              <a:t>下半年认真读</a:t>
+            </a:r>
+            <a:r>
+              <a:rPr lang="en-US" altLang="zh-CN" dirty="0"/>
+              <a:t>1-2</a:t>
+            </a:r>
+            <a:r>
+              <a:rPr lang="zh-CN" altLang="en-US" dirty="0"/>
+              <a:t>本</a:t>
+            </a:r>
+            <a:r>
+              <a:rPr lang="en-US" altLang="zh-CN" dirty="0"/>
+              <a:t>SAP</a:t>
+            </a:r>
+            <a:r>
+              <a:rPr lang="zh-CN" altLang="en-US" dirty="0"/>
+              <a:t>书籍</a:t>
+            </a:r>
+          </a:p>
+        </p:txBody>
+      </p:sp>
+      <p:sp>
+        <p:nvSpPr>
+          <p:cNvPr id="29" name="文本框 28">
+            <a:extLst>
+              <a:ext uri="{FF2B5EF4-FFF2-40B4-BE49-F238E27FC236}">
+                <a16:creationId xmlns:a16="http://schemas.microsoft.com/office/drawing/2014/main" id="{BFD8FDA3-586E-CB4E-9839-C40C93DC68A8}"/>
+              </a:ext>
+            </a:extLst>
+          </p:cNvPr>
+          <p:cNvSpPr txBox="1"/>
+          <p:nvPr/>
+        </p:nvSpPr>
+        <p:spPr>
+          <a:xfrm>
+            <a:off x="7089581" y="5176411"/>
+            <a:ext cx="2031325" cy="369332"/>
+          </a:xfrm>
+          <a:prstGeom prst="rect">
+            <a:avLst/>
+          </a:prstGeom>
+          <a:noFill/>
+        </p:spPr>
+        <p:txBody>
+          <a:bodyPr wrap="none" rtlCol="0">
+            <a:spAutoFit/>
+          </a:bodyPr>
+          <a:lstStyle/>
+          <a:p>
+            <a:r>
+              <a:rPr lang="zh-CN" altLang="en-US" dirty="0"/>
+              <a:t>每天坚持学习英语</a:t>
+            </a:r>
+          </a:p>
+        </p:txBody>
+      </p:sp>
     </p:spTree>
     <p:extLst>
       <p:ext uri="{BB962C8B-B14F-4D97-AF65-F5344CB8AC3E}">
@@ -3989,58 +7406,6 @@
 </file>
 
 <file path=ppt/slides/slide11.xml><?xml version="1.0" encoding="utf-8"?>
-<p:sld xmlns:a="http://schemas.openxmlformats.org/drawingml/2006/main" xmlns:r="http://schemas.openxmlformats.org/officeDocument/2006/relationships" xmlns:p="http://schemas.openxmlformats.org/presentationml/2006/main">
-  <p:cSld>
-    <p:spTree>
-      <p:nvGrpSpPr>
-        <p:cNvPr id="1" name=""/>
-        <p:cNvGrpSpPr/>
-        <p:nvPr/>
-      </p:nvGrpSpPr>
-      <p:grpSpPr>
-        <a:xfrm>
-          <a:off x="0" y="0"/>
-          <a:ext cx="0" cy="0"/>
-          <a:chOff x="0" y="0"/>
-          <a:chExt cx="0" cy="0"/>
-        </a:xfrm>
-      </p:grpSpPr>
-      <p:sp>
-        <p:nvSpPr>
-          <p:cNvPr id="2" name="标题 1"/>
-          <p:cNvSpPr>
-            <a:spLocks noGrp="1"/>
-          </p:cNvSpPr>
-          <p:nvPr>
-            <p:ph type="title"/>
-          </p:nvPr>
-        </p:nvSpPr>
-        <p:spPr/>
-        <p:txBody>
-          <a:bodyPr/>
-          <a:lstStyle/>
-          <a:p>
-            <a:r>
-              <a:rPr lang="zh-CN" altLang="en-US" dirty="0"/>
-              <a:t>下半年工作计划</a:t>
-            </a:r>
-          </a:p>
-        </p:txBody>
-      </p:sp>
-    </p:spTree>
-    <p:extLst>
-      <p:ext uri="{BB962C8B-B14F-4D97-AF65-F5344CB8AC3E}">
-        <p14:creationId xmlns:p14="http://schemas.microsoft.com/office/powerpoint/2010/main" val="2443427711"/>
-      </p:ext>
-    </p:extLst>
-  </p:cSld>
-  <p:clrMapOvr>
-    <a:masterClrMapping/>
-  </p:clrMapOvr>
-</p:sld>
-</file>
-
-<file path=ppt/slides/slide12.xml><?xml version="1.0" encoding="utf-8"?>
 <p:sld xmlns:a="http://schemas.openxmlformats.org/drawingml/2006/main" xmlns:r="http://schemas.openxmlformats.org/officeDocument/2006/relationships" xmlns:p="http://schemas.openxmlformats.org/presentationml/2006/main">
   <p:cSld>
     <p:spTree>
@@ -8334,7 +11699,7 @@
         </p:nvSpPr>
         <p:spPr>
           <a:xfrm>
-            <a:off x="8205119" y="5004164"/>
+            <a:off x="8157786" y="5004164"/>
             <a:ext cx="466794" cy="261610"/>
           </a:xfrm>
           <a:prstGeom prst="rect">
@@ -12017,21 +15382,7 @@
                 <a:cs typeface="+mn-ea"/>
                 <a:sym typeface="+mn-lt"/>
               </a:rPr>
-              <a:t>、需求不够严谨</a:t>
-            </a:r>
-            <a:r>
-              <a:rPr lang="zh-CN" altLang="en-US" sz="1400" dirty="0" smtClean="0">
-                <a:cs typeface="+mn-ea"/>
-                <a:sym typeface="+mn-lt"/>
-              </a:rPr>
-              <a:t>，变更</a:t>
-            </a:r>
-            <a:r>
-              <a:rPr lang="zh-CN" altLang="en-US" sz="1400" dirty="0">
-                <a:cs typeface="+mn-ea"/>
-                <a:sym typeface="+mn-lt"/>
-              </a:rPr>
-              <a:t>频繁，存在完成的需求又回档的情况</a:t>
+              <a:t>、需求不够严谨，变更频繁，存在完成的需求又回档的情况</a:t>
             </a:r>
           </a:p>
         </p:txBody>
@@ -12100,8 +15451,8 @@
         </p:nvSpPr>
         <p:spPr>
           <a:xfrm>
-            <a:off x="8241682" y="4822771"/>
-            <a:ext cx="2687619" cy="1061829"/>
+            <a:off x="8158558" y="4789215"/>
+            <a:ext cx="2899249" cy="1061829"/>
           </a:xfrm>
           <a:prstGeom prst="rect">
             <a:avLst/>
@@ -12123,33 +15474,8 @@
                 <a:cs typeface="+mn-ea"/>
                 <a:sym typeface="+mn-lt"/>
               </a:rPr>
-              <a:t>在</a:t>
+              <a:t>在跨组协作项目中，有时沟通不够及时，导致信息不对称和误解，使开发工作没有及时交付</a:t>
             </a:r>
-            <a:r>
-              <a:rPr lang="zh-CN" altLang="en-US" sz="1400" dirty="0" smtClean="0">
-                <a:cs typeface="+mn-ea"/>
-                <a:sym typeface="+mn-lt"/>
-              </a:rPr>
-              <a:t>跨组协作</a:t>
-            </a:r>
-            <a:r>
-              <a:rPr lang="zh-CN" altLang="en-US" sz="1400" dirty="0">
-                <a:cs typeface="+mn-ea"/>
-                <a:sym typeface="+mn-lt"/>
-              </a:rPr>
-              <a:t>项目中，有时沟通不够及时，导致信息不对称和</a:t>
-            </a:r>
-            <a:r>
-              <a:rPr lang="zh-CN" altLang="en-US" sz="1400" dirty="0" smtClean="0">
-                <a:cs typeface="+mn-ea"/>
-                <a:sym typeface="+mn-lt"/>
-              </a:rPr>
-              <a:t>误解，使开发工作没有及时交付</a:t>
-            </a:r>
-            <a:endParaRPr lang="zh-CN" altLang="en-US" sz="1400" dirty="0">
-              <a:cs typeface="+mn-ea"/>
-              <a:sym typeface="+mn-lt"/>
-            </a:endParaRPr>
           </a:p>
         </p:txBody>
       </p:sp>
@@ -12192,7 +15518,7 @@
               <a:t>4</a:t>
             </a:r>
             <a:r>
-              <a:rPr lang="zh-CN" altLang="en-US" sz="2400" b="1" dirty="0" smtClean="0">
+              <a:rPr lang="zh-CN" altLang="en-US" sz="2400" b="1" dirty="0">
                 <a:latin typeface="思源黑体 CN Medium" panose="020B0600000000000000" pitchFamily="34" charset="-122"/>
                 <a:ea typeface="思源黑体 CN Medium" panose="020B0600000000000000" pitchFamily="34" charset="-122"/>
                 <a:cs typeface="+mn-ea"/>
@@ -12200,12 +15526,6 @@
               </a:rPr>
               <a:t>、沟通与协作能力需要提升</a:t>
             </a:r>
-            <a:endParaRPr lang="zh-CN" altLang="en-US" sz="2400" b="1" dirty="0">
-              <a:latin typeface="思源黑体 CN Medium" panose="020B0600000000000000" pitchFamily="34" charset="-122"/>
-              <a:ea typeface="思源黑体 CN Medium" panose="020B0600000000000000" pitchFamily="34" charset="-122"/>
-              <a:cs typeface="+mn-ea"/>
-              <a:sym typeface="+mn-lt"/>
-            </a:endParaRPr>
           </a:p>
         </p:txBody>
       </p:sp>
@@ -12233,7 +15553,7 @@
           <a:p>
             <a:pPr algn="ctr"/>
             <a:r>
-              <a:rPr lang="zh-CN" altLang="en-US" sz="5400" b="0" cap="none" spc="0" dirty="0" smtClean="0">
+              <a:rPr lang="zh-CN" altLang="en-US" sz="5400" b="0" cap="none" spc="0" dirty="0">
                 <a:ln w="0"/>
                 <a:solidFill>
                   <a:schemeClr val="tx1"/>
@@ -12248,19 +15568,6 @@
               </a:rPr>
               <a:t>问题</a:t>
             </a:r>
-            <a:endParaRPr lang="zh-CN" altLang="en-US" sz="5400" b="0" cap="none" spc="0" dirty="0">
-              <a:ln w="0"/>
-              <a:solidFill>
-                <a:schemeClr val="tx1"/>
-              </a:solidFill>
-              <a:effectLst>
-                <a:outerShdw blurRad="38100" dist="19050" dir="2700000" algn="tl" rotWithShape="0">
-                  <a:schemeClr val="dk1">
-                    <a:alpha val="40000"/>
-                  </a:schemeClr>
-                </a:outerShdw>
-              </a:effectLst>
-            </a:endParaRPr>
           </a:p>
         </p:txBody>
       </p:sp>
@@ -17555,7 +20862,7 @@
           <a:p>
             <a:pPr algn="ctr"/>
             <a:r>
-              <a:rPr lang="zh-CN" altLang="en-US" sz="5400" b="0" cap="none" spc="0" dirty="0" smtClean="0">
+              <a:rPr lang="zh-CN" altLang="en-US" sz="5400" b="0" cap="none" spc="0" dirty="0">
                 <a:ln w="0"/>
                 <a:solidFill>
                   <a:schemeClr val="tx1"/>
@@ -17570,19 +20877,6 @@
               </a:rPr>
               <a:t>个人亮点</a:t>
             </a:r>
-            <a:endParaRPr lang="zh-CN" altLang="en-US" sz="5400" b="0" cap="none" spc="0" dirty="0">
-              <a:ln w="0"/>
-              <a:solidFill>
-                <a:schemeClr val="tx1"/>
-              </a:solidFill>
-              <a:effectLst>
-                <a:outerShdw blurRad="38100" dist="19050" dir="2700000" algn="tl" rotWithShape="0">
-                  <a:schemeClr val="dk1">
-                    <a:alpha val="40000"/>
-                  </a:schemeClr>
-                </a:outerShdw>
-              </a:effectLst>
-            </a:endParaRPr>
           </a:p>
         </p:txBody>
       </p:sp>
@@ -18207,7 +21501,7 @@
               <a:defRPr/>
             </a:pPr>
             <a:r>
-              <a:rPr kumimoji="0" lang="zh-CN" altLang="en-US" sz="2800" i="0" u="none" strike="noStrike" kern="0" cap="none" spc="0" normalizeH="0" baseline="0" noProof="0" dirty="0" smtClean="0">
+              <a:rPr kumimoji="0" lang="zh-CN" altLang="en-US" sz="2800" i="0" u="none" strike="noStrike" kern="0" cap="none" spc="0" normalizeH="0" baseline="0" noProof="0" dirty="0">
                 <a:ln>
                   <a:noFill/>
                 </a:ln>
@@ -18222,19 +21516,6 @@
               </a:rPr>
               <a:t>个人价值</a:t>
             </a:r>
-            <a:endParaRPr kumimoji="0" lang="zh-CN" altLang="en-US" sz="2800" i="0" u="none" strike="noStrike" kern="0" cap="none" spc="0" normalizeH="0" baseline="0" noProof="0" dirty="0">
-              <a:ln>
-                <a:noFill/>
-              </a:ln>
-              <a:solidFill>
-                <a:prstClr val="white"/>
-              </a:solidFill>
-              <a:effectLst/>
-              <a:uLnTx/>
-              <a:uFillTx/>
-              <a:latin typeface="思源黑体 CN Medium" panose="020B0600000000000000" pitchFamily="34" charset="-122"/>
-              <a:ea typeface="思源黑体 CN Medium" panose="020B0600000000000000" pitchFamily="34" charset="-122"/>
-            </a:endParaRPr>
           </a:p>
         </p:txBody>
       </p:sp>
@@ -19312,7 +22593,7 @@
                 <a:defRPr/>
               </a:pPr>
               <a:r>
-                <a:rPr lang="zh-CN" altLang="en-US" kern="0" dirty="0" smtClean="0">
+                <a:rPr lang="zh-CN" altLang="en-US" kern="0" dirty="0">
                   <a:solidFill>
                     <a:schemeClr val="tx1">
                       <a:lumMod val="75000"/>
@@ -19327,7 +22608,7 @@
                 <a:t>技术支持，提供高度定制化需求的解决方案，如开发数据处理脚本程序，</a:t>
               </a:r>
               <a:r>
-                <a:rPr lang="en-US" altLang="zh-CN" kern="0" dirty="0" smtClean="0">
+                <a:rPr lang="en-US" altLang="zh-CN" kern="0" dirty="0">
                   <a:solidFill>
                     <a:schemeClr val="tx1">
                       <a:lumMod val="75000"/>
@@ -19342,7 +22623,7 @@
                 <a:t>ftp</a:t>
               </a:r>
               <a:r>
-                <a:rPr lang="zh-CN" altLang="en-US" kern="0" dirty="0" smtClean="0">
+                <a:rPr lang="zh-CN" altLang="en-US" kern="0" dirty="0">
                   <a:solidFill>
                     <a:schemeClr val="tx1">
                       <a:lumMod val="75000"/>
@@ -19356,7 +22637,7 @@
                 </a:rPr>
                 <a:t>文件上传系统等</a:t>
               </a:r>
-              <a:endParaRPr lang="en-US" altLang="zh-CN" kern="0" dirty="0" smtClean="0">
+              <a:endParaRPr lang="en-US" altLang="zh-CN" kern="0" dirty="0">
                 <a:solidFill>
                   <a:schemeClr val="tx1">
                     <a:lumMod val="75000"/>
@@ -19424,7 +22705,7 @@
             <a:lstStyle/>
             <a:p>
               <a:r>
-                <a:rPr lang="zh-CN" altLang="en-US" sz="2000" dirty="0" smtClean="0">
+                <a:rPr lang="zh-CN" altLang="en-US" sz="2000" dirty="0">
                   <a:latin typeface="思源黑体 CN Medium" panose="020B0600000000000000" pitchFamily="34" charset="-122"/>
                   <a:ea typeface="思源黑体 CN Medium" panose="020B0600000000000000" pitchFamily="34" charset="-122"/>
                   <a:cs typeface="OPPOSans M" panose="00020600040101010101" pitchFamily="18" charset="-122"/>
@@ -19567,7 +22848,7 @@
                 <a:defRPr/>
               </a:pPr>
               <a:r>
-                <a:rPr lang="zh-CN" altLang="en-US" kern="0" dirty="0" smtClean="0">
+                <a:rPr lang="zh-CN" altLang="en-US" kern="0" dirty="0">
                   <a:solidFill>
                     <a:schemeClr val="tx1">
                       <a:lumMod val="75000"/>
@@ -19932,7 +23213,7 @@
                   <a:defRPr/>
                 </a:pPr>
                 <a:r>
-                  <a:rPr lang="zh-CN" altLang="en-US" kern="0" dirty="0" smtClean="0">
+                  <a:rPr lang="zh-CN" altLang="en-US" kern="0" dirty="0">
                     <a:solidFill>
                       <a:schemeClr val="tx1">
                         <a:lumMod val="75000"/>
@@ -20013,7 +23294,7 @@
               <a:lstStyle/>
               <a:p>
                 <a:r>
-                  <a:rPr lang="zh-CN" altLang="en-US" sz="2000" dirty="0" smtClean="0">
+                  <a:rPr lang="zh-CN" altLang="en-US" sz="2000" dirty="0">
                     <a:latin typeface="思源黑体 CN Medium" panose="020B0600000000000000" pitchFamily="34" charset="-122"/>
                     <a:ea typeface="思源黑体 CN Medium" panose="020B0600000000000000" pitchFamily="34" charset="-122"/>
                     <a:cs typeface="OPPOSans M" panose="00020600040101010101" pitchFamily="18" charset="-122"/>
@@ -21186,7 +24467,7 @@
         </p:nvSpPr>
         <p:spPr bwMode="auto">
           <a:xfrm>
-            <a:off x="2739050" y="1797377"/>
+            <a:off x="3603117" y="1797377"/>
             <a:ext cx="4973816" cy="1043844"/>
           </a:xfrm>
           <a:custGeom>
@@ -21317,7 +24598,7 @@
         </p:nvSpPr>
         <p:spPr>
           <a:xfrm>
-            <a:off x="3796264" y="2024867"/>
+            <a:off x="4660331" y="2024867"/>
             <a:ext cx="4230402" cy="507831"/>
           </a:xfrm>
           <a:prstGeom prst="rect">
@@ -21338,7 +24619,7 @@
               <a:defRPr/>
             </a:pPr>
             <a:r>
-              <a:rPr lang="en-US" altLang="zh-CN" b="1" kern="0" dirty="0" smtClean="0">
+              <a:rPr lang="en-US" altLang="zh-CN" b="1" kern="0" dirty="0">
                 <a:solidFill>
                   <a:schemeClr val="tx1">
                     <a:lumMod val="75000"/>
@@ -21353,7 +24634,7 @@
               <a:t>SRM</a:t>
             </a:r>
             <a:r>
-              <a:rPr lang="zh-CN" altLang="en-US" b="1" kern="0" dirty="0" smtClean="0">
+              <a:rPr lang="zh-CN" altLang="en-US" b="1" kern="0" dirty="0">
                 <a:solidFill>
                   <a:schemeClr val="tx1">
                     <a:lumMod val="75000"/>
@@ -21368,7 +24649,7 @@
               <a:t>和</a:t>
             </a:r>
             <a:r>
-              <a:rPr lang="en-US" altLang="zh-CN" b="1" kern="0" dirty="0" smtClean="0">
+              <a:rPr lang="en-US" altLang="zh-CN" b="1" kern="0" dirty="0">
                 <a:solidFill>
                   <a:schemeClr val="tx1">
                     <a:lumMod val="75000"/>
@@ -21383,7 +24664,7 @@
               <a:t>SAP</a:t>
             </a:r>
             <a:r>
-              <a:rPr lang="zh-CN" altLang="en-US" b="1" kern="0" dirty="0" smtClean="0">
+              <a:rPr lang="zh-CN" altLang="en-US" b="1" kern="0" dirty="0">
                 <a:solidFill>
                   <a:schemeClr val="tx1">
                     <a:lumMod val="75000"/>
@@ -21397,7 +24678,7 @@
               </a:rPr>
               <a:t>的维护与功能开发</a:t>
             </a:r>
-            <a:endParaRPr lang="en-US" altLang="zh-CN" b="1" kern="0" dirty="0" smtClean="0">
+            <a:endParaRPr lang="en-US" altLang="zh-CN" b="1" kern="0" dirty="0">
               <a:solidFill>
                 <a:schemeClr val="tx1">
                   <a:lumMod val="75000"/>
@@ -21426,7 +24707,7 @@
         </p:nvSpPr>
         <p:spPr bwMode="auto">
           <a:xfrm>
-            <a:off x="4553142" y="3152775"/>
+            <a:off x="5417209" y="3152775"/>
             <a:ext cx="6114857" cy="1043844"/>
           </a:xfrm>
           <a:custGeom>
@@ -21559,7 +24840,7 @@
         </p:nvSpPr>
         <p:spPr>
           <a:xfrm>
-            <a:off x="2546677" y="3258457"/>
+            <a:off x="3410744" y="3258457"/>
             <a:ext cx="2591613" cy="832482"/>
           </a:xfrm>
           <a:prstGeom prst="roundRect">
@@ -21568,7 +24849,9 @@
             </a:avLst>
           </a:prstGeom>
           <a:solidFill>
-            <a:srgbClr val="0177B4"/>
+            <a:schemeClr val="accent2">
+              <a:lumMod val="75000"/>
+            </a:schemeClr>
           </a:solidFill>
           <a:ln w="12700" cap="flat" cmpd="sng" algn="ctr">
             <a:noFill/>
@@ -21610,7 +24893,7 @@
         </p:nvSpPr>
         <p:spPr bwMode="auto">
           <a:xfrm>
-            <a:off x="2589954" y="3284112"/>
+            <a:off x="3454021" y="3284112"/>
             <a:ext cx="1008110" cy="765840"/>
           </a:xfrm>
           <a:custGeom>
@@ -21798,14 +25081,14 @@
         </p:nvSpPr>
         <p:spPr>
           <a:xfrm>
-            <a:off x="2706783" y="3372599"/>
+            <a:off x="3570850" y="3372599"/>
             <a:ext cx="588864" cy="588865"/>
           </a:xfrm>
           <a:prstGeom prst="ellipse">
             <a:avLst/>
           </a:prstGeom>
           <a:solidFill>
-            <a:srgbClr val="002C4F"/>
+            <a:schemeClr val="bg1"/>
           </a:solidFill>
           <a:ln w="12700" cap="flat" cmpd="sng" algn="ctr">
             <a:noFill/>
@@ -21855,7 +25138,7 @@
         </p:nvSpPr>
         <p:spPr bwMode="auto">
           <a:xfrm>
-            <a:off x="4894799" y="3332747"/>
+            <a:off x="5758866" y="3332747"/>
             <a:ext cx="184664" cy="461633"/>
           </a:xfrm>
           <a:prstGeom prst="rect">
@@ -22026,8 +25309,8 @@
         </p:nvSpPr>
         <p:spPr>
           <a:xfrm>
-            <a:off x="5160706" y="3252226"/>
-            <a:ext cx="5203917" cy="923330"/>
+            <a:off x="6449845" y="3241904"/>
+            <a:ext cx="4310004" cy="858377"/>
           </a:xfrm>
           <a:prstGeom prst="rect">
             <a:avLst/>
@@ -22047,7 +25330,7 @@
               <a:defRPr/>
             </a:pPr>
             <a:r>
-              <a:rPr lang="zh-CN" altLang="en-US" b="1" kern="0" dirty="0" smtClean="0">
+              <a:rPr lang="zh-CN" altLang="en-US" b="1" kern="0" dirty="0">
                 <a:solidFill>
                   <a:schemeClr val="tx1">
                     <a:lumMod val="75000"/>
@@ -22059,10 +25342,40 @@
                 <a:cs typeface="+mn-ea"/>
                 <a:sym typeface="+mn-lt"/>
               </a:rPr>
-              <a:t>主动承担更多的</a:t>
+              <a:t>提升</a:t>
             </a:r>
             <a:r>
-              <a:rPr lang="en-US" altLang="zh-CN" b="1" kern="0" dirty="0" smtClean="0">
+              <a:rPr lang="en-US" altLang="zh-CN" b="1" kern="0" dirty="0">
+                <a:solidFill>
+                  <a:schemeClr val="tx1">
+                    <a:lumMod val="75000"/>
+                    <a:lumOff val="25000"/>
+                  </a:schemeClr>
+                </a:solidFill>
+                <a:latin typeface="仿宋" panose="02010609060101010101" pitchFamily="49" charset="-122"/>
+                <a:ea typeface="仿宋" panose="02010609060101010101" pitchFamily="49" charset="-122"/>
+                <a:cs typeface="+mn-ea"/>
+                <a:sym typeface="+mn-lt"/>
+              </a:rPr>
+              <a:t>ABAP</a:t>
+            </a:r>
+            <a:r>
+              <a:rPr lang="zh-CN" altLang="en-US" b="1" kern="0" dirty="0">
+                <a:solidFill>
+                  <a:schemeClr val="tx1">
+                    <a:lumMod val="75000"/>
+                    <a:lumOff val="25000"/>
+                  </a:schemeClr>
+                </a:solidFill>
+                <a:latin typeface="仿宋" panose="02010609060101010101" pitchFamily="49" charset="-122"/>
+                <a:ea typeface="仿宋" panose="02010609060101010101" pitchFamily="49" charset="-122"/>
+                <a:cs typeface="+mn-ea"/>
+                <a:sym typeface="+mn-lt"/>
+              </a:rPr>
+              <a:t>开发技能，全面学习并掌握中级开发知识，提高</a:t>
+            </a:r>
+            <a:r>
+              <a:rPr lang="en-US" altLang="zh-CN" b="1" kern="0" dirty="0">
                 <a:solidFill>
                   <a:schemeClr val="tx1">
                     <a:lumMod val="75000"/>
@@ -22077,7 +25390,7 @@
               <a:t>SAP</a:t>
             </a:r>
             <a:r>
-              <a:rPr lang="zh-CN" altLang="en-US" b="1" kern="0" dirty="0" smtClean="0">
+              <a:rPr lang="zh-CN" altLang="en-US" b="1" kern="0" dirty="0">
                 <a:solidFill>
                   <a:schemeClr val="tx1">
                     <a:lumMod val="75000"/>
@@ -22089,82 +25402,7 @@
                 <a:cs typeface="+mn-ea"/>
                 <a:sym typeface="+mn-lt"/>
               </a:rPr>
-              <a:t>开发工作，提升</a:t>
-            </a:r>
-            <a:r>
-              <a:rPr lang="en-US" altLang="zh-CN" b="1" kern="0" dirty="0" smtClean="0">
-                <a:solidFill>
-                  <a:schemeClr val="tx1">
-                    <a:lumMod val="75000"/>
-                    <a:lumOff val="25000"/>
-                  </a:schemeClr>
-                </a:solidFill>
-                <a:latin typeface="仿宋" panose="02010609060101010101" pitchFamily="49" charset="-122"/>
-                <a:ea typeface="仿宋" panose="02010609060101010101" pitchFamily="49" charset="-122"/>
-                <a:cs typeface="+mn-ea"/>
-                <a:sym typeface="+mn-lt"/>
-              </a:rPr>
-              <a:t>SAP</a:t>
-            </a:r>
-            <a:r>
-              <a:rPr lang="zh-CN" altLang="en-US" b="1" kern="0" dirty="0" smtClean="0">
-                <a:solidFill>
-                  <a:schemeClr val="tx1">
-                    <a:lumMod val="75000"/>
-                    <a:lumOff val="25000"/>
-                  </a:schemeClr>
-                </a:solidFill>
-                <a:latin typeface="仿宋" panose="02010609060101010101" pitchFamily="49" charset="-122"/>
-                <a:ea typeface="仿宋" panose="02010609060101010101" pitchFamily="49" charset="-122"/>
-                <a:cs typeface="+mn-ea"/>
-                <a:sym typeface="+mn-lt"/>
-              </a:rPr>
-              <a:t>的工作量，在工作中不断学习进步</a:t>
-            </a:r>
-            <a:r>
-              <a:rPr lang="zh-CN" altLang="en-US" b="1" kern="0" dirty="0" smtClean="0">
-                <a:solidFill>
-                  <a:schemeClr val="tx1">
-                    <a:lumMod val="75000"/>
-                    <a:lumOff val="25000"/>
-                  </a:schemeClr>
-                </a:solidFill>
-                <a:latin typeface="仿宋" panose="02010609060101010101" pitchFamily="49" charset="-122"/>
-                <a:ea typeface="仿宋" panose="02010609060101010101" pitchFamily="49" charset="-122"/>
-                <a:cs typeface="+mn-ea"/>
-                <a:sym typeface="+mn-lt"/>
-              </a:rPr>
-              <a:t>提高</a:t>
-            </a:r>
-            <a:r>
-              <a:rPr lang="en-US" altLang="zh-CN" b="1" kern="0" dirty="0" smtClean="0">
-                <a:solidFill>
-                  <a:schemeClr val="tx1">
-                    <a:lumMod val="75000"/>
-                    <a:lumOff val="25000"/>
-                  </a:schemeClr>
-                </a:solidFill>
-                <a:latin typeface="仿宋" panose="02010609060101010101" pitchFamily="49" charset="-122"/>
-                <a:ea typeface="仿宋" panose="02010609060101010101" pitchFamily="49" charset="-122"/>
-                <a:cs typeface="+mn-ea"/>
-                <a:sym typeface="+mn-lt"/>
-              </a:rPr>
-              <a:t>ABAP</a:t>
-            </a:r>
-            <a:r>
-              <a:rPr lang="zh-CN" altLang="en-US" b="1" kern="0" dirty="0" smtClean="0">
-                <a:solidFill>
-                  <a:schemeClr val="tx1">
-                    <a:lumMod val="75000"/>
-                    <a:lumOff val="25000"/>
-                  </a:schemeClr>
-                </a:solidFill>
-                <a:latin typeface="仿宋" panose="02010609060101010101" pitchFamily="49" charset="-122"/>
-                <a:ea typeface="仿宋" panose="02010609060101010101" pitchFamily="49" charset="-122"/>
-                <a:cs typeface="+mn-ea"/>
-                <a:sym typeface="+mn-lt"/>
-              </a:rPr>
-              <a:t>的开发技能</a:t>
+              <a:t>开发效率</a:t>
             </a:r>
             <a:endParaRPr lang="en-US" altLang="zh-CN" b="1" kern="0" dirty="0">
               <a:solidFill>
@@ -22195,7 +25433,7 @@
         </p:nvSpPr>
         <p:spPr bwMode="auto">
           <a:xfrm>
-            <a:off x="3661862" y="4607995"/>
+            <a:off x="4525929" y="4607995"/>
             <a:ext cx="4973816" cy="1043844"/>
           </a:xfrm>
           <a:custGeom>
@@ -22326,7 +25564,7 @@
         </p:nvSpPr>
         <p:spPr>
           <a:xfrm>
-            <a:off x="1655396" y="4713677"/>
+            <a:off x="2519463" y="4713677"/>
             <a:ext cx="2591613" cy="832482"/>
           </a:xfrm>
           <a:prstGeom prst="roundRect">
@@ -22335,7 +25573,7 @@
             </a:avLst>
           </a:prstGeom>
           <a:solidFill>
-            <a:srgbClr val="002C4F"/>
+            <a:srgbClr val="00B0F0"/>
           </a:solidFill>
           <a:ln w="12700" cap="flat" cmpd="sng" algn="ctr">
             <a:noFill/>
@@ -22377,7 +25615,7 @@
         </p:nvSpPr>
         <p:spPr bwMode="auto">
           <a:xfrm>
-            <a:off x="1698673" y="4739332"/>
+            <a:off x="2562740" y="4739332"/>
             <a:ext cx="1008110" cy="765840"/>
           </a:xfrm>
           <a:custGeom>
@@ -22567,7 +25805,7 @@
         </p:nvSpPr>
         <p:spPr bwMode="auto">
           <a:xfrm>
-            <a:off x="2807964" y="4901939"/>
+            <a:off x="3672031" y="4901939"/>
             <a:ext cx="1210521" cy="400077"/>
           </a:xfrm>
           <a:prstGeom prst="rect">
@@ -22713,7 +25951,7 @@
           <a:p>
             <a:pPr defTabSz="457200" eaLnBrk="1" hangingPunct="1"/>
             <a:r>
-              <a:rPr lang="zh-CN" altLang="en-US" sz="2000" dirty="0" smtClean="0">
+              <a:rPr lang="zh-CN" altLang="en-US" sz="2000" dirty="0">
                 <a:solidFill>
                   <a:prstClr val="white"/>
                 </a:solidFill>
@@ -22724,15 +25962,6 @@
               </a:rPr>
               <a:t>自主学习</a:t>
             </a:r>
-            <a:endParaRPr lang="zh-CN" altLang="en-US" sz="2000" dirty="0">
-              <a:solidFill>
-                <a:prstClr val="white"/>
-              </a:solidFill>
-              <a:latin typeface="思源黑体 CN Medium" panose="020B0600000000000000" pitchFamily="34" charset="-122"/>
-              <a:ea typeface="思源黑体 CN Medium" panose="020B0600000000000000" pitchFamily="34" charset="-122"/>
-              <a:cs typeface="+mn-ea"/>
-              <a:sym typeface="+mn-lt"/>
-            </a:endParaRPr>
           </a:p>
         </p:txBody>
       </p:sp>
@@ -22750,7 +25979,7 @@
         </p:nvSpPr>
         <p:spPr>
           <a:xfrm>
-            <a:off x="4247009" y="4672788"/>
+            <a:off x="5111076" y="4672788"/>
             <a:ext cx="4230402" cy="923330"/>
           </a:xfrm>
           <a:prstGeom prst="rect">
@@ -22771,7 +26000,7 @@
               <a:defRPr/>
             </a:pPr>
             <a:r>
-              <a:rPr lang="en-US" altLang="zh-CN" b="1" kern="0" dirty="0" smtClean="0">
+              <a:rPr lang="en-US" altLang="zh-CN" b="1" kern="0" dirty="0">
                 <a:solidFill>
                   <a:schemeClr val="tx1">
                     <a:lumMod val="75000"/>
@@ -22786,7 +26015,7 @@
               <a:t>1</a:t>
             </a:r>
             <a:r>
-              <a:rPr lang="zh-CN" altLang="en-US" b="1" kern="0" dirty="0" smtClean="0">
+              <a:rPr lang="zh-CN" altLang="en-US" b="1" kern="0" dirty="0">
                 <a:solidFill>
                   <a:schemeClr val="tx1">
                     <a:lumMod val="75000"/>
@@ -22801,7 +26030,7 @@
               <a:t>、</a:t>
             </a:r>
             <a:r>
-              <a:rPr lang="en-US" altLang="zh-CN" b="1" kern="0" dirty="0" smtClean="0">
+              <a:rPr lang="en-US" altLang="zh-CN" b="1" kern="0" dirty="0">
                 <a:solidFill>
                   <a:schemeClr val="tx1">
                     <a:lumMod val="75000"/>
@@ -22816,7 +26045,7 @@
               <a:t>SAP</a:t>
             </a:r>
             <a:r>
-              <a:rPr lang="zh-CN" altLang="en-US" b="1" kern="0" dirty="0" smtClean="0">
+              <a:rPr lang="zh-CN" altLang="en-US" b="1" kern="0" dirty="0">
                 <a:solidFill>
                   <a:schemeClr val="tx1">
                     <a:lumMod val="75000"/>
@@ -22830,7 +26059,7 @@
               </a:rPr>
               <a:t>业务或者其他技术方向</a:t>
             </a:r>
-            <a:endParaRPr lang="en-US" altLang="zh-CN" b="1" kern="0" dirty="0" smtClean="0">
+            <a:endParaRPr lang="en-US" altLang="zh-CN" b="1" kern="0" dirty="0">
               <a:solidFill>
                 <a:schemeClr val="tx1">
                   <a:lumMod val="75000"/>
@@ -22851,7 +26080,7 @@
               <a:defRPr/>
             </a:pPr>
             <a:r>
-              <a:rPr lang="en-US" altLang="zh-CN" b="1" kern="0" dirty="0" smtClean="0">
+              <a:rPr lang="en-US" altLang="zh-CN" b="1" kern="0" dirty="0">
                 <a:solidFill>
                   <a:schemeClr val="tx1">
                     <a:lumMod val="75000"/>
@@ -22866,7 +26095,7 @@
               <a:t>2</a:t>
             </a:r>
             <a:r>
-              <a:rPr lang="zh-CN" altLang="en-US" b="1" kern="0" dirty="0" smtClean="0">
+              <a:rPr lang="zh-CN" altLang="en-US" b="1" kern="0" dirty="0">
                 <a:solidFill>
                   <a:schemeClr val="tx1">
                     <a:lumMod val="75000"/>
@@ -22911,7 +26140,7 @@
         </p:nvSpPr>
         <p:spPr bwMode="auto">
           <a:xfrm>
-            <a:off x="3661862" y="3462482"/>
+            <a:off x="4525929" y="3462482"/>
             <a:ext cx="1210521" cy="400077"/>
           </a:xfrm>
           <a:prstGeom prst="rect">
@@ -23057,7 +26286,7 @@
           <a:p>
             <a:pPr defTabSz="457200" eaLnBrk="1" hangingPunct="1"/>
             <a:r>
-              <a:rPr lang="zh-CN" altLang="en-US" sz="2000" dirty="0" smtClean="0">
+              <a:rPr lang="zh-CN" altLang="en-US" sz="2000" dirty="0">
                 <a:solidFill>
                   <a:prstClr val="white"/>
                 </a:solidFill>
@@ -23068,15 +26297,6 @@
               </a:rPr>
               <a:t>工作提升</a:t>
             </a:r>
-            <a:endParaRPr lang="zh-CN" altLang="en-US" sz="2000" dirty="0">
-              <a:solidFill>
-                <a:prstClr val="white"/>
-              </a:solidFill>
-              <a:latin typeface="思源黑体 CN Medium" panose="020B0600000000000000" pitchFamily="34" charset="-122"/>
-              <a:ea typeface="思源黑体 CN Medium" panose="020B0600000000000000" pitchFamily="34" charset="-122"/>
-              <a:cs typeface="+mn-ea"/>
-              <a:sym typeface="+mn-lt"/>
-            </a:endParaRPr>
           </a:p>
         </p:txBody>
       </p:sp>
@@ -23094,7 +26314,7 @@
         </p:nvSpPr>
         <p:spPr>
           <a:xfrm>
-            <a:off x="732584" y="1903059"/>
+            <a:off x="1596651" y="1903059"/>
             <a:ext cx="2588937" cy="832482"/>
           </a:xfrm>
           <a:prstGeom prst="roundRect">
@@ -23103,7 +26323,7 @@
             </a:avLst>
           </a:prstGeom>
           <a:solidFill>
-            <a:srgbClr val="002C4F"/>
+            <a:schemeClr val="accent4"/>
           </a:solidFill>
           <a:ln w="12700" cap="flat" cmpd="sng" algn="ctr">
             <a:noFill/>
@@ -23147,7 +26367,7 @@
         </p:nvSpPr>
         <p:spPr bwMode="auto">
           <a:xfrm>
-            <a:off x="1882477" y="2109059"/>
+            <a:off x="2746544" y="2109059"/>
             <a:ext cx="1210521" cy="400077"/>
           </a:xfrm>
           <a:prstGeom prst="rect">
@@ -23276,7 +26496,7 @@
           <a:p>
             <a:pPr defTabSz="457200" eaLnBrk="1" hangingPunct="1"/>
             <a:r>
-              <a:rPr lang="zh-CN" altLang="en-US" sz="2000" dirty="0" smtClean="0">
+              <a:rPr lang="zh-CN" altLang="en-US" sz="2000" dirty="0">
                 <a:solidFill>
                   <a:prstClr val="white"/>
                 </a:solidFill>
@@ -23287,15 +26507,6 @@
               </a:rPr>
               <a:t>日常工作</a:t>
             </a:r>
-            <a:endParaRPr lang="zh-CN" altLang="en-US" sz="2000" dirty="0">
-              <a:solidFill>
-                <a:prstClr val="white"/>
-              </a:solidFill>
-              <a:latin typeface="思源黑体 CN Medium" panose="020B0600000000000000" pitchFamily="34" charset="-122"/>
-              <a:ea typeface="思源黑体 CN Medium" panose="020B0600000000000000" pitchFamily="34" charset="-122"/>
-              <a:cs typeface="+mn-ea"/>
-              <a:sym typeface="+mn-lt"/>
-            </a:endParaRPr>
           </a:p>
         </p:txBody>
       </p:sp>
@@ -23313,7 +26524,7 @@
         </p:nvSpPr>
         <p:spPr bwMode="auto">
           <a:xfrm>
-            <a:off x="781688" y="1936379"/>
+            <a:off x="1645755" y="1936379"/>
             <a:ext cx="1008110" cy="765840"/>
           </a:xfrm>
           <a:custGeom>
@@ -23501,17 +26712,19 @@
         </p:nvSpPr>
         <p:spPr>
           <a:xfrm>
-            <a:off x="899115" y="2024867"/>
+            <a:off x="1763182" y="2024867"/>
             <a:ext cx="588864" cy="588864"/>
           </a:xfrm>
           <a:prstGeom prst="ellipse">
             <a:avLst/>
           </a:prstGeom>
           <a:solidFill>
-            <a:srgbClr val="0177B4"/>
+            <a:schemeClr val="bg1"/>
           </a:solidFill>
           <a:ln w="12700" cap="flat" cmpd="sng" algn="ctr">
-            <a:noFill/>
+            <a:solidFill>
+              <a:schemeClr val="bg1"/>
+            </a:solidFill>
             <a:prstDash val="solid"/>
             <a:miter lim="800000"/>
           </a:ln>
@@ -23556,14 +26769,14 @@
         </p:nvSpPr>
         <p:spPr>
           <a:xfrm>
-            <a:off x="1811935" y="4822934"/>
+            <a:off x="2676002" y="4822934"/>
             <a:ext cx="588864" cy="588864"/>
           </a:xfrm>
           <a:prstGeom prst="ellipse">
             <a:avLst/>
           </a:prstGeom>
           <a:solidFill>
-            <a:srgbClr val="0177B4"/>
+            <a:schemeClr val="bg1"/>
           </a:solidFill>
           <a:ln w="12700" cap="flat" cmpd="sng" algn="ctr">
             <a:noFill/>
@@ -23594,6 +26807,61 @@
               <a:cs typeface="+mn-ea"/>
               <a:sym typeface="+mn-lt"/>
             </a:endParaRPr>
+          </a:p>
+        </p:txBody>
+      </p:sp>
+      <p:sp>
+        <p:nvSpPr>
+          <p:cNvPr id="22" name="矩形 21">
+            <a:extLst>
+              <a:ext uri="{FF2B5EF4-FFF2-40B4-BE49-F238E27FC236}">
+                <a16:creationId xmlns:a16="http://schemas.microsoft.com/office/drawing/2014/main" id="{24C0F495-6970-8E5E-E121-6120D74D6FEC}"/>
+              </a:ext>
+            </a:extLst>
+          </p:cNvPr>
+          <p:cNvSpPr/>
+          <p:nvPr/>
+        </p:nvSpPr>
+        <p:spPr>
+          <a:xfrm>
+            <a:off x="347377" y="3321498"/>
+            <a:ext cx="2467342" cy="769441"/>
+          </a:xfrm>
+          <a:prstGeom prst="rect">
+            <a:avLst/>
+          </a:prstGeom>
+          <a:noFill/>
+        </p:spPr>
+        <p:txBody>
+          <a:bodyPr wrap="none" lIns="91440" tIns="45720" rIns="91440" bIns="45720">
+            <a:spAutoFit/>
+          </a:bodyPr>
+          <a:lstStyle/>
+          <a:p>
+            <a:pPr algn="ctr"/>
+            <a:r>
+              <a:rPr lang="zh-CN" altLang="en-US" sz="4400" b="1" cap="none" spc="50" dirty="0">
+                <a:ln w="9525" cmpd="sng">
+                  <a:solidFill>
+                    <a:schemeClr val="accent1"/>
+                  </a:solidFill>
+                  <a:prstDash val="solid"/>
+                </a:ln>
+                <a:solidFill>
+                  <a:srgbClr val="70AD47">
+                    <a:tint val="1000"/>
+                  </a:srgbClr>
+                </a:solidFill>
+                <a:effectLst>
+                  <a:glow rad="38100">
+                    <a:schemeClr val="accent1">
+                      <a:alpha val="40000"/>
+                    </a:schemeClr>
+                  </a:glow>
+                </a:effectLst>
+              </a:rPr>
+              <a:t>工作目标</a:t>
+            </a:r>
           </a:p>
         </p:txBody>
       </p:sp>
